--- a/Sunular/MÖT-Hafta-8 - Yolo Detection.pptx
+++ b/Sunular/MÖT-Hafta-8 - Yolo Detection.pptx
@@ -3839,7 +3839,7 @@
           <a:p>
             <a:r>
               <a:rPr lang="tr-TR" sz="2000" dirty="0"/>
-              <a:t>YOLO V7 Uygulama-&gt; Yolov7DetectCrop.ipynb</a:t>
+              <a:t>YOLO V7 Uygulama-&gt; Yolov7.ipynb</a:t>
             </a:r>
           </a:p>
         </p:txBody>
@@ -4448,7 +4448,7 @@
           <a:p>
             <a:r>
               <a:rPr lang="tr-TR" sz="2000" dirty="0"/>
-              <a:t>YOLO V7 Uygulama-&gt; Yolov7DetectCrop.ipynb</a:t>
+              <a:t>YOLO V7 Uygulama-&gt; Yolov7.ipynb</a:t>
             </a:r>
           </a:p>
         </p:txBody>
@@ -5057,7 +5057,7 @@
           <a:p>
             <a:r>
               <a:rPr lang="tr-TR" sz="2000" dirty="0"/>
-              <a:t>YOLO V7 Uygulama-&gt; Yolov7DetectCrop.ipynb</a:t>
+              <a:t>YOLO V7 Uygulama-&gt; Yolov7.ipynb</a:t>
             </a:r>
           </a:p>
         </p:txBody>
@@ -5783,7 +5783,7 @@
           <a:p>
             <a:r>
               <a:rPr lang="tr-TR" sz="2000" dirty="0"/>
-              <a:t>YOLO V7 Uygulama-&gt; Yolov7DetectCrop.ipynb</a:t>
+              <a:t>YOLO V7 Uygulama-&gt; Yolov7.ipynb</a:t>
             </a:r>
           </a:p>
         </p:txBody>
@@ -6147,7 +6147,7 @@
           <a:p>
             <a:r>
               <a:rPr lang="tr-TR" sz="2000" dirty="0"/>
-              <a:t>YOLO V7 Uygulama-&gt; Yolov7DetectCrop.ipynb</a:t>
+              <a:t>YOLO V7 Uygulama-&gt; Yolov7.ipynb</a:t>
             </a:r>
           </a:p>
         </p:txBody>
@@ -6345,7 +6345,7 @@
           <a:p>
             <a:r>
               <a:rPr lang="tr-TR" sz="2000" dirty="0"/>
-              <a:t>YOLO V7 Uygulama-&gt; Yolov7DetectCrop.ipynb</a:t>
+              <a:t>YOLO V7 Uygulama-&gt; Yolov7.ipynb</a:t>
             </a:r>
           </a:p>
         </p:txBody>
@@ -6869,7 +6869,7 @@
           <a:p>
             <a:r>
               <a:rPr lang="tr-TR" sz="2000" dirty="0"/>
-              <a:t>YOLO V7 Uygulama-&gt; Yolov7DetectCrop.ipynb</a:t>
+              <a:t>YOLO V7 Uygulama-&gt; Yolov7.ipynb</a:t>
             </a:r>
           </a:p>
         </p:txBody>
@@ -7082,7 +7082,7 @@
           <a:p>
             <a:r>
               <a:rPr lang="tr-TR" sz="2000" dirty="0"/>
-              <a:t>YOLO V7 Uygulama-&gt; Yolov7DetectCrop.ipynb</a:t>
+              <a:t>YOLO V7 Uygulama-&gt; Yolov7.ipynb</a:t>
             </a:r>
           </a:p>
         </p:txBody>
@@ -7563,7 +7563,7 @@
           <a:p>
             <a:r>
               <a:rPr lang="tr-TR" sz="2000" dirty="0"/>
-              <a:t>YOLO V7 Uygulama-&gt; Yolov7DetectCrop.ipynb</a:t>
+              <a:t>YOLO V7 Uygulama-&gt; Yolov7.ipynb</a:t>
             </a:r>
           </a:p>
         </p:txBody>
@@ -7831,7 +7831,7 @@
           <a:p>
             <a:r>
               <a:rPr lang="tr-TR" sz="2000" dirty="0"/>
-              <a:t>YOLO V7 Uygulama-&gt; Yolov7DetectCrop.ipynb</a:t>
+              <a:t>YOLO V7 Uygulama-&gt; Yolov7.ipynb</a:t>
             </a:r>
           </a:p>
         </p:txBody>
@@ -8691,7 +8691,7 @@
           <a:p>
             <a:r>
               <a:rPr lang="tr-TR" sz="2000" dirty="0"/>
-              <a:t>YOLO V7 Uygulama-&gt; Yolov7DetectCrop.ipynb</a:t>
+              <a:t>YOLO V7 Uygulama-&gt; Yolov7.ipynb</a:t>
             </a:r>
           </a:p>
         </p:txBody>
@@ -8961,7 +8961,7 @@
           <a:p>
             <a:r>
               <a:rPr lang="tr-TR" sz="2000" dirty="0"/>
-              <a:t>YOLO V7 Uygulama-&gt; Yolov7DetectCrop.ipynb</a:t>
+              <a:t>YOLO V7 Uygulama-&gt; Yolov7.ipynb</a:t>
             </a:r>
           </a:p>
         </p:txBody>
@@ -9486,7 +9486,7 @@
           <a:p>
             <a:r>
               <a:rPr lang="tr-TR" sz="2000" dirty="0"/>
-              <a:t>YOLO V7 Uygulama-&gt; Yolov7DetectCrop.ipynb</a:t>
+              <a:t>YOLO V7 Uygulama-&gt; Yolov7.ipynb</a:t>
             </a:r>
           </a:p>
         </p:txBody>
@@ -10380,7 +10380,7 @@
           <a:p>
             <a:r>
               <a:rPr lang="tr-TR" sz="2000" dirty="0"/>
-              <a:t>YOLO V7 Uygulama-&gt; Yolov7DetectCrop.ipynb</a:t>
+              <a:t>YOLO V7 Uygulama-&gt; Yolov7.ipynb</a:t>
             </a:r>
           </a:p>
         </p:txBody>
@@ -10610,7 +10610,7 @@
           <a:p>
             <a:r>
               <a:rPr lang="tr-TR" sz="2000" dirty="0"/>
-              <a:t>YOLO V7 Uygulama-&gt; Yolov7DetectCrop.ipynb</a:t>
+              <a:t>YOLO V7 Uygulama-&gt; Yolov7.ipynb</a:t>
             </a:r>
           </a:p>
         </p:txBody>
@@ -10757,7 +10757,7 @@
           <a:p>
             <a:r>
               <a:rPr lang="tr-TR" sz="2000" dirty="0"/>
-              <a:t>YOLO V7 Uygulama-&gt; Yolov7DetectCrop.ipynb</a:t>
+              <a:t>YOLO V7 Uygulama-&gt; Yolov7.ipynb</a:t>
             </a:r>
           </a:p>
         </p:txBody>

--- a/Sunular/MÖT-Hafta-8 - Yolo Detection.pptx
+++ b/Sunular/MÖT-Hafta-8 - Yolo Detection.pptx
@@ -840,7 +840,7 @@
             <a:fld id="{B61BEF0D-F0BB-DE4B-95CE-6DB70DBA9567}" type="datetimeFigureOut">
               <a:rPr lang="en-US" smtClean="0"/>
               <a:pPr/>
-              <a:t>11/22/2022</a:t>
+              <a:t>1/5/2023</a:t>
             </a:fld>
             <a:endParaRPr lang="en-US" dirty="0"/>
           </a:p>
@@ -1021,7 +1021,7 @@
             <a:fld id="{B61BEF0D-F0BB-DE4B-95CE-6DB70DBA9567}" type="datetimeFigureOut">
               <a:rPr lang="en-US" smtClean="0"/>
               <a:pPr/>
-              <a:t>11/22/2022</a:t>
+              <a:t>1/5/2023</a:t>
             </a:fld>
             <a:endParaRPr lang="en-US" dirty="0"/>
           </a:p>
@@ -1212,7 +1212,7 @@
             <a:fld id="{B61BEF0D-F0BB-DE4B-95CE-6DB70DBA9567}" type="datetimeFigureOut">
               <a:rPr lang="en-US" smtClean="0"/>
               <a:pPr/>
-              <a:t>11/22/2022</a:t>
+              <a:t>1/5/2023</a:t>
             </a:fld>
             <a:endParaRPr lang="en-US" dirty="0"/>
           </a:p>
@@ -1393,7 +1393,7 @@
             <a:fld id="{B61BEF0D-F0BB-DE4B-95CE-6DB70DBA9567}" type="datetimeFigureOut">
               <a:rPr lang="en-US" smtClean="0"/>
               <a:pPr/>
-              <a:t>11/22/2022</a:t>
+              <a:t>1/5/2023</a:t>
             </a:fld>
             <a:endParaRPr lang="en-US" dirty="0"/>
           </a:p>
@@ -1650,7 +1650,7 @@
             <a:fld id="{B61BEF0D-F0BB-DE4B-95CE-6DB70DBA9567}" type="datetimeFigureOut">
               <a:rPr lang="en-US" smtClean="0"/>
               <a:pPr/>
-              <a:t>11/22/2022</a:t>
+              <a:t>1/5/2023</a:t>
             </a:fld>
             <a:endParaRPr lang="en-US" dirty="0"/>
           </a:p>
@@ -1893,7 +1893,7 @@
             <a:fld id="{B61BEF0D-F0BB-DE4B-95CE-6DB70DBA9567}" type="datetimeFigureOut">
               <a:rPr lang="en-US" smtClean="0"/>
               <a:pPr/>
-              <a:t>11/22/2022</a:t>
+              <a:t>1/5/2023</a:t>
             </a:fld>
             <a:endParaRPr lang="en-US" dirty="0"/>
           </a:p>
@@ -2271,7 +2271,7 @@
             <a:fld id="{B61BEF0D-F0BB-DE4B-95CE-6DB70DBA9567}" type="datetimeFigureOut">
               <a:rPr lang="en-US" smtClean="0"/>
               <a:pPr/>
-              <a:t>11/22/2022</a:t>
+              <a:t>1/5/2023</a:t>
             </a:fld>
             <a:endParaRPr lang="en-US" dirty="0"/>
           </a:p>
@@ -2400,7 +2400,7 @@
             <a:fld id="{B61BEF0D-F0BB-DE4B-95CE-6DB70DBA9567}" type="datetimeFigureOut">
               <a:rPr lang="en-US" smtClean="0"/>
               <a:pPr/>
-              <a:t>11/22/2022</a:t>
+              <a:t>1/5/2023</a:t>
             </a:fld>
             <a:endParaRPr lang="en-US" dirty="0"/>
           </a:p>
@@ -2506,7 +2506,7 @@
             <a:fld id="{B61BEF0D-F0BB-DE4B-95CE-6DB70DBA9567}" type="datetimeFigureOut">
               <a:rPr lang="en-US" smtClean="0"/>
               <a:pPr/>
-              <a:t>11/22/2022</a:t>
+              <a:t>1/5/2023</a:t>
             </a:fld>
             <a:endParaRPr lang="en-US" dirty="0"/>
           </a:p>
@@ -2794,7 +2794,7 @@
             <a:fld id="{B61BEF0D-F0BB-DE4B-95CE-6DB70DBA9567}" type="datetimeFigureOut">
               <a:rPr lang="en-US" smtClean="0"/>
               <a:pPr/>
-              <a:t>11/22/2022</a:t>
+              <a:t>1/5/2023</a:t>
             </a:fld>
             <a:endParaRPr lang="en-US" dirty="0"/>
           </a:p>
@@ -3062,7 +3062,7 @@
             <a:fld id="{B61BEF0D-F0BB-DE4B-95CE-6DB70DBA9567}" type="datetimeFigureOut">
               <a:rPr lang="en-US" smtClean="0"/>
               <a:pPr/>
-              <a:t>11/22/2022</a:t>
+              <a:t>1/5/2023</a:t>
             </a:fld>
             <a:endParaRPr lang="en-US" dirty="0"/>
           </a:p>
@@ -3286,7 +3286,7 @@
             <a:fld id="{B61BEF0D-F0BB-DE4B-95CE-6DB70DBA9567}" type="datetimeFigureOut">
               <a:rPr lang="en-US" smtClean="0"/>
               <a:pPr/>
-              <a:t>11/22/2022</a:t>
+              <a:t>1/5/2023</a:t>
             </a:fld>
             <a:endParaRPr lang="en-US" dirty="0"/>
           </a:p>
@@ -6054,6 +6054,123 @@
                 <a:latin typeface="Calibri" panose="020F0502020204030204" pitchFamily="34" charset="0"/>
                 <a:cs typeface="Calibri" panose="020F0502020204030204" pitchFamily="34" charset="0"/>
               </a:rPr>
+              <a:t>Ya da</a:t>
+            </a:r>
+          </a:p>
+          <a:p>
+            <a:pPr algn="just">
+              <a:lnSpc>
+                <a:spcPct val="100000"/>
+              </a:lnSpc>
+              <a:spcAft>
+                <a:spcPts val="600"/>
+              </a:spcAft>
+            </a:pPr>
+            <a:r>
+              <a:rPr lang="tr-TR" sz="1600" dirty="0">
+                <a:solidFill>
+                  <a:srgbClr val="FFFF00"/>
+                </a:solidFill>
+                <a:latin typeface="Calibri" panose="020F0502020204030204" pitchFamily="34" charset="0"/>
+                <a:cs typeface="Calibri" panose="020F0502020204030204" pitchFamily="34" charset="0"/>
+              </a:rPr>
+              <a:t>	</a:t>
+            </a:r>
+            <a:r>
+              <a:rPr lang="tr-TR" sz="1600" dirty="0" err="1">
+                <a:solidFill>
+                  <a:srgbClr val="FFFF00"/>
+                </a:solidFill>
+                <a:latin typeface="Calibri" panose="020F0502020204030204" pitchFamily="34" charset="0"/>
+                <a:cs typeface="Calibri" panose="020F0502020204030204" pitchFamily="34" charset="0"/>
+              </a:rPr>
+              <a:t>conda</a:t>
+            </a:r>
+            <a:r>
+              <a:rPr lang="tr-TR" sz="1600" dirty="0">
+                <a:solidFill>
+                  <a:srgbClr val="FFFF00"/>
+                </a:solidFill>
+                <a:latin typeface="Calibri" panose="020F0502020204030204" pitchFamily="34" charset="0"/>
+                <a:cs typeface="Calibri" panose="020F0502020204030204" pitchFamily="34" charset="0"/>
+              </a:rPr>
+              <a:t> </a:t>
+            </a:r>
+            <a:r>
+              <a:rPr lang="tr-TR" sz="1600" dirty="0" err="1">
+                <a:solidFill>
+                  <a:srgbClr val="FFFF00"/>
+                </a:solidFill>
+                <a:latin typeface="Calibri" panose="020F0502020204030204" pitchFamily="34" charset="0"/>
+                <a:cs typeface="Calibri" panose="020F0502020204030204" pitchFamily="34" charset="0"/>
+              </a:rPr>
+              <a:t>install</a:t>
+            </a:r>
+            <a:r>
+              <a:rPr lang="tr-TR" sz="1600" dirty="0">
+                <a:solidFill>
+                  <a:srgbClr val="FFFF00"/>
+                </a:solidFill>
+                <a:latin typeface="Calibri" panose="020F0502020204030204" pitchFamily="34" charset="0"/>
+                <a:cs typeface="Calibri" panose="020F0502020204030204" pitchFamily="34" charset="0"/>
+              </a:rPr>
+              <a:t> -c </a:t>
+            </a:r>
+            <a:r>
+              <a:rPr lang="tr-TR" sz="1600" dirty="0" err="1">
+                <a:solidFill>
+                  <a:srgbClr val="FFFF00"/>
+                </a:solidFill>
+                <a:latin typeface="Calibri" panose="020F0502020204030204" pitchFamily="34" charset="0"/>
+                <a:cs typeface="Calibri" panose="020F0502020204030204" pitchFamily="34" charset="0"/>
+              </a:rPr>
+              <a:t>conda-forge</a:t>
+            </a:r>
+            <a:r>
+              <a:rPr lang="tr-TR" sz="1600" dirty="0">
+                <a:solidFill>
+                  <a:srgbClr val="FFFF00"/>
+                </a:solidFill>
+                <a:latin typeface="Calibri" panose="020F0502020204030204" pitchFamily="34" charset="0"/>
+                <a:cs typeface="Calibri" panose="020F0502020204030204" pitchFamily="34" charset="0"/>
+              </a:rPr>
+              <a:t> </a:t>
+            </a:r>
+            <a:r>
+              <a:rPr lang="tr-TR" sz="1600" dirty="0" err="1">
+                <a:solidFill>
+                  <a:srgbClr val="FFFF00"/>
+                </a:solidFill>
+                <a:latin typeface="Calibri" panose="020F0502020204030204" pitchFamily="34" charset="0"/>
+                <a:cs typeface="Calibri" panose="020F0502020204030204" pitchFamily="34" charset="0"/>
+              </a:rPr>
+              <a:t>labelimg</a:t>
+            </a:r>
+            <a:endParaRPr lang="tr-TR" sz="1600" dirty="0">
+              <a:solidFill>
+                <a:srgbClr val="FFFF00"/>
+              </a:solidFill>
+              <a:latin typeface="Calibri" panose="020F0502020204030204" pitchFamily="34" charset="0"/>
+              <a:cs typeface="Calibri" panose="020F0502020204030204" pitchFamily="34" charset="0"/>
+            </a:endParaRPr>
+          </a:p>
+          <a:p>
+            <a:pPr algn="just">
+              <a:lnSpc>
+                <a:spcPct val="100000"/>
+              </a:lnSpc>
+              <a:spcAft>
+                <a:spcPts val="600"/>
+              </a:spcAft>
+            </a:pPr>
+            <a:r>
+              <a:rPr lang="tr-TR" sz="1600" dirty="0">
+                <a:solidFill>
+                  <a:srgbClr val="FFFF00"/>
+                </a:solidFill>
+                <a:latin typeface="Calibri" panose="020F0502020204030204" pitchFamily="34" charset="0"/>
+                <a:cs typeface="Calibri" panose="020F0502020204030204" pitchFamily="34" charset="0"/>
+              </a:rPr>
               <a:t>	</a:t>
             </a:r>
             <a:r>
@@ -6809,6 +6926,36 @@
           <a:xfrm>
             <a:off x="623700" y="2319949"/>
             <a:ext cx="4800600" cy="1123950"/>
+          </a:xfrm>
+          <a:prstGeom prst="rect">
+            <a:avLst/>
+          </a:prstGeom>
+        </p:spPr>
+      </p:pic>
+      <p:pic>
+        <p:nvPicPr>
+          <p:cNvPr id="8" name="Resim 7">
+            <a:extLst>
+              <a:ext uri="{FF2B5EF4-FFF2-40B4-BE49-F238E27FC236}">
+                <a16:creationId xmlns:a16="http://schemas.microsoft.com/office/drawing/2014/main" id="{A436A43E-FE03-B240-1F74-CBA447EDC384}"/>
+              </a:ext>
+            </a:extLst>
+          </p:cNvPr>
+          <p:cNvPicPr>
+            <a:picLocks noChangeAspect="1"/>
+          </p:cNvPicPr>
+          <p:nvPr/>
+        </p:nvPicPr>
+        <p:blipFill>
+          <a:blip r:embed="rId3"/>
+          <a:stretch>
+            <a:fillRect/>
+          </a:stretch>
+        </p:blipFill>
+        <p:spPr>
+          <a:xfrm>
+            <a:off x="6091713" y="2135338"/>
+            <a:ext cx="1625469" cy="1368000"/>
           </a:xfrm>
           <a:prstGeom prst="rect">
             <a:avLst/>
@@ -10067,8 +10214,33 @@
                 <a:latin typeface="Calibri" panose="020F0502020204030204" pitchFamily="34" charset="0"/>
                 <a:cs typeface="Calibri" panose="020F0502020204030204" pitchFamily="34" charset="0"/>
               </a:rPr>
-              <a:t>    x                    y        merkez nokta x    merkez nokta y</a:t>
-            </a:r>
+              <a:t> merkez  x      merkez      </a:t>
+            </a:r>
+            <a:r>
+              <a:rPr lang="tr-TR" sz="1500" dirty="0" err="1">
+                <a:latin typeface="Calibri" panose="020F0502020204030204" pitchFamily="34" charset="0"/>
+                <a:cs typeface="Calibri" panose="020F0502020204030204" pitchFamily="34" charset="0"/>
+              </a:rPr>
+              <a:t>width</a:t>
+            </a:r>
+            <a:r>
+              <a:rPr lang="tr-TR" sz="1500" dirty="0">
+                <a:latin typeface="Calibri" panose="020F0502020204030204" pitchFamily="34" charset="0"/>
+                <a:cs typeface="Calibri" panose="020F0502020204030204" pitchFamily="34" charset="0"/>
+              </a:rPr>
+              <a:t>              </a:t>
+            </a:r>
+            <a:r>
+              <a:rPr lang="tr-TR" sz="1500" dirty="0" err="1">
+                <a:latin typeface="Calibri" panose="020F0502020204030204" pitchFamily="34" charset="0"/>
+                <a:cs typeface="Calibri" panose="020F0502020204030204" pitchFamily="34" charset="0"/>
+              </a:rPr>
+              <a:t>Heigth</a:t>
+            </a:r>
+            <a:endParaRPr lang="tr-TR" sz="1500" dirty="0">
+              <a:latin typeface="Calibri" panose="020F0502020204030204" pitchFamily="34" charset="0"/>
+              <a:cs typeface="Calibri" panose="020F0502020204030204" pitchFamily="34" charset="0"/>
+            </a:endParaRPr>
           </a:p>
           <a:p>
             <a:pPr algn="just">

--- a/Sunular/MÖT-Hafta-8 - Yolo Detection.pptx
+++ b/Sunular/MÖT-Hafta-8 - Yolo Detection.pptx
@@ -5,7 +5,7 @@
     <p:sldMasterId id="2147483718" r:id="rId1"/>
   </p:sldMasterIdLst>
   <p:notesMasterIdLst>
-    <p:notesMasterId r:id="rId27"/>
+    <p:notesMasterId r:id="rId29"/>
   </p:notesMasterIdLst>
   <p:sldIdLst>
     <p:sldId id="256" r:id="rId2"/>
@@ -21,32 +21,34 @@
     <p:sldId id="325" r:id="rId12"/>
     <p:sldId id="326" r:id="rId13"/>
     <p:sldId id="327" r:id="rId14"/>
-    <p:sldId id="328" r:id="rId15"/>
-    <p:sldId id="329" r:id="rId16"/>
-    <p:sldId id="330" r:id="rId17"/>
-    <p:sldId id="331" r:id="rId18"/>
-    <p:sldId id="332" r:id="rId19"/>
-    <p:sldId id="333" r:id="rId20"/>
-    <p:sldId id="334" r:id="rId21"/>
-    <p:sldId id="335" r:id="rId22"/>
-    <p:sldId id="336" r:id="rId23"/>
-    <p:sldId id="337" r:id="rId24"/>
-    <p:sldId id="338" r:id="rId25"/>
-    <p:sldId id="339" r:id="rId26"/>
+    <p:sldId id="340" r:id="rId15"/>
+    <p:sldId id="341" r:id="rId16"/>
+    <p:sldId id="328" r:id="rId17"/>
+    <p:sldId id="329" r:id="rId18"/>
+    <p:sldId id="330" r:id="rId19"/>
+    <p:sldId id="331" r:id="rId20"/>
+    <p:sldId id="332" r:id="rId21"/>
+    <p:sldId id="333" r:id="rId22"/>
+    <p:sldId id="334" r:id="rId23"/>
+    <p:sldId id="335" r:id="rId24"/>
+    <p:sldId id="336" r:id="rId25"/>
+    <p:sldId id="337" r:id="rId26"/>
+    <p:sldId id="338" r:id="rId27"/>
+    <p:sldId id="339" r:id="rId28"/>
   </p:sldIdLst>
   <p:sldSz cx="9144000" cy="5143500" type="screen16x9"/>
   <p:notesSz cx="6858000" cy="9144000"/>
   <p:embeddedFontLst>
     <p:embeddedFont>
       <p:font typeface="Arial Black" panose="020B0A04020102020204" pitchFamily="34" charset="0"/>
-      <p:bold r:id="rId28"/>
+      <p:bold r:id="rId30"/>
     </p:embeddedFont>
     <p:embeddedFont>
       <p:font typeface="Calibri" panose="020F0502020204030204" pitchFamily="34" charset="0"/>
-      <p:regular r:id="rId29"/>
-      <p:bold r:id="rId30"/>
-      <p:italic r:id="rId31"/>
-      <p:boldItalic r:id="rId32"/>
+      <p:regular r:id="rId31"/>
+      <p:bold r:id="rId32"/>
+      <p:italic r:id="rId33"/>
+      <p:boldItalic r:id="rId34"/>
     </p:embeddedFont>
   </p:embeddedFontLst>
   <p:defaultTextStyle>
@@ -708,6 +710,186 @@
 </p:notes>
 </file>
 
+<file path=ppt/notesSlides/notesSlide2.xml><?xml version="1.0" encoding="utf-8"?>
+<p:notes xmlns:a="http://schemas.openxmlformats.org/drawingml/2006/main" xmlns:r="http://schemas.openxmlformats.org/officeDocument/2006/relationships" xmlns:p="http://schemas.openxmlformats.org/presentationml/2006/main">
+  <p:cSld>
+    <p:spTree>
+      <p:nvGrpSpPr>
+        <p:cNvPr id="1" name=""/>
+        <p:cNvGrpSpPr/>
+        <p:nvPr/>
+      </p:nvGrpSpPr>
+      <p:grpSpPr>
+        <a:xfrm>
+          <a:off x="0" y="0"/>
+          <a:ext cx="0" cy="0"/>
+          <a:chOff x="0" y="0"/>
+          <a:chExt cx="0" cy="0"/>
+        </a:xfrm>
+      </p:grpSpPr>
+      <p:sp>
+        <p:nvSpPr>
+          <p:cNvPr id="2" name="Slayt Resmi Yer Tutucusu 1"/>
+          <p:cNvSpPr>
+            <a:spLocks noGrp="1" noRot="1" noChangeAspect="1"/>
+          </p:cNvSpPr>
+          <p:nvPr>
+            <p:ph type="sldImg"/>
+          </p:nvPr>
+        </p:nvSpPr>
+        <p:spPr>
+          <a:xfrm>
+            <a:off x="381000" y="685800"/>
+            <a:ext cx="6096000" cy="3429000"/>
+          </a:xfrm>
+        </p:spPr>
+      </p:sp>
+      <p:sp>
+        <p:nvSpPr>
+          <p:cNvPr id="3" name="Not Yer Tutucusu 2"/>
+          <p:cNvSpPr>
+            <a:spLocks noGrp="1"/>
+          </p:cNvSpPr>
+          <p:nvPr>
+            <p:ph type="body" idx="1"/>
+          </p:nvPr>
+        </p:nvSpPr>
+        <p:spPr/>
+        <p:txBody>
+          <a:bodyPr/>
+          <a:lstStyle/>
+          <a:p>
+            <a:endParaRPr lang="tr-TR"/>
+          </a:p>
+        </p:txBody>
+      </p:sp>
+      <p:sp>
+        <p:nvSpPr>
+          <p:cNvPr id="4" name="Slayt Numarası Yer Tutucusu 3"/>
+          <p:cNvSpPr>
+            <a:spLocks noGrp="1"/>
+          </p:cNvSpPr>
+          <p:nvPr>
+            <p:ph type="sldNum" sz="quarter" idx="5"/>
+          </p:nvPr>
+        </p:nvSpPr>
+        <p:spPr/>
+        <p:txBody>
+          <a:bodyPr/>
+          <a:lstStyle/>
+          <a:p>
+            <a:pPr rtl="0"/>
+            <a:fld id="{D5939589-3E79-4C82-AA4A-FE78234FAA59}" type="slidenum">
+              <a:rPr lang="tr-TR" smtClean="0"/>
+              <a:t>14</a:t>
+            </a:fld>
+            <a:endParaRPr lang="tr-TR"/>
+          </a:p>
+        </p:txBody>
+      </p:sp>
+    </p:spTree>
+    <p:extLst>
+      <p:ext uri="{BB962C8B-B14F-4D97-AF65-F5344CB8AC3E}">
+        <p14:creationId xmlns:p14="http://schemas.microsoft.com/office/powerpoint/2010/main" val="52562629"/>
+      </p:ext>
+    </p:extLst>
+  </p:cSld>
+  <p:clrMapOvr>
+    <a:masterClrMapping/>
+  </p:clrMapOvr>
+</p:notes>
+</file>
+
+<file path=ppt/notesSlides/notesSlide3.xml><?xml version="1.0" encoding="utf-8"?>
+<p:notes xmlns:a="http://schemas.openxmlformats.org/drawingml/2006/main" xmlns:r="http://schemas.openxmlformats.org/officeDocument/2006/relationships" xmlns:p="http://schemas.openxmlformats.org/presentationml/2006/main">
+  <p:cSld>
+    <p:spTree>
+      <p:nvGrpSpPr>
+        <p:cNvPr id="1" name=""/>
+        <p:cNvGrpSpPr/>
+        <p:nvPr/>
+      </p:nvGrpSpPr>
+      <p:grpSpPr>
+        <a:xfrm>
+          <a:off x="0" y="0"/>
+          <a:ext cx="0" cy="0"/>
+          <a:chOff x="0" y="0"/>
+          <a:chExt cx="0" cy="0"/>
+        </a:xfrm>
+      </p:grpSpPr>
+      <p:sp>
+        <p:nvSpPr>
+          <p:cNvPr id="2" name="Slayt Resmi Yer Tutucusu 1"/>
+          <p:cNvSpPr>
+            <a:spLocks noGrp="1" noRot="1" noChangeAspect="1"/>
+          </p:cNvSpPr>
+          <p:nvPr>
+            <p:ph type="sldImg"/>
+          </p:nvPr>
+        </p:nvSpPr>
+        <p:spPr>
+          <a:xfrm>
+            <a:off x="381000" y="685800"/>
+            <a:ext cx="6096000" cy="3429000"/>
+          </a:xfrm>
+        </p:spPr>
+      </p:sp>
+      <p:sp>
+        <p:nvSpPr>
+          <p:cNvPr id="3" name="Not Yer Tutucusu 2"/>
+          <p:cNvSpPr>
+            <a:spLocks noGrp="1"/>
+          </p:cNvSpPr>
+          <p:nvPr>
+            <p:ph type="body" idx="1"/>
+          </p:nvPr>
+        </p:nvSpPr>
+        <p:spPr/>
+        <p:txBody>
+          <a:bodyPr/>
+          <a:lstStyle/>
+          <a:p>
+            <a:endParaRPr lang="tr-TR"/>
+          </a:p>
+        </p:txBody>
+      </p:sp>
+      <p:sp>
+        <p:nvSpPr>
+          <p:cNvPr id="4" name="Slayt Numarası Yer Tutucusu 3"/>
+          <p:cNvSpPr>
+            <a:spLocks noGrp="1"/>
+          </p:cNvSpPr>
+          <p:nvPr>
+            <p:ph type="sldNum" sz="quarter" idx="5"/>
+          </p:nvPr>
+        </p:nvSpPr>
+        <p:spPr/>
+        <p:txBody>
+          <a:bodyPr/>
+          <a:lstStyle/>
+          <a:p>
+            <a:pPr rtl="0"/>
+            <a:fld id="{D5939589-3E79-4C82-AA4A-FE78234FAA59}" type="slidenum">
+              <a:rPr lang="tr-TR" smtClean="0"/>
+              <a:t>15</a:t>
+            </a:fld>
+            <a:endParaRPr lang="tr-TR"/>
+          </a:p>
+        </p:txBody>
+      </p:sp>
+    </p:spTree>
+    <p:extLst>
+      <p:ext uri="{BB962C8B-B14F-4D97-AF65-F5344CB8AC3E}">
+        <p14:creationId xmlns:p14="http://schemas.microsoft.com/office/powerpoint/2010/main" val="2696193890"/>
+      </p:ext>
+    </p:extLst>
+  </p:cSld>
+  <p:clrMapOvr>
+    <a:masterClrMapping/>
+  </p:clrMapOvr>
+</p:notes>
+</file>
+
 <file path=ppt/slideLayouts/slideLayout1.xml><?xml version="1.0" encoding="utf-8"?>
 <p:sldLayout xmlns:a="http://schemas.openxmlformats.org/drawingml/2006/main" xmlns:r="http://schemas.openxmlformats.org/officeDocument/2006/relationships" xmlns:p="http://schemas.openxmlformats.org/presentationml/2006/main" type="title" preserve="1">
   <p:cSld name="Başlık Slaydı">
@@ -840,7 +1022,7 @@
             <a:fld id="{B61BEF0D-F0BB-DE4B-95CE-6DB70DBA9567}" type="datetimeFigureOut">
               <a:rPr lang="en-US" smtClean="0"/>
               <a:pPr/>
-              <a:t>1/5/2023</a:t>
+              <a:t>12/12/2023</a:t>
             </a:fld>
             <a:endParaRPr lang="en-US" dirty="0"/>
           </a:p>
@@ -1021,7 +1203,7 @@
             <a:fld id="{B61BEF0D-F0BB-DE4B-95CE-6DB70DBA9567}" type="datetimeFigureOut">
               <a:rPr lang="en-US" smtClean="0"/>
               <a:pPr/>
-              <a:t>1/5/2023</a:t>
+              <a:t>12/12/2023</a:t>
             </a:fld>
             <a:endParaRPr lang="en-US" dirty="0"/>
           </a:p>
@@ -1212,7 +1394,7 @@
             <a:fld id="{B61BEF0D-F0BB-DE4B-95CE-6DB70DBA9567}" type="datetimeFigureOut">
               <a:rPr lang="en-US" smtClean="0"/>
               <a:pPr/>
-              <a:t>1/5/2023</a:t>
+              <a:t>12/12/2023</a:t>
             </a:fld>
             <a:endParaRPr lang="en-US" dirty="0"/>
           </a:p>
@@ -1280,6 +1462,769 @@
     <a:masterClrMapping/>
   </p:clrMapOvr>
   <p:hf sldNum="0" hdr="0" ftr="0" dt="0"/>
+</p:sldLayout>
+</file>
+
+<file path=ppt/slideLayouts/slideLayout12.xml><?xml version="1.0" encoding="utf-8"?>
+<p:sldLayout xmlns:a="http://schemas.openxmlformats.org/drawingml/2006/main" xmlns:r="http://schemas.openxmlformats.org/officeDocument/2006/relationships" xmlns:p="http://schemas.openxmlformats.org/presentationml/2006/main" userDrawn="1">
+  <p:cSld name="1_Başlık ve İçerik">
+    <p:spTree>
+      <p:nvGrpSpPr>
+        <p:cNvPr id="1" name=""/>
+        <p:cNvGrpSpPr/>
+        <p:nvPr/>
+      </p:nvGrpSpPr>
+      <p:grpSpPr>
+        <a:xfrm>
+          <a:off x="0" y="0"/>
+          <a:ext cx="0" cy="0"/>
+          <a:chOff x="0" y="0"/>
+          <a:chExt cx="0" cy="0"/>
+        </a:xfrm>
+      </p:grpSpPr>
+      <p:sp>
+        <p:nvSpPr>
+          <p:cNvPr id="15" name="Resim Yer Tutucusu 14">
+            <a:extLst>
+              <a:ext uri="{FF2B5EF4-FFF2-40B4-BE49-F238E27FC236}">
+                <a16:creationId xmlns:a16="http://schemas.microsoft.com/office/drawing/2014/main" id="{E62FC6D8-DD87-4B93-8491-43C84EE63FE2}"/>
+              </a:ext>
+            </a:extLst>
+          </p:cNvPr>
+          <p:cNvSpPr>
+            <a:spLocks noGrp="1"/>
+          </p:cNvSpPr>
+          <p:nvPr>
+            <p:ph type="pic" sz="quarter" idx="13"/>
+          </p:nvPr>
+        </p:nvSpPr>
+        <p:spPr>
+          <a:xfrm>
+            <a:off x="5588974" y="1249140"/>
+            <a:ext cx="3200220" cy="3200226"/>
+          </a:xfrm>
+          <a:custGeom>
+            <a:avLst/>
+            <a:gdLst>
+              <a:gd name="connsiteX0" fmla="*/ 2133823 w 4266960"/>
+              <a:gd name="connsiteY0" fmla="*/ 0 h 4266968"/>
+              <a:gd name="connsiteX1" fmla="*/ 4256628 w 4266960"/>
+              <a:gd name="connsiteY1" fmla="*/ 1915652 h 4266968"/>
+              <a:gd name="connsiteX2" fmla="*/ 4266960 w 4266960"/>
+              <a:gd name="connsiteY2" fmla="*/ 2120258 h 4266968"/>
+              <a:gd name="connsiteX3" fmla="*/ 4266960 w 4266960"/>
+              <a:gd name="connsiteY3" fmla="*/ 2147389 h 4266968"/>
+              <a:gd name="connsiteX4" fmla="*/ 4256628 w 4266960"/>
+              <a:gd name="connsiteY4" fmla="*/ 2351994 h 4266968"/>
+              <a:gd name="connsiteX5" fmla="*/ 2351994 w 4266960"/>
+              <a:gd name="connsiteY5" fmla="*/ 4256629 h 4266968"/>
+              <a:gd name="connsiteX6" fmla="*/ 2147230 w 4266960"/>
+              <a:gd name="connsiteY6" fmla="*/ 4266968 h 4266968"/>
+              <a:gd name="connsiteX7" fmla="*/ 2120416 w 4266960"/>
+              <a:gd name="connsiteY7" fmla="*/ 4266968 h 4266968"/>
+              <a:gd name="connsiteX8" fmla="*/ 1915652 w 4266960"/>
+              <a:gd name="connsiteY8" fmla="*/ 4256629 h 4266968"/>
+              <a:gd name="connsiteX9" fmla="*/ 0 w 4266960"/>
+              <a:gd name="connsiteY9" fmla="*/ 2133823 h 4266968"/>
+              <a:gd name="connsiteX10" fmla="*/ 2133823 w 4266960"/>
+              <a:gd name="connsiteY10" fmla="*/ 0 h 4266968"/>
+            </a:gdLst>
+            <a:ahLst/>
+            <a:cxnLst>
+              <a:cxn ang="0">
+                <a:pos x="connsiteX0" y="connsiteY0"/>
+              </a:cxn>
+              <a:cxn ang="0">
+                <a:pos x="connsiteX1" y="connsiteY1"/>
+              </a:cxn>
+              <a:cxn ang="0">
+                <a:pos x="connsiteX2" y="connsiteY2"/>
+              </a:cxn>
+              <a:cxn ang="0">
+                <a:pos x="connsiteX3" y="connsiteY3"/>
+              </a:cxn>
+              <a:cxn ang="0">
+                <a:pos x="connsiteX4" y="connsiteY4"/>
+              </a:cxn>
+              <a:cxn ang="0">
+                <a:pos x="connsiteX5" y="connsiteY5"/>
+              </a:cxn>
+              <a:cxn ang="0">
+                <a:pos x="connsiteX6" y="connsiteY6"/>
+              </a:cxn>
+              <a:cxn ang="0">
+                <a:pos x="connsiteX7" y="connsiteY7"/>
+              </a:cxn>
+              <a:cxn ang="0">
+                <a:pos x="connsiteX8" y="connsiteY8"/>
+              </a:cxn>
+              <a:cxn ang="0">
+                <a:pos x="connsiteX9" y="connsiteY9"/>
+              </a:cxn>
+              <a:cxn ang="0">
+                <a:pos x="connsiteX10" y="connsiteY10"/>
+              </a:cxn>
+            </a:cxnLst>
+            <a:rect l="l" t="t" r="r" b="b"/>
+            <a:pathLst>
+              <a:path w="4266960" h="4266968">
+                <a:moveTo>
+                  <a:pt x="2133823" y="0"/>
+                </a:moveTo>
+                <a:cubicBezTo>
+                  <a:pt x="3238644" y="0"/>
+                  <a:pt x="4147355" y="839660"/>
+                  <a:pt x="4256628" y="1915652"/>
+                </a:cubicBezTo>
+                <a:lnTo>
+                  <a:pt x="4266960" y="2120258"/>
+                </a:lnTo>
+                <a:lnTo>
+                  <a:pt x="4266960" y="2147389"/>
+                </a:lnTo>
+                <a:lnTo>
+                  <a:pt x="4256628" y="2351994"/>
+                </a:lnTo>
+                <a:cubicBezTo>
+                  <a:pt x="4154640" y="3356254"/>
+                  <a:pt x="3356253" y="4154640"/>
+                  <a:pt x="2351994" y="4256629"/>
+                </a:cubicBezTo>
+                <a:lnTo>
+                  <a:pt x="2147230" y="4266968"/>
+                </a:lnTo>
+                <a:lnTo>
+                  <a:pt x="2120416" y="4266968"/>
+                </a:lnTo>
+                <a:lnTo>
+                  <a:pt x="1915652" y="4256629"/>
+                </a:lnTo>
+                <a:cubicBezTo>
+                  <a:pt x="839660" y="4147356"/>
+                  <a:pt x="0" y="3238645"/>
+                  <a:pt x="0" y="2133823"/>
+                </a:cubicBezTo>
+                <a:cubicBezTo>
+                  <a:pt x="0" y="955346"/>
+                  <a:pt x="955346" y="0"/>
+                  <a:pt x="2133823" y="0"/>
+                </a:cubicBezTo>
+                <a:close/>
+              </a:path>
+            </a:pathLst>
+          </a:custGeom>
+        </p:spPr>
+        <p:txBody>
+          <a:bodyPr wrap="square" rtlCol="0" anchor="ctr">
+            <a:noAutofit/>
+          </a:bodyPr>
+          <a:lstStyle>
+            <a:lvl1pPr algn="ctr">
+              <a:buNone/>
+              <a:defRPr/>
+            </a:lvl1pPr>
+          </a:lstStyle>
+          <a:p>
+            <a:pPr rtl="0"/>
+            <a:r>
+              <a:rPr lang="tr-TR" noProof="0"/>
+              <a:t>Resim eklemek için simgeye tıklayın</a:t>
+            </a:r>
+          </a:p>
+        </p:txBody>
+      </p:sp>
+      <p:sp>
+        <p:nvSpPr>
+          <p:cNvPr id="2" name="Başlık 1">
+            <a:extLst>
+              <a:ext uri="{FF2B5EF4-FFF2-40B4-BE49-F238E27FC236}">
+                <a16:creationId xmlns:a16="http://schemas.microsoft.com/office/drawing/2014/main" id="{9696CF8C-1EA0-4E47-AC60-CAC3B80A3C5D}"/>
+              </a:ext>
+            </a:extLst>
+          </p:cNvPr>
+          <p:cNvSpPr>
+            <a:spLocks noGrp="1"/>
+          </p:cNvSpPr>
+          <p:nvPr>
+            <p:ph type="title" hasCustomPrompt="1"/>
+          </p:nvPr>
+        </p:nvSpPr>
+        <p:spPr>
+          <a:xfrm>
+            <a:off x="603504" y="1001268"/>
+            <a:ext cx="4642866" cy="884682"/>
+          </a:xfrm>
+        </p:spPr>
+        <p:txBody>
+          <a:bodyPr lIns="91440" tIns="45720" rIns="91440" bIns="45720" rtlCol="0" anchor="b"/>
+          <a:lstStyle>
+            <a:lvl1pPr>
+              <a:defRPr sz="4050"/>
+            </a:lvl1pPr>
+          </a:lstStyle>
+          <a:p>
+            <a:pPr rtl="0"/>
+            <a:r>
+              <a:rPr lang="tr-TR" noProof="0"/>
+              <a:t>Esas başlık stilini düzenlemek için tıklayın</a:t>
+            </a:r>
+          </a:p>
+        </p:txBody>
+      </p:sp>
+      <p:sp>
+        <p:nvSpPr>
+          <p:cNvPr id="3" name="İçerik Yer Tutucusu 2">
+            <a:extLst>
+              <a:ext uri="{FF2B5EF4-FFF2-40B4-BE49-F238E27FC236}">
+                <a16:creationId xmlns:a16="http://schemas.microsoft.com/office/drawing/2014/main" id="{628CABF8-19D8-4F3C-994F-4D35EC7A2C3E}"/>
+              </a:ext>
+            </a:extLst>
+          </p:cNvPr>
+          <p:cNvSpPr>
+            <a:spLocks noGrp="1"/>
+          </p:cNvSpPr>
+          <p:nvPr>
+            <p:ph idx="1"/>
+          </p:nvPr>
+        </p:nvSpPr>
+        <p:spPr>
+          <a:xfrm>
+            <a:off x="637794" y="2119122"/>
+            <a:ext cx="4642866" cy="2510028"/>
+          </a:xfrm>
+        </p:spPr>
+        <p:txBody>
+          <a:bodyPr rtlCol="0"/>
+          <a:lstStyle>
+            <a:lvl1pPr marL="0" indent="0">
+              <a:lnSpc>
+                <a:spcPct val="110000"/>
+              </a:lnSpc>
+              <a:buNone/>
+              <a:defRPr sz="1500"/>
+            </a:lvl1pPr>
+            <a:lvl2pPr marL="171450">
+              <a:defRPr sz="1350"/>
+            </a:lvl2pPr>
+            <a:lvl3pPr marL="342900">
+              <a:defRPr sz="1200"/>
+            </a:lvl3pPr>
+            <a:lvl4pPr marL="514350">
+              <a:defRPr sz="1050"/>
+            </a:lvl4pPr>
+            <a:lvl5pPr>
+              <a:defRPr sz="1050"/>
+            </a:lvl5pPr>
+          </a:lstStyle>
+          <a:p>
+            <a:pPr lvl="0" rtl="0"/>
+            <a:r>
+              <a:rPr lang="tr-TR" noProof="0"/>
+              <a:t>Asıl metin stillerini düzenlemek için tıklayın</a:t>
+            </a:r>
+          </a:p>
+          <a:p>
+            <a:pPr lvl="1" rtl="0"/>
+            <a:r>
+              <a:rPr lang="tr-TR" noProof="0"/>
+              <a:t>İkinci düzey</a:t>
+            </a:r>
+          </a:p>
+          <a:p>
+            <a:pPr lvl="2" rtl="0"/>
+            <a:r>
+              <a:rPr lang="tr-TR" noProof="0"/>
+              <a:t>Üçüncü düzey</a:t>
+            </a:r>
+          </a:p>
+          <a:p>
+            <a:pPr lvl="3" rtl="0"/>
+            <a:r>
+              <a:rPr lang="tr-TR" noProof="0"/>
+              <a:t>Dördüncü düzey</a:t>
+            </a:r>
+          </a:p>
+        </p:txBody>
+      </p:sp>
+      <p:sp>
+        <p:nvSpPr>
+          <p:cNvPr id="4" name="Tarih Yer Tutucusu 3">
+            <a:extLst>
+              <a:ext uri="{FF2B5EF4-FFF2-40B4-BE49-F238E27FC236}">
+                <a16:creationId xmlns:a16="http://schemas.microsoft.com/office/drawing/2014/main" id="{D097BB2D-4E2C-4490-A2A3-4B68BCC5D2F9}"/>
+              </a:ext>
+            </a:extLst>
+          </p:cNvPr>
+          <p:cNvSpPr>
+            <a:spLocks noGrp="1"/>
+          </p:cNvSpPr>
+          <p:nvPr>
+            <p:ph type="dt" sz="half" idx="10"/>
+          </p:nvPr>
+        </p:nvSpPr>
+        <p:spPr/>
+        <p:txBody>
+          <a:bodyPr rtlCol="0"/>
+          <a:lstStyle>
+            <a:lvl1pPr>
+              <a:defRPr>
+                <a:solidFill>
+                  <a:schemeClr val="accent2"/>
+                </a:solidFill>
+              </a:defRPr>
+            </a:lvl1pPr>
+          </a:lstStyle>
+          <a:p>
+            <a:pPr rtl="0"/>
+            <a:r>
+              <a:rPr lang="tr-TR" noProof="0"/>
+              <a:t>03.09.20XX</a:t>
+            </a:r>
+          </a:p>
+        </p:txBody>
+      </p:sp>
+      <p:sp>
+        <p:nvSpPr>
+          <p:cNvPr id="5" name="Alt Bilgi Yer Tutucusu 4">
+            <a:extLst>
+              <a:ext uri="{FF2B5EF4-FFF2-40B4-BE49-F238E27FC236}">
+                <a16:creationId xmlns:a16="http://schemas.microsoft.com/office/drawing/2014/main" id="{6140F15D-DD72-46D5-BF0F-F5064710700E}"/>
+              </a:ext>
+            </a:extLst>
+          </p:cNvPr>
+          <p:cNvSpPr>
+            <a:spLocks noGrp="1"/>
+          </p:cNvSpPr>
+          <p:nvPr>
+            <p:ph type="ftr" sz="quarter" idx="11"/>
+          </p:nvPr>
+        </p:nvSpPr>
+        <p:spPr>
+          <a:xfrm>
+            <a:off x="5973318" y="466344"/>
+            <a:ext cx="3086100" cy="273844"/>
+          </a:xfrm>
+        </p:spPr>
+        <p:txBody>
+          <a:bodyPr rtlCol="0"/>
+          <a:lstStyle>
+            <a:lvl1pPr>
+              <a:defRPr baseline="0">
+                <a:solidFill>
+                  <a:schemeClr val="accent2"/>
+                </a:solidFill>
+              </a:defRPr>
+            </a:lvl1pPr>
+          </a:lstStyle>
+          <a:p>
+            <a:pPr rtl="0"/>
+            <a:r>
+              <a:rPr lang="tr-TR" noProof="0"/>
+              <a:t>Sunu Başlığı</a:t>
+            </a:r>
+          </a:p>
+        </p:txBody>
+      </p:sp>
+      <p:sp>
+        <p:nvSpPr>
+          <p:cNvPr id="6" name="Slayt Numarası Yer Tutucusu 5">
+            <a:extLst>
+              <a:ext uri="{FF2B5EF4-FFF2-40B4-BE49-F238E27FC236}">
+                <a16:creationId xmlns:a16="http://schemas.microsoft.com/office/drawing/2014/main" id="{5266FD4D-815A-431C-ADEF-DE6F236F617F}"/>
+              </a:ext>
+            </a:extLst>
+          </p:cNvPr>
+          <p:cNvSpPr>
+            <a:spLocks noGrp="1"/>
+          </p:cNvSpPr>
+          <p:nvPr>
+            <p:ph type="sldNum" sz="quarter" idx="12"/>
+          </p:nvPr>
+        </p:nvSpPr>
+        <p:spPr/>
+        <p:txBody>
+          <a:bodyPr rtlCol="0"/>
+          <a:lstStyle>
+            <a:lvl1pPr>
+              <a:defRPr>
+                <a:solidFill>
+                  <a:schemeClr val="accent2"/>
+                </a:solidFill>
+              </a:defRPr>
+            </a:lvl1pPr>
+          </a:lstStyle>
+          <a:p>
+            <a:pPr rtl="0"/>
+            <a:fld id="{D8DA9DAA-006C-4F4B-980E-E3DF019B24E2}" type="slidenum">
+              <a:rPr lang="tr-TR" noProof="0" smtClean="0"/>
+              <a:pPr/>
+              <a:t>‹#›</a:t>
+            </a:fld>
+            <a:endParaRPr lang="tr-TR" noProof="0"/>
+          </a:p>
+        </p:txBody>
+      </p:sp>
+      <p:cxnSp>
+        <p:nvCxnSpPr>
+          <p:cNvPr id="9" name="Düz Bağlayıcı 8">
+            <a:extLst>
+              <a:ext uri="{FF2B5EF4-FFF2-40B4-BE49-F238E27FC236}">
+                <a16:creationId xmlns:a16="http://schemas.microsoft.com/office/drawing/2014/main" id="{FA8B3D0E-ED3F-46FA-AE79-5FEFDE9168E3}"/>
+              </a:ext>
+            </a:extLst>
+          </p:cNvPr>
+          <p:cNvCxnSpPr>
+            <a:cxnSpLocks/>
+          </p:cNvCxnSpPr>
+          <p:nvPr userDrawn="1"/>
+        </p:nvCxnSpPr>
+        <p:spPr>
+          <a:xfrm>
+            <a:off x="1" y="604853"/>
+            <a:ext cx="5927792" cy="0"/>
+          </a:xfrm>
+          <a:prstGeom prst="line">
+            <a:avLst/>
+          </a:prstGeom>
+          <a:ln w="25400" cap="sq">
+            <a:gradFill flip="none" rotWithShape="1">
+              <a:gsLst>
+                <a:gs pos="0">
+                  <a:schemeClr val="accent2"/>
+                </a:gs>
+                <a:gs pos="100000">
+                  <a:schemeClr val="accent4"/>
+                </a:gs>
+              </a:gsLst>
+              <a:lin ang="10800000" scaled="1"/>
+              <a:tileRect/>
+            </a:gradFill>
+            <a:bevel/>
+          </a:ln>
+        </p:spPr>
+        <p:style>
+          <a:lnRef idx="1">
+            <a:schemeClr val="accent1"/>
+          </a:lnRef>
+          <a:fillRef idx="0">
+            <a:schemeClr val="accent1"/>
+          </a:fillRef>
+          <a:effectRef idx="0">
+            <a:schemeClr val="accent1"/>
+          </a:effectRef>
+          <a:fontRef idx="minor">
+            <a:schemeClr val="tx1"/>
+          </a:fontRef>
+        </p:style>
+      </p:cxnSp>
+      <p:sp>
+        <p:nvSpPr>
+          <p:cNvPr id="17" name="Grafik 10">
+            <a:extLst>
+              <a:ext uri="{FF2B5EF4-FFF2-40B4-BE49-F238E27FC236}">
+                <a16:creationId xmlns:a16="http://schemas.microsoft.com/office/drawing/2014/main" id="{AAD06B87-D9B2-4F94-B734-A8F039A2033F}"/>
+              </a:ext>
+            </a:extLst>
+          </p:cNvPr>
+          <p:cNvSpPr/>
+          <p:nvPr userDrawn="1"/>
+        </p:nvSpPr>
+        <p:spPr>
+          <a:xfrm>
+            <a:off x="8461192" y="1552992"/>
+            <a:ext cx="68354" cy="68354"/>
+          </a:xfrm>
+          <a:custGeom>
+            <a:avLst/>
+            <a:gdLst>
+              <a:gd name="connsiteX0" fmla="*/ 91138 w 91138"/>
+              <a:gd name="connsiteY0" fmla="*/ 45569 h 91138"/>
+              <a:gd name="connsiteX1" fmla="*/ 45569 w 91138"/>
+              <a:gd name="connsiteY1" fmla="*/ 91138 h 91138"/>
+              <a:gd name="connsiteX2" fmla="*/ 0 w 91138"/>
+              <a:gd name="connsiteY2" fmla="*/ 45569 h 91138"/>
+              <a:gd name="connsiteX3" fmla="*/ 45569 w 91138"/>
+              <a:gd name="connsiteY3" fmla="*/ 0 h 91138"/>
+              <a:gd name="connsiteX4" fmla="*/ 91138 w 91138"/>
+              <a:gd name="connsiteY4" fmla="*/ 45569 h 91138"/>
+            </a:gdLst>
+            <a:ahLst/>
+            <a:cxnLst>
+              <a:cxn ang="0">
+                <a:pos x="connsiteX0" y="connsiteY0"/>
+              </a:cxn>
+              <a:cxn ang="0">
+                <a:pos x="connsiteX1" y="connsiteY1"/>
+              </a:cxn>
+              <a:cxn ang="0">
+                <a:pos x="connsiteX2" y="connsiteY2"/>
+              </a:cxn>
+              <a:cxn ang="0">
+                <a:pos x="connsiteX3" y="connsiteY3"/>
+              </a:cxn>
+              <a:cxn ang="0">
+                <a:pos x="connsiteX4" y="connsiteY4"/>
+              </a:cxn>
+            </a:cxnLst>
+            <a:rect l="l" t="t" r="r" b="b"/>
+            <a:pathLst>
+              <a:path w="91138" h="91138">
+                <a:moveTo>
+                  <a:pt x="91138" y="45569"/>
+                </a:moveTo>
+                <a:cubicBezTo>
+                  <a:pt x="91138" y="70736"/>
+                  <a:pt x="70736" y="91138"/>
+                  <a:pt x="45569" y="91138"/>
+                </a:cubicBezTo>
+                <a:cubicBezTo>
+                  <a:pt x="20402" y="91138"/>
+                  <a:pt x="0" y="70736"/>
+                  <a:pt x="0" y="45569"/>
+                </a:cubicBezTo>
+                <a:cubicBezTo>
+                  <a:pt x="0" y="20402"/>
+                  <a:pt x="20402" y="0"/>
+                  <a:pt x="45569" y="0"/>
+                </a:cubicBezTo>
+                <a:cubicBezTo>
+                  <a:pt x="70736" y="0"/>
+                  <a:pt x="91138" y="20402"/>
+                  <a:pt x="91138" y="45569"/>
+                </a:cubicBezTo>
+                <a:close/>
+              </a:path>
+            </a:pathLst>
+          </a:custGeom>
+          <a:solidFill>
+            <a:schemeClr val="accent2"/>
+          </a:solidFill>
+          <a:ln w="422" cap="flat">
+            <a:noFill/>
+            <a:prstDash val="solid"/>
+            <a:miter/>
+          </a:ln>
+        </p:spPr>
+        <p:txBody>
+          <a:bodyPr rtlCol="0" anchor="ctr"/>
+          <a:lstStyle/>
+          <a:p>
+            <a:pPr rtl="0"/>
+            <a:endParaRPr lang="tr-TR" sz="1350" noProof="0"/>
+          </a:p>
+        </p:txBody>
+      </p:sp>
+      <p:sp>
+        <p:nvSpPr>
+          <p:cNvPr id="19" name="Grafik 11">
+            <a:extLst>
+              <a:ext uri="{FF2B5EF4-FFF2-40B4-BE49-F238E27FC236}">
+                <a16:creationId xmlns:a16="http://schemas.microsoft.com/office/drawing/2014/main" id="{BB13A13C-36EA-4B13-9175-C5FE95B34D33}"/>
+              </a:ext>
+            </a:extLst>
+          </p:cNvPr>
+          <p:cNvSpPr/>
+          <p:nvPr userDrawn="1"/>
+        </p:nvSpPr>
+        <p:spPr>
+          <a:xfrm>
+            <a:off x="8226961" y="1335010"/>
+            <a:ext cx="104279" cy="104279"/>
+          </a:xfrm>
+          <a:custGeom>
+            <a:avLst/>
+            <a:gdLst>
+              <a:gd name="connsiteX0" fmla="*/ 129602 w 139039"/>
+              <a:gd name="connsiteY0" fmla="*/ 60082 h 139039"/>
+              <a:gd name="connsiteX1" fmla="*/ 78957 w 139039"/>
+              <a:gd name="connsiteY1" fmla="*/ 60082 h 139039"/>
+              <a:gd name="connsiteX2" fmla="*/ 78957 w 139039"/>
+              <a:gd name="connsiteY2" fmla="*/ 9437 h 139039"/>
+              <a:gd name="connsiteX3" fmla="*/ 69520 w 139039"/>
+              <a:gd name="connsiteY3" fmla="*/ 0 h 139039"/>
+              <a:gd name="connsiteX4" fmla="*/ 60082 w 139039"/>
+              <a:gd name="connsiteY4" fmla="*/ 9437 h 139039"/>
+              <a:gd name="connsiteX5" fmla="*/ 60082 w 139039"/>
+              <a:gd name="connsiteY5" fmla="*/ 60082 h 139039"/>
+              <a:gd name="connsiteX6" fmla="*/ 9437 w 139039"/>
+              <a:gd name="connsiteY6" fmla="*/ 60082 h 139039"/>
+              <a:gd name="connsiteX7" fmla="*/ 0 w 139039"/>
+              <a:gd name="connsiteY7" fmla="*/ 69520 h 139039"/>
+              <a:gd name="connsiteX8" fmla="*/ 9437 w 139039"/>
+              <a:gd name="connsiteY8" fmla="*/ 78957 h 139039"/>
+              <a:gd name="connsiteX9" fmla="*/ 60082 w 139039"/>
+              <a:gd name="connsiteY9" fmla="*/ 78957 h 139039"/>
+              <a:gd name="connsiteX10" fmla="*/ 60082 w 139039"/>
+              <a:gd name="connsiteY10" fmla="*/ 129602 h 139039"/>
+              <a:gd name="connsiteX11" fmla="*/ 69520 w 139039"/>
+              <a:gd name="connsiteY11" fmla="*/ 139039 h 139039"/>
+              <a:gd name="connsiteX12" fmla="*/ 78957 w 139039"/>
+              <a:gd name="connsiteY12" fmla="*/ 129602 h 139039"/>
+              <a:gd name="connsiteX13" fmla="*/ 78957 w 139039"/>
+              <a:gd name="connsiteY13" fmla="*/ 78957 h 139039"/>
+              <a:gd name="connsiteX14" fmla="*/ 129602 w 139039"/>
+              <a:gd name="connsiteY14" fmla="*/ 78957 h 139039"/>
+              <a:gd name="connsiteX15" fmla="*/ 139039 w 139039"/>
+              <a:gd name="connsiteY15" fmla="*/ 69520 h 139039"/>
+              <a:gd name="connsiteX16" fmla="*/ 129602 w 139039"/>
+              <a:gd name="connsiteY16" fmla="*/ 60082 h 139039"/>
+            </a:gdLst>
+            <a:ahLst/>
+            <a:cxnLst>
+              <a:cxn ang="0">
+                <a:pos x="connsiteX0" y="connsiteY0"/>
+              </a:cxn>
+              <a:cxn ang="0">
+                <a:pos x="connsiteX1" y="connsiteY1"/>
+              </a:cxn>
+              <a:cxn ang="0">
+                <a:pos x="connsiteX2" y="connsiteY2"/>
+              </a:cxn>
+              <a:cxn ang="0">
+                <a:pos x="connsiteX3" y="connsiteY3"/>
+              </a:cxn>
+              <a:cxn ang="0">
+                <a:pos x="connsiteX4" y="connsiteY4"/>
+              </a:cxn>
+              <a:cxn ang="0">
+                <a:pos x="connsiteX5" y="connsiteY5"/>
+              </a:cxn>
+              <a:cxn ang="0">
+                <a:pos x="connsiteX6" y="connsiteY6"/>
+              </a:cxn>
+              <a:cxn ang="0">
+                <a:pos x="connsiteX7" y="connsiteY7"/>
+              </a:cxn>
+              <a:cxn ang="0">
+                <a:pos x="connsiteX8" y="connsiteY8"/>
+              </a:cxn>
+              <a:cxn ang="0">
+                <a:pos x="connsiteX9" y="connsiteY9"/>
+              </a:cxn>
+              <a:cxn ang="0">
+                <a:pos x="connsiteX10" y="connsiteY10"/>
+              </a:cxn>
+              <a:cxn ang="0">
+                <a:pos x="connsiteX11" y="connsiteY11"/>
+              </a:cxn>
+              <a:cxn ang="0">
+                <a:pos x="connsiteX12" y="connsiteY12"/>
+              </a:cxn>
+              <a:cxn ang="0">
+                <a:pos x="connsiteX13" y="connsiteY13"/>
+              </a:cxn>
+              <a:cxn ang="0">
+                <a:pos x="connsiteX14" y="connsiteY14"/>
+              </a:cxn>
+              <a:cxn ang="0">
+                <a:pos x="connsiteX15" y="connsiteY15"/>
+              </a:cxn>
+              <a:cxn ang="0">
+                <a:pos x="connsiteX16" y="connsiteY16"/>
+              </a:cxn>
+            </a:cxnLst>
+            <a:rect l="l" t="t" r="r" b="b"/>
+            <a:pathLst>
+              <a:path w="139039" h="139039">
+                <a:moveTo>
+                  <a:pt x="129602" y="60082"/>
+                </a:moveTo>
+                <a:lnTo>
+                  <a:pt x="78957" y="60082"/>
+                </a:lnTo>
+                <a:lnTo>
+                  <a:pt x="78957" y="9437"/>
+                </a:lnTo>
+                <a:cubicBezTo>
+                  <a:pt x="78957" y="4225"/>
+                  <a:pt x="74731" y="0"/>
+                  <a:pt x="69520" y="0"/>
+                </a:cubicBezTo>
+                <a:cubicBezTo>
+                  <a:pt x="64308" y="0"/>
+                  <a:pt x="60082" y="4225"/>
+                  <a:pt x="60082" y="9437"/>
+                </a:cubicBezTo>
+                <a:lnTo>
+                  <a:pt x="60082" y="60082"/>
+                </a:lnTo>
+                <a:lnTo>
+                  <a:pt x="9437" y="60082"/>
+                </a:lnTo>
+                <a:cubicBezTo>
+                  <a:pt x="4225" y="60082"/>
+                  <a:pt x="0" y="64308"/>
+                  <a:pt x="0" y="69520"/>
+                </a:cubicBezTo>
+                <a:cubicBezTo>
+                  <a:pt x="0" y="74731"/>
+                  <a:pt x="4225" y="78957"/>
+                  <a:pt x="9437" y="78957"/>
+                </a:cubicBezTo>
+                <a:lnTo>
+                  <a:pt x="60082" y="78957"/>
+                </a:lnTo>
+                <a:lnTo>
+                  <a:pt x="60082" y="129602"/>
+                </a:lnTo>
+                <a:cubicBezTo>
+                  <a:pt x="60082" y="134814"/>
+                  <a:pt x="64308" y="139039"/>
+                  <a:pt x="69520" y="139039"/>
+                </a:cubicBezTo>
+                <a:cubicBezTo>
+                  <a:pt x="74731" y="139039"/>
+                  <a:pt x="78957" y="134814"/>
+                  <a:pt x="78957" y="129602"/>
+                </a:cubicBezTo>
+                <a:lnTo>
+                  <a:pt x="78957" y="78957"/>
+                </a:lnTo>
+                <a:lnTo>
+                  <a:pt x="129602" y="78957"/>
+                </a:lnTo>
+                <a:cubicBezTo>
+                  <a:pt x="134814" y="78957"/>
+                  <a:pt x="139039" y="74731"/>
+                  <a:pt x="139039" y="69520"/>
+                </a:cubicBezTo>
+                <a:cubicBezTo>
+                  <a:pt x="139039" y="64308"/>
+                  <a:pt x="134814" y="60082"/>
+                  <a:pt x="129602" y="60082"/>
+                </a:cubicBezTo>
+                <a:close/>
+              </a:path>
+            </a:pathLst>
+          </a:custGeom>
+          <a:solidFill>
+            <a:schemeClr val="accent2"/>
+          </a:solidFill>
+          <a:ln w="603" cap="flat">
+            <a:noFill/>
+            <a:prstDash val="solid"/>
+            <a:miter/>
+          </a:ln>
+        </p:spPr>
+        <p:txBody>
+          <a:bodyPr rtlCol="0" anchor="ctr"/>
+          <a:lstStyle/>
+          <a:p>
+            <a:pPr rtl="0"/>
+            <a:endParaRPr lang="tr-TR" sz="1350" noProof="0"/>
+          </a:p>
+        </p:txBody>
+      </p:sp>
+    </p:spTree>
+    <p:extLst>
+      <p:ext uri="{BB962C8B-B14F-4D97-AF65-F5344CB8AC3E}">
+        <p14:creationId xmlns:p14="http://schemas.microsoft.com/office/powerpoint/2010/main" val="1891580617"/>
+      </p:ext>
+    </p:extLst>
+  </p:cSld>
+  <p:clrMapOvr>
+    <a:masterClrMapping/>
+  </p:clrMapOvr>
 </p:sldLayout>
 </file>
 
@@ -1393,7 +2338,7 @@
             <a:fld id="{B61BEF0D-F0BB-DE4B-95CE-6DB70DBA9567}" type="datetimeFigureOut">
               <a:rPr lang="en-US" smtClean="0"/>
               <a:pPr/>
-              <a:t>1/5/2023</a:t>
+              <a:t>12/12/2023</a:t>
             </a:fld>
             <a:endParaRPr lang="en-US" dirty="0"/>
           </a:p>
@@ -1650,7 +2595,7 @@
             <a:fld id="{B61BEF0D-F0BB-DE4B-95CE-6DB70DBA9567}" type="datetimeFigureOut">
               <a:rPr lang="en-US" smtClean="0"/>
               <a:pPr/>
-              <a:t>1/5/2023</a:t>
+              <a:t>12/12/2023</a:t>
             </a:fld>
             <a:endParaRPr lang="en-US" dirty="0"/>
           </a:p>
@@ -1893,7 +2838,7 @@
             <a:fld id="{B61BEF0D-F0BB-DE4B-95CE-6DB70DBA9567}" type="datetimeFigureOut">
               <a:rPr lang="en-US" smtClean="0"/>
               <a:pPr/>
-              <a:t>1/5/2023</a:t>
+              <a:t>12/12/2023</a:t>
             </a:fld>
             <a:endParaRPr lang="en-US" dirty="0"/>
           </a:p>
@@ -2271,7 +3216,7 @@
             <a:fld id="{B61BEF0D-F0BB-DE4B-95CE-6DB70DBA9567}" type="datetimeFigureOut">
               <a:rPr lang="en-US" smtClean="0"/>
               <a:pPr/>
-              <a:t>1/5/2023</a:t>
+              <a:t>12/12/2023</a:t>
             </a:fld>
             <a:endParaRPr lang="en-US" dirty="0"/>
           </a:p>
@@ -2400,7 +3345,7 @@
             <a:fld id="{B61BEF0D-F0BB-DE4B-95CE-6DB70DBA9567}" type="datetimeFigureOut">
               <a:rPr lang="en-US" smtClean="0"/>
               <a:pPr/>
-              <a:t>1/5/2023</a:t>
+              <a:t>12/12/2023</a:t>
             </a:fld>
             <a:endParaRPr lang="en-US" dirty="0"/>
           </a:p>
@@ -2506,7 +3451,7 @@
             <a:fld id="{B61BEF0D-F0BB-DE4B-95CE-6DB70DBA9567}" type="datetimeFigureOut">
               <a:rPr lang="en-US" smtClean="0"/>
               <a:pPr/>
-              <a:t>1/5/2023</a:t>
+              <a:t>12/12/2023</a:t>
             </a:fld>
             <a:endParaRPr lang="en-US" dirty="0"/>
           </a:p>
@@ -2794,7 +3739,7 @@
             <a:fld id="{B61BEF0D-F0BB-DE4B-95CE-6DB70DBA9567}" type="datetimeFigureOut">
               <a:rPr lang="en-US" smtClean="0"/>
               <a:pPr/>
-              <a:t>1/5/2023</a:t>
+              <a:t>12/12/2023</a:t>
             </a:fld>
             <a:endParaRPr lang="en-US" dirty="0"/>
           </a:p>
@@ -3062,7 +4007,7 @@
             <a:fld id="{B61BEF0D-F0BB-DE4B-95CE-6DB70DBA9567}" type="datetimeFigureOut">
               <a:rPr lang="en-US" smtClean="0"/>
               <a:pPr/>
-              <a:t>1/5/2023</a:t>
+              <a:t>12/12/2023</a:t>
             </a:fld>
             <a:endParaRPr lang="en-US" dirty="0"/>
           </a:p>
@@ -3286,7 +4231,7 @@
             <a:fld id="{B61BEF0D-F0BB-DE4B-95CE-6DB70DBA9567}" type="datetimeFigureOut">
               <a:rPr lang="en-US" smtClean="0"/>
               <a:pPr/>
-              <a:t>1/5/2023</a:t>
+              <a:t>12/12/2023</a:t>
             </a:fld>
             <a:endParaRPr lang="en-US" dirty="0"/>
           </a:p>
@@ -3399,6 +4344,7 @@
     <p:sldLayoutId id="2147483727" r:id="rId9"/>
     <p:sldLayoutId id="2147483728" r:id="rId10"/>
     <p:sldLayoutId id="2147483729" r:id="rId11"/>
+    <p:sldLayoutId id="2147483730" r:id="rId12"/>
   </p:sldLayoutIdLst>
   <p:hf sldNum="0" hdr="0" ftr="0" dt="0"/>
   <p:txStyles>
@@ -3764,11 +4710,15 @@
             </a:r>
             <a:r>
               <a:rPr lang="tr-TR" sz="3600" dirty="0"/>
-              <a:t>7</a:t>
+              <a:t>8</a:t>
             </a:r>
             <a:br>
               <a:rPr lang="tr-TR" sz="3600" dirty="0"/>
             </a:br>
+            <a:r>
+              <a:rPr lang="tr-TR" sz="3600" dirty="0"/>
+              <a:t/>
+            </a:r>
             <a:br>
               <a:rPr lang="tr-TR" sz="3600" dirty="0"/>
             </a:br>
@@ -3780,9 +4730,17 @@
               <a:rPr lang="tr-TR" sz="3600" dirty="0" err="1"/>
               <a:t>Detection</a:t>
             </a:r>
+            <a:r>
+              <a:rPr lang="tr-TR" sz="3600" dirty="0"/>
+              <a:t/>
+            </a:r>
             <a:br>
               <a:rPr lang="tr-TR" sz="3600" dirty="0"/>
             </a:br>
+            <a:r>
+              <a:rPr lang="tr-TR" sz="3600" dirty="0"/>
+              <a:t/>
+            </a:r>
             <a:br>
               <a:rPr lang="tr-TR" sz="3600" dirty="0"/>
             </a:br>
@@ -5081,7 +6039,7 @@
         </p:spPr>
         <p:txBody>
           <a:bodyPr vert="horz" lIns="91440" tIns="45720" rIns="91440" bIns="45720" rtlCol="0" anchor="t">
-            <a:normAutofit fontScale="85000" lnSpcReduction="10000"/>
+            <a:normAutofit fontScale="70000" lnSpcReduction="20000"/>
           </a:bodyPr>
           <a:lstStyle>
             <a:lvl1pPr algn="l" defTabSz="685800" rtl="0" eaLnBrk="1" latinLnBrk="0" hangingPunct="1">
@@ -5558,18 +6516,84 @@
               </a:spcBef>
             </a:pPr>
             <a:r>
-              <a:rPr lang="tr-TR" dirty="0" err="1">
+              <a:rPr lang="tr-TR" dirty="0" err="1" smtClean="0">
+                <a:latin typeface="Calibri" panose="020F0502020204030204" pitchFamily="34" charset="0"/>
+                <a:cs typeface="Calibri" panose="020F0502020204030204" pitchFamily="34" charset="0"/>
+              </a:rPr>
+              <a:t>Video’yu</a:t>
+            </a:r>
+            <a:r>
+              <a:rPr lang="tr-TR" dirty="0" smtClean="0">
+                <a:latin typeface="Calibri" panose="020F0502020204030204" pitchFamily="34" charset="0"/>
+                <a:cs typeface="Calibri" panose="020F0502020204030204" pitchFamily="34" charset="0"/>
+              </a:rPr>
+              <a:t> indirin:</a:t>
+            </a:r>
+            <a:r>
+              <a:rPr lang="tr-TR" dirty="0" smtClean="0">
+                <a:latin typeface="Calibri" panose="020F0502020204030204" pitchFamily="34" charset="0"/>
+                <a:cs typeface="Calibri" panose="020F0502020204030204" pitchFamily="34" charset="0"/>
+              </a:rPr>
+              <a:t> </a:t>
+            </a:r>
+            <a:r>
+              <a:rPr lang="tr-TR" dirty="0">
+                <a:latin typeface="Calibri" panose="020F0502020204030204" pitchFamily="34" charset="0"/>
+                <a:cs typeface="Calibri" panose="020F0502020204030204" pitchFamily="34" charset="0"/>
+                <a:hlinkClick r:id="rId2"/>
+              </a:rPr>
+              <a:t>https://</a:t>
+            </a:r>
+            <a:r>
+              <a:rPr lang="tr-TR" dirty="0" smtClean="0">
+                <a:latin typeface="Calibri" panose="020F0502020204030204" pitchFamily="34" charset="0"/>
+                <a:cs typeface="Calibri" panose="020F0502020204030204" pitchFamily="34" charset="0"/>
+                <a:hlinkClick r:id="rId2"/>
+              </a:rPr>
+              <a:t>drive.google.com/file/d/1uoGDd3AzW5kVJcEHezOAmxT_5kRzLKoa/view?usp=sharing</a:t>
+            </a:r>
+            <a:endParaRPr lang="tr-TR" dirty="0" smtClean="0">
+              <a:latin typeface="Calibri" panose="020F0502020204030204" pitchFamily="34" charset="0"/>
+              <a:cs typeface="Calibri" panose="020F0502020204030204" pitchFamily="34" charset="0"/>
+            </a:endParaRPr>
+          </a:p>
+          <a:p>
+            <a:pPr marL="0" lvl="5">
+              <a:spcBef>
+                <a:spcPts val="600"/>
+              </a:spcBef>
+            </a:pPr>
+            <a:endParaRPr lang="tr-TR" dirty="0">
+              <a:latin typeface="Calibri" panose="020F0502020204030204" pitchFamily="34" charset="0"/>
+              <a:cs typeface="Calibri" panose="020F0502020204030204" pitchFamily="34" charset="0"/>
+            </a:endParaRPr>
+          </a:p>
+          <a:p>
+            <a:pPr marL="0" lvl="5">
+              <a:spcBef>
+                <a:spcPts val="600"/>
+              </a:spcBef>
+            </a:pPr>
+            <a:r>
+              <a:rPr lang="tr-TR" dirty="0" err="1" smtClean="0">
                 <a:latin typeface="Calibri" panose="020F0502020204030204" pitchFamily="34" charset="0"/>
                 <a:cs typeface="Calibri" panose="020F0502020204030204" pitchFamily="34" charset="0"/>
               </a:rPr>
               <a:t>Detection</a:t>
             </a:r>
             <a:r>
+              <a:rPr lang="tr-TR" dirty="0" smtClean="0">
+                <a:latin typeface="Calibri" panose="020F0502020204030204" pitchFamily="34" charset="0"/>
+                <a:cs typeface="Calibri" panose="020F0502020204030204" pitchFamily="34" charset="0"/>
+              </a:rPr>
+              <a:t> </a:t>
+            </a:r>
+            <a:r>
               <a:rPr lang="tr-TR" dirty="0">
                 <a:latin typeface="Calibri" panose="020F0502020204030204" pitchFamily="34" charset="0"/>
                 <a:cs typeface="Calibri" panose="020F0502020204030204" pitchFamily="34" charset="0"/>
               </a:rPr>
-              <a:t> sonucu </a:t>
+              <a:t>sonucu </a:t>
             </a:r>
             <a:r>
               <a:rPr lang="tr-TR" dirty="0">
@@ -6242,6 +7266,1649 @@
       </p:grpSpPr>
       <p:sp>
         <p:nvSpPr>
+          <p:cNvPr id="3" name="Başlık 2">
+            <a:extLst>
+              <a:ext uri="{FF2B5EF4-FFF2-40B4-BE49-F238E27FC236}">
+                <a16:creationId xmlns:a16="http://schemas.microsoft.com/office/drawing/2014/main" id="{0115FF41-AFA4-4D25-AB42-AB034F4B4FEC}"/>
+              </a:ext>
+            </a:extLst>
+          </p:cNvPr>
+          <p:cNvSpPr>
+            <a:spLocks noGrp="1"/>
+          </p:cNvSpPr>
+          <p:nvPr>
+            <p:ph type="title"/>
+          </p:nvPr>
+        </p:nvSpPr>
+        <p:spPr>
+          <a:xfrm>
+            <a:off x="207058" y="161109"/>
+            <a:ext cx="8584898" cy="429680"/>
+          </a:xfrm>
+        </p:spPr>
+        <p:txBody>
+          <a:bodyPr rtlCol="0">
+            <a:noAutofit/>
+          </a:bodyPr>
+          <a:lstStyle/>
+          <a:p>
+            <a:pPr rtl="0"/>
+            <a:r>
+              <a:rPr lang="tr-TR" sz="2100" dirty="0"/>
+              <a:t>Örnek Uygulama-&gt;Real-time Object </a:t>
+            </a:r>
+            <a:r>
+              <a:rPr lang="tr-TR" sz="2100" dirty="0" err="1"/>
+              <a:t>Detection</a:t>
+            </a:r>
+            <a:endParaRPr lang="tr-TR" sz="2100" dirty="0"/>
+          </a:p>
+        </p:txBody>
+      </p:sp>
+      <p:sp>
+        <p:nvSpPr>
+          <p:cNvPr id="11" name="Slayt Numarası Yer Tutucusu 10">
+            <a:extLst>
+              <a:ext uri="{FF2B5EF4-FFF2-40B4-BE49-F238E27FC236}">
+                <a16:creationId xmlns:a16="http://schemas.microsoft.com/office/drawing/2014/main" id="{56AE2454-CE9A-4A6B-AB5A-349E0D967654}"/>
+              </a:ext>
+            </a:extLst>
+          </p:cNvPr>
+          <p:cNvSpPr>
+            <a:spLocks noGrp="1"/>
+          </p:cNvSpPr>
+          <p:nvPr>
+            <p:ph type="sldNum" sz="quarter" idx="12"/>
+          </p:nvPr>
+        </p:nvSpPr>
+        <p:spPr/>
+        <p:txBody>
+          <a:bodyPr rtlCol="0"/>
+          <a:lstStyle/>
+          <a:p>
+            <a:pPr rtl="0"/>
+            <a:fld id="{D8DA9DAA-006C-4F4B-980E-E3DF019B24E2}" type="slidenum">
+              <a:rPr lang="tr-TR" smtClean="0"/>
+              <a:pPr rtl="0"/>
+              <a:t>14</a:t>
+            </a:fld>
+            <a:endParaRPr lang="tr-TR"/>
+          </a:p>
+        </p:txBody>
+      </p:sp>
+      <p:sp>
+        <p:nvSpPr>
+          <p:cNvPr id="7" name="İçerik Yer Tutucusu 3">
+            <a:extLst>
+              <a:ext uri="{FF2B5EF4-FFF2-40B4-BE49-F238E27FC236}">
+                <a16:creationId xmlns:a16="http://schemas.microsoft.com/office/drawing/2014/main" id="{B9E98610-8E27-1E5E-4E6F-7A96F3892803}"/>
+              </a:ext>
+            </a:extLst>
+          </p:cNvPr>
+          <p:cNvSpPr txBox="1">
+            <a:spLocks/>
+          </p:cNvSpPr>
+          <p:nvPr/>
+        </p:nvSpPr>
+        <p:spPr>
+          <a:xfrm>
+            <a:off x="150876" y="773803"/>
+            <a:ext cx="8641080" cy="4208588"/>
+          </a:xfrm>
+          <a:prstGeom prst="rect">
+            <a:avLst/>
+          </a:prstGeom>
+        </p:spPr>
+        <p:txBody>
+          <a:bodyPr vert="horz" lIns="68580" tIns="34290" rIns="68580" bIns="34290" rtlCol="0">
+            <a:normAutofit/>
+          </a:bodyPr>
+          <a:lstStyle>
+            <a:lvl1pPr marL="0" indent="0" algn="l" defTabSz="914400" rtl="0" eaLnBrk="1" latinLnBrk="0" hangingPunct="1">
+              <a:lnSpc>
+                <a:spcPct val="110000"/>
+              </a:lnSpc>
+              <a:spcBef>
+                <a:spcPts val="1000"/>
+              </a:spcBef>
+              <a:buFont typeface="Arial" panose="020B0604020202020204" pitchFamily="34" charset="0"/>
+              <a:buNone/>
+              <a:defRPr sz="2000" kern="1200">
+                <a:solidFill>
+                  <a:schemeClr val="tx1"/>
+                </a:solidFill>
+                <a:latin typeface="+mn-lt"/>
+                <a:ea typeface="+mn-ea"/>
+                <a:cs typeface="+mn-cs"/>
+              </a:defRPr>
+            </a:lvl1pPr>
+            <a:lvl2pPr marL="228600" indent="-228600" algn="l" defTabSz="914400" rtl="0" eaLnBrk="1" latinLnBrk="0" hangingPunct="1">
+              <a:lnSpc>
+                <a:spcPct val="90000"/>
+              </a:lnSpc>
+              <a:spcBef>
+                <a:spcPts val="500"/>
+              </a:spcBef>
+              <a:buFont typeface="Arial" panose="020B0604020202020204" pitchFamily="34" charset="0"/>
+              <a:buChar char="•"/>
+              <a:defRPr sz="1800" kern="1200">
+                <a:solidFill>
+                  <a:schemeClr val="tx1"/>
+                </a:solidFill>
+                <a:latin typeface="+mn-lt"/>
+                <a:ea typeface="+mn-ea"/>
+                <a:cs typeface="+mn-cs"/>
+              </a:defRPr>
+            </a:lvl2pPr>
+            <a:lvl3pPr marL="457200" indent="-228600" algn="l" defTabSz="914400" rtl="0" eaLnBrk="1" latinLnBrk="0" hangingPunct="1">
+              <a:lnSpc>
+                <a:spcPct val="90000"/>
+              </a:lnSpc>
+              <a:spcBef>
+                <a:spcPts val="500"/>
+              </a:spcBef>
+              <a:buFont typeface="Arial" panose="020B0604020202020204" pitchFamily="34" charset="0"/>
+              <a:buChar char="•"/>
+              <a:defRPr sz="1600" kern="1200">
+                <a:solidFill>
+                  <a:schemeClr val="tx1"/>
+                </a:solidFill>
+                <a:latin typeface="+mn-lt"/>
+                <a:ea typeface="+mn-ea"/>
+                <a:cs typeface="+mn-cs"/>
+              </a:defRPr>
+            </a:lvl3pPr>
+            <a:lvl4pPr marL="685800" indent="-228600" algn="l" defTabSz="914400" rtl="0" eaLnBrk="1" latinLnBrk="0" hangingPunct="1">
+              <a:lnSpc>
+                <a:spcPct val="90000"/>
+              </a:lnSpc>
+              <a:spcBef>
+                <a:spcPts val="500"/>
+              </a:spcBef>
+              <a:buFont typeface="Arial" panose="020B0604020202020204" pitchFamily="34" charset="0"/>
+              <a:buChar char="•"/>
+              <a:defRPr sz="1400" kern="1200">
+                <a:solidFill>
+                  <a:schemeClr val="tx1"/>
+                </a:solidFill>
+                <a:latin typeface="+mn-lt"/>
+                <a:ea typeface="+mn-ea"/>
+                <a:cs typeface="+mn-cs"/>
+              </a:defRPr>
+            </a:lvl4pPr>
+            <a:lvl5pPr marL="2057400" indent="-228600" algn="l" defTabSz="914400" rtl="0" eaLnBrk="1" latinLnBrk="0" hangingPunct="1">
+              <a:lnSpc>
+                <a:spcPct val="90000"/>
+              </a:lnSpc>
+              <a:spcBef>
+                <a:spcPts val="500"/>
+              </a:spcBef>
+              <a:buFont typeface="Arial" panose="020B0604020202020204" pitchFamily="34" charset="0"/>
+              <a:buChar char="•"/>
+              <a:defRPr sz="1400" kern="1200">
+                <a:solidFill>
+                  <a:schemeClr val="tx1"/>
+                </a:solidFill>
+                <a:latin typeface="+mn-lt"/>
+                <a:ea typeface="+mn-ea"/>
+                <a:cs typeface="+mn-cs"/>
+              </a:defRPr>
+            </a:lvl5pPr>
+            <a:lvl6pPr marL="2514600" indent="-228600" algn="l" defTabSz="914400" rtl="0" eaLnBrk="1" latinLnBrk="0" hangingPunct="1">
+              <a:lnSpc>
+                <a:spcPct val="90000"/>
+              </a:lnSpc>
+              <a:spcBef>
+                <a:spcPts val="500"/>
+              </a:spcBef>
+              <a:buFont typeface="Arial" panose="020B0604020202020204" pitchFamily="34" charset="0"/>
+              <a:buChar char="•"/>
+              <a:defRPr sz="1800" kern="1200">
+                <a:solidFill>
+                  <a:schemeClr val="tx1"/>
+                </a:solidFill>
+                <a:latin typeface="+mn-lt"/>
+                <a:ea typeface="+mn-ea"/>
+                <a:cs typeface="+mn-cs"/>
+              </a:defRPr>
+            </a:lvl6pPr>
+            <a:lvl7pPr marL="2971800" indent="-228600" algn="l" defTabSz="914400" rtl="0" eaLnBrk="1" latinLnBrk="0" hangingPunct="1">
+              <a:lnSpc>
+                <a:spcPct val="90000"/>
+              </a:lnSpc>
+              <a:spcBef>
+                <a:spcPts val="500"/>
+              </a:spcBef>
+              <a:buFont typeface="Arial" panose="020B0604020202020204" pitchFamily="34" charset="0"/>
+              <a:buChar char="•"/>
+              <a:defRPr sz="1800" kern="1200">
+                <a:solidFill>
+                  <a:schemeClr val="tx1"/>
+                </a:solidFill>
+                <a:latin typeface="+mn-lt"/>
+                <a:ea typeface="+mn-ea"/>
+                <a:cs typeface="+mn-cs"/>
+              </a:defRPr>
+            </a:lvl7pPr>
+            <a:lvl8pPr marL="3429000" indent="-228600" algn="l" defTabSz="914400" rtl="0" eaLnBrk="1" latinLnBrk="0" hangingPunct="1">
+              <a:lnSpc>
+                <a:spcPct val="90000"/>
+              </a:lnSpc>
+              <a:spcBef>
+                <a:spcPts val="500"/>
+              </a:spcBef>
+              <a:buFont typeface="Arial" panose="020B0604020202020204" pitchFamily="34" charset="0"/>
+              <a:buChar char="•"/>
+              <a:defRPr sz="1800" kern="1200">
+                <a:solidFill>
+                  <a:schemeClr val="tx1"/>
+                </a:solidFill>
+                <a:latin typeface="+mn-lt"/>
+                <a:ea typeface="+mn-ea"/>
+                <a:cs typeface="+mn-cs"/>
+              </a:defRPr>
+            </a:lvl8pPr>
+            <a:lvl9pPr marL="3886200" indent="-228600" algn="l" defTabSz="914400" rtl="0" eaLnBrk="1" latinLnBrk="0" hangingPunct="1">
+              <a:lnSpc>
+                <a:spcPct val="90000"/>
+              </a:lnSpc>
+              <a:spcBef>
+                <a:spcPts val="500"/>
+              </a:spcBef>
+              <a:buFont typeface="Arial" panose="020B0604020202020204" pitchFamily="34" charset="0"/>
+              <a:buChar char="•"/>
+              <a:defRPr sz="1800" kern="1200">
+                <a:solidFill>
+                  <a:schemeClr val="tx1"/>
+                </a:solidFill>
+                <a:latin typeface="+mn-lt"/>
+                <a:ea typeface="+mn-ea"/>
+                <a:cs typeface="+mn-cs"/>
+              </a:defRPr>
+            </a:lvl9pPr>
+          </a:lstStyle>
+          <a:p>
+            <a:pPr algn="ctr">
+              <a:lnSpc>
+                <a:spcPct val="100000"/>
+              </a:lnSpc>
+              <a:spcAft>
+                <a:spcPts val="600"/>
+              </a:spcAft>
+            </a:pPr>
+            <a:r>
+              <a:rPr lang="tr-TR" sz="1600" b="1" u="sng" dirty="0" err="1">
+                <a:solidFill>
+                  <a:srgbClr val="FFFF00"/>
+                </a:solidFill>
+                <a:latin typeface="Calibri" panose="020F0502020204030204" pitchFamily="34" charset="0"/>
+                <a:cs typeface="Calibri" panose="020F0502020204030204" pitchFamily="34" charset="0"/>
+              </a:rPr>
+              <a:t>Custom</a:t>
+            </a:r>
+            <a:r>
+              <a:rPr lang="tr-TR" sz="1600" b="1" u="sng" dirty="0">
+                <a:solidFill>
+                  <a:srgbClr val="FFFF00"/>
+                </a:solidFill>
+                <a:latin typeface="Calibri" panose="020F0502020204030204" pitchFamily="34" charset="0"/>
+                <a:cs typeface="Calibri" panose="020F0502020204030204" pitchFamily="34" charset="0"/>
+              </a:rPr>
+              <a:t> Train YOLO</a:t>
+            </a:r>
+          </a:p>
+          <a:p>
+            <a:pPr algn="ctr"/>
+            <a:r>
+              <a:rPr lang="tr-TR" sz="1600" b="1" u="sng" dirty="0" err="1" smtClean="0">
+                <a:latin typeface="Calibri" panose="020F0502020204030204" pitchFamily="34" charset="0"/>
+                <a:ea typeface="+mj-ea"/>
+                <a:cs typeface="Calibri" panose="020F0502020204030204" pitchFamily="34" charset="0"/>
+              </a:rPr>
+              <a:t>LabelImg</a:t>
+            </a:r>
+            <a:r>
+              <a:rPr lang="tr-TR" sz="1600" b="1" u="sng" dirty="0" smtClean="0">
+                <a:latin typeface="Calibri" panose="020F0502020204030204" pitchFamily="34" charset="0"/>
+                <a:ea typeface="+mj-ea"/>
+                <a:cs typeface="Calibri" panose="020F0502020204030204" pitchFamily="34" charset="0"/>
+              </a:rPr>
+              <a:t> bir önceki sayfada belirtilen yöntemle düzgün çalışmazsa aşağıdaki yöntemi kullanın.</a:t>
+            </a:r>
+          </a:p>
+          <a:p>
+            <a:pPr marL="257175" indent="-257175" algn="just">
+              <a:buFont typeface="Arial" panose="020B0604020202020204" pitchFamily="34" charset="0"/>
+              <a:buChar char="•"/>
+            </a:pPr>
+            <a:r>
+              <a:rPr lang="tr-TR" sz="1600" dirty="0" smtClean="0">
+                <a:latin typeface="Calibri" panose="020F0502020204030204" pitchFamily="34" charset="0"/>
+                <a:ea typeface="+mj-ea"/>
+                <a:cs typeface="Calibri" panose="020F0502020204030204" pitchFamily="34" charset="0"/>
+              </a:rPr>
+              <a:t>Etiketleme </a:t>
+            </a:r>
+            <a:r>
+              <a:rPr lang="tr-TR" sz="1600" dirty="0">
+                <a:latin typeface="Calibri" panose="020F0502020204030204" pitchFamily="34" charset="0"/>
+                <a:ea typeface="+mj-ea"/>
+                <a:cs typeface="Calibri" panose="020F0502020204030204" pitchFamily="34" charset="0"/>
+              </a:rPr>
+              <a:t>için </a:t>
+            </a:r>
+            <a:r>
+              <a:rPr lang="tr-TR" sz="1600" dirty="0" err="1">
+                <a:latin typeface="Calibri" panose="020F0502020204030204" pitchFamily="34" charset="0"/>
+                <a:ea typeface="+mj-ea"/>
+                <a:cs typeface="Calibri" panose="020F0502020204030204" pitchFamily="34" charset="0"/>
+              </a:rPr>
+              <a:t>LabelImg</a:t>
+            </a:r>
+            <a:r>
+              <a:rPr lang="tr-TR" sz="1600" dirty="0">
+                <a:latin typeface="Calibri" panose="020F0502020204030204" pitchFamily="34" charset="0"/>
+                <a:ea typeface="+mj-ea"/>
+                <a:cs typeface="Calibri" panose="020F0502020204030204" pitchFamily="34" charset="0"/>
+              </a:rPr>
+              <a:t> uygulaması kullanılabilir. </a:t>
+            </a:r>
+            <a:r>
+              <a:rPr lang="tr-TR" sz="1600" dirty="0" err="1">
+                <a:latin typeface="Calibri" panose="020F0502020204030204" pitchFamily="34" charset="0"/>
+                <a:ea typeface="+mj-ea"/>
+                <a:cs typeface="Calibri" panose="020F0502020204030204" pitchFamily="34" charset="0"/>
+              </a:rPr>
+              <a:t>LabelImg’yi</a:t>
+            </a:r>
+            <a:r>
+              <a:rPr lang="tr-TR" sz="1600" dirty="0">
+                <a:latin typeface="Calibri" panose="020F0502020204030204" pitchFamily="34" charset="0"/>
+                <a:ea typeface="+mj-ea"/>
+                <a:cs typeface="Calibri" panose="020F0502020204030204" pitchFamily="34" charset="0"/>
+              </a:rPr>
+              <a:t> kullanabilmek için gerekli olan aşağıdaki kütüphaneleri </a:t>
+            </a:r>
+            <a:r>
+              <a:rPr lang="tr-TR" sz="1600" dirty="0" err="1">
+                <a:latin typeface="Calibri" panose="020F0502020204030204" pitchFamily="34" charset="0"/>
+                <a:ea typeface="+mj-ea"/>
+                <a:cs typeface="Calibri" panose="020F0502020204030204" pitchFamily="34" charset="0"/>
+              </a:rPr>
+              <a:t>Anaconda</a:t>
+            </a:r>
+            <a:r>
+              <a:rPr lang="tr-TR" sz="1600" dirty="0">
+                <a:latin typeface="Calibri" panose="020F0502020204030204" pitchFamily="34" charset="0"/>
+                <a:ea typeface="+mj-ea"/>
+                <a:cs typeface="Calibri" panose="020F0502020204030204" pitchFamily="34" charset="0"/>
+              </a:rPr>
+              <a:t> </a:t>
+            </a:r>
+            <a:r>
+              <a:rPr lang="tr-TR" sz="1600" dirty="0" err="1">
+                <a:latin typeface="Calibri" panose="020F0502020204030204" pitchFamily="34" charset="0"/>
+                <a:ea typeface="+mj-ea"/>
+                <a:cs typeface="Calibri" panose="020F0502020204030204" pitchFamily="34" charset="0"/>
+              </a:rPr>
+              <a:t>Prompt'ta</a:t>
+            </a:r>
+            <a:r>
+              <a:rPr lang="tr-TR" sz="1600" dirty="0">
+                <a:latin typeface="Calibri" panose="020F0502020204030204" pitchFamily="34" charset="0"/>
+                <a:ea typeface="+mj-ea"/>
+                <a:cs typeface="Calibri" panose="020F0502020204030204" pitchFamily="34" charset="0"/>
+              </a:rPr>
+              <a:t> yükleyin.</a:t>
+            </a:r>
+          </a:p>
+          <a:p>
+            <a:pPr marL="1714500" lvl="5" indent="0" algn="just">
+              <a:buNone/>
+            </a:pPr>
+            <a:r>
+              <a:rPr lang="tr-TR" sz="1600" dirty="0" err="1">
+                <a:solidFill>
+                  <a:srgbClr val="FFFF00"/>
+                </a:solidFill>
+                <a:latin typeface="Calibri" panose="020F0502020204030204" pitchFamily="34" charset="0"/>
+                <a:ea typeface="+mj-ea"/>
+                <a:cs typeface="Calibri" panose="020F0502020204030204" pitchFamily="34" charset="0"/>
+              </a:rPr>
+              <a:t>conda</a:t>
+            </a:r>
+            <a:r>
+              <a:rPr lang="tr-TR" sz="1600" dirty="0">
+                <a:solidFill>
+                  <a:srgbClr val="FFFF00"/>
+                </a:solidFill>
+                <a:latin typeface="Calibri" panose="020F0502020204030204" pitchFamily="34" charset="0"/>
+                <a:ea typeface="+mj-ea"/>
+                <a:cs typeface="Calibri" panose="020F0502020204030204" pitchFamily="34" charset="0"/>
+              </a:rPr>
+              <a:t> </a:t>
+            </a:r>
+            <a:r>
+              <a:rPr lang="tr-TR" sz="1600" dirty="0" err="1">
+                <a:solidFill>
+                  <a:srgbClr val="FFFF00"/>
+                </a:solidFill>
+                <a:latin typeface="Calibri" panose="020F0502020204030204" pitchFamily="34" charset="0"/>
+                <a:ea typeface="+mj-ea"/>
+                <a:cs typeface="Calibri" panose="020F0502020204030204" pitchFamily="34" charset="0"/>
+              </a:rPr>
+              <a:t>install</a:t>
+            </a:r>
+            <a:r>
+              <a:rPr lang="tr-TR" sz="1600" dirty="0">
+                <a:solidFill>
+                  <a:srgbClr val="FFFF00"/>
+                </a:solidFill>
+                <a:latin typeface="Calibri" panose="020F0502020204030204" pitchFamily="34" charset="0"/>
+                <a:ea typeface="+mj-ea"/>
+                <a:cs typeface="Calibri" panose="020F0502020204030204" pitchFamily="34" charset="0"/>
+              </a:rPr>
+              <a:t> </a:t>
+            </a:r>
+            <a:r>
+              <a:rPr lang="tr-TR" sz="1600" dirty="0" err="1">
+                <a:solidFill>
+                  <a:srgbClr val="FFFF00"/>
+                </a:solidFill>
+                <a:latin typeface="Calibri" panose="020F0502020204030204" pitchFamily="34" charset="0"/>
+                <a:ea typeface="+mj-ea"/>
+                <a:cs typeface="Calibri" panose="020F0502020204030204" pitchFamily="34" charset="0"/>
+              </a:rPr>
+              <a:t>pyqt</a:t>
+            </a:r>
+            <a:r>
+              <a:rPr lang="tr-TR" sz="1600" dirty="0">
+                <a:solidFill>
+                  <a:srgbClr val="FFFF00"/>
+                </a:solidFill>
+                <a:latin typeface="Calibri" panose="020F0502020204030204" pitchFamily="34" charset="0"/>
+                <a:ea typeface="+mj-ea"/>
+                <a:cs typeface="Calibri" panose="020F0502020204030204" pitchFamily="34" charset="0"/>
+              </a:rPr>
+              <a:t>=5</a:t>
+            </a:r>
+          </a:p>
+          <a:p>
+            <a:pPr marL="1714500" lvl="5" indent="0" algn="just">
+              <a:buNone/>
+            </a:pPr>
+            <a:r>
+              <a:rPr lang="tr-TR" sz="1600" dirty="0" err="1">
+                <a:solidFill>
+                  <a:srgbClr val="FFFF00"/>
+                </a:solidFill>
+                <a:latin typeface="Calibri" panose="020F0502020204030204" pitchFamily="34" charset="0"/>
+                <a:ea typeface="+mj-ea"/>
+                <a:cs typeface="Calibri" panose="020F0502020204030204" pitchFamily="34" charset="0"/>
+              </a:rPr>
+              <a:t>conda</a:t>
+            </a:r>
+            <a:r>
+              <a:rPr lang="tr-TR" sz="1600" dirty="0">
+                <a:solidFill>
+                  <a:srgbClr val="FFFF00"/>
+                </a:solidFill>
+                <a:latin typeface="Calibri" panose="020F0502020204030204" pitchFamily="34" charset="0"/>
+                <a:ea typeface="+mj-ea"/>
+                <a:cs typeface="Calibri" panose="020F0502020204030204" pitchFamily="34" charset="0"/>
+              </a:rPr>
+              <a:t> </a:t>
+            </a:r>
+            <a:r>
+              <a:rPr lang="tr-TR" sz="1600" dirty="0" err="1">
+                <a:solidFill>
+                  <a:srgbClr val="FFFF00"/>
+                </a:solidFill>
+                <a:latin typeface="Calibri" panose="020F0502020204030204" pitchFamily="34" charset="0"/>
+                <a:ea typeface="+mj-ea"/>
+                <a:cs typeface="Calibri" panose="020F0502020204030204" pitchFamily="34" charset="0"/>
+              </a:rPr>
+              <a:t>install</a:t>
+            </a:r>
+            <a:r>
+              <a:rPr lang="tr-TR" sz="1600" dirty="0">
+                <a:solidFill>
+                  <a:srgbClr val="FFFF00"/>
+                </a:solidFill>
+                <a:latin typeface="Calibri" panose="020F0502020204030204" pitchFamily="34" charset="0"/>
+                <a:ea typeface="+mj-ea"/>
+                <a:cs typeface="Calibri" panose="020F0502020204030204" pitchFamily="34" charset="0"/>
+              </a:rPr>
+              <a:t> -c </a:t>
+            </a:r>
+            <a:r>
+              <a:rPr lang="tr-TR" sz="1600" dirty="0" err="1">
+                <a:solidFill>
+                  <a:srgbClr val="FFFF00"/>
+                </a:solidFill>
+                <a:latin typeface="Calibri" panose="020F0502020204030204" pitchFamily="34" charset="0"/>
+                <a:ea typeface="+mj-ea"/>
+                <a:cs typeface="Calibri" panose="020F0502020204030204" pitchFamily="34" charset="0"/>
+              </a:rPr>
+              <a:t>anaconda</a:t>
+            </a:r>
+            <a:r>
+              <a:rPr lang="tr-TR" sz="1600" dirty="0">
+                <a:solidFill>
+                  <a:srgbClr val="FFFF00"/>
+                </a:solidFill>
+                <a:latin typeface="Calibri" panose="020F0502020204030204" pitchFamily="34" charset="0"/>
+                <a:ea typeface="+mj-ea"/>
+                <a:cs typeface="Calibri" panose="020F0502020204030204" pitchFamily="34" charset="0"/>
+              </a:rPr>
+              <a:t> </a:t>
+            </a:r>
+            <a:r>
+              <a:rPr lang="tr-TR" sz="1600" dirty="0" err="1">
+                <a:solidFill>
+                  <a:srgbClr val="FFFF00"/>
+                </a:solidFill>
+                <a:latin typeface="Calibri" panose="020F0502020204030204" pitchFamily="34" charset="0"/>
+                <a:ea typeface="+mj-ea"/>
+                <a:cs typeface="Calibri" panose="020F0502020204030204" pitchFamily="34" charset="0"/>
+              </a:rPr>
+              <a:t>lxml</a:t>
+            </a:r>
+            <a:endParaRPr lang="tr-TR" sz="1600" dirty="0">
+              <a:solidFill>
+                <a:srgbClr val="FFFF00"/>
+              </a:solidFill>
+              <a:latin typeface="Calibri" panose="020F0502020204030204" pitchFamily="34" charset="0"/>
+              <a:ea typeface="+mj-ea"/>
+              <a:cs typeface="Calibri" panose="020F0502020204030204" pitchFamily="34" charset="0"/>
+            </a:endParaRPr>
+          </a:p>
+          <a:p>
+            <a:pPr marL="1714500" lvl="5" indent="0" algn="just">
+              <a:buNone/>
+            </a:pPr>
+            <a:r>
+              <a:rPr lang="tr-TR" sz="1600" dirty="0">
+                <a:solidFill>
+                  <a:srgbClr val="FFFF00"/>
+                </a:solidFill>
+                <a:latin typeface="Calibri" panose="020F0502020204030204" pitchFamily="34" charset="0"/>
+                <a:ea typeface="+mj-ea"/>
+                <a:cs typeface="Calibri" panose="020F0502020204030204" pitchFamily="34" charset="0"/>
+              </a:rPr>
+              <a:t>pyrcc5 -o libs/resources.py </a:t>
+            </a:r>
+            <a:r>
+              <a:rPr lang="tr-TR" sz="1600" dirty="0" err="1">
+                <a:solidFill>
+                  <a:srgbClr val="FFFF00"/>
+                </a:solidFill>
+                <a:latin typeface="Calibri" panose="020F0502020204030204" pitchFamily="34" charset="0"/>
+                <a:ea typeface="+mj-ea"/>
+                <a:cs typeface="Calibri" panose="020F0502020204030204" pitchFamily="34" charset="0"/>
+              </a:rPr>
+              <a:t>resources.qrc</a:t>
+            </a:r>
+            <a:endParaRPr lang="tr-TR" sz="1600" dirty="0">
+              <a:solidFill>
+                <a:srgbClr val="FFFF00"/>
+              </a:solidFill>
+              <a:latin typeface="Calibri" panose="020F0502020204030204" pitchFamily="34" charset="0"/>
+              <a:ea typeface="+mj-ea"/>
+              <a:cs typeface="Calibri" panose="020F0502020204030204" pitchFamily="34" charset="0"/>
+            </a:endParaRPr>
+          </a:p>
+          <a:p>
+            <a:endParaRPr lang="tr-TR" sz="1500" dirty="0">
+              <a:solidFill>
+                <a:srgbClr val="000000"/>
+              </a:solidFill>
+              <a:latin typeface="Söhne"/>
+            </a:endParaRPr>
+          </a:p>
+          <a:p>
+            <a:pPr algn="l"/>
+            <a:endParaRPr lang="tr-TR" sz="1200" dirty="0">
+              <a:solidFill>
+                <a:srgbClr val="212121"/>
+              </a:solidFill>
+              <a:latin typeface="Söhne"/>
+            </a:endParaRPr>
+          </a:p>
+          <a:p>
+            <a:endParaRPr lang="tr-TR" sz="1350" b="1" dirty="0">
+              <a:solidFill>
+                <a:schemeClr val="accent1"/>
+              </a:solidFill>
+              <a:latin typeface="Söhne"/>
+            </a:endParaRPr>
+          </a:p>
+        </p:txBody>
+      </p:sp>
+    </p:spTree>
+    <p:extLst>
+      <p:ext uri="{BB962C8B-B14F-4D97-AF65-F5344CB8AC3E}">
+        <p14:creationId xmlns:p14="http://schemas.microsoft.com/office/powerpoint/2010/main" val="245811721"/>
+      </p:ext>
+    </p:extLst>
+  </p:cSld>
+  <p:clrMapOvr>
+    <a:masterClrMapping/>
+  </p:clrMapOvr>
+</p:sld>
+</file>
+
+<file path=ppt/slides/slide15.xml><?xml version="1.0" encoding="utf-8"?>
+<p:sld xmlns:a="http://schemas.openxmlformats.org/drawingml/2006/main" xmlns:r="http://schemas.openxmlformats.org/officeDocument/2006/relationships" xmlns:p="http://schemas.openxmlformats.org/presentationml/2006/main">
+  <p:cSld>
+    <p:spTree>
+      <p:nvGrpSpPr>
+        <p:cNvPr id="1" name=""/>
+        <p:cNvGrpSpPr/>
+        <p:nvPr/>
+      </p:nvGrpSpPr>
+      <p:grpSpPr>
+        <a:xfrm>
+          <a:off x="0" y="0"/>
+          <a:ext cx="0" cy="0"/>
+          <a:chOff x="0" y="0"/>
+          <a:chExt cx="0" cy="0"/>
+        </a:xfrm>
+      </p:grpSpPr>
+      <p:sp>
+        <p:nvSpPr>
+          <p:cNvPr id="3" name="Başlık 2">
+            <a:extLst>
+              <a:ext uri="{FF2B5EF4-FFF2-40B4-BE49-F238E27FC236}">
+                <a16:creationId xmlns:a16="http://schemas.microsoft.com/office/drawing/2014/main" id="{0115FF41-AFA4-4D25-AB42-AB034F4B4FEC}"/>
+              </a:ext>
+            </a:extLst>
+          </p:cNvPr>
+          <p:cNvSpPr>
+            <a:spLocks noGrp="1"/>
+          </p:cNvSpPr>
+          <p:nvPr>
+            <p:ph type="title"/>
+          </p:nvPr>
+        </p:nvSpPr>
+        <p:spPr>
+          <a:xfrm>
+            <a:off x="207058" y="161109"/>
+            <a:ext cx="8584898" cy="429680"/>
+          </a:xfrm>
+        </p:spPr>
+        <p:txBody>
+          <a:bodyPr rtlCol="0">
+            <a:noAutofit/>
+          </a:bodyPr>
+          <a:lstStyle/>
+          <a:p>
+            <a:pPr rtl="0"/>
+            <a:r>
+              <a:rPr lang="tr-TR" sz="2100" dirty="0"/>
+              <a:t>Örnek Uygulama-&gt;Real-time Object </a:t>
+            </a:r>
+            <a:r>
+              <a:rPr lang="tr-TR" sz="2100" dirty="0" err="1"/>
+              <a:t>Detection</a:t>
+            </a:r>
+            <a:endParaRPr lang="tr-TR" sz="2100" dirty="0"/>
+          </a:p>
+        </p:txBody>
+      </p:sp>
+      <p:sp>
+        <p:nvSpPr>
+          <p:cNvPr id="11" name="Slayt Numarası Yer Tutucusu 10">
+            <a:extLst>
+              <a:ext uri="{FF2B5EF4-FFF2-40B4-BE49-F238E27FC236}">
+                <a16:creationId xmlns:a16="http://schemas.microsoft.com/office/drawing/2014/main" id="{56AE2454-CE9A-4A6B-AB5A-349E0D967654}"/>
+              </a:ext>
+            </a:extLst>
+          </p:cNvPr>
+          <p:cNvSpPr>
+            <a:spLocks noGrp="1"/>
+          </p:cNvSpPr>
+          <p:nvPr>
+            <p:ph type="sldNum" sz="quarter" idx="12"/>
+          </p:nvPr>
+        </p:nvSpPr>
+        <p:spPr/>
+        <p:txBody>
+          <a:bodyPr rtlCol="0"/>
+          <a:lstStyle/>
+          <a:p>
+            <a:pPr rtl="0"/>
+            <a:fld id="{D8DA9DAA-006C-4F4B-980E-E3DF019B24E2}" type="slidenum">
+              <a:rPr lang="tr-TR" smtClean="0"/>
+              <a:pPr rtl="0"/>
+              <a:t>15</a:t>
+            </a:fld>
+            <a:endParaRPr lang="tr-TR"/>
+          </a:p>
+        </p:txBody>
+      </p:sp>
+      <p:sp>
+        <p:nvSpPr>
+          <p:cNvPr id="7" name="İçerik Yer Tutucusu 3">
+            <a:extLst>
+              <a:ext uri="{FF2B5EF4-FFF2-40B4-BE49-F238E27FC236}">
+                <a16:creationId xmlns:a16="http://schemas.microsoft.com/office/drawing/2014/main" id="{B9E98610-8E27-1E5E-4E6F-7A96F3892803}"/>
+              </a:ext>
+            </a:extLst>
+          </p:cNvPr>
+          <p:cNvSpPr txBox="1">
+            <a:spLocks/>
+          </p:cNvSpPr>
+          <p:nvPr/>
+        </p:nvSpPr>
+        <p:spPr>
+          <a:xfrm>
+            <a:off x="150876" y="773803"/>
+            <a:ext cx="8641080" cy="4208588"/>
+          </a:xfrm>
+          <a:prstGeom prst="rect">
+            <a:avLst/>
+          </a:prstGeom>
+        </p:spPr>
+        <p:txBody>
+          <a:bodyPr vert="horz" lIns="68580" tIns="34290" rIns="68580" bIns="34290" rtlCol="0">
+            <a:normAutofit/>
+          </a:bodyPr>
+          <a:lstStyle>
+            <a:lvl1pPr marL="0" indent="0" algn="l" defTabSz="914400" rtl="0" eaLnBrk="1" latinLnBrk="0" hangingPunct="1">
+              <a:lnSpc>
+                <a:spcPct val="110000"/>
+              </a:lnSpc>
+              <a:spcBef>
+                <a:spcPts val="1000"/>
+              </a:spcBef>
+              <a:buFont typeface="Arial" panose="020B0604020202020204" pitchFamily="34" charset="0"/>
+              <a:buNone/>
+              <a:defRPr sz="2000" kern="1200">
+                <a:solidFill>
+                  <a:schemeClr val="tx1"/>
+                </a:solidFill>
+                <a:latin typeface="+mn-lt"/>
+                <a:ea typeface="+mn-ea"/>
+                <a:cs typeface="+mn-cs"/>
+              </a:defRPr>
+            </a:lvl1pPr>
+            <a:lvl2pPr marL="228600" indent="-228600" algn="l" defTabSz="914400" rtl="0" eaLnBrk="1" latinLnBrk="0" hangingPunct="1">
+              <a:lnSpc>
+                <a:spcPct val="90000"/>
+              </a:lnSpc>
+              <a:spcBef>
+                <a:spcPts val="500"/>
+              </a:spcBef>
+              <a:buFont typeface="Arial" panose="020B0604020202020204" pitchFamily="34" charset="0"/>
+              <a:buChar char="•"/>
+              <a:defRPr sz="1800" kern="1200">
+                <a:solidFill>
+                  <a:schemeClr val="tx1"/>
+                </a:solidFill>
+                <a:latin typeface="+mn-lt"/>
+                <a:ea typeface="+mn-ea"/>
+                <a:cs typeface="+mn-cs"/>
+              </a:defRPr>
+            </a:lvl2pPr>
+            <a:lvl3pPr marL="457200" indent="-228600" algn="l" defTabSz="914400" rtl="0" eaLnBrk="1" latinLnBrk="0" hangingPunct="1">
+              <a:lnSpc>
+                <a:spcPct val="90000"/>
+              </a:lnSpc>
+              <a:spcBef>
+                <a:spcPts val="500"/>
+              </a:spcBef>
+              <a:buFont typeface="Arial" panose="020B0604020202020204" pitchFamily="34" charset="0"/>
+              <a:buChar char="•"/>
+              <a:defRPr sz="1600" kern="1200">
+                <a:solidFill>
+                  <a:schemeClr val="tx1"/>
+                </a:solidFill>
+                <a:latin typeface="+mn-lt"/>
+                <a:ea typeface="+mn-ea"/>
+                <a:cs typeface="+mn-cs"/>
+              </a:defRPr>
+            </a:lvl3pPr>
+            <a:lvl4pPr marL="685800" indent="-228600" algn="l" defTabSz="914400" rtl="0" eaLnBrk="1" latinLnBrk="0" hangingPunct="1">
+              <a:lnSpc>
+                <a:spcPct val="90000"/>
+              </a:lnSpc>
+              <a:spcBef>
+                <a:spcPts val="500"/>
+              </a:spcBef>
+              <a:buFont typeface="Arial" panose="020B0604020202020204" pitchFamily="34" charset="0"/>
+              <a:buChar char="•"/>
+              <a:defRPr sz="1400" kern="1200">
+                <a:solidFill>
+                  <a:schemeClr val="tx1"/>
+                </a:solidFill>
+                <a:latin typeface="+mn-lt"/>
+                <a:ea typeface="+mn-ea"/>
+                <a:cs typeface="+mn-cs"/>
+              </a:defRPr>
+            </a:lvl4pPr>
+            <a:lvl5pPr marL="2057400" indent="-228600" algn="l" defTabSz="914400" rtl="0" eaLnBrk="1" latinLnBrk="0" hangingPunct="1">
+              <a:lnSpc>
+                <a:spcPct val="90000"/>
+              </a:lnSpc>
+              <a:spcBef>
+                <a:spcPts val="500"/>
+              </a:spcBef>
+              <a:buFont typeface="Arial" panose="020B0604020202020204" pitchFamily="34" charset="0"/>
+              <a:buChar char="•"/>
+              <a:defRPr sz="1400" kern="1200">
+                <a:solidFill>
+                  <a:schemeClr val="tx1"/>
+                </a:solidFill>
+                <a:latin typeface="+mn-lt"/>
+                <a:ea typeface="+mn-ea"/>
+                <a:cs typeface="+mn-cs"/>
+              </a:defRPr>
+            </a:lvl5pPr>
+            <a:lvl6pPr marL="2514600" indent="-228600" algn="l" defTabSz="914400" rtl="0" eaLnBrk="1" latinLnBrk="0" hangingPunct="1">
+              <a:lnSpc>
+                <a:spcPct val="90000"/>
+              </a:lnSpc>
+              <a:spcBef>
+                <a:spcPts val="500"/>
+              </a:spcBef>
+              <a:buFont typeface="Arial" panose="020B0604020202020204" pitchFamily="34" charset="0"/>
+              <a:buChar char="•"/>
+              <a:defRPr sz="1800" kern="1200">
+                <a:solidFill>
+                  <a:schemeClr val="tx1"/>
+                </a:solidFill>
+                <a:latin typeface="+mn-lt"/>
+                <a:ea typeface="+mn-ea"/>
+                <a:cs typeface="+mn-cs"/>
+              </a:defRPr>
+            </a:lvl6pPr>
+            <a:lvl7pPr marL="2971800" indent="-228600" algn="l" defTabSz="914400" rtl="0" eaLnBrk="1" latinLnBrk="0" hangingPunct="1">
+              <a:lnSpc>
+                <a:spcPct val="90000"/>
+              </a:lnSpc>
+              <a:spcBef>
+                <a:spcPts val="500"/>
+              </a:spcBef>
+              <a:buFont typeface="Arial" panose="020B0604020202020204" pitchFamily="34" charset="0"/>
+              <a:buChar char="•"/>
+              <a:defRPr sz="1800" kern="1200">
+                <a:solidFill>
+                  <a:schemeClr val="tx1"/>
+                </a:solidFill>
+                <a:latin typeface="+mn-lt"/>
+                <a:ea typeface="+mn-ea"/>
+                <a:cs typeface="+mn-cs"/>
+              </a:defRPr>
+            </a:lvl7pPr>
+            <a:lvl8pPr marL="3429000" indent="-228600" algn="l" defTabSz="914400" rtl="0" eaLnBrk="1" latinLnBrk="0" hangingPunct="1">
+              <a:lnSpc>
+                <a:spcPct val="90000"/>
+              </a:lnSpc>
+              <a:spcBef>
+                <a:spcPts val="500"/>
+              </a:spcBef>
+              <a:buFont typeface="Arial" panose="020B0604020202020204" pitchFamily="34" charset="0"/>
+              <a:buChar char="•"/>
+              <a:defRPr sz="1800" kern="1200">
+                <a:solidFill>
+                  <a:schemeClr val="tx1"/>
+                </a:solidFill>
+                <a:latin typeface="+mn-lt"/>
+                <a:ea typeface="+mn-ea"/>
+                <a:cs typeface="+mn-cs"/>
+              </a:defRPr>
+            </a:lvl8pPr>
+            <a:lvl9pPr marL="3886200" indent="-228600" algn="l" defTabSz="914400" rtl="0" eaLnBrk="1" latinLnBrk="0" hangingPunct="1">
+              <a:lnSpc>
+                <a:spcPct val="90000"/>
+              </a:lnSpc>
+              <a:spcBef>
+                <a:spcPts val="500"/>
+              </a:spcBef>
+              <a:buFont typeface="Arial" panose="020B0604020202020204" pitchFamily="34" charset="0"/>
+              <a:buChar char="•"/>
+              <a:defRPr sz="1800" kern="1200">
+                <a:solidFill>
+                  <a:schemeClr val="tx1"/>
+                </a:solidFill>
+                <a:latin typeface="+mn-lt"/>
+                <a:ea typeface="+mn-ea"/>
+                <a:cs typeface="+mn-cs"/>
+              </a:defRPr>
+            </a:lvl9pPr>
+          </a:lstStyle>
+          <a:p>
+            <a:pPr algn="ctr">
+              <a:lnSpc>
+                <a:spcPct val="100000"/>
+              </a:lnSpc>
+              <a:spcAft>
+                <a:spcPts val="600"/>
+              </a:spcAft>
+            </a:pPr>
+            <a:r>
+              <a:rPr lang="tr-TR" sz="1400" b="1" u="sng" dirty="0" err="1">
+                <a:solidFill>
+                  <a:srgbClr val="FFFF00"/>
+                </a:solidFill>
+                <a:latin typeface="Calibri" panose="020F0502020204030204" pitchFamily="34" charset="0"/>
+                <a:cs typeface="Calibri" panose="020F0502020204030204" pitchFamily="34" charset="0"/>
+              </a:rPr>
+              <a:t>Custom</a:t>
+            </a:r>
+            <a:r>
+              <a:rPr lang="tr-TR" sz="1400" b="1" u="sng" dirty="0">
+                <a:solidFill>
+                  <a:srgbClr val="FFFF00"/>
+                </a:solidFill>
+                <a:latin typeface="Calibri" panose="020F0502020204030204" pitchFamily="34" charset="0"/>
+                <a:cs typeface="Calibri" panose="020F0502020204030204" pitchFamily="34" charset="0"/>
+              </a:rPr>
+              <a:t> Train YOLO</a:t>
+            </a:r>
+          </a:p>
+          <a:p>
+            <a:pPr marL="257175" indent="-257175">
+              <a:buFont typeface="Arial" panose="020B0604020202020204" pitchFamily="34" charset="0"/>
+              <a:buChar char="•"/>
+            </a:pPr>
+            <a:r>
+              <a:rPr lang="tr-TR" sz="1500" dirty="0" err="1" smtClean="0">
+                <a:latin typeface="Söhne"/>
+              </a:rPr>
+              <a:t>Labelimg'yi</a:t>
+            </a:r>
+            <a:r>
+              <a:rPr lang="tr-TR" sz="1500" dirty="0" smtClean="0">
+                <a:latin typeface="Söhne"/>
+              </a:rPr>
+              <a:t> </a:t>
+            </a:r>
+            <a:r>
+              <a:rPr lang="tr-TR" sz="1500" dirty="0">
+                <a:latin typeface="Söhne"/>
+              </a:rPr>
+              <a:t>aşağıdaki linkten indirin ve klasöre çıkararak labelimg.py dosyasını </a:t>
+            </a:r>
+            <a:r>
+              <a:rPr lang="tr-TR" sz="1500" dirty="0" err="1">
+                <a:latin typeface="Söhne"/>
+              </a:rPr>
+              <a:t>spyder’da</a:t>
+            </a:r>
+            <a:r>
+              <a:rPr lang="tr-TR" sz="1500" dirty="0">
+                <a:latin typeface="Söhne"/>
+              </a:rPr>
+              <a:t> açın.</a:t>
+            </a:r>
+          </a:p>
+          <a:p>
+            <a:r>
+              <a:rPr lang="tr-TR" sz="1500" dirty="0">
+                <a:latin typeface="Söhne"/>
+              </a:rPr>
+              <a:t>			</a:t>
+            </a:r>
+            <a:r>
+              <a:rPr lang="tr-TR" sz="1600" dirty="0">
+                <a:solidFill>
+                  <a:srgbClr val="FFFF00"/>
+                </a:solidFill>
+                <a:latin typeface="Calibri" panose="020F0502020204030204" pitchFamily="34" charset="0"/>
+                <a:ea typeface="+mj-ea"/>
+                <a:cs typeface="Calibri" panose="020F0502020204030204" pitchFamily="34" charset="0"/>
+                <a:hlinkClick r:id="rId3"/>
+              </a:rPr>
+              <a:t>https://pypi.org/project/labelImg/#files</a:t>
+            </a:r>
+            <a:endParaRPr lang="tr-TR" sz="1600" dirty="0">
+              <a:solidFill>
+                <a:srgbClr val="FFFF00"/>
+              </a:solidFill>
+              <a:latin typeface="Calibri" panose="020F0502020204030204" pitchFamily="34" charset="0"/>
+              <a:ea typeface="+mj-ea"/>
+              <a:cs typeface="Calibri" panose="020F0502020204030204" pitchFamily="34" charset="0"/>
+            </a:endParaRPr>
+          </a:p>
+          <a:p>
+            <a:pPr marL="257175" indent="-257175">
+              <a:buFont typeface="Arial" panose="020B0604020202020204" pitchFamily="34" charset="0"/>
+              <a:buChar char="•"/>
+            </a:pPr>
+            <a:r>
+              <a:rPr lang="tr-TR" sz="1500" dirty="0">
+                <a:latin typeface="Söhne"/>
+              </a:rPr>
+              <a:t>Python 3.10 ve üstü sürüm için hata alabilirsiniz. hata veren dosyada (canvas.py) aşağıdaki satırlarda </a:t>
+            </a:r>
+            <a:r>
+              <a:rPr lang="tr-TR" sz="1500" dirty="0" err="1">
+                <a:latin typeface="Söhne"/>
+              </a:rPr>
+              <a:t>int</a:t>
+            </a:r>
+            <a:r>
+              <a:rPr lang="tr-TR" sz="1500" dirty="0">
+                <a:latin typeface="Söhne"/>
+              </a:rPr>
+              <a:t>() dönüşümü yapın.</a:t>
+            </a:r>
+          </a:p>
+          <a:p>
+            <a:pPr marL="1371600" lvl="4" indent="0">
+              <a:buNone/>
+            </a:pPr>
+            <a:r>
+              <a:rPr lang="tr-TR" sz="1600" dirty="0">
+                <a:solidFill>
+                  <a:srgbClr val="FFFF00"/>
+                </a:solidFill>
+                <a:latin typeface="Calibri" panose="020F0502020204030204" pitchFamily="34" charset="0"/>
+                <a:ea typeface="+mj-ea"/>
+                <a:cs typeface="Calibri" panose="020F0502020204030204" pitchFamily="34" charset="0"/>
+              </a:rPr>
+              <a:t>526 -&gt;</a:t>
+            </a:r>
+            <a:r>
+              <a:rPr lang="tr-TR" sz="1600" dirty="0" err="1">
+                <a:solidFill>
+                  <a:srgbClr val="FFFF00"/>
+                </a:solidFill>
+                <a:latin typeface="Calibri" panose="020F0502020204030204" pitchFamily="34" charset="0"/>
+                <a:ea typeface="+mj-ea"/>
+                <a:cs typeface="Calibri" panose="020F0502020204030204" pitchFamily="34" charset="0"/>
+              </a:rPr>
+              <a:t>p.drawRect</a:t>
+            </a:r>
+            <a:r>
+              <a:rPr lang="tr-TR" sz="1600" dirty="0">
+                <a:solidFill>
+                  <a:srgbClr val="FFFF00"/>
+                </a:solidFill>
+                <a:latin typeface="Calibri" panose="020F0502020204030204" pitchFamily="34" charset="0"/>
+                <a:ea typeface="+mj-ea"/>
+                <a:cs typeface="Calibri" panose="020F0502020204030204" pitchFamily="34" charset="0"/>
+              </a:rPr>
+              <a:t>(</a:t>
+            </a:r>
+            <a:r>
+              <a:rPr lang="tr-TR" sz="1600" dirty="0" err="1">
+                <a:solidFill>
+                  <a:srgbClr val="FFFF00"/>
+                </a:solidFill>
+                <a:latin typeface="Calibri" panose="020F0502020204030204" pitchFamily="34" charset="0"/>
+                <a:ea typeface="+mj-ea"/>
+                <a:cs typeface="Calibri" panose="020F0502020204030204" pitchFamily="34" charset="0"/>
+              </a:rPr>
+              <a:t>int</a:t>
+            </a:r>
+            <a:r>
+              <a:rPr lang="tr-TR" sz="1600" dirty="0">
+                <a:solidFill>
+                  <a:srgbClr val="FFFF00"/>
+                </a:solidFill>
+                <a:latin typeface="Calibri" panose="020F0502020204030204" pitchFamily="34" charset="0"/>
+                <a:ea typeface="+mj-ea"/>
+                <a:cs typeface="Calibri" panose="020F0502020204030204" pitchFamily="34" charset="0"/>
+              </a:rPr>
+              <a:t>(</a:t>
+            </a:r>
+            <a:r>
+              <a:rPr lang="tr-TR" sz="1600" dirty="0" err="1">
+                <a:solidFill>
+                  <a:srgbClr val="FFFF00"/>
+                </a:solidFill>
+                <a:latin typeface="Calibri" panose="020F0502020204030204" pitchFamily="34" charset="0"/>
+                <a:ea typeface="+mj-ea"/>
+                <a:cs typeface="Calibri" panose="020F0502020204030204" pitchFamily="34" charset="0"/>
+              </a:rPr>
+              <a:t>left_top.x</a:t>
+            </a:r>
+            <a:r>
+              <a:rPr lang="tr-TR" sz="1600" dirty="0">
+                <a:solidFill>
+                  <a:srgbClr val="FFFF00"/>
+                </a:solidFill>
+                <a:latin typeface="Calibri" panose="020F0502020204030204" pitchFamily="34" charset="0"/>
+                <a:ea typeface="+mj-ea"/>
+                <a:cs typeface="Calibri" panose="020F0502020204030204" pitchFamily="34" charset="0"/>
+              </a:rPr>
+              <a:t>()), </a:t>
+            </a:r>
+            <a:r>
+              <a:rPr lang="tr-TR" sz="1600" dirty="0" err="1">
+                <a:solidFill>
+                  <a:srgbClr val="FFFF00"/>
+                </a:solidFill>
+                <a:latin typeface="Calibri" panose="020F0502020204030204" pitchFamily="34" charset="0"/>
+                <a:ea typeface="+mj-ea"/>
+                <a:cs typeface="Calibri" panose="020F0502020204030204" pitchFamily="34" charset="0"/>
+              </a:rPr>
+              <a:t>int</a:t>
+            </a:r>
+            <a:r>
+              <a:rPr lang="tr-TR" sz="1600" dirty="0">
+                <a:solidFill>
+                  <a:srgbClr val="FFFF00"/>
+                </a:solidFill>
+                <a:latin typeface="Calibri" panose="020F0502020204030204" pitchFamily="34" charset="0"/>
+                <a:ea typeface="+mj-ea"/>
+                <a:cs typeface="Calibri" panose="020F0502020204030204" pitchFamily="34" charset="0"/>
+              </a:rPr>
+              <a:t>(</a:t>
+            </a:r>
+            <a:r>
+              <a:rPr lang="tr-TR" sz="1600" dirty="0" err="1">
+                <a:solidFill>
+                  <a:srgbClr val="FFFF00"/>
+                </a:solidFill>
+                <a:latin typeface="Calibri" panose="020F0502020204030204" pitchFamily="34" charset="0"/>
+                <a:ea typeface="+mj-ea"/>
+                <a:cs typeface="Calibri" panose="020F0502020204030204" pitchFamily="34" charset="0"/>
+              </a:rPr>
+              <a:t>left_top.y</a:t>
+            </a:r>
+            <a:r>
+              <a:rPr lang="tr-TR" sz="1600" dirty="0">
+                <a:solidFill>
+                  <a:srgbClr val="FFFF00"/>
+                </a:solidFill>
+                <a:latin typeface="Calibri" panose="020F0502020204030204" pitchFamily="34" charset="0"/>
+                <a:ea typeface="+mj-ea"/>
+                <a:cs typeface="Calibri" panose="020F0502020204030204" pitchFamily="34" charset="0"/>
+              </a:rPr>
+              <a:t>()), </a:t>
+            </a:r>
+            <a:r>
+              <a:rPr lang="tr-TR" sz="1600" dirty="0" err="1">
+                <a:solidFill>
+                  <a:srgbClr val="FFFF00"/>
+                </a:solidFill>
+                <a:latin typeface="Calibri" panose="020F0502020204030204" pitchFamily="34" charset="0"/>
+                <a:ea typeface="+mj-ea"/>
+                <a:cs typeface="Calibri" panose="020F0502020204030204" pitchFamily="34" charset="0"/>
+              </a:rPr>
+              <a:t>int</a:t>
+            </a:r>
+            <a:r>
+              <a:rPr lang="tr-TR" sz="1600" dirty="0">
+                <a:solidFill>
+                  <a:srgbClr val="FFFF00"/>
+                </a:solidFill>
+                <a:latin typeface="Calibri" panose="020F0502020204030204" pitchFamily="34" charset="0"/>
+                <a:ea typeface="+mj-ea"/>
+                <a:cs typeface="Calibri" panose="020F0502020204030204" pitchFamily="34" charset="0"/>
+              </a:rPr>
+              <a:t>(</a:t>
+            </a:r>
+            <a:r>
+              <a:rPr lang="tr-TR" sz="1600" dirty="0" err="1">
+                <a:solidFill>
+                  <a:srgbClr val="FFFF00"/>
+                </a:solidFill>
+                <a:latin typeface="Calibri" panose="020F0502020204030204" pitchFamily="34" charset="0"/>
+                <a:ea typeface="+mj-ea"/>
+                <a:cs typeface="Calibri" panose="020F0502020204030204" pitchFamily="34" charset="0"/>
+              </a:rPr>
+              <a:t>rect_width</a:t>
+            </a:r>
+            <a:r>
+              <a:rPr lang="tr-TR" sz="1600" dirty="0">
+                <a:solidFill>
+                  <a:srgbClr val="FFFF00"/>
+                </a:solidFill>
+                <a:latin typeface="Calibri" panose="020F0502020204030204" pitchFamily="34" charset="0"/>
+                <a:ea typeface="+mj-ea"/>
+                <a:cs typeface="Calibri" panose="020F0502020204030204" pitchFamily="34" charset="0"/>
+              </a:rPr>
+              <a:t>), </a:t>
+            </a:r>
+            <a:r>
+              <a:rPr lang="tr-TR" sz="1600" dirty="0" err="1">
+                <a:solidFill>
+                  <a:srgbClr val="FFFF00"/>
+                </a:solidFill>
+                <a:latin typeface="Calibri" panose="020F0502020204030204" pitchFamily="34" charset="0"/>
+                <a:ea typeface="+mj-ea"/>
+                <a:cs typeface="Calibri" panose="020F0502020204030204" pitchFamily="34" charset="0"/>
+              </a:rPr>
+              <a:t>int</a:t>
+            </a:r>
+            <a:r>
+              <a:rPr lang="tr-TR" sz="1600" dirty="0">
+                <a:solidFill>
+                  <a:srgbClr val="FFFF00"/>
+                </a:solidFill>
+                <a:latin typeface="Calibri" panose="020F0502020204030204" pitchFamily="34" charset="0"/>
+                <a:ea typeface="+mj-ea"/>
+                <a:cs typeface="Calibri" panose="020F0502020204030204" pitchFamily="34" charset="0"/>
+              </a:rPr>
+              <a:t>(</a:t>
+            </a:r>
+            <a:r>
+              <a:rPr lang="tr-TR" sz="1600" dirty="0" err="1">
+                <a:solidFill>
+                  <a:srgbClr val="FFFF00"/>
+                </a:solidFill>
+                <a:latin typeface="Calibri" panose="020F0502020204030204" pitchFamily="34" charset="0"/>
+                <a:ea typeface="+mj-ea"/>
+                <a:cs typeface="Calibri" panose="020F0502020204030204" pitchFamily="34" charset="0"/>
+              </a:rPr>
+              <a:t>rect_height</a:t>
+            </a:r>
+            <a:r>
+              <a:rPr lang="tr-TR" sz="1600" dirty="0">
+                <a:solidFill>
+                  <a:srgbClr val="FFFF00"/>
+                </a:solidFill>
+                <a:latin typeface="Calibri" panose="020F0502020204030204" pitchFamily="34" charset="0"/>
+                <a:ea typeface="+mj-ea"/>
+                <a:cs typeface="Calibri" panose="020F0502020204030204" pitchFamily="34" charset="0"/>
+              </a:rPr>
+              <a:t>))</a:t>
+            </a:r>
+          </a:p>
+          <a:p>
+            <a:pPr marL="1371600" lvl="4" indent="0">
+              <a:buNone/>
+            </a:pPr>
+            <a:r>
+              <a:rPr lang="tr-TR" sz="1600" dirty="0">
+                <a:solidFill>
+                  <a:srgbClr val="FFFF00"/>
+                </a:solidFill>
+                <a:latin typeface="Calibri" panose="020F0502020204030204" pitchFamily="34" charset="0"/>
+                <a:ea typeface="+mj-ea"/>
+                <a:cs typeface="Calibri" panose="020F0502020204030204" pitchFamily="34" charset="0"/>
+              </a:rPr>
+              <a:t>530-&gt;</a:t>
+            </a:r>
+            <a:r>
+              <a:rPr lang="tr-TR" sz="1600" dirty="0" err="1">
+                <a:solidFill>
+                  <a:srgbClr val="FFFF00"/>
+                </a:solidFill>
+                <a:latin typeface="Calibri" panose="020F0502020204030204" pitchFamily="34" charset="0"/>
+                <a:ea typeface="+mj-ea"/>
+                <a:cs typeface="Calibri" panose="020F0502020204030204" pitchFamily="34" charset="0"/>
+              </a:rPr>
+              <a:t>p.drawLine</a:t>
+            </a:r>
+            <a:r>
+              <a:rPr lang="tr-TR" sz="1600" dirty="0">
+                <a:solidFill>
+                  <a:srgbClr val="FFFF00"/>
+                </a:solidFill>
+                <a:latin typeface="Calibri" panose="020F0502020204030204" pitchFamily="34" charset="0"/>
+                <a:ea typeface="+mj-ea"/>
+                <a:cs typeface="Calibri" panose="020F0502020204030204" pitchFamily="34" charset="0"/>
+              </a:rPr>
+              <a:t>(</a:t>
+            </a:r>
+            <a:r>
+              <a:rPr lang="tr-TR" sz="1600" dirty="0" err="1">
+                <a:solidFill>
+                  <a:srgbClr val="FFFF00"/>
+                </a:solidFill>
+                <a:latin typeface="Calibri" panose="020F0502020204030204" pitchFamily="34" charset="0"/>
+                <a:ea typeface="+mj-ea"/>
+                <a:cs typeface="Calibri" panose="020F0502020204030204" pitchFamily="34" charset="0"/>
+              </a:rPr>
+              <a:t>int</a:t>
+            </a:r>
+            <a:r>
+              <a:rPr lang="tr-TR" sz="1600" dirty="0">
+                <a:solidFill>
+                  <a:srgbClr val="FFFF00"/>
+                </a:solidFill>
+                <a:latin typeface="Calibri" panose="020F0502020204030204" pitchFamily="34" charset="0"/>
+                <a:ea typeface="+mj-ea"/>
+                <a:cs typeface="Calibri" panose="020F0502020204030204" pitchFamily="34" charset="0"/>
+              </a:rPr>
+              <a:t>(</a:t>
+            </a:r>
+            <a:r>
+              <a:rPr lang="tr-TR" sz="1600" dirty="0" err="1">
+                <a:solidFill>
+                  <a:srgbClr val="FFFF00"/>
+                </a:solidFill>
+                <a:latin typeface="Calibri" panose="020F0502020204030204" pitchFamily="34" charset="0"/>
+                <a:ea typeface="+mj-ea"/>
+                <a:cs typeface="Calibri" panose="020F0502020204030204" pitchFamily="34" charset="0"/>
+              </a:rPr>
+              <a:t>self.prev_point.x</a:t>
+            </a:r>
+            <a:r>
+              <a:rPr lang="tr-TR" sz="1600" dirty="0">
+                <a:solidFill>
+                  <a:srgbClr val="FFFF00"/>
+                </a:solidFill>
+                <a:latin typeface="Calibri" panose="020F0502020204030204" pitchFamily="34" charset="0"/>
+                <a:ea typeface="+mj-ea"/>
+                <a:cs typeface="Calibri" panose="020F0502020204030204" pitchFamily="34" charset="0"/>
+              </a:rPr>
+              <a:t>()), 0, </a:t>
+            </a:r>
+            <a:r>
+              <a:rPr lang="tr-TR" sz="1600" dirty="0" err="1">
+                <a:solidFill>
+                  <a:srgbClr val="FFFF00"/>
+                </a:solidFill>
+                <a:latin typeface="Calibri" panose="020F0502020204030204" pitchFamily="34" charset="0"/>
+                <a:ea typeface="+mj-ea"/>
+                <a:cs typeface="Calibri" panose="020F0502020204030204" pitchFamily="34" charset="0"/>
+              </a:rPr>
+              <a:t>int</a:t>
+            </a:r>
+            <a:r>
+              <a:rPr lang="tr-TR" sz="1600" dirty="0">
+                <a:solidFill>
+                  <a:srgbClr val="FFFF00"/>
+                </a:solidFill>
+                <a:latin typeface="Calibri" panose="020F0502020204030204" pitchFamily="34" charset="0"/>
+                <a:ea typeface="+mj-ea"/>
+                <a:cs typeface="Calibri" panose="020F0502020204030204" pitchFamily="34" charset="0"/>
+              </a:rPr>
+              <a:t>(</a:t>
+            </a:r>
+            <a:r>
+              <a:rPr lang="tr-TR" sz="1600" dirty="0" err="1">
+                <a:solidFill>
+                  <a:srgbClr val="FFFF00"/>
+                </a:solidFill>
+                <a:latin typeface="Calibri" panose="020F0502020204030204" pitchFamily="34" charset="0"/>
+                <a:ea typeface="+mj-ea"/>
+                <a:cs typeface="Calibri" panose="020F0502020204030204" pitchFamily="34" charset="0"/>
+              </a:rPr>
+              <a:t>self.prev_point.x</a:t>
+            </a:r>
+            <a:r>
+              <a:rPr lang="tr-TR" sz="1600" dirty="0">
+                <a:solidFill>
+                  <a:srgbClr val="FFFF00"/>
+                </a:solidFill>
+                <a:latin typeface="Calibri" panose="020F0502020204030204" pitchFamily="34" charset="0"/>
+                <a:ea typeface="+mj-ea"/>
+                <a:cs typeface="Calibri" panose="020F0502020204030204" pitchFamily="34" charset="0"/>
+              </a:rPr>
+              <a:t>()), </a:t>
+            </a:r>
+            <a:r>
+              <a:rPr lang="tr-TR" sz="1600" dirty="0" err="1">
+                <a:solidFill>
+                  <a:srgbClr val="FFFF00"/>
+                </a:solidFill>
+                <a:latin typeface="Calibri" panose="020F0502020204030204" pitchFamily="34" charset="0"/>
+                <a:ea typeface="+mj-ea"/>
+                <a:cs typeface="Calibri" panose="020F0502020204030204" pitchFamily="34" charset="0"/>
+              </a:rPr>
+              <a:t>int</a:t>
+            </a:r>
+            <a:r>
+              <a:rPr lang="tr-TR" sz="1600" dirty="0">
+                <a:solidFill>
+                  <a:srgbClr val="FFFF00"/>
+                </a:solidFill>
+                <a:latin typeface="Calibri" panose="020F0502020204030204" pitchFamily="34" charset="0"/>
+                <a:ea typeface="+mj-ea"/>
+                <a:cs typeface="Calibri" panose="020F0502020204030204" pitchFamily="34" charset="0"/>
+              </a:rPr>
+              <a:t>(</a:t>
+            </a:r>
+            <a:r>
+              <a:rPr lang="tr-TR" sz="1600" dirty="0" err="1">
+                <a:solidFill>
+                  <a:srgbClr val="FFFF00"/>
+                </a:solidFill>
+                <a:latin typeface="Calibri" panose="020F0502020204030204" pitchFamily="34" charset="0"/>
+                <a:ea typeface="+mj-ea"/>
+                <a:cs typeface="Calibri" panose="020F0502020204030204" pitchFamily="34" charset="0"/>
+              </a:rPr>
+              <a:t>self.pixmap.height</a:t>
+            </a:r>
+            <a:r>
+              <a:rPr lang="tr-TR" sz="1600" dirty="0">
+                <a:solidFill>
+                  <a:srgbClr val="FFFF00"/>
+                </a:solidFill>
+                <a:latin typeface="Calibri" panose="020F0502020204030204" pitchFamily="34" charset="0"/>
+                <a:ea typeface="+mj-ea"/>
+                <a:cs typeface="Calibri" panose="020F0502020204030204" pitchFamily="34" charset="0"/>
+              </a:rPr>
+              <a:t>()))</a:t>
+            </a:r>
+          </a:p>
+          <a:p>
+            <a:pPr marL="1371600" lvl="4" indent="0">
+              <a:buNone/>
+            </a:pPr>
+            <a:r>
+              <a:rPr lang="tr-TR" sz="1600" dirty="0">
+                <a:solidFill>
+                  <a:srgbClr val="FFFF00"/>
+                </a:solidFill>
+                <a:latin typeface="Calibri" panose="020F0502020204030204" pitchFamily="34" charset="0"/>
+                <a:ea typeface="+mj-ea"/>
+                <a:cs typeface="Calibri" panose="020F0502020204030204" pitchFamily="34" charset="0"/>
+              </a:rPr>
+              <a:t>531-&gt;</a:t>
+            </a:r>
+            <a:r>
+              <a:rPr lang="tr-TR" sz="1600" dirty="0" err="1">
+                <a:solidFill>
+                  <a:srgbClr val="FFFF00"/>
+                </a:solidFill>
+                <a:latin typeface="Calibri" panose="020F0502020204030204" pitchFamily="34" charset="0"/>
+                <a:ea typeface="+mj-ea"/>
+                <a:cs typeface="Calibri" panose="020F0502020204030204" pitchFamily="34" charset="0"/>
+              </a:rPr>
+              <a:t>p.drawLine</a:t>
+            </a:r>
+            <a:r>
+              <a:rPr lang="tr-TR" sz="1600" dirty="0">
+                <a:solidFill>
+                  <a:srgbClr val="FFFF00"/>
+                </a:solidFill>
+                <a:latin typeface="Calibri" panose="020F0502020204030204" pitchFamily="34" charset="0"/>
+                <a:ea typeface="+mj-ea"/>
+                <a:cs typeface="Calibri" panose="020F0502020204030204" pitchFamily="34" charset="0"/>
+              </a:rPr>
+              <a:t>(0, </a:t>
+            </a:r>
+            <a:r>
+              <a:rPr lang="tr-TR" sz="1600" dirty="0" err="1">
+                <a:solidFill>
+                  <a:srgbClr val="FFFF00"/>
+                </a:solidFill>
+                <a:latin typeface="Calibri" panose="020F0502020204030204" pitchFamily="34" charset="0"/>
+                <a:ea typeface="+mj-ea"/>
+                <a:cs typeface="Calibri" panose="020F0502020204030204" pitchFamily="34" charset="0"/>
+              </a:rPr>
+              <a:t>int</a:t>
+            </a:r>
+            <a:r>
+              <a:rPr lang="tr-TR" sz="1600" dirty="0">
+                <a:solidFill>
+                  <a:srgbClr val="FFFF00"/>
+                </a:solidFill>
+                <a:latin typeface="Calibri" panose="020F0502020204030204" pitchFamily="34" charset="0"/>
+                <a:ea typeface="+mj-ea"/>
+                <a:cs typeface="Calibri" panose="020F0502020204030204" pitchFamily="34" charset="0"/>
+              </a:rPr>
+              <a:t>(</a:t>
+            </a:r>
+            <a:r>
+              <a:rPr lang="tr-TR" sz="1600" dirty="0" err="1">
+                <a:solidFill>
+                  <a:srgbClr val="FFFF00"/>
+                </a:solidFill>
+                <a:latin typeface="Calibri" panose="020F0502020204030204" pitchFamily="34" charset="0"/>
+                <a:ea typeface="+mj-ea"/>
+                <a:cs typeface="Calibri" panose="020F0502020204030204" pitchFamily="34" charset="0"/>
+              </a:rPr>
+              <a:t>self.prev_point.y</a:t>
+            </a:r>
+            <a:r>
+              <a:rPr lang="tr-TR" sz="1600" dirty="0">
+                <a:solidFill>
+                  <a:srgbClr val="FFFF00"/>
+                </a:solidFill>
+                <a:latin typeface="Calibri" panose="020F0502020204030204" pitchFamily="34" charset="0"/>
+                <a:ea typeface="+mj-ea"/>
+                <a:cs typeface="Calibri" panose="020F0502020204030204" pitchFamily="34" charset="0"/>
+              </a:rPr>
+              <a:t>()), </a:t>
+            </a:r>
+            <a:r>
+              <a:rPr lang="tr-TR" sz="1600" dirty="0" err="1">
+                <a:solidFill>
+                  <a:srgbClr val="FFFF00"/>
+                </a:solidFill>
+                <a:latin typeface="Calibri" panose="020F0502020204030204" pitchFamily="34" charset="0"/>
+                <a:ea typeface="+mj-ea"/>
+                <a:cs typeface="Calibri" panose="020F0502020204030204" pitchFamily="34" charset="0"/>
+              </a:rPr>
+              <a:t>int</a:t>
+            </a:r>
+            <a:r>
+              <a:rPr lang="tr-TR" sz="1600" dirty="0">
+                <a:solidFill>
+                  <a:srgbClr val="FFFF00"/>
+                </a:solidFill>
+                <a:latin typeface="Calibri" panose="020F0502020204030204" pitchFamily="34" charset="0"/>
+                <a:ea typeface="+mj-ea"/>
+                <a:cs typeface="Calibri" panose="020F0502020204030204" pitchFamily="34" charset="0"/>
+              </a:rPr>
+              <a:t>(</a:t>
+            </a:r>
+            <a:r>
+              <a:rPr lang="tr-TR" sz="1600" dirty="0" err="1">
+                <a:solidFill>
+                  <a:srgbClr val="FFFF00"/>
+                </a:solidFill>
+                <a:latin typeface="Calibri" panose="020F0502020204030204" pitchFamily="34" charset="0"/>
+                <a:ea typeface="+mj-ea"/>
+                <a:cs typeface="Calibri" panose="020F0502020204030204" pitchFamily="34" charset="0"/>
+              </a:rPr>
+              <a:t>self.pixmap.width</a:t>
+            </a:r>
+            <a:r>
+              <a:rPr lang="tr-TR" sz="1600" dirty="0">
+                <a:solidFill>
+                  <a:srgbClr val="FFFF00"/>
+                </a:solidFill>
+                <a:latin typeface="Calibri" panose="020F0502020204030204" pitchFamily="34" charset="0"/>
+                <a:ea typeface="+mj-ea"/>
+                <a:cs typeface="Calibri" panose="020F0502020204030204" pitchFamily="34" charset="0"/>
+              </a:rPr>
+              <a:t>()), </a:t>
+            </a:r>
+            <a:r>
+              <a:rPr lang="tr-TR" sz="1600" dirty="0" err="1">
+                <a:solidFill>
+                  <a:srgbClr val="FFFF00"/>
+                </a:solidFill>
+                <a:latin typeface="Calibri" panose="020F0502020204030204" pitchFamily="34" charset="0"/>
+                <a:ea typeface="+mj-ea"/>
+                <a:cs typeface="Calibri" panose="020F0502020204030204" pitchFamily="34" charset="0"/>
+              </a:rPr>
+              <a:t>int</a:t>
+            </a:r>
+            <a:r>
+              <a:rPr lang="tr-TR" sz="1600" dirty="0">
+                <a:solidFill>
+                  <a:srgbClr val="FFFF00"/>
+                </a:solidFill>
+                <a:latin typeface="Calibri" panose="020F0502020204030204" pitchFamily="34" charset="0"/>
+                <a:ea typeface="+mj-ea"/>
+                <a:cs typeface="Calibri" panose="020F0502020204030204" pitchFamily="34" charset="0"/>
+              </a:rPr>
+              <a:t>(</a:t>
+            </a:r>
+            <a:r>
+              <a:rPr lang="tr-TR" sz="1600" dirty="0" err="1">
+                <a:solidFill>
+                  <a:srgbClr val="FFFF00"/>
+                </a:solidFill>
+                <a:latin typeface="Calibri" panose="020F0502020204030204" pitchFamily="34" charset="0"/>
+                <a:ea typeface="+mj-ea"/>
+                <a:cs typeface="Calibri" panose="020F0502020204030204" pitchFamily="34" charset="0"/>
+              </a:rPr>
+              <a:t>self.prev_point.y</a:t>
+            </a:r>
+            <a:r>
+              <a:rPr lang="tr-TR" sz="1600" dirty="0">
+                <a:solidFill>
+                  <a:srgbClr val="FFFF00"/>
+                </a:solidFill>
+                <a:latin typeface="Calibri" panose="020F0502020204030204" pitchFamily="34" charset="0"/>
+                <a:ea typeface="+mj-ea"/>
+                <a:cs typeface="Calibri" panose="020F0502020204030204" pitchFamily="34" charset="0"/>
+              </a:rPr>
+              <a:t>()))</a:t>
+            </a:r>
+          </a:p>
+          <a:p>
+            <a:endParaRPr lang="tr-TR" sz="1500" dirty="0">
+              <a:solidFill>
+                <a:srgbClr val="000000"/>
+              </a:solidFill>
+              <a:latin typeface="Söhne"/>
+            </a:endParaRPr>
+          </a:p>
+          <a:p>
+            <a:pPr algn="l"/>
+            <a:endParaRPr lang="tr-TR" sz="1200" dirty="0">
+              <a:solidFill>
+                <a:srgbClr val="212121"/>
+              </a:solidFill>
+              <a:latin typeface="Söhne"/>
+            </a:endParaRPr>
+          </a:p>
+          <a:p>
+            <a:endParaRPr lang="tr-TR" sz="1350" b="1" dirty="0">
+              <a:solidFill>
+                <a:schemeClr val="accent1"/>
+              </a:solidFill>
+              <a:latin typeface="Söhne"/>
+            </a:endParaRPr>
+          </a:p>
+        </p:txBody>
+      </p:sp>
+    </p:spTree>
+    <p:extLst>
+      <p:ext uri="{BB962C8B-B14F-4D97-AF65-F5344CB8AC3E}">
+        <p14:creationId xmlns:p14="http://schemas.microsoft.com/office/powerpoint/2010/main" val="147624005"/>
+      </p:ext>
+    </p:extLst>
+  </p:cSld>
+  <p:clrMapOvr>
+    <a:masterClrMapping/>
+  </p:clrMapOvr>
+</p:sld>
+</file>
+
+<file path=ppt/slides/slide16.xml><?xml version="1.0" encoding="utf-8"?>
+<p:sld xmlns:a="http://schemas.openxmlformats.org/drawingml/2006/main" xmlns:r="http://schemas.openxmlformats.org/officeDocument/2006/relationships" xmlns:p="http://schemas.openxmlformats.org/presentationml/2006/main">
+  <p:cSld>
+    <p:spTree>
+      <p:nvGrpSpPr>
+        <p:cNvPr id="1" name=""/>
+        <p:cNvGrpSpPr/>
+        <p:nvPr/>
+      </p:nvGrpSpPr>
+      <p:grpSpPr>
+        <a:xfrm>
+          <a:off x="0" y="0"/>
+          <a:ext cx="0" cy="0"/>
+          <a:chOff x="0" y="0"/>
+          <a:chExt cx="0" cy="0"/>
+        </a:xfrm>
+      </p:grpSpPr>
+      <p:sp>
+        <p:nvSpPr>
           <p:cNvPr id="3" name="Unvan 2"/>
           <p:cNvSpPr>
             <a:spLocks noGrp="1"/>
@@ -6421,7 +9088,7 @@
 </p:sld>
 </file>
 
-<file path=ppt/slides/slide15.xml><?xml version="1.0" encoding="utf-8"?>
+<file path=ppt/slides/slide17.xml><?xml version="1.0" encoding="utf-8"?>
 <p:sld xmlns:a="http://schemas.openxmlformats.org/drawingml/2006/main" xmlns:r="http://schemas.openxmlformats.org/officeDocument/2006/relationships" xmlns:p="http://schemas.openxmlformats.org/presentationml/2006/main">
   <p:cSld>
     <p:spTree>
@@ -6975,7 +9642,7 @@
 </p:sld>
 </file>
 
-<file path=ppt/slides/slide16.xml><?xml version="1.0" encoding="utf-8"?>
+<file path=ppt/slides/slide18.xml><?xml version="1.0" encoding="utf-8"?>
 <p:sld xmlns:a="http://schemas.openxmlformats.org/drawingml/2006/main" xmlns:r="http://schemas.openxmlformats.org/officeDocument/2006/relationships" xmlns:p="http://schemas.openxmlformats.org/presentationml/2006/main">
   <p:cSld>
     <p:spTree>
@@ -7188,7 +9855,7 @@
 </p:sld>
 </file>
 
-<file path=ppt/slides/slide17.xml><?xml version="1.0" encoding="utf-8"?>
+<file path=ppt/slides/slide19.xml><?xml version="1.0" encoding="utf-8"?>
 <p:sld xmlns:a="http://schemas.openxmlformats.org/drawingml/2006/main" xmlns:r="http://schemas.openxmlformats.org/officeDocument/2006/relationships" xmlns:p="http://schemas.openxmlformats.org/presentationml/2006/main">
   <p:cSld>
     <p:spTree>
@@ -7669,7 +10336,237 @@
 </p:sld>
 </file>
 
-<file path=ppt/slides/slide18.xml><?xml version="1.0" encoding="utf-8"?>
+<file path=ppt/slides/slide2.xml><?xml version="1.0" encoding="utf-8"?>
+<p:sld xmlns:a="http://schemas.openxmlformats.org/drawingml/2006/main" xmlns:r="http://schemas.openxmlformats.org/officeDocument/2006/relationships" xmlns:p="http://schemas.openxmlformats.org/presentationml/2006/main">
+  <p:cSld>
+    <p:spTree>
+      <p:nvGrpSpPr>
+        <p:cNvPr id="1" name=""/>
+        <p:cNvGrpSpPr/>
+        <p:nvPr/>
+      </p:nvGrpSpPr>
+      <p:grpSpPr>
+        <a:xfrm>
+          <a:off x="0" y="0"/>
+          <a:ext cx="0" cy="0"/>
+          <a:chOff x="0" y="0"/>
+          <a:chExt cx="0" cy="0"/>
+        </a:xfrm>
+      </p:grpSpPr>
+      <p:sp>
+        <p:nvSpPr>
+          <p:cNvPr id="3" name="Unvan 2"/>
+          <p:cNvSpPr>
+            <a:spLocks noGrp="1"/>
+          </p:cNvSpPr>
+          <p:nvPr>
+            <p:ph type="title"/>
+          </p:nvPr>
+        </p:nvSpPr>
+        <p:spPr>
+          <a:xfrm>
+            <a:off x="927579" y="0"/>
+            <a:ext cx="7228130" cy="875049"/>
+          </a:xfrm>
+        </p:spPr>
+        <p:txBody>
+          <a:bodyPr>
+            <a:normAutofit/>
+          </a:bodyPr>
+          <a:lstStyle/>
+          <a:p>
+            <a:r>
+              <a:rPr lang="tr-TR" sz="2000" dirty="0"/>
+              <a:t>YOLO</a:t>
+            </a:r>
+          </a:p>
+        </p:txBody>
+      </p:sp>
+      <p:sp>
+        <p:nvSpPr>
+          <p:cNvPr id="7" name="Unvan 2"/>
+          <p:cNvSpPr txBox="1">
+            <a:spLocks/>
+          </p:cNvSpPr>
+          <p:nvPr/>
+        </p:nvSpPr>
+        <p:spPr>
+          <a:xfrm>
+            <a:off x="328708" y="749877"/>
+            <a:ext cx="8486584" cy="3643746"/>
+          </a:xfrm>
+          <a:prstGeom prst="rect">
+            <a:avLst/>
+          </a:prstGeom>
+        </p:spPr>
+        <p:txBody>
+          <a:bodyPr vert="horz" lIns="91440" tIns="45720" rIns="91440" bIns="45720" rtlCol="0" anchor="t">
+            <a:normAutofit lnSpcReduction="10000"/>
+          </a:bodyPr>
+          <a:lstStyle>
+            <a:lvl1pPr algn="l" defTabSz="685800" rtl="0" eaLnBrk="1" latinLnBrk="0" hangingPunct="1">
+              <a:lnSpc>
+                <a:spcPct val="90000"/>
+              </a:lnSpc>
+              <a:spcBef>
+                <a:spcPct val="0"/>
+              </a:spcBef>
+              <a:buNone/>
+              <a:defRPr sz="3300" kern="1200">
+                <a:solidFill>
+                  <a:schemeClr val="tx1"/>
+                </a:solidFill>
+                <a:latin typeface="+mj-lt"/>
+                <a:ea typeface="+mj-ea"/>
+                <a:cs typeface="+mj-cs"/>
+              </a:defRPr>
+            </a:lvl1pPr>
+          </a:lstStyle>
+          <a:p>
+            <a:pPr marL="285750" indent="-285750" algn="just">
+              <a:spcAft>
+                <a:spcPts val="1200"/>
+              </a:spcAft>
+              <a:buFont typeface="Arial" panose="020B0604020202020204" pitchFamily="34" charset="0"/>
+              <a:buChar char="•"/>
+            </a:pPr>
+            <a:r>
+              <a:rPr lang="tr-TR" sz="2000" dirty="0" err="1">
+                <a:latin typeface="Calibri" panose="020F0502020204030204" pitchFamily="34" charset="0"/>
+                <a:cs typeface="Calibri" panose="020F0502020204030204" pitchFamily="34" charset="0"/>
+              </a:rPr>
+              <a:t>YOLO’yu</a:t>
+            </a:r>
+            <a:r>
+              <a:rPr lang="tr-TR" sz="2000" dirty="0">
+                <a:latin typeface="Calibri" panose="020F0502020204030204" pitchFamily="34" charset="0"/>
+                <a:cs typeface="Calibri" panose="020F0502020204030204" pitchFamily="34" charset="0"/>
+              </a:rPr>
+              <a:t> diğer algoritmalardan ayıran en önemli özelliği gerçek zamanlı nesne tespiti yapabilmesidir.</a:t>
+            </a:r>
+          </a:p>
+          <a:p>
+            <a:pPr marL="285750" indent="-285750" algn="just">
+              <a:spcAft>
+                <a:spcPts val="1200"/>
+              </a:spcAft>
+              <a:buFont typeface="Arial" panose="020B0604020202020204" pitchFamily="34" charset="0"/>
+              <a:buChar char="•"/>
+            </a:pPr>
+            <a:r>
+              <a:rPr lang="tr-TR" sz="2000" dirty="0">
+                <a:latin typeface="Calibri" panose="020F0502020204030204" pitchFamily="34" charset="0"/>
+                <a:cs typeface="Calibri" panose="020F0502020204030204" pitchFamily="34" charset="0"/>
+              </a:rPr>
+              <a:t>Peki YOLO nasıl hem bu kadar hızlı tahminler yaparken aynı zamanda çok iyi sonuçlar verebiliyor?</a:t>
+            </a:r>
+          </a:p>
+          <a:p>
+            <a:pPr marL="285750" indent="-285750" algn="just">
+              <a:spcAft>
+                <a:spcPts val="1200"/>
+              </a:spcAft>
+              <a:buFont typeface="Arial" panose="020B0604020202020204" pitchFamily="34" charset="0"/>
+              <a:buChar char="•"/>
+            </a:pPr>
+            <a:r>
+              <a:rPr lang="tr-TR" sz="2000" dirty="0">
+                <a:latin typeface="Calibri" panose="020F0502020204030204" pitchFamily="34" charset="0"/>
+                <a:cs typeface="Calibri" panose="020F0502020204030204" pitchFamily="34" charset="0"/>
+              </a:rPr>
+              <a:t>Öncelikle diğer algoritmaların neden yavaş olduğuna bakalım. </a:t>
+            </a:r>
+          </a:p>
+          <a:p>
+            <a:pPr marL="285750" indent="-285750" algn="just">
+              <a:spcAft>
+                <a:spcPts val="1200"/>
+              </a:spcAft>
+              <a:buFont typeface="Arial" panose="020B0604020202020204" pitchFamily="34" charset="0"/>
+              <a:buChar char="•"/>
+            </a:pPr>
+            <a:r>
+              <a:rPr lang="tr-TR" sz="2000" dirty="0">
+                <a:latin typeface="Calibri" panose="020F0502020204030204" pitchFamily="34" charset="0"/>
+                <a:cs typeface="Calibri" panose="020F0502020204030204" pitchFamily="34" charset="0"/>
+              </a:rPr>
+              <a:t>Örneğin R-CNN gibi bölge bazlı nesne tespit algoritmaları önce nesne bulunması muhtemel alanları belirleyip ardından oralarda ayrı ayrı CNN sınıflandırıcıları yürütüyor. </a:t>
+            </a:r>
+          </a:p>
+          <a:p>
+            <a:pPr marL="285750" indent="-285750" algn="just">
+              <a:spcAft>
+                <a:spcPts val="1200"/>
+              </a:spcAft>
+              <a:buFont typeface="Arial" panose="020B0604020202020204" pitchFamily="34" charset="0"/>
+              <a:buChar char="•"/>
+            </a:pPr>
+            <a:r>
+              <a:rPr lang="tr-TR" sz="2000" dirty="0">
+                <a:latin typeface="Calibri" panose="020F0502020204030204" pitchFamily="34" charset="0"/>
+                <a:cs typeface="Calibri" panose="020F0502020204030204" pitchFamily="34" charset="0"/>
+              </a:rPr>
+              <a:t>Bu yöntem her ne kadar iyi sonuçlar verse de bir resim iki ayrı işleme tabi tutulduğu için resim üzerindeki işlem sayımız artıyor ve düşük bir FPS (</a:t>
+            </a:r>
+            <a:r>
+              <a:rPr lang="tr-TR" sz="2000" dirty="0" err="1">
+                <a:latin typeface="Calibri" panose="020F0502020204030204" pitchFamily="34" charset="0"/>
+                <a:cs typeface="Calibri" panose="020F0502020204030204" pitchFamily="34" charset="0"/>
+              </a:rPr>
+              <a:t>Frames</a:t>
+            </a:r>
+            <a:r>
+              <a:rPr lang="tr-TR" sz="2000" dirty="0">
+                <a:latin typeface="Calibri" panose="020F0502020204030204" pitchFamily="34" charset="0"/>
+                <a:cs typeface="Calibri" panose="020F0502020204030204" pitchFamily="34" charset="0"/>
+              </a:rPr>
+              <a:t> </a:t>
+            </a:r>
+            <a:r>
+              <a:rPr lang="tr-TR" sz="2000" dirty="0" err="1">
+                <a:latin typeface="Calibri" panose="020F0502020204030204" pitchFamily="34" charset="0"/>
+                <a:cs typeface="Calibri" panose="020F0502020204030204" pitchFamily="34" charset="0"/>
+              </a:rPr>
+              <a:t>per</a:t>
+            </a:r>
+            <a:r>
+              <a:rPr lang="tr-TR" sz="2000" dirty="0">
+                <a:latin typeface="Calibri" panose="020F0502020204030204" pitchFamily="34" charset="0"/>
+                <a:cs typeface="Calibri" panose="020F0502020204030204" pitchFamily="34" charset="0"/>
+              </a:rPr>
+              <a:t> </a:t>
+            </a:r>
+            <a:r>
+              <a:rPr lang="tr-TR" sz="2000" dirty="0" err="1">
+                <a:latin typeface="Calibri" panose="020F0502020204030204" pitchFamily="34" charset="0"/>
+                <a:cs typeface="Calibri" panose="020F0502020204030204" pitchFamily="34" charset="0"/>
+              </a:rPr>
+              <a:t>second</a:t>
+            </a:r>
+            <a:r>
+              <a:rPr lang="tr-TR" sz="2000" dirty="0">
+                <a:latin typeface="Calibri" panose="020F0502020204030204" pitchFamily="34" charset="0"/>
+                <a:cs typeface="Calibri" panose="020F0502020204030204" pitchFamily="34" charset="0"/>
+              </a:rPr>
+              <a:t>, saniye başına kare) almamıza sebep oluyor.</a:t>
+            </a:r>
+          </a:p>
+        </p:txBody>
+      </p:sp>
+    </p:spTree>
+    <p:extLst>
+      <p:ext uri="{BB962C8B-B14F-4D97-AF65-F5344CB8AC3E}">
+        <p14:creationId xmlns:p14="http://schemas.microsoft.com/office/powerpoint/2010/main" val="515695510"/>
+      </p:ext>
+    </p:extLst>
+  </p:cSld>
+  <p:clrMapOvr>
+    <a:masterClrMapping/>
+  </p:clrMapOvr>
+</p:sld>
+</file>
+
+<file path=ppt/slides/slide20.xml><?xml version="1.0" encoding="utf-8"?>
 <p:sld xmlns:a="http://schemas.openxmlformats.org/drawingml/2006/main" xmlns:r="http://schemas.openxmlformats.org/officeDocument/2006/relationships" xmlns:p="http://schemas.openxmlformats.org/presentationml/2006/main">
   <p:cSld>
     <p:spTree>
@@ -7937,1136 +10834,6 @@
 </p:sld>
 </file>
 
-<file path=ppt/slides/slide19.xml><?xml version="1.0" encoding="utf-8"?>
-<p:sld xmlns:a="http://schemas.openxmlformats.org/drawingml/2006/main" xmlns:r="http://schemas.openxmlformats.org/officeDocument/2006/relationships" xmlns:p="http://schemas.openxmlformats.org/presentationml/2006/main">
-  <p:cSld>
-    <p:spTree>
-      <p:nvGrpSpPr>
-        <p:cNvPr id="1" name=""/>
-        <p:cNvGrpSpPr/>
-        <p:nvPr/>
-      </p:nvGrpSpPr>
-      <p:grpSpPr>
-        <a:xfrm>
-          <a:off x="0" y="0"/>
-          <a:ext cx="0" cy="0"/>
-          <a:chOff x="0" y="0"/>
-          <a:chExt cx="0" cy="0"/>
-        </a:xfrm>
-      </p:grpSpPr>
-      <p:sp>
-        <p:nvSpPr>
-          <p:cNvPr id="3" name="Unvan 2"/>
-          <p:cNvSpPr>
-            <a:spLocks noGrp="1"/>
-          </p:cNvSpPr>
-          <p:nvPr>
-            <p:ph type="title"/>
-          </p:nvPr>
-        </p:nvSpPr>
-        <p:spPr>
-          <a:xfrm>
-            <a:off x="927579" y="0"/>
-            <a:ext cx="7228130" cy="875049"/>
-          </a:xfrm>
-        </p:spPr>
-        <p:txBody>
-          <a:bodyPr>
-            <a:normAutofit/>
-          </a:bodyPr>
-          <a:lstStyle/>
-          <a:p>
-            <a:r>
-              <a:rPr lang="tr-TR" sz="2000" dirty="0"/>
-              <a:t>YOLO V7 Uygulama-&gt; Yolov7.ipynb</a:t>
-            </a:r>
-          </a:p>
-        </p:txBody>
-      </p:sp>
-      <p:sp>
-        <p:nvSpPr>
-          <p:cNvPr id="7" name="Unvan 2"/>
-          <p:cNvSpPr txBox="1">
-            <a:spLocks/>
-          </p:cNvSpPr>
-          <p:nvPr/>
-        </p:nvSpPr>
-        <p:spPr>
-          <a:xfrm>
-            <a:off x="242568" y="604102"/>
-            <a:ext cx="8729153" cy="4284698"/>
-          </a:xfrm>
-          <a:prstGeom prst="rect">
-            <a:avLst/>
-          </a:prstGeom>
-        </p:spPr>
-        <p:txBody>
-          <a:bodyPr vert="horz" lIns="91440" tIns="45720" rIns="91440" bIns="45720" rtlCol="0" anchor="t">
-            <a:normAutofit/>
-          </a:bodyPr>
-          <a:lstStyle>
-            <a:lvl1pPr algn="l" defTabSz="685800" rtl="0" eaLnBrk="1" latinLnBrk="0" hangingPunct="1">
-              <a:lnSpc>
-                <a:spcPct val="90000"/>
-              </a:lnSpc>
-              <a:spcBef>
-                <a:spcPct val="0"/>
-              </a:spcBef>
-              <a:buNone/>
-              <a:defRPr sz="3300" kern="1200">
-                <a:solidFill>
-                  <a:schemeClr val="tx1"/>
-                </a:solidFill>
-                <a:latin typeface="+mj-lt"/>
-                <a:ea typeface="+mj-ea"/>
-                <a:cs typeface="+mj-cs"/>
-              </a:defRPr>
-            </a:lvl1pPr>
-          </a:lstStyle>
-          <a:p>
-            <a:pPr algn="ctr">
-              <a:lnSpc>
-                <a:spcPct val="100000"/>
-              </a:lnSpc>
-              <a:spcAft>
-                <a:spcPts val="600"/>
-              </a:spcAft>
-            </a:pPr>
-            <a:r>
-              <a:rPr lang="tr-TR" sz="1800" b="1" u="sng" dirty="0" err="1">
-                <a:solidFill>
-                  <a:srgbClr val="FFFF00"/>
-                </a:solidFill>
-                <a:latin typeface="Calibri" panose="020F0502020204030204" pitchFamily="34" charset="0"/>
-                <a:cs typeface="Calibri" panose="020F0502020204030204" pitchFamily="34" charset="0"/>
-              </a:rPr>
-              <a:t>Custom</a:t>
-            </a:r>
-            <a:r>
-              <a:rPr lang="tr-TR" sz="1800" b="1" u="sng" dirty="0">
-                <a:solidFill>
-                  <a:srgbClr val="FFFF00"/>
-                </a:solidFill>
-                <a:latin typeface="Calibri" panose="020F0502020204030204" pitchFamily="34" charset="0"/>
-                <a:cs typeface="Calibri" panose="020F0502020204030204" pitchFamily="34" charset="0"/>
-              </a:rPr>
-              <a:t> Train YOLO</a:t>
-            </a:r>
-          </a:p>
-          <a:p>
-            <a:pPr algn="just">
-              <a:lnSpc>
-                <a:spcPct val="100000"/>
-              </a:lnSpc>
-              <a:spcAft>
-                <a:spcPts val="600"/>
-              </a:spcAft>
-            </a:pPr>
-            <a:r>
-              <a:rPr lang="tr-TR" sz="1600" dirty="0">
-                <a:latin typeface="Calibri" panose="020F0502020204030204" pitchFamily="34" charset="0"/>
-                <a:cs typeface="Calibri" panose="020F0502020204030204" pitchFamily="34" charset="0"/>
-              </a:rPr>
-              <a:t>5. Elde edilen Train.txt ve Test.txt </a:t>
-            </a:r>
-            <a:r>
-              <a:rPr lang="tr-TR" sz="1600" dirty="0" err="1">
-                <a:latin typeface="Calibri" panose="020F0502020204030204" pitchFamily="34" charset="0"/>
-                <a:cs typeface="Calibri" panose="020F0502020204030204" pitchFamily="34" charset="0"/>
-              </a:rPr>
-              <a:t>dosyları</a:t>
-            </a:r>
-            <a:r>
-              <a:rPr lang="tr-TR" sz="1600" dirty="0">
-                <a:latin typeface="Calibri" panose="020F0502020204030204" pitchFamily="34" charset="0"/>
-                <a:cs typeface="Calibri" panose="020F0502020204030204" pitchFamily="34" charset="0"/>
-              </a:rPr>
-              <a:t> Yolov7 klasörü altındaki data klasörüne kopyalanmalıdır.</a:t>
-            </a:r>
-          </a:p>
-          <a:p>
-            <a:pPr algn="just">
-              <a:lnSpc>
-                <a:spcPct val="100000"/>
-              </a:lnSpc>
-              <a:spcAft>
-                <a:spcPts val="1200"/>
-              </a:spcAft>
-            </a:pPr>
-            <a:r>
-              <a:rPr lang="tr-TR" sz="1600" dirty="0">
-                <a:latin typeface="Calibri" panose="020F0502020204030204" pitchFamily="34" charset="0"/>
-                <a:cs typeface="Calibri" panose="020F0502020204030204" pitchFamily="34" charset="0"/>
-              </a:rPr>
-              <a:t>6. Bu işlemden sonra aşağıdaki kod vasıtasıyla </a:t>
-            </a:r>
-            <a:r>
-              <a:rPr lang="tr-TR" sz="1600" dirty="0" err="1">
-                <a:latin typeface="Calibri" panose="020F0502020204030204" pitchFamily="34" charset="0"/>
-                <a:cs typeface="Calibri" panose="020F0502020204030204" pitchFamily="34" charset="0"/>
-              </a:rPr>
-              <a:t>train</a:t>
-            </a:r>
-            <a:r>
-              <a:rPr lang="tr-TR" sz="1600" dirty="0">
-                <a:latin typeface="Calibri" panose="020F0502020204030204" pitchFamily="34" charset="0"/>
-                <a:cs typeface="Calibri" panose="020F0502020204030204" pitchFamily="34" charset="0"/>
-              </a:rPr>
-              <a:t> işlemi başlatılabilir.</a:t>
-            </a:r>
-          </a:p>
-          <a:p>
-            <a:pPr algn="ctr">
-              <a:lnSpc>
-                <a:spcPct val="100000"/>
-              </a:lnSpc>
-              <a:spcAft>
-                <a:spcPts val="600"/>
-              </a:spcAft>
-            </a:pPr>
-            <a:r>
-              <a:rPr lang="tr-TR" sz="1600" dirty="0">
-                <a:solidFill>
-                  <a:srgbClr val="FFFF00"/>
-                </a:solidFill>
-                <a:latin typeface="Calibri" panose="020F0502020204030204" pitchFamily="34" charset="0"/>
-                <a:cs typeface="Calibri" panose="020F0502020204030204" pitchFamily="34" charset="0"/>
-              </a:rPr>
-              <a:t>!</a:t>
-            </a:r>
-            <a:r>
-              <a:rPr lang="tr-TR" sz="1600" dirty="0" err="1">
-                <a:solidFill>
-                  <a:srgbClr val="FFFF00"/>
-                </a:solidFill>
-                <a:latin typeface="Calibri" panose="020F0502020204030204" pitchFamily="34" charset="0"/>
-                <a:cs typeface="Calibri" panose="020F0502020204030204" pitchFamily="34" charset="0"/>
-              </a:rPr>
-              <a:t>python</a:t>
-            </a:r>
-            <a:r>
-              <a:rPr lang="tr-TR" sz="1600" dirty="0">
-                <a:solidFill>
-                  <a:srgbClr val="FFFF00"/>
-                </a:solidFill>
-                <a:latin typeface="Calibri" panose="020F0502020204030204" pitchFamily="34" charset="0"/>
-                <a:cs typeface="Calibri" panose="020F0502020204030204" pitchFamily="34" charset="0"/>
-              </a:rPr>
-              <a:t> train.py --</a:t>
-            </a:r>
-            <a:r>
-              <a:rPr lang="tr-TR" sz="1600" dirty="0" err="1">
-                <a:solidFill>
-                  <a:srgbClr val="FFFF00"/>
-                </a:solidFill>
-                <a:latin typeface="Calibri" panose="020F0502020204030204" pitchFamily="34" charset="0"/>
-                <a:cs typeface="Calibri" panose="020F0502020204030204" pitchFamily="34" charset="0"/>
-              </a:rPr>
-              <a:t>weights</a:t>
-            </a:r>
-            <a:r>
-              <a:rPr lang="tr-TR" sz="1600" dirty="0">
-                <a:solidFill>
-                  <a:srgbClr val="FFFF00"/>
-                </a:solidFill>
-                <a:latin typeface="Calibri" panose="020F0502020204030204" pitchFamily="34" charset="0"/>
-                <a:cs typeface="Calibri" panose="020F0502020204030204" pitchFamily="34" charset="0"/>
-              </a:rPr>
-              <a:t> yolov7.pt --data "./data/</a:t>
-            </a:r>
-            <a:r>
-              <a:rPr lang="tr-TR" sz="1600" dirty="0" err="1">
-                <a:solidFill>
-                  <a:srgbClr val="FFFF00"/>
-                </a:solidFill>
-                <a:latin typeface="Calibri" panose="020F0502020204030204" pitchFamily="34" charset="0"/>
-                <a:cs typeface="Calibri" panose="020F0502020204030204" pitchFamily="34" charset="0"/>
-              </a:rPr>
-              <a:t>custom.yaml</a:t>
-            </a:r>
-            <a:r>
-              <a:rPr lang="tr-TR" sz="1600" dirty="0">
-                <a:solidFill>
-                  <a:srgbClr val="FFFF00"/>
-                </a:solidFill>
-                <a:latin typeface="Calibri" panose="020F0502020204030204" pitchFamily="34" charset="0"/>
-                <a:cs typeface="Calibri" panose="020F0502020204030204" pitchFamily="34" charset="0"/>
-              </a:rPr>
-              <a:t>" --</a:t>
-            </a:r>
-            <a:r>
-              <a:rPr lang="tr-TR" sz="1600" dirty="0" err="1">
-                <a:solidFill>
-                  <a:srgbClr val="FFFF00"/>
-                </a:solidFill>
-                <a:latin typeface="Calibri" panose="020F0502020204030204" pitchFamily="34" charset="0"/>
-                <a:cs typeface="Calibri" panose="020F0502020204030204" pitchFamily="34" charset="0"/>
-              </a:rPr>
-              <a:t>workers</a:t>
-            </a:r>
-            <a:r>
-              <a:rPr lang="tr-TR" sz="1600" dirty="0">
-                <a:solidFill>
-                  <a:srgbClr val="FFFF00"/>
-                </a:solidFill>
-                <a:latin typeface="Calibri" panose="020F0502020204030204" pitchFamily="34" charset="0"/>
-                <a:cs typeface="Calibri" panose="020F0502020204030204" pitchFamily="34" charset="0"/>
-              </a:rPr>
-              <a:t> 4 --</a:t>
-            </a:r>
-            <a:r>
-              <a:rPr lang="tr-TR" sz="1600" dirty="0" err="1">
-                <a:solidFill>
-                  <a:srgbClr val="FFFF00"/>
-                </a:solidFill>
-                <a:latin typeface="Calibri" panose="020F0502020204030204" pitchFamily="34" charset="0"/>
-                <a:cs typeface="Calibri" panose="020F0502020204030204" pitchFamily="34" charset="0"/>
-              </a:rPr>
-              <a:t>batch</a:t>
-            </a:r>
-            <a:r>
-              <a:rPr lang="tr-TR" sz="1600" dirty="0">
-                <a:solidFill>
-                  <a:srgbClr val="FFFF00"/>
-                </a:solidFill>
-                <a:latin typeface="Calibri" panose="020F0502020204030204" pitchFamily="34" charset="0"/>
-                <a:cs typeface="Calibri" panose="020F0502020204030204" pitchFamily="34" charset="0"/>
-              </a:rPr>
-              <a:t>-size 4 --</a:t>
-            </a:r>
-            <a:r>
-              <a:rPr lang="tr-TR" sz="1600" dirty="0" err="1">
-                <a:solidFill>
-                  <a:srgbClr val="FFFF00"/>
-                </a:solidFill>
-                <a:latin typeface="Calibri" panose="020F0502020204030204" pitchFamily="34" charset="0"/>
-                <a:cs typeface="Calibri" panose="020F0502020204030204" pitchFamily="34" charset="0"/>
-              </a:rPr>
-              <a:t>img</a:t>
-            </a:r>
-            <a:r>
-              <a:rPr lang="tr-TR" sz="1600" dirty="0">
-                <a:solidFill>
-                  <a:srgbClr val="FFFF00"/>
-                </a:solidFill>
-                <a:latin typeface="Calibri" panose="020F0502020204030204" pitchFamily="34" charset="0"/>
-                <a:cs typeface="Calibri" panose="020F0502020204030204" pitchFamily="34" charset="0"/>
-              </a:rPr>
-              <a:t> 416 --</a:t>
-            </a:r>
-            <a:r>
-              <a:rPr lang="tr-TR" sz="1600" dirty="0" err="1">
-                <a:solidFill>
-                  <a:srgbClr val="FFFF00"/>
-                </a:solidFill>
-                <a:latin typeface="Calibri" panose="020F0502020204030204" pitchFamily="34" charset="0"/>
-                <a:cs typeface="Calibri" panose="020F0502020204030204" pitchFamily="34" charset="0"/>
-              </a:rPr>
-              <a:t>cfg</a:t>
-            </a:r>
-            <a:r>
-              <a:rPr lang="tr-TR" sz="1600" dirty="0">
-                <a:solidFill>
-                  <a:srgbClr val="FFFF00"/>
-                </a:solidFill>
-                <a:latin typeface="Calibri" panose="020F0502020204030204" pitchFamily="34" charset="0"/>
-                <a:cs typeface="Calibri" panose="020F0502020204030204" pitchFamily="34" charset="0"/>
-              </a:rPr>
-              <a:t> </a:t>
-            </a:r>
-            <a:r>
-              <a:rPr lang="tr-TR" sz="1600" dirty="0" err="1">
-                <a:solidFill>
-                  <a:srgbClr val="FFFF00"/>
-                </a:solidFill>
-                <a:latin typeface="Calibri" panose="020F0502020204030204" pitchFamily="34" charset="0"/>
-                <a:cs typeface="Calibri" panose="020F0502020204030204" pitchFamily="34" charset="0"/>
-              </a:rPr>
-              <a:t>cfg</a:t>
-            </a:r>
-            <a:r>
-              <a:rPr lang="tr-TR" sz="1600" dirty="0">
-                <a:solidFill>
-                  <a:srgbClr val="FFFF00"/>
-                </a:solidFill>
-                <a:latin typeface="Calibri" panose="020F0502020204030204" pitchFamily="34" charset="0"/>
-                <a:cs typeface="Calibri" panose="020F0502020204030204" pitchFamily="34" charset="0"/>
-              </a:rPr>
-              <a:t>/</a:t>
-            </a:r>
-            <a:r>
-              <a:rPr lang="tr-TR" sz="1600" dirty="0" err="1">
-                <a:solidFill>
-                  <a:srgbClr val="FFFF00"/>
-                </a:solidFill>
-                <a:latin typeface="Calibri" panose="020F0502020204030204" pitchFamily="34" charset="0"/>
-                <a:cs typeface="Calibri" panose="020F0502020204030204" pitchFamily="34" charset="0"/>
-              </a:rPr>
-              <a:t>training</a:t>
-            </a:r>
-            <a:r>
-              <a:rPr lang="tr-TR" sz="1600" dirty="0">
-                <a:solidFill>
-                  <a:srgbClr val="FFFF00"/>
-                </a:solidFill>
-                <a:latin typeface="Calibri" panose="020F0502020204030204" pitchFamily="34" charset="0"/>
-                <a:cs typeface="Calibri" panose="020F0502020204030204" pitchFamily="34" charset="0"/>
-              </a:rPr>
-              <a:t>/yolov7.yaml --name yolov7 </a:t>
-            </a:r>
-          </a:p>
-          <a:p>
-            <a:pPr marL="285750" indent="-285750" algn="just">
-              <a:lnSpc>
-                <a:spcPct val="100000"/>
-              </a:lnSpc>
-              <a:spcAft>
-                <a:spcPts val="600"/>
-              </a:spcAft>
-              <a:buFont typeface="Arial" panose="020B0604020202020204" pitchFamily="34" charset="0"/>
-              <a:buChar char="•"/>
-            </a:pPr>
-            <a:r>
-              <a:rPr lang="tr-TR" sz="1600" dirty="0">
-                <a:solidFill>
-                  <a:srgbClr val="FFFF00"/>
-                </a:solidFill>
-                <a:latin typeface="Calibri" panose="020F0502020204030204" pitchFamily="34" charset="0"/>
-                <a:cs typeface="Calibri" panose="020F0502020204030204" pitchFamily="34" charset="0"/>
-              </a:rPr>
-              <a:t>--</a:t>
-            </a:r>
-            <a:r>
-              <a:rPr lang="tr-TR" sz="1600" dirty="0" err="1">
-                <a:solidFill>
-                  <a:srgbClr val="FFFF00"/>
-                </a:solidFill>
-                <a:latin typeface="Calibri" panose="020F0502020204030204" pitchFamily="34" charset="0"/>
-                <a:cs typeface="Calibri" panose="020F0502020204030204" pitchFamily="34" charset="0"/>
-              </a:rPr>
-              <a:t>weights</a:t>
-            </a:r>
-            <a:r>
-              <a:rPr lang="tr-TR" sz="1600" dirty="0">
-                <a:solidFill>
-                  <a:srgbClr val="FFFF00"/>
-                </a:solidFill>
-                <a:latin typeface="Calibri" panose="020F0502020204030204" pitchFamily="34" charset="0"/>
-                <a:cs typeface="Calibri" panose="020F0502020204030204" pitchFamily="34" charset="0"/>
-              </a:rPr>
-              <a:t> yolov7.pt:</a:t>
-            </a:r>
-            <a:r>
-              <a:rPr lang="tr-TR" sz="1600" dirty="0">
-                <a:latin typeface="Calibri" panose="020F0502020204030204" pitchFamily="34" charset="0"/>
-                <a:cs typeface="Calibri" panose="020F0502020204030204" pitchFamily="34" charset="0"/>
-              </a:rPr>
-              <a:t> Transfer </a:t>
-            </a:r>
-            <a:r>
-              <a:rPr lang="tr-TR" sz="1600" dirty="0" err="1">
-                <a:latin typeface="Calibri" panose="020F0502020204030204" pitchFamily="34" charset="0"/>
-                <a:cs typeface="Calibri" panose="020F0502020204030204" pitchFamily="34" charset="0"/>
-              </a:rPr>
-              <a:t>learning</a:t>
-            </a:r>
-            <a:r>
-              <a:rPr lang="tr-TR" sz="1600" dirty="0">
-                <a:latin typeface="Calibri" panose="020F0502020204030204" pitchFamily="34" charset="0"/>
-                <a:cs typeface="Calibri" panose="020F0502020204030204" pitchFamily="34" charset="0"/>
-              </a:rPr>
-              <a:t> kullanıldığı için önceden eğitilmiş model ağırlıkları kullanılıyor.</a:t>
-            </a:r>
-          </a:p>
-          <a:p>
-            <a:pPr marL="285750" indent="-285750" algn="just">
-              <a:lnSpc>
-                <a:spcPct val="100000"/>
-              </a:lnSpc>
-              <a:spcAft>
-                <a:spcPts val="600"/>
-              </a:spcAft>
-              <a:buFont typeface="Arial" panose="020B0604020202020204" pitchFamily="34" charset="0"/>
-              <a:buChar char="•"/>
-            </a:pPr>
-            <a:r>
-              <a:rPr lang="tr-TR" sz="1600" dirty="0">
-                <a:solidFill>
-                  <a:srgbClr val="FFFF00"/>
-                </a:solidFill>
-                <a:latin typeface="Calibri" panose="020F0502020204030204" pitchFamily="34" charset="0"/>
-                <a:cs typeface="Calibri" panose="020F0502020204030204" pitchFamily="34" charset="0"/>
-              </a:rPr>
-              <a:t>--data "./data/</a:t>
-            </a:r>
-            <a:r>
-              <a:rPr lang="tr-TR" sz="1600" dirty="0" err="1">
-                <a:solidFill>
-                  <a:srgbClr val="FFFF00"/>
-                </a:solidFill>
-                <a:latin typeface="Calibri" panose="020F0502020204030204" pitchFamily="34" charset="0"/>
-                <a:cs typeface="Calibri" panose="020F0502020204030204" pitchFamily="34" charset="0"/>
-              </a:rPr>
-              <a:t>custom.yaml</a:t>
-            </a:r>
-            <a:r>
-              <a:rPr lang="tr-TR" sz="1600" dirty="0">
-                <a:solidFill>
-                  <a:srgbClr val="FFFF00"/>
-                </a:solidFill>
-                <a:latin typeface="Calibri" panose="020F0502020204030204" pitchFamily="34" charset="0"/>
-                <a:cs typeface="Calibri" panose="020F0502020204030204" pitchFamily="34" charset="0"/>
-              </a:rPr>
-              <a:t>": </a:t>
-            </a:r>
-            <a:r>
-              <a:rPr lang="tr-TR" sz="1600" dirty="0">
-                <a:latin typeface="Calibri" panose="020F0502020204030204" pitchFamily="34" charset="0"/>
-                <a:cs typeface="Calibri" panose="020F0502020204030204" pitchFamily="34" charset="0"/>
-              </a:rPr>
-              <a:t>Bu dosya içinde tanımlı txt dosyalarından eğitim, test ve </a:t>
-            </a:r>
-            <a:r>
-              <a:rPr lang="tr-TR" sz="1600" dirty="0" err="1">
-                <a:latin typeface="Calibri" panose="020F0502020204030204" pitchFamily="34" charset="0"/>
-                <a:cs typeface="Calibri" panose="020F0502020204030204" pitchFamily="34" charset="0"/>
-              </a:rPr>
-              <a:t>validationda</a:t>
-            </a:r>
-            <a:r>
-              <a:rPr lang="tr-TR" sz="1600" dirty="0">
-                <a:latin typeface="Calibri" panose="020F0502020204030204" pitchFamily="34" charset="0"/>
-                <a:cs typeface="Calibri" panose="020F0502020204030204" pitchFamily="34" charset="0"/>
-              </a:rPr>
-              <a:t> kullanılacak resimlerin yolu alınacak. </a:t>
-            </a:r>
-          </a:p>
-          <a:p>
-            <a:pPr marL="285750" indent="-285750" algn="just">
-              <a:lnSpc>
-                <a:spcPct val="100000"/>
-              </a:lnSpc>
-              <a:spcAft>
-                <a:spcPts val="600"/>
-              </a:spcAft>
-              <a:buFont typeface="Arial" panose="020B0604020202020204" pitchFamily="34" charset="0"/>
-              <a:buChar char="•"/>
-            </a:pPr>
-            <a:r>
-              <a:rPr lang="tr-TR" sz="1600" dirty="0">
-                <a:solidFill>
-                  <a:srgbClr val="FFFF00"/>
-                </a:solidFill>
-                <a:latin typeface="Calibri" panose="020F0502020204030204" pitchFamily="34" charset="0"/>
-                <a:cs typeface="Calibri" panose="020F0502020204030204" pitchFamily="34" charset="0"/>
-              </a:rPr>
-              <a:t>--</a:t>
-            </a:r>
-            <a:r>
-              <a:rPr lang="tr-TR" sz="1600" dirty="0" err="1">
-                <a:solidFill>
-                  <a:srgbClr val="FFFF00"/>
-                </a:solidFill>
-                <a:latin typeface="Calibri" panose="020F0502020204030204" pitchFamily="34" charset="0"/>
-                <a:cs typeface="Calibri" panose="020F0502020204030204" pitchFamily="34" charset="0"/>
-              </a:rPr>
-              <a:t>img</a:t>
-            </a:r>
-            <a:r>
-              <a:rPr lang="tr-TR" sz="1600" dirty="0">
-                <a:solidFill>
-                  <a:srgbClr val="FFFF00"/>
-                </a:solidFill>
-                <a:latin typeface="Calibri" panose="020F0502020204030204" pitchFamily="34" charset="0"/>
-                <a:cs typeface="Calibri" panose="020F0502020204030204" pitchFamily="34" charset="0"/>
-              </a:rPr>
-              <a:t> 416: </a:t>
-            </a:r>
-            <a:r>
-              <a:rPr lang="tr-TR" sz="1600" dirty="0">
-                <a:latin typeface="Calibri" panose="020F0502020204030204" pitchFamily="34" charset="0"/>
-                <a:cs typeface="Calibri" panose="020F0502020204030204" pitchFamily="34" charset="0"/>
-              </a:rPr>
-              <a:t>Eğitimde kullanılan resim boyutu. İstenirse genişlik ve yükseklik şeklinde 2 parametre olarak verilebilir.</a:t>
-            </a:r>
-          </a:p>
-          <a:p>
-            <a:pPr marL="285750" indent="-285750" algn="just">
-              <a:lnSpc>
-                <a:spcPct val="100000"/>
-              </a:lnSpc>
-              <a:spcAft>
-                <a:spcPts val="600"/>
-              </a:spcAft>
-              <a:buFont typeface="Arial" panose="020B0604020202020204" pitchFamily="34" charset="0"/>
-              <a:buChar char="•"/>
-            </a:pPr>
-            <a:r>
-              <a:rPr lang="tr-TR" sz="1600" dirty="0">
-                <a:solidFill>
-                  <a:srgbClr val="FFFF00"/>
-                </a:solidFill>
-                <a:latin typeface="Calibri" panose="020F0502020204030204" pitchFamily="34" charset="0"/>
-                <a:cs typeface="Calibri" panose="020F0502020204030204" pitchFamily="34" charset="0"/>
-              </a:rPr>
-              <a:t>--name yolov7: </a:t>
-            </a:r>
-            <a:r>
-              <a:rPr lang="tr-TR" sz="1600" dirty="0">
-                <a:latin typeface="Calibri" panose="020F0502020204030204" pitchFamily="34" charset="0"/>
-                <a:cs typeface="Calibri" panose="020F0502020204030204" pitchFamily="34" charset="0"/>
-              </a:rPr>
-              <a:t>Elde edilen ağırlıkların ve diğer dosyaların kaydedileceği klasör ön tanımı. Her eğitimde yolov7, yolov72, yolov73… şeklinde artarak gider.</a:t>
-            </a:r>
-          </a:p>
-          <a:p>
-            <a:pPr marL="285750" indent="-285750" algn="just">
-              <a:lnSpc>
-                <a:spcPct val="100000"/>
-              </a:lnSpc>
-              <a:spcAft>
-                <a:spcPts val="600"/>
-              </a:spcAft>
-              <a:buFont typeface="Arial" panose="020B0604020202020204" pitchFamily="34" charset="0"/>
-              <a:buChar char="•"/>
-            </a:pPr>
-            <a:endParaRPr lang="tr-TR" sz="1600" dirty="0">
-              <a:latin typeface="Calibri" panose="020F0502020204030204" pitchFamily="34" charset="0"/>
-              <a:cs typeface="Calibri" panose="020F0502020204030204" pitchFamily="34" charset="0"/>
-            </a:endParaRPr>
-          </a:p>
-          <a:p>
-            <a:pPr algn="just">
-              <a:lnSpc>
-                <a:spcPct val="100000"/>
-              </a:lnSpc>
-              <a:spcAft>
-                <a:spcPts val="600"/>
-              </a:spcAft>
-            </a:pPr>
-            <a:endParaRPr lang="tr-TR" sz="1600" dirty="0">
-              <a:solidFill>
-                <a:srgbClr val="FFFF00"/>
-              </a:solidFill>
-              <a:latin typeface="Calibri" panose="020F0502020204030204" pitchFamily="34" charset="0"/>
-              <a:cs typeface="Calibri" panose="020F0502020204030204" pitchFamily="34" charset="0"/>
-            </a:endParaRPr>
-          </a:p>
-        </p:txBody>
-      </p:sp>
-    </p:spTree>
-    <p:extLst>
-      <p:ext uri="{BB962C8B-B14F-4D97-AF65-F5344CB8AC3E}">
-        <p14:creationId xmlns:p14="http://schemas.microsoft.com/office/powerpoint/2010/main" val="3920889661"/>
-      </p:ext>
-    </p:extLst>
-  </p:cSld>
-  <p:clrMapOvr>
-    <a:masterClrMapping/>
-  </p:clrMapOvr>
-</p:sld>
-</file>
-
-<file path=ppt/slides/slide2.xml><?xml version="1.0" encoding="utf-8"?>
-<p:sld xmlns:a="http://schemas.openxmlformats.org/drawingml/2006/main" xmlns:r="http://schemas.openxmlformats.org/officeDocument/2006/relationships" xmlns:p="http://schemas.openxmlformats.org/presentationml/2006/main">
-  <p:cSld>
-    <p:spTree>
-      <p:nvGrpSpPr>
-        <p:cNvPr id="1" name=""/>
-        <p:cNvGrpSpPr/>
-        <p:nvPr/>
-      </p:nvGrpSpPr>
-      <p:grpSpPr>
-        <a:xfrm>
-          <a:off x="0" y="0"/>
-          <a:ext cx="0" cy="0"/>
-          <a:chOff x="0" y="0"/>
-          <a:chExt cx="0" cy="0"/>
-        </a:xfrm>
-      </p:grpSpPr>
-      <p:sp>
-        <p:nvSpPr>
-          <p:cNvPr id="3" name="Unvan 2"/>
-          <p:cNvSpPr>
-            <a:spLocks noGrp="1"/>
-          </p:cNvSpPr>
-          <p:nvPr>
-            <p:ph type="title"/>
-          </p:nvPr>
-        </p:nvSpPr>
-        <p:spPr>
-          <a:xfrm>
-            <a:off x="927579" y="0"/>
-            <a:ext cx="7228130" cy="875049"/>
-          </a:xfrm>
-        </p:spPr>
-        <p:txBody>
-          <a:bodyPr>
-            <a:normAutofit/>
-          </a:bodyPr>
-          <a:lstStyle/>
-          <a:p>
-            <a:r>
-              <a:rPr lang="tr-TR" sz="2000" dirty="0"/>
-              <a:t>YOLO</a:t>
-            </a:r>
-          </a:p>
-        </p:txBody>
-      </p:sp>
-      <p:sp>
-        <p:nvSpPr>
-          <p:cNvPr id="7" name="Unvan 2"/>
-          <p:cNvSpPr txBox="1">
-            <a:spLocks/>
-          </p:cNvSpPr>
-          <p:nvPr/>
-        </p:nvSpPr>
-        <p:spPr>
-          <a:xfrm>
-            <a:off x="328708" y="749877"/>
-            <a:ext cx="8486584" cy="3643746"/>
-          </a:xfrm>
-          <a:prstGeom prst="rect">
-            <a:avLst/>
-          </a:prstGeom>
-        </p:spPr>
-        <p:txBody>
-          <a:bodyPr vert="horz" lIns="91440" tIns="45720" rIns="91440" bIns="45720" rtlCol="0" anchor="t">
-            <a:normAutofit lnSpcReduction="10000"/>
-          </a:bodyPr>
-          <a:lstStyle>
-            <a:lvl1pPr algn="l" defTabSz="685800" rtl="0" eaLnBrk="1" latinLnBrk="0" hangingPunct="1">
-              <a:lnSpc>
-                <a:spcPct val="90000"/>
-              </a:lnSpc>
-              <a:spcBef>
-                <a:spcPct val="0"/>
-              </a:spcBef>
-              <a:buNone/>
-              <a:defRPr sz="3300" kern="1200">
-                <a:solidFill>
-                  <a:schemeClr val="tx1"/>
-                </a:solidFill>
-                <a:latin typeface="+mj-lt"/>
-                <a:ea typeface="+mj-ea"/>
-                <a:cs typeface="+mj-cs"/>
-              </a:defRPr>
-            </a:lvl1pPr>
-          </a:lstStyle>
-          <a:p>
-            <a:pPr marL="285750" indent="-285750" algn="just">
-              <a:spcAft>
-                <a:spcPts val="1200"/>
-              </a:spcAft>
-              <a:buFont typeface="Arial" panose="020B0604020202020204" pitchFamily="34" charset="0"/>
-              <a:buChar char="•"/>
-            </a:pPr>
-            <a:r>
-              <a:rPr lang="tr-TR" sz="2000" dirty="0" err="1">
-                <a:latin typeface="Calibri" panose="020F0502020204030204" pitchFamily="34" charset="0"/>
-                <a:cs typeface="Calibri" panose="020F0502020204030204" pitchFamily="34" charset="0"/>
-              </a:rPr>
-              <a:t>YOLO’yu</a:t>
-            </a:r>
-            <a:r>
-              <a:rPr lang="tr-TR" sz="2000" dirty="0">
-                <a:latin typeface="Calibri" panose="020F0502020204030204" pitchFamily="34" charset="0"/>
-                <a:cs typeface="Calibri" panose="020F0502020204030204" pitchFamily="34" charset="0"/>
-              </a:rPr>
-              <a:t> diğer algoritmalardan ayıran en önemli özelliği gerçek zamanlı nesne tespiti yapabilmesidir.</a:t>
-            </a:r>
-          </a:p>
-          <a:p>
-            <a:pPr marL="285750" indent="-285750" algn="just">
-              <a:spcAft>
-                <a:spcPts val="1200"/>
-              </a:spcAft>
-              <a:buFont typeface="Arial" panose="020B0604020202020204" pitchFamily="34" charset="0"/>
-              <a:buChar char="•"/>
-            </a:pPr>
-            <a:r>
-              <a:rPr lang="tr-TR" sz="2000" dirty="0">
-                <a:latin typeface="Calibri" panose="020F0502020204030204" pitchFamily="34" charset="0"/>
-                <a:cs typeface="Calibri" panose="020F0502020204030204" pitchFamily="34" charset="0"/>
-              </a:rPr>
-              <a:t>Peki YOLO nasıl hem bu kadar hızlı tahminler yaparken aynı zamanda çok iyi sonuçlar verebiliyor?</a:t>
-            </a:r>
-          </a:p>
-          <a:p>
-            <a:pPr marL="285750" indent="-285750" algn="just">
-              <a:spcAft>
-                <a:spcPts val="1200"/>
-              </a:spcAft>
-              <a:buFont typeface="Arial" panose="020B0604020202020204" pitchFamily="34" charset="0"/>
-              <a:buChar char="•"/>
-            </a:pPr>
-            <a:r>
-              <a:rPr lang="tr-TR" sz="2000" dirty="0">
-                <a:latin typeface="Calibri" panose="020F0502020204030204" pitchFamily="34" charset="0"/>
-                <a:cs typeface="Calibri" panose="020F0502020204030204" pitchFamily="34" charset="0"/>
-              </a:rPr>
-              <a:t>Öncelikle diğer algoritmaların neden yavaş olduğuna bakalım. </a:t>
-            </a:r>
-          </a:p>
-          <a:p>
-            <a:pPr marL="285750" indent="-285750" algn="just">
-              <a:spcAft>
-                <a:spcPts val="1200"/>
-              </a:spcAft>
-              <a:buFont typeface="Arial" panose="020B0604020202020204" pitchFamily="34" charset="0"/>
-              <a:buChar char="•"/>
-            </a:pPr>
-            <a:r>
-              <a:rPr lang="tr-TR" sz="2000" dirty="0">
-                <a:latin typeface="Calibri" panose="020F0502020204030204" pitchFamily="34" charset="0"/>
-                <a:cs typeface="Calibri" panose="020F0502020204030204" pitchFamily="34" charset="0"/>
-              </a:rPr>
-              <a:t>Örneğin R-CNN gibi bölge bazlı nesne tespit algoritmaları önce nesne bulunması muhtemel alanları belirleyip ardından oralarda ayrı ayrı CNN sınıflandırıcıları yürütüyor. </a:t>
-            </a:r>
-          </a:p>
-          <a:p>
-            <a:pPr marL="285750" indent="-285750" algn="just">
-              <a:spcAft>
-                <a:spcPts val="1200"/>
-              </a:spcAft>
-              <a:buFont typeface="Arial" panose="020B0604020202020204" pitchFamily="34" charset="0"/>
-              <a:buChar char="•"/>
-            </a:pPr>
-            <a:r>
-              <a:rPr lang="tr-TR" sz="2000" dirty="0">
-                <a:latin typeface="Calibri" panose="020F0502020204030204" pitchFamily="34" charset="0"/>
-                <a:cs typeface="Calibri" panose="020F0502020204030204" pitchFamily="34" charset="0"/>
-              </a:rPr>
-              <a:t>Bu yöntem her ne kadar iyi sonuçlar verse de bir resim iki ayrı işleme tabi tutulduğu için resim üzerindeki işlem sayımız artıyor ve düşük bir FPS (</a:t>
-            </a:r>
-            <a:r>
-              <a:rPr lang="tr-TR" sz="2000" dirty="0" err="1">
-                <a:latin typeface="Calibri" panose="020F0502020204030204" pitchFamily="34" charset="0"/>
-                <a:cs typeface="Calibri" panose="020F0502020204030204" pitchFamily="34" charset="0"/>
-              </a:rPr>
-              <a:t>Frames</a:t>
-            </a:r>
-            <a:r>
-              <a:rPr lang="tr-TR" sz="2000" dirty="0">
-                <a:latin typeface="Calibri" panose="020F0502020204030204" pitchFamily="34" charset="0"/>
-                <a:cs typeface="Calibri" panose="020F0502020204030204" pitchFamily="34" charset="0"/>
-              </a:rPr>
-              <a:t> </a:t>
-            </a:r>
-            <a:r>
-              <a:rPr lang="tr-TR" sz="2000" dirty="0" err="1">
-                <a:latin typeface="Calibri" panose="020F0502020204030204" pitchFamily="34" charset="0"/>
-                <a:cs typeface="Calibri" panose="020F0502020204030204" pitchFamily="34" charset="0"/>
-              </a:rPr>
-              <a:t>per</a:t>
-            </a:r>
-            <a:r>
-              <a:rPr lang="tr-TR" sz="2000" dirty="0">
-                <a:latin typeface="Calibri" panose="020F0502020204030204" pitchFamily="34" charset="0"/>
-                <a:cs typeface="Calibri" panose="020F0502020204030204" pitchFamily="34" charset="0"/>
-              </a:rPr>
-              <a:t> </a:t>
-            </a:r>
-            <a:r>
-              <a:rPr lang="tr-TR" sz="2000" dirty="0" err="1">
-                <a:latin typeface="Calibri" panose="020F0502020204030204" pitchFamily="34" charset="0"/>
-                <a:cs typeface="Calibri" panose="020F0502020204030204" pitchFamily="34" charset="0"/>
-              </a:rPr>
-              <a:t>second</a:t>
-            </a:r>
-            <a:r>
-              <a:rPr lang="tr-TR" sz="2000" dirty="0">
-                <a:latin typeface="Calibri" panose="020F0502020204030204" pitchFamily="34" charset="0"/>
-                <a:cs typeface="Calibri" panose="020F0502020204030204" pitchFamily="34" charset="0"/>
-              </a:rPr>
-              <a:t>, saniye başına kare) almamıza sebep oluyor.</a:t>
-            </a:r>
-          </a:p>
-        </p:txBody>
-      </p:sp>
-    </p:spTree>
-    <p:extLst>
-      <p:ext uri="{BB962C8B-B14F-4D97-AF65-F5344CB8AC3E}">
-        <p14:creationId xmlns:p14="http://schemas.microsoft.com/office/powerpoint/2010/main" val="515695510"/>
-      </p:ext>
-    </p:extLst>
-  </p:cSld>
-  <p:clrMapOvr>
-    <a:masterClrMapping/>
-  </p:clrMapOvr>
-</p:sld>
-</file>
-
-<file path=ppt/slides/slide20.xml><?xml version="1.0" encoding="utf-8"?>
-<p:sld xmlns:a="http://schemas.openxmlformats.org/drawingml/2006/main" xmlns:r="http://schemas.openxmlformats.org/officeDocument/2006/relationships" xmlns:p="http://schemas.openxmlformats.org/presentationml/2006/main">
-  <p:cSld>
-    <p:spTree>
-      <p:nvGrpSpPr>
-        <p:cNvPr id="1" name=""/>
-        <p:cNvGrpSpPr/>
-        <p:nvPr/>
-      </p:nvGrpSpPr>
-      <p:grpSpPr>
-        <a:xfrm>
-          <a:off x="0" y="0"/>
-          <a:ext cx="0" cy="0"/>
-          <a:chOff x="0" y="0"/>
-          <a:chExt cx="0" cy="0"/>
-        </a:xfrm>
-      </p:grpSpPr>
-      <p:sp>
-        <p:nvSpPr>
-          <p:cNvPr id="3" name="Unvan 2"/>
-          <p:cNvSpPr>
-            <a:spLocks noGrp="1"/>
-          </p:cNvSpPr>
-          <p:nvPr>
-            <p:ph type="title"/>
-          </p:nvPr>
-        </p:nvSpPr>
-        <p:spPr>
-          <a:xfrm>
-            <a:off x="927579" y="0"/>
-            <a:ext cx="7228130" cy="875049"/>
-          </a:xfrm>
-        </p:spPr>
-        <p:txBody>
-          <a:bodyPr>
-            <a:normAutofit/>
-          </a:bodyPr>
-          <a:lstStyle/>
-          <a:p>
-            <a:r>
-              <a:rPr lang="tr-TR" sz="2000" dirty="0"/>
-              <a:t>YOLO V7 Uygulama-&gt; Yolov7.ipynb</a:t>
-            </a:r>
-          </a:p>
-        </p:txBody>
-      </p:sp>
-      <p:sp>
-        <p:nvSpPr>
-          <p:cNvPr id="7" name="Unvan 2"/>
-          <p:cNvSpPr txBox="1">
-            <a:spLocks/>
-          </p:cNvSpPr>
-          <p:nvPr/>
-        </p:nvSpPr>
-        <p:spPr>
-          <a:xfrm>
-            <a:off x="198783" y="604102"/>
-            <a:ext cx="8852451" cy="4284698"/>
-          </a:xfrm>
-          <a:prstGeom prst="rect">
-            <a:avLst/>
-          </a:prstGeom>
-        </p:spPr>
-        <p:txBody>
-          <a:bodyPr vert="horz" lIns="91440" tIns="45720" rIns="91440" bIns="45720" rtlCol="0" anchor="t">
-            <a:normAutofit/>
-          </a:bodyPr>
-          <a:lstStyle>
-            <a:lvl1pPr algn="l" defTabSz="685800" rtl="0" eaLnBrk="1" latinLnBrk="0" hangingPunct="1">
-              <a:lnSpc>
-                <a:spcPct val="90000"/>
-              </a:lnSpc>
-              <a:spcBef>
-                <a:spcPct val="0"/>
-              </a:spcBef>
-              <a:buNone/>
-              <a:defRPr sz="3300" kern="1200">
-                <a:solidFill>
-                  <a:schemeClr val="tx1"/>
-                </a:solidFill>
-                <a:latin typeface="+mj-lt"/>
-                <a:ea typeface="+mj-ea"/>
-                <a:cs typeface="+mj-cs"/>
-              </a:defRPr>
-            </a:lvl1pPr>
-          </a:lstStyle>
-          <a:p>
-            <a:pPr algn="ctr">
-              <a:lnSpc>
-                <a:spcPct val="100000"/>
-              </a:lnSpc>
-              <a:spcAft>
-                <a:spcPts val="600"/>
-              </a:spcAft>
-            </a:pPr>
-            <a:r>
-              <a:rPr lang="tr-TR" sz="1800" b="1" u="sng" dirty="0" err="1">
-                <a:solidFill>
-                  <a:srgbClr val="FFFF00"/>
-                </a:solidFill>
-                <a:latin typeface="Calibri" panose="020F0502020204030204" pitchFamily="34" charset="0"/>
-                <a:cs typeface="Calibri" panose="020F0502020204030204" pitchFamily="34" charset="0"/>
-              </a:rPr>
-              <a:t>Custom</a:t>
-            </a:r>
-            <a:r>
-              <a:rPr lang="tr-TR" sz="1800" b="1" u="sng" dirty="0">
-                <a:solidFill>
-                  <a:srgbClr val="FFFF00"/>
-                </a:solidFill>
-                <a:latin typeface="Calibri" panose="020F0502020204030204" pitchFamily="34" charset="0"/>
-                <a:cs typeface="Calibri" panose="020F0502020204030204" pitchFamily="34" charset="0"/>
-              </a:rPr>
-              <a:t> Train YOLO</a:t>
-            </a:r>
-          </a:p>
-          <a:p>
-            <a:pPr algn="just">
-              <a:lnSpc>
-                <a:spcPct val="100000"/>
-              </a:lnSpc>
-              <a:spcAft>
-                <a:spcPts val="600"/>
-              </a:spcAft>
-            </a:pPr>
-            <a:r>
-              <a:rPr lang="tr-TR" sz="1600" dirty="0">
-                <a:latin typeface="Calibri" panose="020F0502020204030204" pitchFamily="34" charset="0"/>
-                <a:cs typeface="Calibri" panose="020F0502020204030204" pitchFamily="34" charset="0"/>
-              </a:rPr>
-              <a:t>7. Eğitim bittiğinde elde edilen ağırlıklar Yolov7 klasörü altındaki «</a:t>
-            </a:r>
-            <a:r>
-              <a:rPr lang="tr-TR" sz="1600" dirty="0" err="1">
-                <a:latin typeface="Calibri" panose="020F0502020204030204" pitchFamily="34" charset="0"/>
-                <a:cs typeface="Calibri" panose="020F0502020204030204" pitchFamily="34" charset="0"/>
-              </a:rPr>
-              <a:t>runs</a:t>
-            </a:r>
-            <a:r>
-              <a:rPr lang="tr-TR" sz="1600" dirty="0">
-                <a:latin typeface="Calibri" panose="020F0502020204030204" pitchFamily="34" charset="0"/>
-                <a:cs typeface="Calibri" panose="020F0502020204030204" pitchFamily="34" charset="0"/>
-              </a:rPr>
-              <a:t>/</a:t>
-            </a:r>
-            <a:r>
-              <a:rPr lang="tr-TR" sz="1600" dirty="0" err="1">
-                <a:latin typeface="Calibri" panose="020F0502020204030204" pitchFamily="34" charset="0"/>
-                <a:cs typeface="Calibri" panose="020F0502020204030204" pitchFamily="34" charset="0"/>
-              </a:rPr>
-              <a:t>train</a:t>
-            </a:r>
-            <a:r>
-              <a:rPr lang="tr-TR" sz="1600" dirty="0">
-                <a:latin typeface="Calibri" panose="020F0502020204030204" pitchFamily="34" charset="0"/>
-                <a:cs typeface="Calibri" panose="020F0502020204030204" pitchFamily="34" charset="0"/>
-              </a:rPr>
-              <a:t>/yolov7(2,3,4..vb.)/ </a:t>
-            </a:r>
-            <a:r>
-              <a:rPr lang="tr-TR" sz="1600" dirty="0" err="1">
-                <a:latin typeface="Calibri" panose="020F0502020204030204" pitchFamily="34" charset="0"/>
-                <a:cs typeface="Calibri" panose="020F0502020204030204" pitchFamily="34" charset="0"/>
-              </a:rPr>
-              <a:t>weights</a:t>
-            </a:r>
-            <a:r>
-              <a:rPr lang="tr-TR" sz="1600" dirty="0">
-                <a:latin typeface="Calibri" panose="020F0502020204030204" pitchFamily="34" charset="0"/>
-                <a:cs typeface="Calibri" panose="020F0502020204030204" pitchFamily="34" charset="0"/>
-              </a:rPr>
-              <a:t>» klasörüne kaydedilir.</a:t>
-            </a:r>
-          </a:p>
-          <a:p>
-            <a:pPr algn="just">
-              <a:lnSpc>
-                <a:spcPct val="100000"/>
-              </a:lnSpc>
-              <a:spcAft>
-                <a:spcPts val="600"/>
-              </a:spcAft>
-            </a:pPr>
-            <a:r>
-              <a:rPr lang="tr-TR" sz="1600" dirty="0">
-                <a:latin typeface="Calibri" panose="020F0502020204030204" pitchFamily="34" charset="0"/>
-                <a:cs typeface="Calibri" panose="020F0502020204030204" pitchFamily="34" charset="0"/>
-              </a:rPr>
-              <a:t> </a:t>
-            </a:r>
-          </a:p>
-          <a:p>
-            <a:pPr marL="285750" indent="-285750" algn="just">
-              <a:lnSpc>
-                <a:spcPct val="100000"/>
-              </a:lnSpc>
-              <a:spcAft>
-                <a:spcPts val="600"/>
-              </a:spcAft>
-              <a:buFont typeface="Arial" panose="020B0604020202020204" pitchFamily="34" charset="0"/>
-              <a:buChar char="•"/>
-            </a:pPr>
-            <a:endParaRPr lang="tr-TR" sz="1600" dirty="0">
-              <a:latin typeface="Calibri" panose="020F0502020204030204" pitchFamily="34" charset="0"/>
-              <a:cs typeface="Calibri" panose="020F0502020204030204" pitchFamily="34" charset="0"/>
-            </a:endParaRPr>
-          </a:p>
-          <a:p>
-            <a:pPr algn="just">
-              <a:lnSpc>
-                <a:spcPct val="100000"/>
-              </a:lnSpc>
-              <a:spcAft>
-                <a:spcPts val="600"/>
-              </a:spcAft>
-            </a:pPr>
-            <a:endParaRPr lang="tr-TR" sz="1600" dirty="0">
-              <a:solidFill>
-                <a:srgbClr val="FFFF00"/>
-              </a:solidFill>
-              <a:latin typeface="Calibri" panose="020F0502020204030204" pitchFamily="34" charset="0"/>
-              <a:cs typeface="Calibri" panose="020F0502020204030204" pitchFamily="34" charset="0"/>
-            </a:endParaRPr>
-          </a:p>
-        </p:txBody>
-      </p:sp>
-      <p:pic>
-        <p:nvPicPr>
-          <p:cNvPr id="4" name="Resim 3">
-            <a:extLst>
-              <a:ext uri="{FF2B5EF4-FFF2-40B4-BE49-F238E27FC236}">
-                <a16:creationId xmlns:a16="http://schemas.microsoft.com/office/drawing/2014/main" id="{18A78F07-AEB3-A3BF-BE6F-D05B5455DDF0}"/>
-              </a:ext>
-            </a:extLst>
-          </p:cNvPr>
-          <p:cNvPicPr>
-            <a:picLocks noChangeAspect="1"/>
-          </p:cNvPicPr>
-          <p:nvPr/>
-        </p:nvPicPr>
-        <p:blipFill>
-          <a:blip r:embed="rId2"/>
-          <a:stretch>
-            <a:fillRect/>
-          </a:stretch>
-        </p:blipFill>
-        <p:spPr>
-          <a:xfrm>
-            <a:off x="2134220" y="1777148"/>
-            <a:ext cx="4371975" cy="2762250"/>
-          </a:xfrm>
-          <a:prstGeom prst="rect">
-            <a:avLst/>
-          </a:prstGeom>
-        </p:spPr>
-      </p:pic>
-    </p:spTree>
-    <p:extLst>
-      <p:ext uri="{BB962C8B-B14F-4D97-AF65-F5344CB8AC3E}">
-        <p14:creationId xmlns:p14="http://schemas.microsoft.com/office/powerpoint/2010/main" val="1913745979"/>
-      </p:ext>
-    </p:extLst>
-  </p:cSld>
-  <p:clrMapOvr>
-    <a:masterClrMapping/>
-  </p:clrMapOvr>
-</p:sld>
-</file>
-
 <file path=ppt/slides/slide21.xml><?xml version="1.0" encoding="utf-8"?>
 <p:sld xmlns:a="http://schemas.openxmlformats.org/drawingml/2006/main" xmlns:r="http://schemas.openxmlformats.org/officeDocument/2006/relationships" xmlns:p="http://schemas.openxmlformats.org/presentationml/2006/main">
   <p:cSld>
@@ -9123,8 +10890,8 @@
         </p:nvSpPr>
         <p:spPr>
           <a:xfrm>
-            <a:off x="198783" y="604102"/>
-            <a:ext cx="8852451" cy="4284698"/>
+            <a:off x="242568" y="604102"/>
+            <a:ext cx="8729153" cy="4284698"/>
           </a:xfrm>
           <a:prstGeom prst="rect">
             <a:avLst/>
@@ -9132,7 +10899,7 @@
         </p:spPr>
         <p:txBody>
           <a:bodyPr vert="horz" lIns="91440" tIns="45720" rIns="91440" bIns="45720" rtlCol="0" anchor="t">
-            <a:noAutofit/>
+            <a:normAutofit/>
           </a:bodyPr>
           <a:lstStyle>
             <a:lvl1pPr algn="l" defTabSz="685800" rtl="0" eaLnBrk="1" latinLnBrk="0" hangingPunct="1">
@@ -9163,17 +10930,239 @@
               </a:spcAft>
             </a:pPr>
             <a:r>
-              <a:rPr lang="tr-TR" sz="1500" b="1" u="sng" dirty="0" err="1">
-                <a:solidFill>
-                  <a:srgbClr val="FFFF00"/>
-                </a:solidFill>
-                <a:latin typeface="Calibri" panose="020F0502020204030204" pitchFamily="34" charset="0"/>
-                <a:cs typeface="Calibri" panose="020F0502020204030204" pitchFamily="34" charset="0"/>
-              </a:rPr>
-              <a:t>Testing</a:t>
-            </a:r>
-            <a:r>
-              <a:rPr lang="tr-TR" sz="1500" b="1" u="sng" dirty="0">
+              <a:rPr lang="tr-TR" sz="1800" b="1" u="sng" dirty="0" err="1">
+                <a:solidFill>
+                  <a:srgbClr val="FFFF00"/>
+                </a:solidFill>
+                <a:latin typeface="Calibri" panose="020F0502020204030204" pitchFamily="34" charset="0"/>
+                <a:cs typeface="Calibri" panose="020F0502020204030204" pitchFamily="34" charset="0"/>
+              </a:rPr>
+              <a:t>Custom</a:t>
+            </a:r>
+            <a:r>
+              <a:rPr lang="tr-TR" sz="1800" b="1" u="sng" dirty="0">
+                <a:solidFill>
+                  <a:srgbClr val="FFFF00"/>
+                </a:solidFill>
+                <a:latin typeface="Calibri" panose="020F0502020204030204" pitchFamily="34" charset="0"/>
+                <a:cs typeface="Calibri" panose="020F0502020204030204" pitchFamily="34" charset="0"/>
+              </a:rPr>
+              <a:t> Train YOLO</a:t>
+            </a:r>
+          </a:p>
+          <a:p>
+            <a:pPr algn="just">
+              <a:lnSpc>
+                <a:spcPct val="100000"/>
+              </a:lnSpc>
+              <a:spcAft>
+                <a:spcPts val="600"/>
+              </a:spcAft>
+            </a:pPr>
+            <a:r>
+              <a:rPr lang="tr-TR" sz="1600" dirty="0">
+                <a:latin typeface="Calibri" panose="020F0502020204030204" pitchFamily="34" charset="0"/>
+                <a:cs typeface="Calibri" panose="020F0502020204030204" pitchFamily="34" charset="0"/>
+              </a:rPr>
+              <a:t>5. Elde edilen Train.txt ve Test.txt </a:t>
+            </a:r>
+            <a:r>
+              <a:rPr lang="tr-TR" sz="1600" dirty="0" err="1">
+                <a:latin typeface="Calibri" panose="020F0502020204030204" pitchFamily="34" charset="0"/>
+                <a:cs typeface="Calibri" panose="020F0502020204030204" pitchFamily="34" charset="0"/>
+              </a:rPr>
+              <a:t>dosyları</a:t>
+            </a:r>
+            <a:r>
+              <a:rPr lang="tr-TR" sz="1600" dirty="0">
+                <a:latin typeface="Calibri" panose="020F0502020204030204" pitchFamily="34" charset="0"/>
+                <a:cs typeface="Calibri" panose="020F0502020204030204" pitchFamily="34" charset="0"/>
+              </a:rPr>
+              <a:t> Yolov7 klasörü altındaki data klasörüne kopyalanmalıdır.</a:t>
+            </a:r>
+          </a:p>
+          <a:p>
+            <a:pPr algn="just">
+              <a:lnSpc>
+                <a:spcPct val="100000"/>
+              </a:lnSpc>
+              <a:spcAft>
+                <a:spcPts val="1200"/>
+              </a:spcAft>
+            </a:pPr>
+            <a:r>
+              <a:rPr lang="tr-TR" sz="1600" dirty="0">
+                <a:latin typeface="Calibri" panose="020F0502020204030204" pitchFamily="34" charset="0"/>
+                <a:cs typeface="Calibri" panose="020F0502020204030204" pitchFamily="34" charset="0"/>
+              </a:rPr>
+              <a:t>6. Bu işlemden sonra aşağıdaki kod vasıtasıyla </a:t>
+            </a:r>
+            <a:r>
+              <a:rPr lang="tr-TR" sz="1600" dirty="0" err="1">
+                <a:latin typeface="Calibri" panose="020F0502020204030204" pitchFamily="34" charset="0"/>
+                <a:cs typeface="Calibri" panose="020F0502020204030204" pitchFamily="34" charset="0"/>
+              </a:rPr>
+              <a:t>train</a:t>
+            </a:r>
+            <a:r>
+              <a:rPr lang="tr-TR" sz="1600" dirty="0">
+                <a:latin typeface="Calibri" panose="020F0502020204030204" pitchFamily="34" charset="0"/>
+                <a:cs typeface="Calibri" panose="020F0502020204030204" pitchFamily="34" charset="0"/>
+              </a:rPr>
+              <a:t> işlemi başlatılabilir.</a:t>
+            </a:r>
+          </a:p>
+          <a:p>
+            <a:pPr algn="ctr">
+              <a:lnSpc>
+                <a:spcPct val="100000"/>
+              </a:lnSpc>
+              <a:spcAft>
+                <a:spcPts val="600"/>
+              </a:spcAft>
+            </a:pPr>
+            <a:r>
+              <a:rPr lang="tr-TR" sz="1600" dirty="0">
+                <a:solidFill>
+                  <a:srgbClr val="FFFF00"/>
+                </a:solidFill>
+                <a:latin typeface="Calibri" panose="020F0502020204030204" pitchFamily="34" charset="0"/>
+                <a:cs typeface="Calibri" panose="020F0502020204030204" pitchFamily="34" charset="0"/>
+              </a:rPr>
+              <a:t>!</a:t>
+            </a:r>
+            <a:r>
+              <a:rPr lang="tr-TR" sz="1600" dirty="0" err="1">
+                <a:solidFill>
+                  <a:srgbClr val="FFFF00"/>
+                </a:solidFill>
+                <a:latin typeface="Calibri" panose="020F0502020204030204" pitchFamily="34" charset="0"/>
+                <a:cs typeface="Calibri" panose="020F0502020204030204" pitchFamily="34" charset="0"/>
+              </a:rPr>
+              <a:t>python</a:t>
+            </a:r>
+            <a:r>
+              <a:rPr lang="tr-TR" sz="1600" dirty="0">
+                <a:solidFill>
+                  <a:srgbClr val="FFFF00"/>
+                </a:solidFill>
+                <a:latin typeface="Calibri" panose="020F0502020204030204" pitchFamily="34" charset="0"/>
+                <a:cs typeface="Calibri" panose="020F0502020204030204" pitchFamily="34" charset="0"/>
+              </a:rPr>
+              <a:t> train.py --</a:t>
+            </a:r>
+            <a:r>
+              <a:rPr lang="tr-TR" sz="1600" dirty="0" err="1">
+                <a:solidFill>
+                  <a:srgbClr val="FFFF00"/>
+                </a:solidFill>
+                <a:latin typeface="Calibri" panose="020F0502020204030204" pitchFamily="34" charset="0"/>
+                <a:cs typeface="Calibri" panose="020F0502020204030204" pitchFamily="34" charset="0"/>
+              </a:rPr>
+              <a:t>weights</a:t>
+            </a:r>
+            <a:r>
+              <a:rPr lang="tr-TR" sz="1600" dirty="0">
+                <a:solidFill>
+                  <a:srgbClr val="FFFF00"/>
+                </a:solidFill>
+                <a:latin typeface="Calibri" panose="020F0502020204030204" pitchFamily="34" charset="0"/>
+                <a:cs typeface="Calibri" panose="020F0502020204030204" pitchFamily="34" charset="0"/>
+              </a:rPr>
+              <a:t> yolov7.pt --data "./data/</a:t>
+            </a:r>
+            <a:r>
+              <a:rPr lang="tr-TR" sz="1600" dirty="0" err="1">
+                <a:solidFill>
+                  <a:srgbClr val="FFFF00"/>
+                </a:solidFill>
+                <a:latin typeface="Calibri" panose="020F0502020204030204" pitchFamily="34" charset="0"/>
+                <a:cs typeface="Calibri" panose="020F0502020204030204" pitchFamily="34" charset="0"/>
+              </a:rPr>
+              <a:t>custom.yaml</a:t>
+            </a:r>
+            <a:r>
+              <a:rPr lang="tr-TR" sz="1600" dirty="0">
+                <a:solidFill>
+                  <a:srgbClr val="FFFF00"/>
+                </a:solidFill>
+                <a:latin typeface="Calibri" panose="020F0502020204030204" pitchFamily="34" charset="0"/>
+                <a:cs typeface="Calibri" panose="020F0502020204030204" pitchFamily="34" charset="0"/>
+              </a:rPr>
+              <a:t>" --</a:t>
+            </a:r>
+            <a:r>
+              <a:rPr lang="tr-TR" sz="1600" dirty="0" err="1">
+                <a:solidFill>
+                  <a:srgbClr val="FFFF00"/>
+                </a:solidFill>
+                <a:latin typeface="Calibri" panose="020F0502020204030204" pitchFamily="34" charset="0"/>
+                <a:cs typeface="Calibri" panose="020F0502020204030204" pitchFamily="34" charset="0"/>
+              </a:rPr>
+              <a:t>workers</a:t>
+            </a:r>
+            <a:r>
+              <a:rPr lang="tr-TR" sz="1600" dirty="0">
+                <a:solidFill>
+                  <a:srgbClr val="FFFF00"/>
+                </a:solidFill>
+                <a:latin typeface="Calibri" panose="020F0502020204030204" pitchFamily="34" charset="0"/>
+                <a:cs typeface="Calibri" panose="020F0502020204030204" pitchFamily="34" charset="0"/>
+              </a:rPr>
+              <a:t> 4 --</a:t>
+            </a:r>
+            <a:r>
+              <a:rPr lang="tr-TR" sz="1600" dirty="0" err="1">
+                <a:solidFill>
+                  <a:srgbClr val="FFFF00"/>
+                </a:solidFill>
+                <a:latin typeface="Calibri" panose="020F0502020204030204" pitchFamily="34" charset="0"/>
+                <a:cs typeface="Calibri" panose="020F0502020204030204" pitchFamily="34" charset="0"/>
+              </a:rPr>
+              <a:t>batch</a:t>
+            </a:r>
+            <a:r>
+              <a:rPr lang="tr-TR" sz="1600" dirty="0">
+                <a:solidFill>
+                  <a:srgbClr val="FFFF00"/>
+                </a:solidFill>
+                <a:latin typeface="Calibri" panose="020F0502020204030204" pitchFamily="34" charset="0"/>
+                <a:cs typeface="Calibri" panose="020F0502020204030204" pitchFamily="34" charset="0"/>
+              </a:rPr>
+              <a:t>-size 4 --</a:t>
+            </a:r>
+            <a:r>
+              <a:rPr lang="tr-TR" sz="1600" dirty="0" err="1">
+                <a:solidFill>
+                  <a:srgbClr val="FFFF00"/>
+                </a:solidFill>
+                <a:latin typeface="Calibri" panose="020F0502020204030204" pitchFamily="34" charset="0"/>
+                <a:cs typeface="Calibri" panose="020F0502020204030204" pitchFamily="34" charset="0"/>
+              </a:rPr>
+              <a:t>img</a:t>
+            </a:r>
+            <a:r>
+              <a:rPr lang="tr-TR" sz="1600" dirty="0">
+                <a:solidFill>
+                  <a:srgbClr val="FFFF00"/>
+                </a:solidFill>
+                <a:latin typeface="Calibri" panose="020F0502020204030204" pitchFamily="34" charset="0"/>
+                <a:cs typeface="Calibri" panose="020F0502020204030204" pitchFamily="34" charset="0"/>
+              </a:rPr>
+              <a:t> 416 --</a:t>
+            </a:r>
+            <a:r>
+              <a:rPr lang="tr-TR" sz="1600" dirty="0" err="1">
+                <a:solidFill>
+                  <a:srgbClr val="FFFF00"/>
+                </a:solidFill>
+                <a:latin typeface="Calibri" panose="020F0502020204030204" pitchFamily="34" charset="0"/>
+                <a:cs typeface="Calibri" panose="020F0502020204030204" pitchFamily="34" charset="0"/>
+              </a:rPr>
+              <a:t>cfg</a:t>
+            </a:r>
+            <a:r>
+              <a:rPr lang="tr-TR" sz="1600" dirty="0">
                 <a:solidFill>
                   <a:srgbClr val="FFFF00"/>
                 </a:solidFill>
@@ -9183,161 +11172,44 @@
               <a:t> </a:t>
             </a:r>
             <a:r>
-              <a:rPr lang="tr-TR" sz="1500" b="1" u="sng" dirty="0" err="1">
-                <a:solidFill>
-                  <a:srgbClr val="FFFF00"/>
-                </a:solidFill>
-                <a:latin typeface="Calibri" panose="020F0502020204030204" pitchFamily="34" charset="0"/>
-                <a:cs typeface="Calibri" panose="020F0502020204030204" pitchFamily="34" charset="0"/>
-              </a:rPr>
-              <a:t>Trained</a:t>
-            </a:r>
-            <a:r>
-              <a:rPr lang="tr-TR" sz="1500" b="1" u="sng" dirty="0">
-                <a:solidFill>
-                  <a:srgbClr val="FFFF00"/>
-                </a:solidFill>
-                <a:latin typeface="Calibri" panose="020F0502020204030204" pitchFamily="34" charset="0"/>
-                <a:cs typeface="Calibri" panose="020F0502020204030204" pitchFamily="34" charset="0"/>
-              </a:rPr>
-              <a:t> YOLO</a:t>
-            </a:r>
-          </a:p>
-          <a:p>
-            <a:pPr algn="just">
-              <a:lnSpc>
-                <a:spcPct val="100000"/>
-              </a:lnSpc>
-              <a:spcAft>
-                <a:spcPts val="600"/>
-              </a:spcAft>
-            </a:pPr>
-            <a:r>
-              <a:rPr lang="tr-TR" sz="1500" dirty="0">
-                <a:latin typeface="Calibri" panose="020F0502020204030204" pitchFamily="34" charset="0"/>
-                <a:cs typeface="Calibri" panose="020F0502020204030204" pitchFamily="34" charset="0"/>
-              </a:rPr>
-              <a:t>8. Eğitim bittikten sonra performans metriklerini elde etmek için test verileri üzerinde best.pt ağırlığı kullanılarak model test edilir. Test işlemi aşağıdaki gibi yapılabilir.</a:t>
-            </a:r>
-          </a:p>
-          <a:p>
-            <a:pPr algn="ctr">
-              <a:lnSpc>
-                <a:spcPct val="100000"/>
-              </a:lnSpc>
-              <a:spcBef>
-                <a:spcPts val="1200"/>
-              </a:spcBef>
-              <a:spcAft>
-                <a:spcPts val="600"/>
-              </a:spcAft>
-            </a:pPr>
-            <a:r>
-              <a:rPr lang="tr-TR" sz="1500" dirty="0">
-                <a:solidFill>
-                  <a:srgbClr val="FFFF00"/>
-                </a:solidFill>
-                <a:latin typeface="Calibri" panose="020F0502020204030204" pitchFamily="34" charset="0"/>
-                <a:cs typeface="Calibri" panose="020F0502020204030204" pitchFamily="34" charset="0"/>
-              </a:rPr>
-              <a:t>!</a:t>
-            </a:r>
-            <a:r>
-              <a:rPr lang="tr-TR" sz="1500" dirty="0" err="1">
-                <a:solidFill>
-                  <a:srgbClr val="FFFF00"/>
-                </a:solidFill>
-                <a:latin typeface="Calibri" panose="020F0502020204030204" pitchFamily="34" charset="0"/>
-                <a:cs typeface="Calibri" panose="020F0502020204030204" pitchFamily="34" charset="0"/>
-              </a:rPr>
-              <a:t>python</a:t>
-            </a:r>
-            <a:r>
-              <a:rPr lang="tr-TR" sz="1500" dirty="0">
-                <a:solidFill>
-                  <a:srgbClr val="FFFF00"/>
-                </a:solidFill>
-                <a:latin typeface="Calibri" panose="020F0502020204030204" pitchFamily="34" charset="0"/>
-                <a:cs typeface="Calibri" panose="020F0502020204030204" pitchFamily="34" charset="0"/>
-              </a:rPr>
-              <a:t> test.py --</a:t>
-            </a:r>
-            <a:r>
-              <a:rPr lang="tr-TR" sz="1500" dirty="0" err="1">
-                <a:solidFill>
-                  <a:srgbClr val="FFFF00"/>
-                </a:solidFill>
-                <a:latin typeface="Calibri" panose="020F0502020204030204" pitchFamily="34" charset="0"/>
-                <a:cs typeface="Calibri" panose="020F0502020204030204" pitchFamily="34" charset="0"/>
-              </a:rPr>
-              <a:t>weights</a:t>
-            </a:r>
-            <a:r>
-              <a:rPr lang="tr-TR" sz="1500" dirty="0">
-                <a:solidFill>
-                  <a:srgbClr val="FFFF00"/>
-                </a:solidFill>
-                <a:latin typeface="Calibri" panose="020F0502020204030204" pitchFamily="34" charset="0"/>
-                <a:cs typeface="Calibri" panose="020F0502020204030204" pitchFamily="34" charset="0"/>
-              </a:rPr>
-              <a:t> runs/train/yolov72/weights/last.pt --</a:t>
-            </a:r>
-            <a:r>
-              <a:rPr lang="tr-TR" sz="1500" dirty="0" err="1">
-                <a:solidFill>
-                  <a:srgbClr val="FFFF00"/>
-                </a:solidFill>
-                <a:latin typeface="Calibri" panose="020F0502020204030204" pitchFamily="34" charset="0"/>
-                <a:cs typeface="Calibri" panose="020F0502020204030204" pitchFamily="34" charset="0"/>
-              </a:rPr>
-              <a:t>task</a:t>
-            </a:r>
-            <a:r>
-              <a:rPr lang="tr-TR" sz="1500" dirty="0">
-                <a:solidFill>
-                  <a:srgbClr val="FFFF00"/>
-                </a:solidFill>
-                <a:latin typeface="Calibri" panose="020F0502020204030204" pitchFamily="34" charset="0"/>
-                <a:cs typeface="Calibri" panose="020F0502020204030204" pitchFamily="34" charset="0"/>
-              </a:rPr>
-              <a:t> test --data "./data/</a:t>
-            </a:r>
-            <a:r>
-              <a:rPr lang="tr-TR" sz="1500" dirty="0" err="1">
-                <a:solidFill>
-                  <a:srgbClr val="FFFF00"/>
-                </a:solidFill>
-                <a:latin typeface="Calibri" panose="020F0502020204030204" pitchFamily="34" charset="0"/>
-                <a:cs typeface="Calibri" panose="020F0502020204030204" pitchFamily="34" charset="0"/>
-              </a:rPr>
-              <a:t>custom.yaml</a:t>
-            </a:r>
-            <a:r>
-              <a:rPr lang="tr-TR" sz="1500" dirty="0">
-                <a:solidFill>
-                  <a:srgbClr val="FFFF00"/>
-                </a:solidFill>
-                <a:latin typeface="Calibri" panose="020F0502020204030204" pitchFamily="34" charset="0"/>
-                <a:cs typeface="Calibri" panose="020F0502020204030204" pitchFamily="34" charset="0"/>
-              </a:rPr>
-              <a:t>"</a:t>
-            </a:r>
-          </a:p>
-          <a:p>
-            <a:pPr algn="just">
-              <a:lnSpc>
-                <a:spcPct val="100000"/>
-              </a:lnSpc>
-              <a:spcAft>
-                <a:spcPts val="600"/>
-              </a:spcAft>
-            </a:pPr>
-            <a:r>
-              <a:rPr lang="tr-TR" sz="1500" dirty="0">
-                <a:latin typeface="Calibri" panose="020F0502020204030204" pitchFamily="34" charset="0"/>
-                <a:cs typeface="Calibri" panose="020F0502020204030204" pitchFamily="34" charset="0"/>
-              </a:rPr>
-              <a:t> </a:t>
+              <a:rPr lang="tr-TR" sz="1600" dirty="0" err="1">
+                <a:solidFill>
+                  <a:srgbClr val="FFFF00"/>
+                </a:solidFill>
+                <a:latin typeface="Calibri" panose="020F0502020204030204" pitchFamily="34" charset="0"/>
+                <a:cs typeface="Calibri" panose="020F0502020204030204" pitchFamily="34" charset="0"/>
+              </a:rPr>
+              <a:t>cfg</a:t>
+            </a:r>
+            <a:r>
+              <a:rPr lang="tr-TR" sz="1600" dirty="0">
+                <a:solidFill>
+                  <a:srgbClr val="FFFF00"/>
+                </a:solidFill>
+                <a:latin typeface="Calibri" panose="020F0502020204030204" pitchFamily="34" charset="0"/>
+                <a:cs typeface="Calibri" panose="020F0502020204030204" pitchFamily="34" charset="0"/>
+              </a:rPr>
+              <a:t>/</a:t>
+            </a:r>
+            <a:r>
+              <a:rPr lang="tr-TR" sz="1600" dirty="0" err="1">
+                <a:solidFill>
+                  <a:srgbClr val="FFFF00"/>
+                </a:solidFill>
+                <a:latin typeface="Calibri" panose="020F0502020204030204" pitchFamily="34" charset="0"/>
+                <a:cs typeface="Calibri" panose="020F0502020204030204" pitchFamily="34" charset="0"/>
+              </a:rPr>
+              <a:t>training</a:t>
+            </a:r>
+            <a:r>
+              <a:rPr lang="tr-TR" sz="1600" dirty="0">
+                <a:solidFill>
+                  <a:srgbClr val="FFFF00"/>
+                </a:solidFill>
+                <a:latin typeface="Calibri" panose="020F0502020204030204" pitchFamily="34" charset="0"/>
+                <a:cs typeface="Calibri" panose="020F0502020204030204" pitchFamily="34" charset="0"/>
+              </a:rPr>
+              <a:t>/yolov7.yaml --name yolov7 </a:t>
             </a:r>
           </a:p>
           <a:p>
@@ -9352,53 +11224,55 @@
               <a:buChar char="•"/>
             </a:pPr>
             <a:r>
-              <a:rPr lang="tr-TR" sz="1500" dirty="0">
-                <a:latin typeface="Calibri" panose="020F0502020204030204" pitchFamily="34" charset="0"/>
-                <a:cs typeface="Calibri" panose="020F0502020204030204" pitchFamily="34" charset="0"/>
-              </a:rPr>
-              <a:t>Elde edilen metriklere ait eğriler (</a:t>
-            </a:r>
-            <a:r>
-              <a:rPr lang="tr-TR" sz="1500" dirty="0" err="1">
-                <a:latin typeface="Calibri" panose="020F0502020204030204" pitchFamily="34" charset="0"/>
-                <a:cs typeface="Calibri" panose="020F0502020204030204" pitchFamily="34" charset="0"/>
-              </a:rPr>
-              <a:t>precision</a:t>
-            </a:r>
-            <a:r>
-              <a:rPr lang="tr-TR" sz="1500" dirty="0">
-                <a:latin typeface="Calibri" panose="020F0502020204030204" pitchFamily="34" charset="0"/>
-                <a:cs typeface="Calibri" panose="020F0502020204030204" pitchFamily="34" charset="0"/>
-              </a:rPr>
-              <a:t>, </a:t>
-            </a:r>
-            <a:r>
-              <a:rPr lang="tr-TR" sz="1500" dirty="0" err="1">
-                <a:latin typeface="Calibri" panose="020F0502020204030204" pitchFamily="34" charset="0"/>
-                <a:cs typeface="Calibri" panose="020F0502020204030204" pitchFamily="34" charset="0"/>
-              </a:rPr>
-              <a:t>recall</a:t>
-            </a:r>
-            <a:r>
-              <a:rPr lang="tr-TR" sz="1500" dirty="0">
-                <a:latin typeface="Calibri" panose="020F0502020204030204" pitchFamily="34" charset="0"/>
-                <a:cs typeface="Calibri" panose="020F0502020204030204" pitchFamily="34" charset="0"/>
-              </a:rPr>
-              <a:t>, f1 vb..) Yolov7 klasörü altındaki «</a:t>
-            </a:r>
-            <a:r>
-              <a:rPr lang="tr-TR" sz="1500" dirty="0" err="1">
-                <a:latin typeface="Calibri" panose="020F0502020204030204" pitchFamily="34" charset="0"/>
-                <a:cs typeface="Calibri" panose="020F0502020204030204" pitchFamily="34" charset="0"/>
-              </a:rPr>
-              <a:t>runs</a:t>
-            </a:r>
-            <a:r>
-              <a:rPr lang="tr-TR" sz="1500" dirty="0">
-                <a:latin typeface="Calibri" panose="020F0502020204030204" pitchFamily="34" charset="0"/>
-                <a:cs typeface="Calibri" panose="020F0502020204030204" pitchFamily="34" charset="0"/>
-              </a:rPr>
-              <a:t>/test» klasörü altına kaydedilir. Ayrıca metrik değerleri aşağıdaki gibi ekrana yazılır. </a:t>
+              <a:rPr lang="tr-TR" sz="1600" dirty="0">
+                <a:solidFill>
+                  <a:srgbClr val="FFFF00"/>
+                </a:solidFill>
+                <a:latin typeface="Calibri" panose="020F0502020204030204" pitchFamily="34" charset="0"/>
+                <a:cs typeface="Calibri" panose="020F0502020204030204" pitchFamily="34" charset="0"/>
+              </a:rPr>
+              <a:t>--</a:t>
+            </a:r>
+            <a:r>
+              <a:rPr lang="tr-TR" sz="1600" dirty="0" err="1">
+                <a:solidFill>
+                  <a:srgbClr val="FFFF00"/>
+                </a:solidFill>
+                <a:latin typeface="Calibri" panose="020F0502020204030204" pitchFamily="34" charset="0"/>
+                <a:cs typeface="Calibri" panose="020F0502020204030204" pitchFamily="34" charset="0"/>
+              </a:rPr>
+              <a:t>weights</a:t>
+            </a:r>
+            <a:r>
+              <a:rPr lang="tr-TR" sz="1600" dirty="0">
+                <a:solidFill>
+                  <a:srgbClr val="FFFF00"/>
+                </a:solidFill>
+                <a:latin typeface="Calibri" panose="020F0502020204030204" pitchFamily="34" charset="0"/>
+                <a:cs typeface="Calibri" panose="020F0502020204030204" pitchFamily="34" charset="0"/>
+              </a:rPr>
+              <a:t> yolov7.pt:</a:t>
+            </a:r>
+            <a:r>
+              <a:rPr lang="tr-TR" sz="1600" dirty="0">
+                <a:latin typeface="Calibri" panose="020F0502020204030204" pitchFamily="34" charset="0"/>
+                <a:cs typeface="Calibri" panose="020F0502020204030204" pitchFamily="34" charset="0"/>
+              </a:rPr>
+              <a:t> Transfer </a:t>
+            </a:r>
+            <a:r>
+              <a:rPr lang="tr-TR" sz="1600" dirty="0" err="1">
+                <a:latin typeface="Calibri" panose="020F0502020204030204" pitchFamily="34" charset="0"/>
+                <a:cs typeface="Calibri" panose="020F0502020204030204" pitchFamily="34" charset="0"/>
+              </a:rPr>
+              <a:t>learning</a:t>
+            </a:r>
+            <a:r>
+              <a:rPr lang="tr-TR" sz="1600" dirty="0">
+                <a:latin typeface="Calibri" panose="020F0502020204030204" pitchFamily="34" charset="0"/>
+                <a:cs typeface="Calibri" panose="020F0502020204030204" pitchFamily="34" charset="0"/>
+              </a:rPr>
+              <a:t> kullanıldığı için önceden eğitilmiş model ağırlıkları kullanılıyor.</a:t>
             </a:r>
           </a:p>
           <a:p>
@@ -9412,134 +11286,162 @@
               <a:buFont typeface="Arial" panose="020B0604020202020204" pitchFamily="34" charset="0"/>
               <a:buChar char="•"/>
             </a:pPr>
-            <a:endParaRPr lang="tr-TR" sz="1500" dirty="0">
+            <a:r>
+              <a:rPr lang="tr-TR" sz="1600" dirty="0">
+                <a:solidFill>
+                  <a:srgbClr val="FFFF00"/>
+                </a:solidFill>
+                <a:latin typeface="Calibri" panose="020F0502020204030204" pitchFamily="34" charset="0"/>
+                <a:cs typeface="Calibri" panose="020F0502020204030204" pitchFamily="34" charset="0"/>
+              </a:rPr>
+              <a:t>--data "./data/</a:t>
+            </a:r>
+            <a:r>
+              <a:rPr lang="tr-TR" sz="1600" dirty="0" err="1">
+                <a:solidFill>
+                  <a:srgbClr val="FFFF00"/>
+                </a:solidFill>
+                <a:latin typeface="Calibri" panose="020F0502020204030204" pitchFamily="34" charset="0"/>
+                <a:cs typeface="Calibri" panose="020F0502020204030204" pitchFamily="34" charset="0"/>
+              </a:rPr>
+              <a:t>custom.yaml</a:t>
+            </a:r>
+            <a:r>
+              <a:rPr lang="tr-TR" sz="1600" dirty="0">
+                <a:solidFill>
+                  <a:srgbClr val="FFFF00"/>
+                </a:solidFill>
+                <a:latin typeface="Calibri" panose="020F0502020204030204" pitchFamily="34" charset="0"/>
+                <a:cs typeface="Calibri" panose="020F0502020204030204" pitchFamily="34" charset="0"/>
+              </a:rPr>
+              <a:t>": </a:t>
+            </a:r>
+            <a:r>
+              <a:rPr lang="tr-TR" sz="1600" dirty="0">
+                <a:latin typeface="Calibri" panose="020F0502020204030204" pitchFamily="34" charset="0"/>
+                <a:cs typeface="Calibri" panose="020F0502020204030204" pitchFamily="34" charset="0"/>
+              </a:rPr>
+              <a:t>Bu dosya içinde tanımlı txt dosyalarından eğitim, test ve </a:t>
+            </a:r>
+            <a:r>
+              <a:rPr lang="tr-TR" sz="1600" dirty="0" err="1">
+                <a:latin typeface="Calibri" panose="020F0502020204030204" pitchFamily="34" charset="0"/>
+                <a:cs typeface="Calibri" panose="020F0502020204030204" pitchFamily="34" charset="0"/>
+              </a:rPr>
+              <a:t>validationda</a:t>
+            </a:r>
+            <a:r>
+              <a:rPr lang="tr-TR" sz="1600" dirty="0">
+                <a:latin typeface="Calibri" panose="020F0502020204030204" pitchFamily="34" charset="0"/>
+                <a:cs typeface="Calibri" panose="020F0502020204030204" pitchFamily="34" charset="0"/>
+              </a:rPr>
+              <a:t> kullanılacak resimlerin yolu alınacak. </a:t>
+            </a:r>
+          </a:p>
+          <a:p>
+            <a:pPr marL="285750" indent="-285750" algn="just">
+              <a:lnSpc>
+                <a:spcPct val="100000"/>
+              </a:lnSpc>
+              <a:spcAft>
+                <a:spcPts val="600"/>
+              </a:spcAft>
+              <a:buFont typeface="Arial" panose="020B0604020202020204" pitchFamily="34" charset="0"/>
+              <a:buChar char="•"/>
+            </a:pPr>
+            <a:r>
+              <a:rPr lang="tr-TR" sz="1600" dirty="0">
+                <a:solidFill>
+                  <a:srgbClr val="FFFF00"/>
+                </a:solidFill>
+                <a:latin typeface="Calibri" panose="020F0502020204030204" pitchFamily="34" charset="0"/>
+                <a:cs typeface="Calibri" panose="020F0502020204030204" pitchFamily="34" charset="0"/>
+              </a:rPr>
+              <a:t>--</a:t>
+            </a:r>
+            <a:r>
+              <a:rPr lang="tr-TR" sz="1600" dirty="0" err="1">
+                <a:solidFill>
+                  <a:srgbClr val="FFFF00"/>
+                </a:solidFill>
+                <a:latin typeface="Calibri" panose="020F0502020204030204" pitchFamily="34" charset="0"/>
+                <a:cs typeface="Calibri" panose="020F0502020204030204" pitchFamily="34" charset="0"/>
+              </a:rPr>
+              <a:t>img</a:t>
+            </a:r>
+            <a:r>
+              <a:rPr lang="tr-TR" sz="1600" dirty="0">
+                <a:solidFill>
+                  <a:srgbClr val="FFFF00"/>
+                </a:solidFill>
+                <a:latin typeface="Calibri" panose="020F0502020204030204" pitchFamily="34" charset="0"/>
+                <a:cs typeface="Calibri" panose="020F0502020204030204" pitchFamily="34" charset="0"/>
+              </a:rPr>
+              <a:t> 416: </a:t>
+            </a:r>
+            <a:r>
+              <a:rPr lang="tr-TR" sz="1600" dirty="0">
+                <a:latin typeface="Calibri" panose="020F0502020204030204" pitchFamily="34" charset="0"/>
+                <a:cs typeface="Calibri" panose="020F0502020204030204" pitchFamily="34" charset="0"/>
+              </a:rPr>
+              <a:t>Eğitimde kullanılan resim boyutu. İstenirse genişlik ve yükseklik şeklinde 2 parametre olarak verilebilir.</a:t>
+            </a:r>
+          </a:p>
+          <a:p>
+            <a:pPr marL="285750" indent="-285750" algn="just">
+              <a:lnSpc>
+                <a:spcPct val="100000"/>
+              </a:lnSpc>
+              <a:spcAft>
+                <a:spcPts val="600"/>
+              </a:spcAft>
+              <a:buFont typeface="Arial" panose="020B0604020202020204" pitchFamily="34" charset="0"/>
+              <a:buChar char="•"/>
+            </a:pPr>
+            <a:r>
+              <a:rPr lang="tr-TR" sz="1600" dirty="0">
+                <a:solidFill>
+                  <a:srgbClr val="FFFF00"/>
+                </a:solidFill>
+                <a:latin typeface="Calibri" panose="020F0502020204030204" pitchFamily="34" charset="0"/>
+                <a:cs typeface="Calibri" panose="020F0502020204030204" pitchFamily="34" charset="0"/>
+              </a:rPr>
+              <a:t>--name yolov7: </a:t>
+            </a:r>
+            <a:r>
+              <a:rPr lang="tr-TR" sz="1600" dirty="0">
+                <a:latin typeface="Calibri" panose="020F0502020204030204" pitchFamily="34" charset="0"/>
+                <a:cs typeface="Calibri" panose="020F0502020204030204" pitchFamily="34" charset="0"/>
+              </a:rPr>
+              <a:t>Elde edilen ağırlıkların ve diğer dosyaların kaydedileceği klasör ön tanımı. Her eğitimde yolov7, yolov72, yolov73… şeklinde artarak gider.</a:t>
+            </a:r>
+          </a:p>
+          <a:p>
+            <a:pPr marL="285750" indent="-285750" algn="just">
+              <a:lnSpc>
+                <a:spcPct val="100000"/>
+              </a:lnSpc>
+              <a:spcAft>
+                <a:spcPts val="600"/>
+              </a:spcAft>
+              <a:buFont typeface="Arial" panose="020B0604020202020204" pitchFamily="34" charset="0"/>
+              <a:buChar char="•"/>
+            </a:pPr>
+            <a:endParaRPr lang="tr-TR" sz="1600" dirty="0">
               <a:latin typeface="Calibri" panose="020F0502020204030204" pitchFamily="34" charset="0"/>
               <a:cs typeface="Calibri" panose="020F0502020204030204" pitchFamily="34" charset="0"/>
             </a:endParaRPr>
           </a:p>
           <a:p>
-            <a:pPr marL="285750" indent="-285750" algn="just">
+            <a:pPr algn="just">
               <a:lnSpc>
                 <a:spcPct val="100000"/>
               </a:lnSpc>
               <a:spcAft>
                 <a:spcPts val="600"/>
               </a:spcAft>
-              <a:buFont typeface="Arial" panose="020B0604020202020204" pitchFamily="34" charset="0"/>
-              <a:buChar char="•"/>
-            </a:pPr>
-            <a:endParaRPr lang="tr-TR" sz="1500" dirty="0">
-              <a:latin typeface="Calibri" panose="020F0502020204030204" pitchFamily="34" charset="0"/>
-              <a:cs typeface="Calibri" panose="020F0502020204030204" pitchFamily="34" charset="0"/>
-            </a:endParaRPr>
-          </a:p>
-          <a:p>
-            <a:pPr marL="285750" indent="-285750" algn="l">
-              <a:buFont typeface="Arial" panose="020B0604020202020204" pitchFamily="34" charset="0"/>
-              <a:buChar char="•"/>
-            </a:pPr>
-            <a:r>
-              <a:rPr lang="tr-TR" sz="1500" b="0" i="0" u="none" strike="noStrike" baseline="0" dirty="0" err="1">
-                <a:latin typeface="TimesNewRomanPSMT"/>
-              </a:rPr>
-              <a:t>mAP</a:t>
-            </a:r>
-            <a:r>
-              <a:rPr lang="tr-TR" sz="1500" b="0" i="0" u="none" strike="noStrike" baseline="0" dirty="0">
-                <a:latin typeface="TimesNewRomanPSMT"/>
-              </a:rPr>
-              <a:t> (ortalama hassasiyet)</a:t>
-            </a:r>
-            <a:r>
-              <a:rPr lang="tr-TR" sz="1500" dirty="0">
-                <a:latin typeface="TimesNewRomanPSMT"/>
-              </a:rPr>
-              <a:t>, </a:t>
-            </a:r>
-            <a:r>
-              <a:rPr lang="tr-TR" sz="1500" b="0" i="0" u="none" strike="noStrike" baseline="0" dirty="0">
-                <a:latin typeface="TimesNewRomanPSMT"/>
-              </a:rPr>
-              <a:t>kesinlik, duyarlılık, F1-skoru ve </a:t>
-            </a:r>
-            <a:r>
-              <a:rPr lang="tr-TR" sz="1500" b="0" i="0" u="none" strike="noStrike" baseline="0" dirty="0" err="1">
-                <a:latin typeface="TimesNewRomanPSMT"/>
-              </a:rPr>
-              <a:t>IoU</a:t>
-            </a:r>
-            <a:r>
-              <a:rPr lang="tr-TR" sz="1500" b="0" i="0" u="none" strike="noStrike" baseline="0" dirty="0">
-                <a:latin typeface="TimesNewRomanPSMT"/>
-              </a:rPr>
-              <a:t> gibi değerlerin tek bir noktadan değerlendirilmesini sağlar.</a:t>
-            </a:r>
-          </a:p>
-          <a:p>
-            <a:pPr marL="285750" indent="-285750" algn="l">
-              <a:buFont typeface="Arial" panose="020B0604020202020204" pitchFamily="34" charset="0"/>
-              <a:buChar char="•"/>
-            </a:pPr>
-            <a:endParaRPr lang="tr-TR" sz="1500" dirty="0">
-              <a:latin typeface="TimesNewRomanPSMT"/>
-              <a:cs typeface="Calibri" panose="020F0502020204030204" pitchFamily="34" charset="0"/>
-            </a:endParaRPr>
-          </a:p>
-          <a:p>
-            <a:pPr marL="285750" indent="-285750" algn="l">
-              <a:buFont typeface="Arial" panose="020B0604020202020204" pitchFamily="34" charset="0"/>
-              <a:buChar char="•"/>
-            </a:pPr>
-            <a:r>
-              <a:rPr lang="tr-TR" sz="1500" dirty="0">
-                <a:latin typeface="TimesNewRomanPSMT"/>
-                <a:cs typeface="Calibri" panose="020F0502020204030204" pitchFamily="34" charset="0"/>
-              </a:rPr>
-              <a:t>Sonuçlar incelendiğinde eşik değeri 0.5 için </a:t>
-            </a:r>
-            <a:r>
-              <a:rPr lang="tr-TR" sz="1500" dirty="0" err="1">
-                <a:latin typeface="TimesNewRomanPSMT"/>
-                <a:cs typeface="Calibri" panose="020F0502020204030204" pitchFamily="34" charset="0"/>
-              </a:rPr>
-              <a:t>mAP</a:t>
-            </a:r>
-            <a:r>
-              <a:rPr lang="tr-TR" sz="1500" dirty="0">
-                <a:latin typeface="TimesNewRomanPSMT"/>
-                <a:cs typeface="Calibri" panose="020F0502020204030204" pitchFamily="34" charset="0"/>
-              </a:rPr>
-              <a:t> 0.982; eşik değeri 0.5 ile 0.95 aralığı için ise </a:t>
-            </a:r>
-            <a:r>
-              <a:rPr lang="tr-TR" sz="1500" dirty="0" err="1">
-                <a:latin typeface="TimesNewRomanPSMT"/>
-                <a:cs typeface="Calibri" panose="020F0502020204030204" pitchFamily="34" charset="0"/>
-              </a:rPr>
-              <a:t>mAP</a:t>
-            </a:r>
-            <a:r>
-              <a:rPr lang="tr-TR" sz="1500" dirty="0">
-                <a:latin typeface="TimesNewRomanPSMT"/>
-                <a:cs typeface="Calibri" panose="020F0502020204030204" pitchFamily="34" charset="0"/>
-              </a:rPr>
-              <a:t> değeri 0.758 olarak elde edilmiştir. Bu sonuçlar yeterli değildir. Yeterli olmamasının nedeni eğitim işleminin yarı da kesilmesidir. Bitinceye kadar devam ettirilmesi başarıyı artıracaktır.</a:t>
-            </a:r>
-            <a:endParaRPr lang="tr-TR" sz="1500" dirty="0">
-              <a:latin typeface="Calibri" panose="020F0502020204030204" pitchFamily="34" charset="0"/>
-              <a:cs typeface="Calibri" panose="020F0502020204030204" pitchFamily="34" charset="0"/>
-            </a:endParaRPr>
-          </a:p>
-          <a:p>
-            <a:pPr algn="just">
-              <a:lnSpc>
-                <a:spcPct val="100000"/>
-              </a:lnSpc>
-              <a:spcAft>
-                <a:spcPts val="600"/>
-              </a:spcAft>
-            </a:pPr>
-            <a:endParaRPr lang="tr-TR" sz="1500" dirty="0">
+            </a:pPr>
+            <a:endParaRPr lang="tr-TR" sz="1600" dirty="0">
               <a:solidFill>
                 <a:srgbClr val="FFFF00"/>
               </a:solidFill>
@@ -9549,40 +11451,10 @@
           </a:p>
         </p:txBody>
       </p:sp>
-      <p:pic>
-        <p:nvPicPr>
-          <p:cNvPr id="5" name="Resim 4">
-            <a:extLst>
-              <a:ext uri="{FF2B5EF4-FFF2-40B4-BE49-F238E27FC236}">
-                <a16:creationId xmlns:a16="http://schemas.microsoft.com/office/drawing/2014/main" id="{BA865F77-C286-899F-5EB7-15A713EB6501}"/>
-              </a:ext>
-            </a:extLst>
-          </p:cNvPr>
-          <p:cNvPicPr>
-            <a:picLocks noChangeAspect="1"/>
-          </p:cNvPicPr>
-          <p:nvPr/>
-        </p:nvPicPr>
-        <p:blipFill>
-          <a:blip r:embed="rId2"/>
-          <a:stretch>
-            <a:fillRect/>
-          </a:stretch>
-        </p:blipFill>
-        <p:spPr>
-          <a:xfrm>
-            <a:off x="692572" y="2839436"/>
-            <a:ext cx="7372350" cy="485775"/>
-          </a:xfrm>
-          <a:prstGeom prst="rect">
-            <a:avLst/>
-          </a:prstGeom>
-        </p:spPr>
-      </p:pic>
     </p:spTree>
     <p:extLst>
       <p:ext uri="{BB962C8B-B14F-4D97-AF65-F5344CB8AC3E}">
-        <p14:creationId xmlns:p14="http://schemas.microsoft.com/office/powerpoint/2010/main" val="1205831785"/>
+        <p14:creationId xmlns:p14="http://schemas.microsoft.com/office/powerpoint/2010/main" val="3920889661"/>
       </p:ext>
     </p:extLst>
   </p:cSld>
@@ -9657,6 +11529,801 @@
         </p:spPr>
         <p:txBody>
           <a:bodyPr vert="horz" lIns="91440" tIns="45720" rIns="91440" bIns="45720" rtlCol="0" anchor="t">
+            <a:normAutofit/>
+          </a:bodyPr>
+          <a:lstStyle>
+            <a:lvl1pPr algn="l" defTabSz="685800" rtl="0" eaLnBrk="1" latinLnBrk="0" hangingPunct="1">
+              <a:lnSpc>
+                <a:spcPct val="90000"/>
+              </a:lnSpc>
+              <a:spcBef>
+                <a:spcPct val="0"/>
+              </a:spcBef>
+              <a:buNone/>
+              <a:defRPr sz="3300" kern="1200">
+                <a:solidFill>
+                  <a:schemeClr val="tx1"/>
+                </a:solidFill>
+                <a:latin typeface="+mj-lt"/>
+                <a:ea typeface="+mj-ea"/>
+                <a:cs typeface="+mj-cs"/>
+              </a:defRPr>
+            </a:lvl1pPr>
+          </a:lstStyle>
+          <a:p>
+            <a:pPr algn="ctr">
+              <a:lnSpc>
+                <a:spcPct val="100000"/>
+              </a:lnSpc>
+              <a:spcAft>
+                <a:spcPts val="600"/>
+              </a:spcAft>
+            </a:pPr>
+            <a:r>
+              <a:rPr lang="tr-TR" sz="1800" b="1" u="sng" dirty="0" err="1">
+                <a:solidFill>
+                  <a:srgbClr val="FFFF00"/>
+                </a:solidFill>
+                <a:latin typeface="Calibri" panose="020F0502020204030204" pitchFamily="34" charset="0"/>
+                <a:cs typeface="Calibri" panose="020F0502020204030204" pitchFamily="34" charset="0"/>
+              </a:rPr>
+              <a:t>Custom</a:t>
+            </a:r>
+            <a:r>
+              <a:rPr lang="tr-TR" sz="1800" b="1" u="sng" dirty="0">
+                <a:solidFill>
+                  <a:srgbClr val="FFFF00"/>
+                </a:solidFill>
+                <a:latin typeface="Calibri" panose="020F0502020204030204" pitchFamily="34" charset="0"/>
+                <a:cs typeface="Calibri" panose="020F0502020204030204" pitchFamily="34" charset="0"/>
+              </a:rPr>
+              <a:t> Train YOLO</a:t>
+            </a:r>
+          </a:p>
+          <a:p>
+            <a:pPr algn="just">
+              <a:lnSpc>
+                <a:spcPct val="100000"/>
+              </a:lnSpc>
+              <a:spcAft>
+                <a:spcPts val="600"/>
+              </a:spcAft>
+            </a:pPr>
+            <a:r>
+              <a:rPr lang="tr-TR" sz="1600" dirty="0">
+                <a:latin typeface="Calibri" panose="020F0502020204030204" pitchFamily="34" charset="0"/>
+                <a:cs typeface="Calibri" panose="020F0502020204030204" pitchFamily="34" charset="0"/>
+              </a:rPr>
+              <a:t>7. Eğitim bittiğinde elde edilen ağırlıklar Yolov7 klasörü altındaki «</a:t>
+            </a:r>
+            <a:r>
+              <a:rPr lang="tr-TR" sz="1600" dirty="0" err="1">
+                <a:latin typeface="Calibri" panose="020F0502020204030204" pitchFamily="34" charset="0"/>
+                <a:cs typeface="Calibri" panose="020F0502020204030204" pitchFamily="34" charset="0"/>
+              </a:rPr>
+              <a:t>runs</a:t>
+            </a:r>
+            <a:r>
+              <a:rPr lang="tr-TR" sz="1600" dirty="0">
+                <a:latin typeface="Calibri" panose="020F0502020204030204" pitchFamily="34" charset="0"/>
+                <a:cs typeface="Calibri" panose="020F0502020204030204" pitchFamily="34" charset="0"/>
+              </a:rPr>
+              <a:t>/</a:t>
+            </a:r>
+            <a:r>
+              <a:rPr lang="tr-TR" sz="1600" dirty="0" err="1">
+                <a:latin typeface="Calibri" panose="020F0502020204030204" pitchFamily="34" charset="0"/>
+                <a:cs typeface="Calibri" panose="020F0502020204030204" pitchFamily="34" charset="0"/>
+              </a:rPr>
+              <a:t>train</a:t>
+            </a:r>
+            <a:r>
+              <a:rPr lang="tr-TR" sz="1600" dirty="0">
+                <a:latin typeface="Calibri" panose="020F0502020204030204" pitchFamily="34" charset="0"/>
+                <a:cs typeface="Calibri" panose="020F0502020204030204" pitchFamily="34" charset="0"/>
+              </a:rPr>
+              <a:t>/yolov7(2,3,4..vb.)/ </a:t>
+            </a:r>
+            <a:r>
+              <a:rPr lang="tr-TR" sz="1600" dirty="0" err="1">
+                <a:latin typeface="Calibri" panose="020F0502020204030204" pitchFamily="34" charset="0"/>
+                <a:cs typeface="Calibri" panose="020F0502020204030204" pitchFamily="34" charset="0"/>
+              </a:rPr>
+              <a:t>weights</a:t>
+            </a:r>
+            <a:r>
+              <a:rPr lang="tr-TR" sz="1600" dirty="0">
+                <a:latin typeface="Calibri" panose="020F0502020204030204" pitchFamily="34" charset="0"/>
+                <a:cs typeface="Calibri" panose="020F0502020204030204" pitchFamily="34" charset="0"/>
+              </a:rPr>
+              <a:t>» klasörüne kaydedilir.</a:t>
+            </a:r>
+          </a:p>
+          <a:p>
+            <a:pPr algn="just">
+              <a:lnSpc>
+                <a:spcPct val="100000"/>
+              </a:lnSpc>
+              <a:spcAft>
+                <a:spcPts val="600"/>
+              </a:spcAft>
+            </a:pPr>
+            <a:r>
+              <a:rPr lang="tr-TR" sz="1600" dirty="0">
+                <a:latin typeface="Calibri" panose="020F0502020204030204" pitchFamily="34" charset="0"/>
+                <a:cs typeface="Calibri" panose="020F0502020204030204" pitchFamily="34" charset="0"/>
+              </a:rPr>
+              <a:t> </a:t>
+            </a:r>
+          </a:p>
+          <a:p>
+            <a:pPr marL="285750" indent="-285750" algn="just">
+              <a:lnSpc>
+                <a:spcPct val="100000"/>
+              </a:lnSpc>
+              <a:spcAft>
+                <a:spcPts val="600"/>
+              </a:spcAft>
+              <a:buFont typeface="Arial" panose="020B0604020202020204" pitchFamily="34" charset="0"/>
+              <a:buChar char="•"/>
+            </a:pPr>
+            <a:endParaRPr lang="tr-TR" sz="1600" dirty="0">
+              <a:latin typeface="Calibri" panose="020F0502020204030204" pitchFamily="34" charset="0"/>
+              <a:cs typeface="Calibri" panose="020F0502020204030204" pitchFamily="34" charset="0"/>
+            </a:endParaRPr>
+          </a:p>
+          <a:p>
+            <a:pPr algn="just">
+              <a:lnSpc>
+                <a:spcPct val="100000"/>
+              </a:lnSpc>
+              <a:spcAft>
+                <a:spcPts val="600"/>
+              </a:spcAft>
+            </a:pPr>
+            <a:endParaRPr lang="tr-TR" sz="1600" dirty="0">
+              <a:solidFill>
+                <a:srgbClr val="FFFF00"/>
+              </a:solidFill>
+              <a:latin typeface="Calibri" panose="020F0502020204030204" pitchFamily="34" charset="0"/>
+              <a:cs typeface="Calibri" panose="020F0502020204030204" pitchFamily="34" charset="0"/>
+            </a:endParaRPr>
+          </a:p>
+        </p:txBody>
+      </p:sp>
+      <p:pic>
+        <p:nvPicPr>
+          <p:cNvPr id="4" name="Resim 3">
+            <a:extLst>
+              <a:ext uri="{FF2B5EF4-FFF2-40B4-BE49-F238E27FC236}">
+                <a16:creationId xmlns:a16="http://schemas.microsoft.com/office/drawing/2014/main" id="{18A78F07-AEB3-A3BF-BE6F-D05B5455DDF0}"/>
+              </a:ext>
+            </a:extLst>
+          </p:cNvPr>
+          <p:cNvPicPr>
+            <a:picLocks noChangeAspect="1"/>
+          </p:cNvPicPr>
+          <p:nvPr/>
+        </p:nvPicPr>
+        <p:blipFill>
+          <a:blip r:embed="rId2"/>
+          <a:stretch>
+            <a:fillRect/>
+          </a:stretch>
+        </p:blipFill>
+        <p:spPr>
+          <a:xfrm>
+            <a:off x="2134220" y="1777148"/>
+            <a:ext cx="4371975" cy="2762250"/>
+          </a:xfrm>
+          <a:prstGeom prst="rect">
+            <a:avLst/>
+          </a:prstGeom>
+        </p:spPr>
+      </p:pic>
+    </p:spTree>
+    <p:extLst>
+      <p:ext uri="{BB962C8B-B14F-4D97-AF65-F5344CB8AC3E}">
+        <p14:creationId xmlns:p14="http://schemas.microsoft.com/office/powerpoint/2010/main" val="1913745979"/>
+      </p:ext>
+    </p:extLst>
+  </p:cSld>
+  <p:clrMapOvr>
+    <a:masterClrMapping/>
+  </p:clrMapOvr>
+</p:sld>
+</file>
+
+<file path=ppt/slides/slide23.xml><?xml version="1.0" encoding="utf-8"?>
+<p:sld xmlns:a="http://schemas.openxmlformats.org/drawingml/2006/main" xmlns:r="http://schemas.openxmlformats.org/officeDocument/2006/relationships" xmlns:p="http://schemas.openxmlformats.org/presentationml/2006/main">
+  <p:cSld>
+    <p:spTree>
+      <p:nvGrpSpPr>
+        <p:cNvPr id="1" name=""/>
+        <p:cNvGrpSpPr/>
+        <p:nvPr/>
+      </p:nvGrpSpPr>
+      <p:grpSpPr>
+        <a:xfrm>
+          <a:off x="0" y="0"/>
+          <a:ext cx="0" cy="0"/>
+          <a:chOff x="0" y="0"/>
+          <a:chExt cx="0" cy="0"/>
+        </a:xfrm>
+      </p:grpSpPr>
+      <p:sp>
+        <p:nvSpPr>
+          <p:cNvPr id="3" name="Unvan 2"/>
+          <p:cNvSpPr>
+            <a:spLocks noGrp="1"/>
+          </p:cNvSpPr>
+          <p:nvPr>
+            <p:ph type="title"/>
+          </p:nvPr>
+        </p:nvSpPr>
+        <p:spPr>
+          <a:xfrm>
+            <a:off x="927579" y="0"/>
+            <a:ext cx="7228130" cy="875049"/>
+          </a:xfrm>
+        </p:spPr>
+        <p:txBody>
+          <a:bodyPr>
+            <a:normAutofit/>
+          </a:bodyPr>
+          <a:lstStyle/>
+          <a:p>
+            <a:r>
+              <a:rPr lang="tr-TR" sz="2000" dirty="0"/>
+              <a:t>YOLO V7 Uygulama-&gt; Yolov7.ipynb</a:t>
+            </a:r>
+          </a:p>
+        </p:txBody>
+      </p:sp>
+      <p:sp>
+        <p:nvSpPr>
+          <p:cNvPr id="7" name="Unvan 2"/>
+          <p:cNvSpPr txBox="1">
+            <a:spLocks/>
+          </p:cNvSpPr>
+          <p:nvPr/>
+        </p:nvSpPr>
+        <p:spPr>
+          <a:xfrm>
+            <a:off x="198783" y="604102"/>
+            <a:ext cx="8852451" cy="4284698"/>
+          </a:xfrm>
+          <a:prstGeom prst="rect">
+            <a:avLst/>
+          </a:prstGeom>
+        </p:spPr>
+        <p:txBody>
+          <a:bodyPr vert="horz" lIns="91440" tIns="45720" rIns="91440" bIns="45720" rtlCol="0" anchor="t">
+            <a:noAutofit/>
+          </a:bodyPr>
+          <a:lstStyle>
+            <a:lvl1pPr algn="l" defTabSz="685800" rtl="0" eaLnBrk="1" latinLnBrk="0" hangingPunct="1">
+              <a:lnSpc>
+                <a:spcPct val="90000"/>
+              </a:lnSpc>
+              <a:spcBef>
+                <a:spcPct val="0"/>
+              </a:spcBef>
+              <a:buNone/>
+              <a:defRPr sz="3300" kern="1200">
+                <a:solidFill>
+                  <a:schemeClr val="tx1"/>
+                </a:solidFill>
+                <a:latin typeface="+mj-lt"/>
+                <a:ea typeface="+mj-ea"/>
+                <a:cs typeface="+mj-cs"/>
+              </a:defRPr>
+            </a:lvl1pPr>
+          </a:lstStyle>
+          <a:p>
+            <a:pPr algn="ctr">
+              <a:lnSpc>
+                <a:spcPct val="100000"/>
+              </a:lnSpc>
+              <a:spcAft>
+                <a:spcPts val="600"/>
+              </a:spcAft>
+            </a:pPr>
+            <a:r>
+              <a:rPr lang="tr-TR" sz="1500" b="1" u="sng" dirty="0" err="1">
+                <a:solidFill>
+                  <a:srgbClr val="FFFF00"/>
+                </a:solidFill>
+                <a:latin typeface="Calibri" panose="020F0502020204030204" pitchFamily="34" charset="0"/>
+                <a:cs typeface="Calibri" panose="020F0502020204030204" pitchFamily="34" charset="0"/>
+              </a:rPr>
+              <a:t>Testing</a:t>
+            </a:r>
+            <a:r>
+              <a:rPr lang="tr-TR" sz="1500" b="1" u="sng" dirty="0">
+                <a:solidFill>
+                  <a:srgbClr val="FFFF00"/>
+                </a:solidFill>
+                <a:latin typeface="Calibri" panose="020F0502020204030204" pitchFamily="34" charset="0"/>
+                <a:cs typeface="Calibri" panose="020F0502020204030204" pitchFamily="34" charset="0"/>
+              </a:rPr>
+              <a:t> </a:t>
+            </a:r>
+            <a:r>
+              <a:rPr lang="tr-TR" sz="1500" b="1" u="sng" dirty="0" err="1">
+                <a:solidFill>
+                  <a:srgbClr val="FFFF00"/>
+                </a:solidFill>
+                <a:latin typeface="Calibri" panose="020F0502020204030204" pitchFamily="34" charset="0"/>
+                <a:cs typeface="Calibri" panose="020F0502020204030204" pitchFamily="34" charset="0"/>
+              </a:rPr>
+              <a:t>Trained</a:t>
+            </a:r>
+            <a:r>
+              <a:rPr lang="tr-TR" sz="1500" b="1" u="sng" dirty="0">
+                <a:solidFill>
+                  <a:srgbClr val="FFFF00"/>
+                </a:solidFill>
+                <a:latin typeface="Calibri" panose="020F0502020204030204" pitchFamily="34" charset="0"/>
+                <a:cs typeface="Calibri" panose="020F0502020204030204" pitchFamily="34" charset="0"/>
+              </a:rPr>
+              <a:t> YOLO</a:t>
+            </a:r>
+          </a:p>
+          <a:p>
+            <a:pPr algn="just">
+              <a:lnSpc>
+                <a:spcPct val="100000"/>
+              </a:lnSpc>
+              <a:spcAft>
+                <a:spcPts val="600"/>
+              </a:spcAft>
+            </a:pPr>
+            <a:r>
+              <a:rPr lang="tr-TR" sz="1500" dirty="0">
+                <a:latin typeface="Calibri" panose="020F0502020204030204" pitchFamily="34" charset="0"/>
+                <a:cs typeface="Calibri" panose="020F0502020204030204" pitchFamily="34" charset="0"/>
+              </a:rPr>
+              <a:t>8. Eğitim bittikten sonra performans metriklerini elde etmek için test verileri üzerinde best.pt ağırlığı kullanılarak model test edilir. Test işlemi aşağıdaki gibi yapılabilir.</a:t>
+            </a:r>
+          </a:p>
+          <a:p>
+            <a:pPr algn="ctr">
+              <a:lnSpc>
+                <a:spcPct val="100000"/>
+              </a:lnSpc>
+              <a:spcBef>
+                <a:spcPts val="1200"/>
+              </a:spcBef>
+              <a:spcAft>
+                <a:spcPts val="600"/>
+              </a:spcAft>
+            </a:pPr>
+            <a:r>
+              <a:rPr lang="tr-TR" sz="1500" dirty="0">
+                <a:solidFill>
+                  <a:srgbClr val="FFFF00"/>
+                </a:solidFill>
+                <a:latin typeface="Calibri" panose="020F0502020204030204" pitchFamily="34" charset="0"/>
+                <a:cs typeface="Calibri" panose="020F0502020204030204" pitchFamily="34" charset="0"/>
+              </a:rPr>
+              <a:t>!</a:t>
+            </a:r>
+            <a:r>
+              <a:rPr lang="tr-TR" sz="1500" dirty="0" err="1">
+                <a:solidFill>
+                  <a:srgbClr val="FFFF00"/>
+                </a:solidFill>
+                <a:latin typeface="Calibri" panose="020F0502020204030204" pitchFamily="34" charset="0"/>
+                <a:cs typeface="Calibri" panose="020F0502020204030204" pitchFamily="34" charset="0"/>
+              </a:rPr>
+              <a:t>python</a:t>
+            </a:r>
+            <a:r>
+              <a:rPr lang="tr-TR" sz="1500" dirty="0">
+                <a:solidFill>
+                  <a:srgbClr val="FFFF00"/>
+                </a:solidFill>
+                <a:latin typeface="Calibri" panose="020F0502020204030204" pitchFamily="34" charset="0"/>
+                <a:cs typeface="Calibri" panose="020F0502020204030204" pitchFamily="34" charset="0"/>
+              </a:rPr>
+              <a:t> test.py --</a:t>
+            </a:r>
+            <a:r>
+              <a:rPr lang="tr-TR" sz="1500" dirty="0" err="1">
+                <a:solidFill>
+                  <a:srgbClr val="FFFF00"/>
+                </a:solidFill>
+                <a:latin typeface="Calibri" panose="020F0502020204030204" pitchFamily="34" charset="0"/>
+                <a:cs typeface="Calibri" panose="020F0502020204030204" pitchFamily="34" charset="0"/>
+              </a:rPr>
+              <a:t>weights</a:t>
+            </a:r>
+            <a:r>
+              <a:rPr lang="tr-TR" sz="1500" dirty="0">
+                <a:solidFill>
+                  <a:srgbClr val="FFFF00"/>
+                </a:solidFill>
+                <a:latin typeface="Calibri" panose="020F0502020204030204" pitchFamily="34" charset="0"/>
+                <a:cs typeface="Calibri" panose="020F0502020204030204" pitchFamily="34" charset="0"/>
+              </a:rPr>
+              <a:t> runs/train/yolov72/weights/last.pt --</a:t>
+            </a:r>
+            <a:r>
+              <a:rPr lang="tr-TR" sz="1500" dirty="0" err="1">
+                <a:solidFill>
+                  <a:srgbClr val="FFFF00"/>
+                </a:solidFill>
+                <a:latin typeface="Calibri" panose="020F0502020204030204" pitchFamily="34" charset="0"/>
+                <a:cs typeface="Calibri" panose="020F0502020204030204" pitchFamily="34" charset="0"/>
+              </a:rPr>
+              <a:t>task</a:t>
+            </a:r>
+            <a:r>
+              <a:rPr lang="tr-TR" sz="1500" dirty="0">
+                <a:solidFill>
+                  <a:srgbClr val="FFFF00"/>
+                </a:solidFill>
+                <a:latin typeface="Calibri" panose="020F0502020204030204" pitchFamily="34" charset="0"/>
+                <a:cs typeface="Calibri" panose="020F0502020204030204" pitchFamily="34" charset="0"/>
+              </a:rPr>
+              <a:t> test --data "./data/</a:t>
+            </a:r>
+            <a:r>
+              <a:rPr lang="tr-TR" sz="1500" dirty="0" err="1">
+                <a:solidFill>
+                  <a:srgbClr val="FFFF00"/>
+                </a:solidFill>
+                <a:latin typeface="Calibri" panose="020F0502020204030204" pitchFamily="34" charset="0"/>
+                <a:cs typeface="Calibri" panose="020F0502020204030204" pitchFamily="34" charset="0"/>
+              </a:rPr>
+              <a:t>custom.yaml</a:t>
+            </a:r>
+            <a:r>
+              <a:rPr lang="tr-TR" sz="1500" dirty="0">
+                <a:solidFill>
+                  <a:srgbClr val="FFFF00"/>
+                </a:solidFill>
+                <a:latin typeface="Calibri" panose="020F0502020204030204" pitchFamily="34" charset="0"/>
+                <a:cs typeface="Calibri" panose="020F0502020204030204" pitchFamily="34" charset="0"/>
+              </a:rPr>
+              <a:t>"</a:t>
+            </a:r>
+          </a:p>
+          <a:p>
+            <a:pPr algn="just">
+              <a:lnSpc>
+                <a:spcPct val="100000"/>
+              </a:lnSpc>
+              <a:spcAft>
+                <a:spcPts val="600"/>
+              </a:spcAft>
+            </a:pPr>
+            <a:r>
+              <a:rPr lang="tr-TR" sz="1500" dirty="0">
+                <a:latin typeface="Calibri" panose="020F0502020204030204" pitchFamily="34" charset="0"/>
+                <a:cs typeface="Calibri" panose="020F0502020204030204" pitchFamily="34" charset="0"/>
+              </a:rPr>
+              <a:t> </a:t>
+            </a:r>
+          </a:p>
+          <a:p>
+            <a:pPr marL="285750" indent="-285750" algn="just">
+              <a:lnSpc>
+                <a:spcPct val="100000"/>
+              </a:lnSpc>
+              <a:spcAft>
+                <a:spcPts val="600"/>
+              </a:spcAft>
+              <a:buFont typeface="Arial" panose="020B0604020202020204" pitchFamily="34" charset="0"/>
+              <a:buChar char="•"/>
+            </a:pPr>
+            <a:r>
+              <a:rPr lang="tr-TR" sz="1500" dirty="0">
+                <a:latin typeface="Calibri" panose="020F0502020204030204" pitchFamily="34" charset="0"/>
+                <a:cs typeface="Calibri" panose="020F0502020204030204" pitchFamily="34" charset="0"/>
+              </a:rPr>
+              <a:t>Elde edilen metriklere ait eğriler (</a:t>
+            </a:r>
+            <a:r>
+              <a:rPr lang="tr-TR" sz="1500" dirty="0" err="1">
+                <a:latin typeface="Calibri" panose="020F0502020204030204" pitchFamily="34" charset="0"/>
+                <a:cs typeface="Calibri" panose="020F0502020204030204" pitchFamily="34" charset="0"/>
+              </a:rPr>
+              <a:t>precision</a:t>
+            </a:r>
+            <a:r>
+              <a:rPr lang="tr-TR" sz="1500" dirty="0">
+                <a:latin typeface="Calibri" panose="020F0502020204030204" pitchFamily="34" charset="0"/>
+                <a:cs typeface="Calibri" panose="020F0502020204030204" pitchFamily="34" charset="0"/>
+              </a:rPr>
+              <a:t>, </a:t>
+            </a:r>
+            <a:r>
+              <a:rPr lang="tr-TR" sz="1500" dirty="0" err="1">
+                <a:latin typeface="Calibri" panose="020F0502020204030204" pitchFamily="34" charset="0"/>
+                <a:cs typeface="Calibri" panose="020F0502020204030204" pitchFamily="34" charset="0"/>
+              </a:rPr>
+              <a:t>recall</a:t>
+            </a:r>
+            <a:r>
+              <a:rPr lang="tr-TR" sz="1500" dirty="0">
+                <a:latin typeface="Calibri" panose="020F0502020204030204" pitchFamily="34" charset="0"/>
+                <a:cs typeface="Calibri" panose="020F0502020204030204" pitchFamily="34" charset="0"/>
+              </a:rPr>
+              <a:t>, f1 vb..) Yolov7 klasörü altındaki «</a:t>
+            </a:r>
+            <a:r>
+              <a:rPr lang="tr-TR" sz="1500" dirty="0" err="1">
+                <a:latin typeface="Calibri" panose="020F0502020204030204" pitchFamily="34" charset="0"/>
+                <a:cs typeface="Calibri" panose="020F0502020204030204" pitchFamily="34" charset="0"/>
+              </a:rPr>
+              <a:t>runs</a:t>
+            </a:r>
+            <a:r>
+              <a:rPr lang="tr-TR" sz="1500" dirty="0">
+                <a:latin typeface="Calibri" panose="020F0502020204030204" pitchFamily="34" charset="0"/>
+                <a:cs typeface="Calibri" panose="020F0502020204030204" pitchFamily="34" charset="0"/>
+              </a:rPr>
+              <a:t>/test» klasörü altına kaydedilir. Ayrıca metrik değerleri aşağıdaki gibi ekrana yazılır. </a:t>
+            </a:r>
+          </a:p>
+          <a:p>
+            <a:pPr marL="285750" indent="-285750" algn="just">
+              <a:lnSpc>
+                <a:spcPct val="100000"/>
+              </a:lnSpc>
+              <a:spcAft>
+                <a:spcPts val="600"/>
+              </a:spcAft>
+              <a:buFont typeface="Arial" panose="020B0604020202020204" pitchFamily="34" charset="0"/>
+              <a:buChar char="•"/>
+            </a:pPr>
+            <a:endParaRPr lang="tr-TR" sz="1500" dirty="0">
+              <a:latin typeface="Calibri" panose="020F0502020204030204" pitchFamily="34" charset="0"/>
+              <a:cs typeface="Calibri" panose="020F0502020204030204" pitchFamily="34" charset="0"/>
+            </a:endParaRPr>
+          </a:p>
+          <a:p>
+            <a:pPr marL="285750" indent="-285750" algn="just">
+              <a:lnSpc>
+                <a:spcPct val="100000"/>
+              </a:lnSpc>
+              <a:spcAft>
+                <a:spcPts val="600"/>
+              </a:spcAft>
+              <a:buFont typeface="Arial" panose="020B0604020202020204" pitchFamily="34" charset="0"/>
+              <a:buChar char="•"/>
+            </a:pPr>
+            <a:endParaRPr lang="tr-TR" sz="1500" dirty="0">
+              <a:latin typeface="Calibri" panose="020F0502020204030204" pitchFamily="34" charset="0"/>
+              <a:cs typeface="Calibri" panose="020F0502020204030204" pitchFamily="34" charset="0"/>
+            </a:endParaRPr>
+          </a:p>
+          <a:p>
+            <a:pPr marL="285750" indent="-285750" algn="l">
+              <a:buFont typeface="Arial" panose="020B0604020202020204" pitchFamily="34" charset="0"/>
+              <a:buChar char="•"/>
+            </a:pPr>
+            <a:r>
+              <a:rPr lang="tr-TR" sz="1500" b="0" i="0" u="none" strike="noStrike" baseline="0" dirty="0" err="1">
+                <a:latin typeface="TimesNewRomanPSMT"/>
+              </a:rPr>
+              <a:t>mAP</a:t>
+            </a:r>
+            <a:r>
+              <a:rPr lang="tr-TR" sz="1500" b="0" i="0" u="none" strike="noStrike" baseline="0" dirty="0">
+                <a:latin typeface="TimesNewRomanPSMT"/>
+              </a:rPr>
+              <a:t> (ortalama hassasiyet)</a:t>
+            </a:r>
+            <a:r>
+              <a:rPr lang="tr-TR" sz="1500" dirty="0">
+                <a:latin typeface="TimesNewRomanPSMT"/>
+              </a:rPr>
+              <a:t>, </a:t>
+            </a:r>
+            <a:r>
+              <a:rPr lang="tr-TR" sz="1500" b="0" i="0" u="none" strike="noStrike" baseline="0" dirty="0">
+                <a:latin typeface="TimesNewRomanPSMT"/>
+              </a:rPr>
+              <a:t>kesinlik, duyarlılık, F1-skoru ve </a:t>
+            </a:r>
+            <a:r>
+              <a:rPr lang="tr-TR" sz="1500" b="0" i="0" u="none" strike="noStrike" baseline="0" dirty="0" err="1">
+                <a:latin typeface="TimesNewRomanPSMT"/>
+              </a:rPr>
+              <a:t>IoU</a:t>
+            </a:r>
+            <a:r>
+              <a:rPr lang="tr-TR" sz="1500" b="0" i="0" u="none" strike="noStrike" baseline="0" dirty="0">
+                <a:latin typeface="TimesNewRomanPSMT"/>
+              </a:rPr>
+              <a:t> gibi değerlerin tek bir noktadan değerlendirilmesini sağlar.</a:t>
+            </a:r>
+          </a:p>
+          <a:p>
+            <a:pPr marL="285750" indent="-285750" algn="l">
+              <a:buFont typeface="Arial" panose="020B0604020202020204" pitchFamily="34" charset="0"/>
+              <a:buChar char="•"/>
+            </a:pPr>
+            <a:endParaRPr lang="tr-TR" sz="1500" dirty="0">
+              <a:latin typeface="TimesNewRomanPSMT"/>
+              <a:cs typeface="Calibri" panose="020F0502020204030204" pitchFamily="34" charset="0"/>
+            </a:endParaRPr>
+          </a:p>
+          <a:p>
+            <a:pPr marL="285750" indent="-285750" algn="l">
+              <a:buFont typeface="Arial" panose="020B0604020202020204" pitchFamily="34" charset="0"/>
+              <a:buChar char="•"/>
+            </a:pPr>
+            <a:r>
+              <a:rPr lang="tr-TR" sz="1500" dirty="0">
+                <a:latin typeface="TimesNewRomanPSMT"/>
+                <a:cs typeface="Calibri" panose="020F0502020204030204" pitchFamily="34" charset="0"/>
+              </a:rPr>
+              <a:t>Sonuçlar incelendiğinde eşik değeri 0.5 için </a:t>
+            </a:r>
+            <a:r>
+              <a:rPr lang="tr-TR" sz="1500" dirty="0" err="1">
+                <a:latin typeface="TimesNewRomanPSMT"/>
+                <a:cs typeface="Calibri" panose="020F0502020204030204" pitchFamily="34" charset="0"/>
+              </a:rPr>
+              <a:t>mAP</a:t>
+            </a:r>
+            <a:r>
+              <a:rPr lang="tr-TR" sz="1500" dirty="0">
+                <a:latin typeface="TimesNewRomanPSMT"/>
+                <a:cs typeface="Calibri" panose="020F0502020204030204" pitchFamily="34" charset="0"/>
+              </a:rPr>
+              <a:t> 0.982; eşik değeri 0.5 ile 0.95 aralığı için ise </a:t>
+            </a:r>
+            <a:r>
+              <a:rPr lang="tr-TR" sz="1500" dirty="0" err="1">
+                <a:latin typeface="TimesNewRomanPSMT"/>
+                <a:cs typeface="Calibri" panose="020F0502020204030204" pitchFamily="34" charset="0"/>
+              </a:rPr>
+              <a:t>mAP</a:t>
+            </a:r>
+            <a:r>
+              <a:rPr lang="tr-TR" sz="1500" dirty="0">
+                <a:latin typeface="TimesNewRomanPSMT"/>
+                <a:cs typeface="Calibri" panose="020F0502020204030204" pitchFamily="34" charset="0"/>
+              </a:rPr>
+              <a:t> değeri 0.758 olarak elde edilmiştir. Bu sonuçlar yeterli değildir. Yeterli olmamasının nedeni eğitim işleminin yarı da kesilmesidir. Bitinceye kadar devam ettirilmesi başarıyı artıracaktır.</a:t>
+            </a:r>
+            <a:endParaRPr lang="tr-TR" sz="1500" dirty="0">
+              <a:latin typeface="Calibri" panose="020F0502020204030204" pitchFamily="34" charset="0"/>
+              <a:cs typeface="Calibri" panose="020F0502020204030204" pitchFamily="34" charset="0"/>
+            </a:endParaRPr>
+          </a:p>
+          <a:p>
+            <a:pPr algn="just">
+              <a:lnSpc>
+                <a:spcPct val="100000"/>
+              </a:lnSpc>
+              <a:spcAft>
+                <a:spcPts val="600"/>
+              </a:spcAft>
+            </a:pPr>
+            <a:endParaRPr lang="tr-TR" sz="1500" dirty="0">
+              <a:solidFill>
+                <a:srgbClr val="FFFF00"/>
+              </a:solidFill>
+              <a:latin typeface="Calibri" panose="020F0502020204030204" pitchFamily="34" charset="0"/>
+              <a:cs typeface="Calibri" panose="020F0502020204030204" pitchFamily="34" charset="0"/>
+            </a:endParaRPr>
+          </a:p>
+        </p:txBody>
+      </p:sp>
+      <p:pic>
+        <p:nvPicPr>
+          <p:cNvPr id="5" name="Resim 4">
+            <a:extLst>
+              <a:ext uri="{FF2B5EF4-FFF2-40B4-BE49-F238E27FC236}">
+                <a16:creationId xmlns:a16="http://schemas.microsoft.com/office/drawing/2014/main" id="{BA865F77-C286-899F-5EB7-15A713EB6501}"/>
+              </a:ext>
+            </a:extLst>
+          </p:cNvPr>
+          <p:cNvPicPr>
+            <a:picLocks noChangeAspect="1"/>
+          </p:cNvPicPr>
+          <p:nvPr/>
+        </p:nvPicPr>
+        <p:blipFill>
+          <a:blip r:embed="rId2"/>
+          <a:stretch>
+            <a:fillRect/>
+          </a:stretch>
+        </p:blipFill>
+        <p:spPr>
+          <a:xfrm>
+            <a:off x="692572" y="2839436"/>
+            <a:ext cx="7372350" cy="485775"/>
+          </a:xfrm>
+          <a:prstGeom prst="rect">
+            <a:avLst/>
+          </a:prstGeom>
+        </p:spPr>
+      </p:pic>
+    </p:spTree>
+    <p:extLst>
+      <p:ext uri="{BB962C8B-B14F-4D97-AF65-F5344CB8AC3E}">
+        <p14:creationId xmlns:p14="http://schemas.microsoft.com/office/powerpoint/2010/main" val="1205831785"/>
+      </p:ext>
+    </p:extLst>
+  </p:cSld>
+  <p:clrMapOvr>
+    <a:masterClrMapping/>
+  </p:clrMapOvr>
+</p:sld>
+</file>
+
+<file path=ppt/slides/slide24.xml><?xml version="1.0" encoding="utf-8"?>
+<p:sld xmlns:a="http://schemas.openxmlformats.org/drawingml/2006/main" xmlns:r="http://schemas.openxmlformats.org/officeDocument/2006/relationships" xmlns:p="http://schemas.openxmlformats.org/presentationml/2006/main">
+  <p:cSld>
+    <p:spTree>
+      <p:nvGrpSpPr>
+        <p:cNvPr id="1" name=""/>
+        <p:cNvGrpSpPr/>
+        <p:nvPr/>
+      </p:nvGrpSpPr>
+      <p:grpSpPr>
+        <a:xfrm>
+          <a:off x="0" y="0"/>
+          <a:ext cx="0" cy="0"/>
+          <a:chOff x="0" y="0"/>
+          <a:chExt cx="0" cy="0"/>
+        </a:xfrm>
+      </p:grpSpPr>
+      <p:sp>
+        <p:nvSpPr>
+          <p:cNvPr id="3" name="Unvan 2"/>
+          <p:cNvSpPr>
+            <a:spLocks noGrp="1"/>
+          </p:cNvSpPr>
+          <p:nvPr>
+            <p:ph type="title"/>
+          </p:nvPr>
+        </p:nvSpPr>
+        <p:spPr>
+          <a:xfrm>
+            <a:off x="927579" y="0"/>
+            <a:ext cx="7228130" cy="875049"/>
+          </a:xfrm>
+        </p:spPr>
+        <p:txBody>
+          <a:bodyPr>
+            <a:normAutofit/>
+          </a:bodyPr>
+          <a:lstStyle/>
+          <a:p>
+            <a:r>
+              <a:rPr lang="tr-TR" sz="2000" dirty="0"/>
+              <a:t>YOLO V7 Uygulama-&gt; Yolov7.ipynb</a:t>
+            </a:r>
+          </a:p>
+        </p:txBody>
+      </p:sp>
+      <p:sp>
+        <p:nvSpPr>
+          <p:cNvPr id="7" name="Unvan 2"/>
+          <p:cNvSpPr txBox="1">
+            <a:spLocks/>
+          </p:cNvSpPr>
+          <p:nvPr/>
+        </p:nvSpPr>
+        <p:spPr>
+          <a:xfrm>
+            <a:off x="198783" y="604102"/>
+            <a:ext cx="8852451" cy="4284698"/>
+          </a:xfrm>
+          <a:prstGeom prst="rect">
+            <a:avLst/>
+          </a:prstGeom>
+        </p:spPr>
+        <p:txBody>
+          <a:bodyPr vert="horz" lIns="91440" tIns="45720" rIns="91440" bIns="45720" rtlCol="0" anchor="t">
             <a:noAutofit/>
           </a:bodyPr>
           <a:lstStyle>
@@ -10214,7 +12881,21 @@
                 <a:latin typeface="Calibri" panose="020F0502020204030204" pitchFamily="34" charset="0"/>
                 <a:cs typeface="Calibri" panose="020F0502020204030204" pitchFamily="34" charset="0"/>
               </a:rPr>
-              <a:t> merkez  x      merkez      </a:t>
+              <a:t> merkez  </a:t>
+            </a:r>
+            <a:r>
+              <a:rPr lang="tr-TR" sz="1500">
+                <a:latin typeface="Calibri" panose="020F0502020204030204" pitchFamily="34" charset="0"/>
+                <a:cs typeface="Calibri" panose="020F0502020204030204" pitchFamily="34" charset="0"/>
+              </a:rPr>
+              <a:t>x      </a:t>
+            </a:r>
+            <a:r>
+              <a:rPr lang="tr-TR" sz="1500" smtClean="0">
+                <a:latin typeface="Calibri" panose="020F0502020204030204" pitchFamily="34" charset="0"/>
+                <a:cs typeface="Calibri" panose="020F0502020204030204" pitchFamily="34" charset="0"/>
+              </a:rPr>
+              <a:t>merkez y      </a:t>
             </a:r>
             <a:r>
               <a:rPr lang="tr-TR" sz="1500" dirty="0" err="1">
@@ -10511,7 +13192,7 @@
 </p:sld>
 </file>
 
-<file path=ppt/slides/slide23.xml><?xml version="1.0" encoding="utf-8"?>
+<file path=ppt/slides/slide25.xml><?xml version="1.0" encoding="utf-8"?>
 <p:sld xmlns:a="http://schemas.openxmlformats.org/drawingml/2006/main" xmlns:r="http://schemas.openxmlformats.org/officeDocument/2006/relationships" xmlns:p="http://schemas.openxmlformats.org/presentationml/2006/main">
   <p:cSld>
     <p:spTree>
@@ -10741,7 +13422,7 @@
 </p:sld>
 </file>
 
-<file path=ppt/slides/slide24.xml><?xml version="1.0" encoding="utf-8"?>
+<file path=ppt/slides/slide26.xml><?xml version="1.0" encoding="utf-8"?>
 <p:sld xmlns:a="http://schemas.openxmlformats.org/drawingml/2006/main" xmlns:r="http://schemas.openxmlformats.org/officeDocument/2006/relationships" xmlns:p="http://schemas.openxmlformats.org/presentationml/2006/main">
   <p:cSld>
     <p:spTree>
@@ -10888,7 +13569,7 @@
 </p:sld>
 </file>
 
-<file path=ppt/slides/slide25.xml><?xml version="1.0" encoding="utf-8"?>
+<file path=ppt/slides/slide27.xml><?xml version="1.0" encoding="utf-8"?>
 <p:sld xmlns:a="http://schemas.openxmlformats.org/drawingml/2006/main" xmlns:r="http://schemas.openxmlformats.org/officeDocument/2006/relationships" xmlns:p="http://schemas.openxmlformats.org/presentationml/2006/main">
   <p:cSld>
     <p:spTree>
@@ -11330,7 +14011,28 @@
                 <a:latin typeface="Calibri" panose="020F0502020204030204" pitchFamily="34" charset="0"/>
                 <a:cs typeface="Calibri" panose="020F0502020204030204" pitchFamily="34" charset="0"/>
               </a:rPr>
-              <a:t>Her bir ızgara kendi içinde, alanda nesnenin olup olmadığını, varsa orta noktasının içinde olup olmadığını, orta noktası da içindeyse uzunluğunu, yüksekliğini ve hangi sınıftan olduğunu bulmakla sorumludur. Daha açık anlatmak gerekirse örneğin yukarıdaki resimde arabanın orta noktası 7. ızgaraya denk geldiği için arabanın tespit edilmesinden/etrafına kutucuk çizmesinden o ızgara sorumludur.</a:t>
+              <a:t>Her bir ızgara kendi içinde, alanda nesnenin olup olmadığını, varsa orta noktasının içinde olup olmadığını, orta noktası da içindeyse uzunluğunu, yüksekliğini ve hangi sınıftan olduğunu bulmakla sorumludur. Daha açık anlatmak gerekirse </a:t>
+            </a:r>
+            <a:r>
+              <a:rPr lang="tr-TR" sz="1800">
+                <a:latin typeface="Calibri" panose="020F0502020204030204" pitchFamily="34" charset="0"/>
+                <a:cs typeface="Calibri" panose="020F0502020204030204" pitchFamily="34" charset="0"/>
+              </a:rPr>
+              <a:t>örneğin </a:t>
+            </a:r>
+            <a:r>
+              <a:rPr lang="tr-TR" sz="1800" smtClean="0">
+                <a:latin typeface="Calibri" panose="020F0502020204030204" pitchFamily="34" charset="0"/>
+                <a:cs typeface="Calibri" panose="020F0502020204030204" pitchFamily="34" charset="0"/>
+              </a:rPr>
+              <a:t>aşağıdaki </a:t>
+            </a:r>
+            <a:r>
+              <a:rPr lang="tr-TR" sz="1800" dirty="0">
+                <a:latin typeface="Calibri" panose="020F0502020204030204" pitchFamily="34" charset="0"/>
+                <a:cs typeface="Calibri" panose="020F0502020204030204" pitchFamily="34" charset="0"/>
+              </a:rPr>
+              <a:t>resimde arabanın orta noktası 7. ızgaraya denk geldiği için arabanın tespit edilmesinden/etrafına kutucuk çizmesinden o ızgara sorumludur.</a:t>
             </a:r>
           </a:p>
         </p:txBody>

--- a/Sunular/MÖT-Hafta-8 - Yolo Detection.pptx
+++ b/Sunular/MÖT-Hafta-8 - Yolo Detection.pptx
@@ -40,15 +40,15 @@
   <p:notesSz cx="6858000" cy="9144000"/>
   <p:embeddedFontLst>
     <p:embeddedFont>
-      <p:font typeface="Arial Black" panose="020B0A04020102020204" pitchFamily="34" charset="0"/>
-      <p:bold r:id="rId30"/>
+      <p:font typeface="Calibri" panose="020F0502020204030204" pitchFamily="34" charset="0"/>
+      <p:regular r:id="rId30"/>
+      <p:bold r:id="rId31"/>
+      <p:italic r:id="rId32"/>
+      <p:boldItalic r:id="rId33"/>
     </p:embeddedFont>
     <p:embeddedFont>
-      <p:font typeface="Calibri" panose="020F0502020204030204" pitchFamily="34" charset="0"/>
-      <p:regular r:id="rId31"/>
-      <p:bold r:id="rId32"/>
-      <p:italic r:id="rId33"/>
-      <p:boldItalic r:id="rId34"/>
+      <p:font typeface="Arial Black" panose="020B0A04020102020204" pitchFamily="34" charset="0"/>
+      <p:bold r:id="rId34"/>
     </p:embeddedFont>
   </p:embeddedFontLst>
   <p:defaultTextStyle>
@@ -1022,7 +1022,7 @@
             <a:fld id="{B61BEF0D-F0BB-DE4B-95CE-6DB70DBA9567}" type="datetimeFigureOut">
               <a:rPr lang="en-US" smtClean="0"/>
               <a:pPr/>
-              <a:t>12/12/2023</a:t>
+              <a:t>12/13/2023</a:t>
             </a:fld>
             <a:endParaRPr lang="en-US" dirty="0"/>
           </a:p>
@@ -1203,7 +1203,7 @@
             <a:fld id="{B61BEF0D-F0BB-DE4B-95CE-6DB70DBA9567}" type="datetimeFigureOut">
               <a:rPr lang="en-US" smtClean="0"/>
               <a:pPr/>
-              <a:t>12/12/2023</a:t>
+              <a:t>12/13/2023</a:t>
             </a:fld>
             <a:endParaRPr lang="en-US" dirty="0"/>
           </a:p>
@@ -1394,7 +1394,7 @@
             <a:fld id="{B61BEF0D-F0BB-DE4B-95CE-6DB70DBA9567}" type="datetimeFigureOut">
               <a:rPr lang="en-US" smtClean="0"/>
               <a:pPr/>
-              <a:t>12/12/2023</a:t>
+              <a:t>12/13/2023</a:t>
             </a:fld>
             <a:endParaRPr lang="en-US" dirty="0"/>
           </a:p>
@@ -2338,7 +2338,7 @@
             <a:fld id="{B61BEF0D-F0BB-DE4B-95CE-6DB70DBA9567}" type="datetimeFigureOut">
               <a:rPr lang="en-US" smtClean="0"/>
               <a:pPr/>
-              <a:t>12/12/2023</a:t>
+              <a:t>12/13/2023</a:t>
             </a:fld>
             <a:endParaRPr lang="en-US" dirty="0"/>
           </a:p>
@@ -2595,7 +2595,7 @@
             <a:fld id="{B61BEF0D-F0BB-DE4B-95CE-6DB70DBA9567}" type="datetimeFigureOut">
               <a:rPr lang="en-US" smtClean="0"/>
               <a:pPr/>
-              <a:t>12/12/2023</a:t>
+              <a:t>12/13/2023</a:t>
             </a:fld>
             <a:endParaRPr lang="en-US" dirty="0"/>
           </a:p>
@@ -2838,7 +2838,7 @@
             <a:fld id="{B61BEF0D-F0BB-DE4B-95CE-6DB70DBA9567}" type="datetimeFigureOut">
               <a:rPr lang="en-US" smtClean="0"/>
               <a:pPr/>
-              <a:t>12/12/2023</a:t>
+              <a:t>12/13/2023</a:t>
             </a:fld>
             <a:endParaRPr lang="en-US" dirty="0"/>
           </a:p>
@@ -3216,7 +3216,7 @@
             <a:fld id="{B61BEF0D-F0BB-DE4B-95CE-6DB70DBA9567}" type="datetimeFigureOut">
               <a:rPr lang="en-US" smtClean="0"/>
               <a:pPr/>
-              <a:t>12/12/2023</a:t>
+              <a:t>12/13/2023</a:t>
             </a:fld>
             <a:endParaRPr lang="en-US" dirty="0"/>
           </a:p>
@@ -3345,7 +3345,7 @@
             <a:fld id="{B61BEF0D-F0BB-DE4B-95CE-6DB70DBA9567}" type="datetimeFigureOut">
               <a:rPr lang="en-US" smtClean="0"/>
               <a:pPr/>
-              <a:t>12/12/2023</a:t>
+              <a:t>12/13/2023</a:t>
             </a:fld>
             <a:endParaRPr lang="en-US" dirty="0"/>
           </a:p>
@@ -3451,7 +3451,7 @@
             <a:fld id="{B61BEF0D-F0BB-DE4B-95CE-6DB70DBA9567}" type="datetimeFigureOut">
               <a:rPr lang="en-US" smtClean="0"/>
               <a:pPr/>
-              <a:t>12/12/2023</a:t>
+              <a:t>12/13/2023</a:t>
             </a:fld>
             <a:endParaRPr lang="en-US" dirty="0"/>
           </a:p>
@@ -3739,7 +3739,7 @@
             <a:fld id="{B61BEF0D-F0BB-DE4B-95CE-6DB70DBA9567}" type="datetimeFigureOut">
               <a:rPr lang="en-US" smtClean="0"/>
               <a:pPr/>
-              <a:t>12/12/2023</a:t>
+              <a:t>12/13/2023</a:t>
             </a:fld>
             <a:endParaRPr lang="en-US" dirty="0"/>
           </a:p>
@@ -4007,7 +4007,7 @@
             <a:fld id="{B61BEF0D-F0BB-DE4B-95CE-6DB70DBA9567}" type="datetimeFigureOut">
               <a:rPr lang="en-US" smtClean="0"/>
               <a:pPr/>
-              <a:t>12/12/2023</a:t>
+              <a:t>12/13/2023</a:t>
             </a:fld>
             <a:endParaRPr lang="en-US" dirty="0"/>
           </a:p>
@@ -4231,7 +4231,7 @@
             <a:fld id="{B61BEF0D-F0BB-DE4B-95CE-6DB70DBA9567}" type="datetimeFigureOut">
               <a:rPr lang="en-US" smtClean="0"/>
               <a:pPr/>
-              <a:t>12/12/2023</a:t>
+              <a:t>12/13/2023</a:t>
             </a:fld>
             <a:endParaRPr lang="en-US" dirty="0"/>
           </a:p>
@@ -6527,14 +6527,7 @@
                 <a:latin typeface="Calibri" panose="020F0502020204030204" pitchFamily="34" charset="0"/>
                 <a:cs typeface="Calibri" panose="020F0502020204030204" pitchFamily="34" charset="0"/>
               </a:rPr>
-              <a:t> indirin:</a:t>
-            </a:r>
-            <a:r>
-              <a:rPr lang="tr-TR" dirty="0" smtClean="0">
-                <a:latin typeface="Calibri" panose="020F0502020204030204" pitchFamily="34" charset="0"/>
-                <a:cs typeface="Calibri" panose="020F0502020204030204" pitchFamily="34" charset="0"/>
-              </a:rPr>
-              <a:t> </a:t>
+              <a:t> indirin: </a:t>
             </a:r>
             <a:r>
               <a:rPr lang="tr-TR" dirty="0">
@@ -6898,7 +6891,89 @@
                 <a:latin typeface="Calibri" panose="020F0502020204030204" pitchFamily="34" charset="0"/>
                 <a:cs typeface="Calibri" panose="020F0502020204030204" pitchFamily="34" charset="0"/>
               </a:rPr>
-              <a:t>Farklı bir veri setiniz varsa </a:t>
+              <a:t>Üzerinde çalışacağımız veri setini aşağıdaki linkten indirin.</a:t>
+            </a:r>
+          </a:p>
+          <a:p>
+            <a:pPr marL="285750" indent="-285750" algn="just">
+              <a:lnSpc>
+                <a:spcPct val="100000"/>
+              </a:lnSpc>
+              <a:spcAft>
+                <a:spcPts val="600"/>
+              </a:spcAft>
+              <a:buFont typeface="Arial" panose="020B0604020202020204" pitchFamily="34" charset="0"/>
+              <a:buChar char="•"/>
+            </a:pPr>
+            <a:r>
+              <a:rPr lang="tr-TR" sz="1600" dirty="0" smtClean="0">
+                <a:latin typeface="Calibri" panose="020F0502020204030204" pitchFamily="34" charset="0"/>
+                <a:cs typeface="Calibri" panose="020F0502020204030204" pitchFamily="34" charset="0"/>
+                <a:hlinkClick r:id="rId2"/>
+              </a:rPr>
+              <a:t>https</a:t>
+            </a:r>
+            <a:r>
+              <a:rPr lang="tr-TR" sz="1600" dirty="0">
+                <a:latin typeface="Calibri" panose="020F0502020204030204" pitchFamily="34" charset="0"/>
+                <a:cs typeface="Calibri" panose="020F0502020204030204" pitchFamily="34" charset="0"/>
+                <a:hlinkClick r:id="rId2"/>
+              </a:rPr>
+              <a:t>://</a:t>
+            </a:r>
+            <a:r>
+              <a:rPr lang="tr-TR" sz="1600" dirty="0" smtClean="0">
+                <a:latin typeface="Calibri" panose="020F0502020204030204" pitchFamily="34" charset="0"/>
+                <a:cs typeface="Calibri" panose="020F0502020204030204" pitchFamily="34" charset="0"/>
+                <a:hlinkClick r:id="rId2"/>
+              </a:rPr>
+              <a:t>drive.google.com/file/d/11TjJQDIOV8-9av-EDuT8bc-k6mazYVRa/view?usp=sharing</a:t>
+            </a:r>
+            <a:endParaRPr lang="tr-TR" sz="1600" dirty="0" smtClean="0">
+              <a:latin typeface="Calibri" panose="020F0502020204030204" pitchFamily="34" charset="0"/>
+              <a:cs typeface="Calibri" panose="020F0502020204030204" pitchFamily="34" charset="0"/>
+            </a:endParaRPr>
+          </a:p>
+          <a:p>
+            <a:pPr marL="285750" indent="-285750" algn="just">
+              <a:lnSpc>
+                <a:spcPct val="100000"/>
+              </a:lnSpc>
+              <a:spcAft>
+                <a:spcPts val="600"/>
+              </a:spcAft>
+              <a:buFont typeface="Arial" panose="020B0604020202020204" pitchFamily="34" charset="0"/>
+              <a:buChar char="•"/>
+            </a:pPr>
+            <a:endParaRPr lang="tr-TR" sz="1600" dirty="0">
+              <a:latin typeface="Calibri" panose="020F0502020204030204" pitchFamily="34" charset="0"/>
+              <a:cs typeface="Calibri" panose="020F0502020204030204" pitchFamily="34" charset="0"/>
+            </a:endParaRPr>
+          </a:p>
+          <a:p>
+            <a:pPr marL="285750" indent="-285750" algn="just">
+              <a:lnSpc>
+                <a:spcPct val="100000"/>
+              </a:lnSpc>
+              <a:spcAft>
+                <a:spcPts val="600"/>
+              </a:spcAft>
+              <a:buFont typeface="Arial" panose="020B0604020202020204" pitchFamily="34" charset="0"/>
+              <a:buChar char="•"/>
+            </a:pPr>
+            <a:r>
+              <a:rPr lang="tr-TR" sz="1600" dirty="0" smtClean="0">
+                <a:latin typeface="Calibri" panose="020F0502020204030204" pitchFamily="34" charset="0"/>
+                <a:cs typeface="Calibri" panose="020F0502020204030204" pitchFamily="34" charset="0"/>
+              </a:rPr>
+              <a:t>Farklı </a:t>
+            </a:r>
+            <a:r>
+              <a:rPr lang="tr-TR" sz="1600" dirty="0">
+                <a:latin typeface="Calibri" panose="020F0502020204030204" pitchFamily="34" charset="0"/>
+                <a:cs typeface="Calibri" panose="020F0502020204030204" pitchFamily="34" charset="0"/>
+              </a:rPr>
+              <a:t>bir veri setiniz varsa </a:t>
             </a:r>
             <a:r>
               <a:rPr lang="tr-TR" sz="1600" dirty="0" err="1">

--- a/Sunular/MÖT-Hafta-8 - Yolo Detection.pptx
+++ b/Sunular/MÖT-Hafta-8 - Yolo Detection.pptx
@@ -5,7 +5,7 @@
     <p:sldMasterId id="2147483718" r:id="rId1"/>
   </p:sldMasterIdLst>
   <p:notesMasterIdLst>
-    <p:notesMasterId r:id="rId29"/>
+    <p:notesMasterId r:id="rId30"/>
   </p:notesMasterIdLst>
   <p:sldIdLst>
     <p:sldId id="256" r:id="rId2"/>
@@ -24,31 +24,32 @@
     <p:sldId id="340" r:id="rId15"/>
     <p:sldId id="341" r:id="rId16"/>
     <p:sldId id="328" r:id="rId17"/>
-    <p:sldId id="329" r:id="rId18"/>
-    <p:sldId id="330" r:id="rId19"/>
-    <p:sldId id="331" r:id="rId20"/>
-    <p:sldId id="332" r:id="rId21"/>
-    <p:sldId id="333" r:id="rId22"/>
-    <p:sldId id="334" r:id="rId23"/>
-    <p:sldId id="335" r:id="rId24"/>
-    <p:sldId id="336" r:id="rId25"/>
-    <p:sldId id="337" r:id="rId26"/>
-    <p:sldId id="338" r:id="rId27"/>
-    <p:sldId id="339" r:id="rId28"/>
+    <p:sldId id="342" r:id="rId18"/>
+    <p:sldId id="329" r:id="rId19"/>
+    <p:sldId id="330" r:id="rId20"/>
+    <p:sldId id="331" r:id="rId21"/>
+    <p:sldId id="332" r:id="rId22"/>
+    <p:sldId id="333" r:id="rId23"/>
+    <p:sldId id="334" r:id="rId24"/>
+    <p:sldId id="335" r:id="rId25"/>
+    <p:sldId id="336" r:id="rId26"/>
+    <p:sldId id="337" r:id="rId27"/>
+    <p:sldId id="338" r:id="rId28"/>
+    <p:sldId id="339" r:id="rId29"/>
   </p:sldIdLst>
   <p:sldSz cx="9144000" cy="5143500" type="screen16x9"/>
   <p:notesSz cx="6858000" cy="9144000"/>
   <p:embeddedFontLst>
     <p:embeddedFont>
-      <p:font typeface="Calibri" panose="020F0502020204030204" pitchFamily="34" charset="0"/>
-      <p:regular r:id="rId30"/>
+      <p:font typeface="Arial Black" panose="020B0A04020102020204" pitchFamily="34" charset="0"/>
       <p:bold r:id="rId31"/>
-      <p:italic r:id="rId32"/>
-      <p:boldItalic r:id="rId33"/>
     </p:embeddedFont>
     <p:embeddedFont>
-      <p:font typeface="Arial Black" panose="020B0A04020102020204" pitchFamily="34" charset="0"/>
-      <p:bold r:id="rId34"/>
+      <p:font typeface="Calibri" panose="020F0502020204030204" pitchFamily="34" charset="0"/>
+      <p:regular r:id="rId32"/>
+      <p:bold r:id="rId33"/>
+      <p:italic r:id="rId34"/>
+      <p:boldItalic r:id="rId35"/>
     </p:embeddedFont>
   </p:embeddedFontLst>
   <p:defaultTextStyle>
@@ -9078,8 +9079,25 @@
                 <a:latin typeface="Calibri" panose="020F0502020204030204" pitchFamily="34" charset="0"/>
                 <a:cs typeface="Calibri" panose="020F0502020204030204" pitchFamily="34" charset="0"/>
               </a:rPr>
-              <a:t> Train YOLO</a:t>
-            </a:r>
+              <a:t> Train </a:t>
+            </a:r>
+            <a:r>
+              <a:rPr lang="tr-TR" sz="1800" b="1" u="sng" dirty="0" smtClean="0">
+                <a:solidFill>
+                  <a:srgbClr val="FFFF00"/>
+                </a:solidFill>
+                <a:latin typeface="Calibri" panose="020F0502020204030204" pitchFamily="34" charset="0"/>
+                <a:cs typeface="Calibri" panose="020F0502020204030204" pitchFamily="34" charset="0"/>
+              </a:rPr>
+              <a:t>YOLO (Etiketleme)</a:t>
+            </a:r>
+            <a:endParaRPr lang="tr-TR" sz="1800" b="1" u="sng" dirty="0">
+              <a:solidFill>
+                <a:srgbClr val="FFFF00"/>
+              </a:solidFill>
+              <a:latin typeface="Calibri" panose="020F0502020204030204" pitchFamily="34" charset="0"/>
+              <a:cs typeface="Calibri" panose="020F0502020204030204" pitchFamily="34" charset="0"/>
+            </a:endParaRPr>
           </a:p>
           <a:p>
             <a:pPr algn="just">
@@ -9219,6 +9237,553 @@
         </p:nvSpPr>
         <p:spPr>
           <a:xfrm>
+            <a:off x="0" y="610728"/>
+            <a:ext cx="4879397" cy="4284698"/>
+          </a:xfrm>
+          <a:prstGeom prst="rect">
+            <a:avLst/>
+          </a:prstGeom>
+        </p:spPr>
+        <p:txBody>
+          <a:bodyPr vert="horz" lIns="91440" tIns="45720" rIns="91440" bIns="45720" rtlCol="0" anchor="t">
+            <a:normAutofit/>
+          </a:bodyPr>
+          <a:lstStyle>
+            <a:lvl1pPr algn="l" defTabSz="685800" rtl="0" eaLnBrk="1" latinLnBrk="0" hangingPunct="1">
+              <a:lnSpc>
+                <a:spcPct val="90000"/>
+              </a:lnSpc>
+              <a:spcBef>
+                <a:spcPct val="0"/>
+              </a:spcBef>
+              <a:buNone/>
+              <a:defRPr sz="3300" kern="1200">
+                <a:solidFill>
+                  <a:schemeClr val="tx1"/>
+                </a:solidFill>
+                <a:latin typeface="+mj-lt"/>
+                <a:ea typeface="+mj-ea"/>
+                <a:cs typeface="+mj-cs"/>
+              </a:defRPr>
+            </a:lvl1pPr>
+          </a:lstStyle>
+          <a:p>
+            <a:pPr algn="ctr">
+              <a:lnSpc>
+                <a:spcPct val="100000"/>
+              </a:lnSpc>
+              <a:spcAft>
+                <a:spcPts val="600"/>
+              </a:spcAft>
+            </a:pPr>
+            <a:r>
+              <a:rPr lang="tr-TR" sz="1800" b="1" u="sng" dirty="0" err="1">
+                <a:solidFill>
+                  <a:srgbClr val="FFFF00"/>
+                </a:solidFill>
+                <a:latin typeface="Calibri" panose="020F0502020204030204" pitchFamily="34" charset="0"/>
+                <a:cs typeface="Calibri" panose="020F0502020204030204" pitchFamily="34" charset="0"/>
+              </a:rPr>
+              <a:t>Custom</a:t>
+            </a:r>
+            <a:r>
+              <a:rPr lang="tr-TR" sz="1800" b="1" u="sng" dirty="0">
+                <a:solidFill>
+                  <a:srgbClr val="FFFF00"/>
+                </a:solidFill>
+                <a:latin typeface="Calibri" panose="020F0502020204030204" pitchFamily="34" charset="0"/>
+                <a:cs typeface="Calibri" panose="020F0502020204030204" pitchFamily="34" charset="0"/>
+              </a:rPr>
+              <a:t> Train </a:t>
+            </a:r>
+            <a:r>
+              <a:rPr lang="tr-TR" sz="1800" b="1" u="sng" dirty="0" smtClean="0">
+                <a:solidFill>
+                  <a:srgbClr val="FFFF00"/>
+                </a:solidFill>
+                <a:latin typeface="Calibri" panose="020F0502020204030204" pitchFamily="34" charset="0"/>
+                <a:cs typeface="Calibri" panose="020F0502020204030204" pitchFamily="34" charset="0"/>
+              </a:rPr>
+              <a:t>YOLO (Etiketleme)</a:t>
+            </a:r>
+            <a:endParaRPr lang="tr-TR" sz="1800" b="1" u="sng" dirty="0">
+              <a:solidFill>
+                <a:srgbClr val="FFFF00"/>
+              </a:solidFill>
+              <a:latin typeface="Calibri" panose="020F0502020204030204" pitchFamily="34" charset="0"/>
+              <a:cs typeface="Calibri" panose="020F0502020204030204" pitchFamily="34" charset="0"/>
+            </a:endParaRPr>
+          </a:p>
+          <a:p>
+            <a:pPr marL="285750" indent="-285750" algn="just">
+              <a:lnSpc>
+                <a:spcPct val="100000"/>
+              </a:lnSpc>
+              <a:spcAft>
+                <a:spcPts val="600"/>
+              </a:spcAft>
+              <a:buFont typeface="Arial" panose="020B0604020202020204" pitchFamily="34" charset="0"/>
+              <a:buChar char="•"/>
+            </a:pPr>
+            <a:r>
+              <a:rPr lang="tr-TR" sz="1600" dirty="0" smtClean="0">
+                <a:latin typeface="Calibri" panose="020F0502020204030204" pitchFamily="34" charset="0"/>
+                <a:cs typeface="Calibri" panose="020F0502020204030204" pitchFamily="34" charset="0"/>
+              </a:rPr>
+              <a:t>Etiketlemeye </a:t>
+            </a:r>
+            <a:r>
+              <a:rPr lang="tr-TR" sz="1600" dirty="0">
+                <a:latin typeface="Calibri" panose="020F0502020204030204" pitchFamily="34" charset="0"/>
+                <a:cs typeface="Calibri" panose="020F0502020204030204" pitchFamily="34" charset="0"/>
+              </a:rPr>
+              <a:t>başlamadan önce «D:\</a:t>
+            </a:r>
+            <a:r>
+              <a:rPr lang="tr-TR" sz="1600" dirty="0" err="1">
+                <a:latin typeface="Calibri" panose="020F0502020204030204" pitchFamily="34" charset="0"/>
+                <a:cs typeface="Calibri" panose="020F0502020204030204" pitchFamily="34" charset="0"/>
+              </a:rPr>
+              <a:t>labelImg</a:t>
+            </a:r>
+            <a:r>
+              <a:rPr lang="tr-TR" sz="1600" dirty="0">
+                <a:latin typeface="Calibri" panose="020F0502020204030204" pitchFamily="34" charset="0"/>
+                <a:cs typeface="Calibri" panose="020F0502020204030204" pitchFamily="34" charset="0"/>
+              </a:rPr>
+              <a:t>\data» klasöründeki </a:t>
+            </a:r>
+            <a:r>
+              <a:rPr lang="tr-TR" sz="1600" dirty="0" smtClean="0">
+                <a:latin typeface="Calibri" panose="020F0502020204030204" pitchFamily="34" charset="0"/>
+                <a:cs typeface="Calibri" panose="020F0502020204030204" pitchFamily="34" charset="0"/>
+              </a:rPr>
+              <a:t>«predefined_classes.txt» dosyasındaki tüm </a:t>
+            </a:r>
+            <a:r>
+              <a:rPr lang="tr-TR" sz="1600" dirty="0" err="1" smtClean="0">
+                <a:latin typeface="Calibri" panose="020F0502020204030204" pitchFamily="34" charset="0"/>
+                <a:cs typeface="Calibri" panose="020F0502020204030204" pitchFamily="34" charset="0"/>
+              </a:rPr>
+              <a:t>class’lar</a:t>
+            </a:r>
+            <a:r>
+              <a:rPr lang="tr-TR" sz="1600" dirty="0" smtClean="0">
+                <a:latin typeface="Calibri" panose="020F0502020204030204" pitchFamily="34" charset="0"/>
+                <a:cs typeface="Calibri" panose="020F0502020204030204" pitchFamily="34" charset="0"/>
+              </a:rPr>
+              <a:t> silinmelidir.</a:t>
+            </a:r>
+          </a:p>
+          <a:p>
+            <a:pPr marL="285750" indent="-285750" algn="just">
+              <a:lnSpc>
+                <a:spcPct val="100000"/>
+              </a:lnSpc>
+              <a:spcAft>
+                <a:spcPts val="600"/>
+              </a:spcAft>
+              <a:buFont typeface="Arial" panose="020B0604020202020204" pitchFamily="34" charset="0"/>
+              <a:buChar char="•"/>
+            </a:pPr>
+            <a:r>
+              <a:rPr lang="tr-TR" sz="1600" dirty="0" smtClean="0">
+                <a:latin typeface="Calibri" panose="020F0502020204030204" pitchFamily="34" charset="0"/>
+                <a:cs typeface="Calibri" panose="020F0502020204030204" pitchFamily="34" charset="0"/>
+              </a:rPr>
+              <a:t>Bu silinmediği taktirde o sınıfları da hesaba katarak etiketleme bilgilerini </a:t>
+            </a:r>
+            <a:r>
+              <a:rPr lang="tr-TR" sz="1600" dirty="0" err="1" smtClean="0">
+                <a:latin typeface="Calibri" panose="020F0502020204030204" pitchFamily="34" charset="0"/>
+                <a:cs typeface="Calibri" panose="020F0502020204030204" pitchFamily="34" charset="0"/>
+              </a:rPr>
+              <a:t>txt</a:t>
+            </a:r>
+            <a:r>
+              <a:rPr lang="tr-TR" sz="1600" dirty="0" smtClean="0">
+                <a:latin typeface="Calibri" panose="020F0502020204030204" pitchFamily="34" charset="0"/>
+                <a:cs typeface="Calibri" panose="020F0502020204030204" pitchFamily="34" charset="0"/>
+              </a:rPr>
+              <a:t> dosyasına yazarken yeni sınıfı  15 numaralı sınıf olarak kaydetmektedir.</a:t>
+            </a:r>
+          </a:p>
+          <a:p>
+            <a:pPr marL="285750" indent="-285750" algn="just">
+              <a:lnSpc>
+                <a:spcPct val="100000"/>
+              </a:lnSpc>
+              <a:spcAft>
+                <a:spcPts val="600"/>
+              </a:spcAft>
+              <a:buFont typeface="Arial" panose="020B0604020202020204" pitchFamily="34" charset="0"/>
+              <a:buChar char="•"/>
+            </a:pPr>
+            <a:r>
+              <a:rPr lang="tr-TR" sz="1600" dirty="0" smtClean="0">
+                <a:latin typeface="Calibri" panose="020F0502020204030204" pitchFamily="34" charset="0"/>
+                <a:cs typeface="Calibri" panose="020F0502020204030204" pitchFamily="34" charset="0"/>
+              </a:rPr>
+              <a:t>Bu durum </a:t>
+            </a:r>
+            <a:r>
+              <a:rPr lang="tr-TR" sz="1600" dirty="0" err="1" smtClean="0">
+                <a:latin typeface="Calibri" panose="020F0502020204030204" pitchFamily="34" charset="0"/>
+                <a:cs typeface="Calibri" panose="020F0502020204030204" pitchFamily="34" charset="0"/>
+              </a:rPr>
+              <a:t>YOLO’nun</a:t>
+            </a:r>
+            <a:r>
+              <a:rPr lang="tr-TR" sz="1600" dirty="0" smtClean="0">
+                <a:latin typeface="Calibri" panose="020F0502020204030204" pitchFamily="34" charset="0"/>
+                <a:cs typeface="Calibri" panose="020F0502020204030204" pitchFamily="34" charset="0"/>
+              </a:rPr>
+              <a:t> eğitiminde problem oluşturmaktadır. Eğer bu işlemi yapmayı unuttuysanız </a:t>
+            </a:r>
+            <a:r>
+              <a:rPr lang="tr-TR" sz="1600" dirty="0">
+                <a:latin typeface="Calibri" panose="020F0502020204030204" pitchFamily="34" charset="0"/>
+                <a:cs typeface="Calibri" panose="020F0502020204030204" pitchFamily="34" charset="0"/>
+              </a:rPr>
+              <a:t>aşağıdaki kodla (</a:t>
+            </a:r>
+            <a:r>
+              <a:rPr lang="tr-TR" sz="1600" dirty="0" err="1">
+                <a:solidFill>
+                  <a:srgbClr val="FFFF00"/>
+                </a:solidFill>
+                <a:latin typeface="Calibri" panose="020F0502020204030204" pitchFamily="34" charset="0"/>
+                <a:cs typeface="Calibri" panose="020F0502020204030204" pitchFamily="34" charset="0"/>
+              </a:rPr>
+              <a:t>txt</a:t>
+            </a:r>
+            <a:r>
+              <a:rPr lang="tr-TR" sz="1600" dirty="0">
+                <a:solidFill>
+                  <a:srgbClr val="FFFF00"/>
+                </a:solidFill>
+                <a:latin typeface="Calibri" panose="020F0502020204030204" pitchFamily="34" charset="0"/>
+                <a:cs typeface="Calibri" panose="020F0502020204030204" pitchFamily="34" charset="0"/>
+              </a:rPr>
+              <a:t> dosya </a:t>
+            </a:r>
+            <a:r>
+              <a:rPr lang="tr-TR" sz="1600" dirty="0" err="1">
+                <a:solidFill>
+                  <a:srgbClr val="FFFF00"/>
+                </a:solidFill>
+                <a:latin typeface="Calibri" panose="020F0502020204030204" pitchFamily="34" charset="0"/>
+                <a:cs typeface="Calibri" panose="020F0502020204030204" pitchFamily="34" charset="0"/>
+              </a:rPr>
+              <a:t>class</a:t>
+            </a:r>
+            <a:r>
+              <a:rPr lang="tr-TR" sz="1600" dirty="0">
+                <a:solidFill>
+                  <a:srgbClr val="FFFF00"/>
+                </a:solidFill>
+                <a:latin typeface="Calibri" panose="020F0502020204030204" pitchFamily="34" charset="0"/>
+                <a:cs typeface="Calibri" panose="020F0502020204030204" pitchFamily="34" charset="0"/>
+              </a:rPr>
+              <a:t> numarasını </a:t>
+            </a:r>
+            <a:r>
+              <a:rPr lang="tr-TR" sz="1600" dirty="0" smtClean="0">
+                <a:solidFill>
+                  <a:srgbClr val="FFFF00"/>
+                </a:solidFill>
+                <a:latin typeface="Calibri" panose="020F0502020204030204" pitchFamily="34" charset="0"/>
+                <a:cs typeface="Calibri" panose="020F0502020204030204" pitchFamily="34" charset="0"/>
+              </a:rPr>
+              <a:t>değistirme.py</a:t>
+            </a:r>
+            <a:r>
+              <a:rPr lang="tr-TR" sz="1600" dirty="0" smtClean="0">
+                <a:latin typeface="Calibri" panose="020F0502020204030204" pitchFamily="34" charset="0"/>
+                <a:cs typeface="Calibri" panose="020F0502020204030204" pitchFamily="34" charset="0"/>
+              </a:rPr>
+              <a:t>) 15 numaralı sınıfı tüm </a:t>
+            </a:r>
+            <a:r>
+              <a:rPr lang="tr-TR" sz="1600" dirty="0" err="1" smtClean="0">
+                <a:latin typeface="Calibri" panose="020F0502020204030204" pitchFamily="34" charset="0"/>
+                <a:cs typeface="Calibri" panose="020F0502020204030204" pitchFamily="34" charset="0"/>
+              </a:rPr>
+              <a:t>txt</a:t>
+            </a:r>
+            <a:r>
+              <a:rPr lang="tr-TR" sz="1600" dirty="0" smtClean="0">
+                <a:latin typeface="Calibri" panose="020F0502020204030204" pitchFamily="34" charset="0"/>
+                <a:cs typeface="Calibri" panose="020F0502020204030204" pitchFamily="34" charset="0"/>
+              </a:rPr>
+              <a:t> dosyalarında 0 numaralı sınıf olarak değiştirebilirsiniz.</a:t>
+            </a:r>
+            <a:endParaRPr lang="tr-TR" sz="1600" dirty="0">
+              <a:latin typeface="Calibri" panose="020F0502020204030204" pitchFamily="34" charset="0"/>
+              <a:cs typeface="Calibri" panose="020F0502020204030204" pitchFamily="34" charset="0"/>
+            </a:endParaRPr>
+          </a:p>
+          <a:p>
+            <a:pPr marL="285750" indent="-285750" algn="just">
+              <a:lnSpc>
+                <a:spcPct val="100000"/>
+              </a:lnSpc>
+              <a:spcAft>
+                <a:spcPts val="600"/>
+              </a:spcAft>
+              <a:buFont typeface="Arial" panose="020B0604020202020204" pitchFamily="34" charset="0"/>
+              <a:buChar char="•"/>
+            </a:pPr>
+            <a:endParaRPr lang="tr-TR" sz="1600" dirty="0">
+              <a:solidFill>
+                <a:srgbClr val="FFFF00"/>
+              </a:solidFill>
+              <a:latin typeface="Calibri" panose="020F0502020204030204" pitchFamily="34" charset="0"/>
+              <a:cs typeface="Calibri" panose="020F0502020204030204" pitchFamily="34" charset="0"/>
+            </a:endParaRPr>
+          </a:p>
+          <a:p>
+            <a:pPr algn="just">
+              <a:lnSpc>
+                <a:spcPct val="100000"/>
+              </a:lnSpc>
+              <a:spcAft>
+                <a:spcPts val="600"/>
+              </a:spcAft>
+            </a:pPr>
+            <a:endParaRPr lang="tr-TR" sz="1600" dirty="0">
+              <a:solidFill>
+                <a:srgbClr val="FFFF00"/>
+              </a:solidFill>
+              <a:latin typeface="Calibri" panose="020F0502020204030204" pitchFamily="34" charset="0"/>
+              <a:cs typeface="Calibri" panose="020F0502020204030204" pitchFamily="34" charset="0"/>
+            </a:endParaRPr>
+          </a:p>
+        </p:txBody>
+      </p:sp>
+      <p:pic>
+        <p:nvPicPr>
+          <p:cNvPr id="2" name="Resim 1"/>
+          <p:cNvPicPr>
+            <a:picLocks noChangeAspect="1"/>
+          </p:cNvPicPr>
+          <p:nvPr/>
+        </p:nvPicPr>
+        <p:blipFill>
+          <a:blip r:embed="rId2"/>
+          <a:stretch>
+            <a:fillRect/>
+          </a:stretch>
+        </p:blipFill>
+        <p:spPr>
+          <a:xfrm>
+            <a:off x="4879397" y="1093712"/>
+            <a:ext cx="4158586" cy="2848812"/>
+          </a:xfrm>
+          <a:prstGeom prst="rect">
+            <a:avLst/>
+          </a:prstGeom>
+        </p:spPr>
+      </p:pic>
+      <p:pic>
+        <p:nvPicPr>
+          <p:cNvPr id="5" name="Resim 4"/>
+          <p:cNvPicPr>
+            <a:picLocks noChangeAspect="1"/>
+          </p:cNvPicPr>
+          <p:nvPr/>
+        </p:nvPicPr>
+        <p:blipFill>
+          <a:blip r:embed="rId3"/>
+          <a:stretch>
+            <a:fillRect/>
+          </a:stretch>
+        </p:blipFill>
+        <p:spPr>
+          <a:xfrm>
+            <a:off x="262250" y="4087636"/>
+            <a:ext cx="3292125" cy="807790"/>
+          </a:xfrm>
+          <a:prstGeom prst="rect">
+            <a:avLst/>
+          </a:prstGeom>
+        </p:spPr>
+      </p:pic>
+      <p:pic>
+        <p:nvPicPr>
+          <p:cNvPr id="6" name="Resim 5"/>
+          <p:cNvPicPr>
+            <a:picLocks noChangeAspect="1"/>
+          </p:cNvPicPr>
+          <p:nvPr/>
+        </p:nvPicPr>
+        <p:blipFill>
+          <a:blip r:embed="rId4"/>
+          <a:stretch>
+            <a:fillRect/>
+          </a:stretch>
+        </p:blipFill>
+        <p:spPr>
+          <a:xfrm>
+            <a:off x="4799970" y="4080015"/>
+            <a:ext cx="3055885" cy="815411"/>
+          </a:xfrm>
+          <a:prstGeom prst="rect">
+            <a:avLst/>
+          </a:prstGeom>
+        </p:spPr>
+      </p:pic>
+      <p:sp>
+        <p:nvSpPr>
+          <p:cNvPr id="9" name="Patlama 2 8"/>
+          <p:cNvSpPr/>
+          <p:nvPr/>
+        </p:nvSpPr>
+        <p:spPr>
+          <a:xfrm>
+            <a:off x="189363" y="4364107"/>
+            <a:ext cx="539507" cy="531319"/>
+          </a:xfrm>
+          <a:prstGeom prst="irregularSeal2">
+            <a:avLst/>
+          </a:prstGeom>
+          <a:noFill/>
+        </p:spPr>
+        <p:style>
+          <a:lnRef idx="2">
+            <a:schemeClr val="accent1">
+              <a:shade val="50000"/>
+            </a:schemeClr>
+          </a:lnRef>
+          <a:fillRef idx="1">
+            <a:schemeClr val="accent1"/>
+          </a:fillRef>
+          <a:effectRef idx="0">
+            <a:schemeClr val="accent1"/>
+          </a:effectRef>
+          <a:fontRef idx="minor">
+            <a:schemeClr val="lt1"/>
+          </a:fontRef>
+        </p:style>
+        <p:txBody>
+          <a:bodyPr rtlCol="0" anchor="ctr"/>
+          <a:lstStyle/>
+          <a:p>
+            <a:pPr algn="ctr"/>
+            <a:endParaRPr lang="tr-TR"/>
+          </a:p>
+        </p:txBody>
+      </p:sp>
+      <p:sp>
+        <p:nvSpPr>
+          <p:cNvPr id="10" name="Patlama 2 9"/>
+          <p:cNvSpPr/>
+          <p:nvPr/>
+        </p:nvSpPr>
+        <p:spPr>
+          <a:xfrm>
+            <a:off x="4578233" y="4287592"/>
+            <a:ext cx="539507" cy="531319"/>
+          </a:xfrm>
+          <a:prstGeom prst="irregularSeal2">
+            <a:avLst/>
+          </a:prstGeom>
+          <a:noFill/>
+        </p:spPr>
+        <p:style>
+          <a:lnRef idx="2">
+            <a:schemeClr val="accent1">
+              <a:shade val="50000"/>
+            </a:schemeClr>
+          </a:lnRef>
+          <a:fillRef idx="1">
+            <a:schemeClr val="accent1"/>
+          </a:fillRef>
+          <a:effectRef idx="0">
+            <a:schemeClr val="accent1"/>
+          </a:effectRef>
+          <a:fontRef idx="minor">
+            <a:schemeClr val="lt1"/>
+          </a:fontRef>
+        </p:style>
+        <p:txBody>
+          <a:bodyPr rtlCol="0" anchor="ctr"/>
+          <a:lstStyle/>
+          <a:p>
+            <a:pPr algn="ctr"/>
+            <a:endParaRPr lang="tr-TR"/>
+          </a:p>
+        </p:txBody>
+      </p:sp>
+    </p:spTree>
+    <p:extLst>
+      <p:ext uri="{BB962C8B-B14F-4D97-AF65-F5344CB8AC3E}">
+        <p14:creationId xmlns:p14="http://schemas.microsoft.com/office/powerpoint/2010/main" val="2701918734"/>
+      </p:ext>
+    </p:extLst>
+  </p:cSld>
+  <p:clrMapOvr>
+    <a:masterClrMapping/>
+  </p:clrMapOvr>
+</p:sld>
+</file>
+
+<file path=ppt/slides/slide18.xml><?xml version="1.0" encoding="utf-8"?>
+<p:sld xmlns:a="http://schemas.openxmlformats.org/drawingml/2006/main" xmlns:r="http://schemas.openxmlformats.org/officeDocument/2006/relationships" xmlns:p="http://schemas.openxmlformats.org/presentationml/2006/main">
+  <p:cSld>
+    <p:spTree>
+      <p:nvGrpSpPr>
+        <p:cNvPr id="1" name=""/>
+        <p:cNvGrpSpPr/>
+        <p:nvPr/>
+      </p:nvGrpSpPr>
+      <p:grpSpPr>
+        <a:xfrm>
+          <a:off x="0" y="0"/>
+          <a:ext cx="0" cy="0"/>
+          <a:chOff x="0" y="0"/>
+          <a:chExt cx="0" cy="0"/>
+        </a:xfrm>
+      </p:grpSpPr>
+      <p:sp>
+        <p:nvSpPr>
+          <p:cNvPr id="3" name="Unvan 2"/>
+          <p:cNvSpPr>
+            <a:spLocks noGrp="1"/>
+          </p:cNvSpPr>
+          <p:nvPr>
+            <p:ph type="title"/>
+          </p:nvPr>
+        </p:nvSpPr>
+        <p:spPr>
+          <a:xfrm>
+            <a:off x="927579" y="0"/>
+            <a:ext cx="7228130" cy="875049"/>
+          </a:xfrm>
+        </p:spPr>
+        <p:txBody>
+          <a:bodyPr>
+            <a:normAutofit/>
+          </a:bodyPr>
+          <a:lstStyle/>
+          <a:p>
+            <a:r>
+              <a:rPr lang="tr-TR" sz="2000" dirty="0"/>
+              <a:t>YOLO V7 Uygulama-&gt; Yolov7.ipynb</a:t>
+            </a:r>
+          </a:p>
+        </p:txBody>
+      </p:sp>
+      <p:sp>
+        <p:nvSpPr>
+          <p:cNvPr id="7" name="Unvan 2"/>
+          <p:cNvSpPr txBox="1">
+            <a:spLocks/>
+          </p:cNvSpPr>
+          <p:nvPr/>
+        </p:nvSpPr>
+        <p:spPr>
+          <a:xfrm>
             <a:off x="242568" y="604102"/>
             <a:ext cx="8729153" cy="4284698"/>
           </a:xfrm>
@@ -9276,8 +9841,25 @@
                 <a:latin typeface="Calibri" panose="020F0502020204030204" pitchFamily="34" charset="0"/>
                 <a:cs typeface="Calibri" panose="020F0502020204030204" pitchFamily="34" charset="0"/>
               </a:rPr>
-              <a:t> Train YOLO</a:t>
-            </a:r>
+              <a:t> Train </a:t>
+            </a:r>
+            <a:r>
+              <a:rPr lang="tr-TR" sz="1800" b="1" u="sng" dirty="0" smtClean="0">
+                <a:solidFill>
+                  <a:srgbClr val="FFFF00"/>
+                </a:solidFill>
+                <a:latin typeface="Calibri" panose="020F0502020204030204" pitchFamily="34" charset="0"/>
+                <a:cs typeface="Calibri" panose="020F0502020204030204" pitchFamily="34" charset="0"/>
+              </a:rPr>
+              <a:t>YOLO (Etiketleme)</a:t>
+            </a:r>
+            <a:endParaRPr lang="tr-TR" sz="1800" b="1" u="sng" dirty="0">
+              <a:solidFill>
+                <a:srgbClr val="FFFF00"/>
+              </a:solidFill>
+              <a:latin typeface="Calibri" panose="020F0502020204030204" pitchFamily="34" charset="0"/>
+              <a:cs typeface="Calibri" panose="020F0502020204030204" pitchFamily="34" charset="0"/>
+            </a:endParaRPr>
           </a:p>
           <a:p>
             <a:pPr marL="285750" indent="-285750" algn="just">
@@ -9717,219 +10299,6 @@
 </p:sld>
 </file>
 
-<file path=ppt/slides/slide18.xml><?xml version="1.0" encoding="utf-8"?>
-<p:sld xmlns:a="http://schemas.openxmlformats.org/drawingml/2006/main" xmlns:r="http://schemas.openxmlformats.org/officeDocument/2006/relationships" xmlns:p="http://schemas.openxmlformats.org/presentationml/2006/main">
-  <p:cSld>
-    <p:spTree>
-      <p:nvGrpSpPr>
-        <p:cNvPr id="1" name=""/>
-        <p:cNvGrpSpPr/>
-        <p:nvPr/>
-      </p:nvGrpSpPr>
-      <p:grpSpPr>
-        <a:xfrm>
-          <a:off x="0" y="0"/>
-          <a:ext cx="0" cy="0"/>
-          <a:chOff x="0" y="0"/>
-          <a:chExt cx="0" cy="0"/>
-        </a:xfrm>
-      </p:grpSpPr>
-      <p:sp>
-        <p:nvSpPr>
-          <p:cNvPr id="3" name="Unvan 2"/>
-          <p:cNvSpPr>
-            <a:spLocks noGrp="1"/>
-          </p:cNvSpPr>
-          <p:nvPr>
-            <p:ph type="title"/>
-          </p:nvPr>
-        </p:nvSpPr>
-        <p:spPr>
-          <a:xfrm>
-            <a:off x="927579" y="0"/>
-            <a:ext cx="7228130" cy="875049"/>
-          </a:xfrm>
-        </p:spPr>
-        <p:txBody>
-          <a:bodyPr>
-            <a:normAutofit/>
-          </a:bodyPr>
-          <a:lstStyle/>
-          <a:p>
-            <a:r>
-              <a:rPr lang="tr-TR" sz="2000" dirty="0"/>
-              <a:t>YOLO V7 Uygulama-&gt; Yolov7.ipynb</a:t>
-            </a:r>
-          </a:p>
-        </p:txBody>
-      </p:sp>
-      <p:sp>
-        <p:nvSpPr>
-          <p:cNvPr id="7" name="Unvan 2"/>
-          <p:cNvSpPr txBox="1">
-            <a:spLocks/>
-          </p:cNvSpPr>
-          <p:nvPr/>
-        </p:nvSpPr>
-        <p:spPr>
-          <a:xfrm>
-            <a:off x="242568" y="604102"/>
-            <a:ext cx="8729153" cy="3941393"/>
-          </a:xfrm>
-          <a:prstGeom prst="rect">
-            <a:avLst/>
-          </a:prstGeom>
-        </p:spPr>
-        <p:txBody>
-          <a:bodyPr vert="horz" lIns="91440" tIns="45720" rIns="91440" bIns="45720" rtlCol="0" anchor="t">
-            <a:normAutofit/>
-          </a:bodyPr>
-          <a:lstStyle>
-            <a:lvl1pPr algn="l" defTabSz="685800" rtl="0" eaLnBrk="1" latinLnBrk="0" hangingPunct="1">
-              <a:lnSpc>
-                <a:spcPct val="90000"/>
-              </a:lnSpc>
-              <a:spcBef>
-                <a:spcPct val="0"/>
-              </a:spcBef>
-              <a:buNone/>
-              <a:defRPr sz="3300" kern="1200">
-                <a:solidFill>
-                  <a:schemeClr val="tx1"/>
-                </a:solidFill>
-                <a:latin typeface="+mj-lt"/>
-                <a:ea typeface="+mj-ea"/>
-                <a:cs typeface="+mj-cs"/>
-              </a:defRPr>
-            </a:lvl1pPr>
-          </a:lstStyle>
-          <a:p>
-            <a:pPr algn="ctr">
-              <a:lnSpc>
-                <a:spcPct val="100000"/>
-              </a:lnSpc>
-              <a:spcAft>
-                <a:spcPts val="600"/>
-              </a:spcAft>
-            </a:pPr>
-            <a:r>
-              <a:rPr lang="tr-TR" sz="1800" b="1" u="sng" dirty="0" err="1">
-                <a:solidFill>
-                  <a:srgbClr val="FFFF00"/>
-                </a:solidFill>
-                <a:latin typeface="Calibri" panose="020F0502020204030204" pitchFamily="34" charset="0"/>
-                <a:cs typeface="Calibri" panose="020F0502020204030204" pitchFamily="34" charset="0"/>
-              </a:rPr>
-              <a:t>Custom</a:t>
-            </a:r>
-            <a:r>
-              <a:rPr lang="tr-TR" sz="1800" b="1" u="sng" dirty="0">
-                <a:solidFill>
-                  <a:srgbClr val="FFFF00"/>
-                </a:solidFill>
-                <a:latin typeface="Calibri" panose="020F0502020204030204" pitchFamily="34" charset="0"/>
-                <a:cs typeface="Calibri" panose="020F0502020204030204" pitchFamily="34" charset="0"/>
-              </a:rPr>
-              <a:t> Train YOLO</a:t>
-            </a:r>
-          </a:p>
-          <a:p>
-            <a:pPr marL="285750" indent="-285750" algn="just">
-              <a:lnSpc>
-                <a:spcPct val="100000"/>
-              </a:lnSpc>
-              <a:spcAft>
-                <a:spcPts val="600"/>
-              </a:spcAft>
-              <a:buFont typeface="Arial" panose="020B0604020202020204" pitchFamily="34" charset="0"/>
-              <a:buChar char="•"/>
-            </a:pPr>
-            <a:endParaRPr lang="tr-TR" sz="1600" dirty="0">
-              <a:latin typeface="Calibri" panose="020F0502020204030204" pitchFamily="34" charset="0"/>
-              <a:cs typeface="Calibri" panose="020F0502020204030204" pitchFamily="34" charset="0"/>
-            </a:endParaRPr>
-          </a:p>
-          <a:p>
-            <a:pPr marL="285750" indent="-285750" algn="just">
-              <a:lnSpc>
-                <a:spcPct val="100000"/>
-              </a:lnSpc>
-              <a:spcAft>
-                <a:spcPts val="600"/>
-              </a:spcAft>
-              <a:buFont typeface="Arial" panose="020B0604020202020204" pitchFamily="34" charset="0"/>
-              <a:buChar char="•"/>
-            </a:pPr>
-            <a:endParaRPr lang="tr-TR" sz="1600" dirty="0">
-              <a:solidFill>
-                <a:srgbClr val="FFFF00"/>
-              </a:solidFill>
-              <a:latin typeface="Calibri" panose="020F0502020204030204" pitchFamily="34" charset="0"/>
-              <a:cs typeface="Calibri" panose="020F0502020204030204" pitchFamily="34" charset="0"/>
-            </a:endParaRPr>
-          </a:p>
-          <a:p>
-            <a:pPr algn="just">
-              <a:lnSpc>
-                <a:spcPct val="100000"/>
-              </a:lnSpc>
-              <a:spcAft>
-                <a:spcPts val="600"/>
-              </a:spcAft>
-            </a:pPr>
-            <a:endParaRPr lang="tr-TR" sz="1600" dirty="0">
-              <a:solidFill>
-                <a:srgbClr val="FFFF00"/>
-              </a:solidFill>
-              <a:latin typeface="Calibri" panose="020F0502020204030204" pitchFamily="34" charset="0"/>
-              <a:cs typeface="Calibri" panose="020F0502020204030204" pitchFamily="34" charset="0"/>
-            </a:endParaRPr>
-          </a:p>
-        </p:txBody>
-      </p:sp>
-      <p:pic>
-        <p:nvPicPr>
-          <p:cNvPr id="4" name="Resim 3">
-            <a:extLst>
-              <a:ext uri="{FF2B5EF4-FFF2-40B4-BE49-F238E27FC236}">
-                <a16:creationId xmlns:a16="http://schemas.microsoft.com/office/drawing/2014/main" id="{A75F202F-3C2C-F1F6-007C-A888035438BA}"/>
-              </a:ext>
-            </a:extLst>
-          </p:cNvPr>
-          <p:cNvPicPr>
-            <a:picLocks noChangeAspect="1"/>
-          </p:cNvPicPr>
-          <p:nvPr/>
-        </p:nvPicPr>
-        <p:blipFill>
-          <a:blip r:embed="rId2"/>
-          <a:stretch>
-            <a:fillRect/>
-          </a:stretch>
-        </p:blipFill>
-        <p:spPr>
-          <a:xfrm>
-            <a:off x="622817" y="875049"/>
-            <a:ext cx="7837653" cy="4176000"/>
-          </a:xfrm>
-          <a:prstGeom prst="rect">
-            <a:avLst/>
-          </a:prstGeom>
-        </p:spPr>
-      </p:pic>
-    </p:spTree>
-    <p:extLst>
-      <p:ext uri="{BB962C8B-B14F-4D97-AF65-F5344CB8AC3E}">
-        <p14:creationId xmlns:p14="http://schemas.microsoft.com/office/powerpoint/2010/main" val="2999850469"/>
-      </p:ext>
-    </p:extLst>
-  </p:cSld>
-  <p:clrMapOvr>
-    <a:masterClrMapping/>
-  </p:clrMapOvr>
-</p:sld>
-</file>
-
 <file path=ppt/slides/slide19.xml><?xml version="1.0" encoding="utf-8"?>
 <p:sld xmlns:a="http://schemas.openxmlformats.org/drawingml/2006/main" xmlns:r="http://schemas.openxmlformats.org/officeDocument/2006/relationships" xmlns:p="http://schemas.openxmlformats.org/presentationml/2006/main">
   <p:cSld>
@@ -9987,7 +10356,7 @@
         <p:spPr>
           <a:xfrm>
             <a:off x="242568" y="604102"/>
-            <a:ext cx="8729153" cy="4284698"/>
+            <a:ext cx="8729153" cy="3941393"/>
           </a:xfrm>
           <a:prstGeom prst="rect">
             <a:avLst/>
@@ -9995,7 +10364,7 @@
         </p:spPr>
         <p:txBody>
           <a:bodyPr vert="horz" lIns="91440" tIns="45720" rIns="91440" bIns="45720" rtlCol="0" anchor="t">
-            <a:normAutofit lnSpcReduction="10000"/>
+            <a:normAutofit/>
           </a:bodyPr>
           <a:lstStyle>
             <a:lvl1pPr algn="l" defTabSz="685800" rtl="0" eaLnBrk="1" latinLnBrk="0" hangingPunct="1">
@@ -10047,283 +10416,15 @@
             </a:r>
           </a:p>
           <a:p>
-            <a:pPr algn="just">
+            <a:pPr marL="285750" indent="-285750" algn="just">
               <a:lnSpc>
                 <a:spcPct val="100000"/>
               </a:lnSpc>
               <a:spcAft>
                 <a:spcPts val="600"/>
               </a:spcAft>
-            </a:pPr>
-            <a:r>
-              <a:rPr lang="tr-TR" sz="1600" dirty="0">
-                <a:latin typeface="Calibri" panose="020F0502020204030204" pitchFamily="34" charset="0"/>
-                <a:cs typeface="Calibri" panose="020F0502020204030204" pitchFamily="34" charset="0"/>
-              </a:rPr>
-              <a:t>1. Etiketlenen bu resimleri Google Drive «</a:t>
-            </a:r>
-            <a:r>
-              <a:rPr lang="tr-TR" sz="1600" dirty="0" err="1">
-                <a:latin typeface="Calibri" panose="020F0502020204030204" pitchFamily="34" charset="0"/>
-                <a:cs typeface="Calibri" panose="020F0502020204030204" pitchFamily="34" charset="0"/>
-              </a:rPr>
-              <a:t>img</a:t>
-            </a:r>
-            <a:r>
-              <a:rPr lang="tr-TR" sz="1600" dirty="0">
-                <a:latin typeface="Calibri" panose="020F0502020204030204" pitchFamily="34" charset="0"/>
-                <a:cs typeface="Calibri" panose="020F0502020204030204" pitchFamily="34" charset="0"/>
-              </a:rPr>
-              <a:t>» klasörüne yükleyin.</a:t>
-            </a:r>
-          </a:p>
-          <a:p>
-            <a:pPr marL="342900" indent="-342900" algn="just">
-              <a:lnSpc>
-                <a:spcPct val="100000"/>
-              </a:lnSpc>
-              <a:spcAft>
-                <a:spcPts val="600"/>
-              </a:spcAft>
-              <a:buAutoNum type="arabicPeriod" startAt="2"/>
-            </a:pPr>
-            <a:r>
-              <a:rPr lang="tr-TR" sz="1600" dirty="0">
-                <a:latin typeface="Calibri" panose="020F0502020204030204" pitchFamily="34" charset="0"/>
-                <a:cs typeface="Calibri" panose="020F0502020204030204" pitchFamily="34" charset="0"/>
-              </a:rPr>
-              <a:t>Yolov7 klasörü içindeki «data» klasörüne «</a:t>
-            </a:r>
-            <a:r>
-              <a:rPr lang="tr-TR" sz="1600" dirty="0" err="1">
-                <a:latin typeface="Calibri" panose="020F0502020204030204" pitchFamily="34" charset="0"/>
-                <a:cs typeface="Calibri" panose="020F0502020204030204" pitchFamily="34" charset="0"/>
-              </a:rPr>
-              <a:t>custom.yaml</a:t>
-            </a:r>
-            <a:r>
-              <a:rPr lang="tr-TR" sz="1600" dirty="0">
-                <a:latin typeface="Calibri" panose="020F0502020204030204" pitchFamily="34" charset="0"/>
-                <a:cs typeface="Calibri" panose="020F0502020204030204" pitchFamily="34" charset="0"/>
-              </a:rPr>
-              <a:t>» isminde bir dosya oluşturun. Dosya içeriğini aşağıdaki gibi düzenleyin.</a:t>
-            </a:r>
-          </a:p>
-          <a:p>
-            <a:pPr marL="342900" indent="-342900" algn="just">
-              <a:lnSpc>
-                <a:spcPct val="100000"/>
-              </a:lnSpc>
-              <a:spcAft>
-                <a:spcPts val="600"/>
-              </a:spcAft>
-              <a:buAutoNum type="arabicPeriod" startAt="2"/>
-            </a:pPr>
-            <a:endParaRPr lang="tr-TR" sz="1600" dirty="0">
-              <a:latin typeface="Calibri" panose="020F0502020204030204" pitchFamily="34" charset="0"/>
-              <a:cs typeface="Calibri" panose="020F0502020204030204" pitchFamily="34" charset="0"/>
-            </a:endParaRPr>
-          </a:p>
-          <a:p>
-            <a:pPr marL="342900" indent="-342900" algn="just">
-              <a:lnSpc>
-                <a:spcPct val="100000"/>
-              </a:lnSpc>
-              <a:spcAft>
-                <a:spcPts val="600"/>
-              </a:spcAft>
-              <a:buAutoNum type="arabicPeriod" startAt="2"/>
-            </a:pPr>
-            <a:endParaRPr lang="tr-TR" sz="1600" dirty="0">
-              <a:latin typeface="Calibri" panose="020F0502020204030204" pitchFamily="34" charset="0"/>
-              <a:cs typeface="Calibri" panose="020F0502020204030204" pitchFamily="34" charset="0"/>
-            </a:endParaRPr>
-          </a:p>
-          <a:p>
-            <a:pPr marL="342900" indent="-342900" algn="just">
-              <a:lnSpc>
-                <a:spcPct val="100000"/>
-              </a:lnSpc>
-              <a:spcAft>
-                <a:spcPts val="600"/>
-              </a:spcAft>
-              <a:buAutoNum type="arabicPeriod" startAt="2"/>
-            </a:pPr>
-            <a:endParaRPr lang="tr-TR" sz="1600" dirty="0">
-              <a:latin typeface="Calibri" panose="020F0502020204030204" pitchFamily="34" charset="0"/>
-              <a:cs typeface="Calibri" panose="020F0502020204030204" pitchFamily="34" charset="0"/>
-            </a:endParaRPr>
-          </a:p>
-          <a:p>
-            <a:pPr marL="342900" indent="-342900" algn="just">
-              <a:lnSpc>
-                <a:spcPct val="100000"/>
-              </a:lnSpc>
-              <a:spcAft>
-                <a:spcPts val="600"/>
-              </a:spcAft>
-              <a:buAutoNum type="arabicPeriod" startAt="2"/>
-            </a:pPr>
-            <a:endParaRPr lang="tr-TR" sz="1600" dirty="0">
-              <a:latin typeface="Calibri" panose="020F0502020204030204" pitchFamily="34" charset="0"/>
-              <a:cs typeface="Calibri" panose="020F0502020204030204" pitchFamily="34" charset="0"/>
-            </a:endParaRPr>
-          </a:p>
-          <a:p>
-            <a:pPr marL="342900" indent="-342900" algn="just">
-              <a:lnSpc>
-                <a:spcPct val="100000"/>
-              </a:lnSpc>
-              <a:spcAft>
-                <a:spcPts val="600"/>
-              </a:spcAft>
-              <a:buAutoNum type="arabicPeriod" startAt="2"/>
-            </a:pPr>
-            <a:endParaRPr lang="tr-TR" sz="1600" dirty="0">
-              <a:latin typeface="Calibri" panose="020F0502020204030204" pitchFamily="34" charset="0"/>
-              <a:cs typeface="Calibri" panose="020F0502020204030204" pitchFamily="34" charset="0"/>
-            </a:endParaRPr>
-          </a:p>
-          <a:p>
-            <a:pPr marL="342900" indent="-342900" algn="just">
-              <a:lnSpc>
-                <a:spcPct val="100000"/>
-              </a:lnSpc>
-              <a:spcAft>
-                <a:spcPts val="600"/>
-              </a:spcAft>
-              <a:buAutoNum type="arabicPeriod" startAt="2"/>
-            </a:pPr>
-            <a:endParaRPr lang="tr-TR" sz="1600" dirty="0">
-              <a:latin typeface="Calibri" panose="020F0502020204030204" pitchFamily="34" charset="0"/>
-              <a:cs typeface="Calibri" panose="020F0502020204030204" pitchFamily="34" charset="0"/>
-            </a:endParaRPr>
-          </a:p>
-          <a:p>
-            <a:pPr marL="342900" indent="-342900" algn="just">
-              <a:lnSpc>
-                <a:spcPct val="100000"/>
-              </a:lnSpc>
-              <a:spcAft>
-                <a:spcPts val="600"/>
-              </a:spcAft>
-              <a:buAutoNum type="arabicPeriod" startAt="2"/>
-            </a:pPr>
-            <a:endParaRPr lang="tr-TR" sz="1600" dirty="0">
-              <a:latin typeface="Calibri" panose="020F0502020204030204" pitchFamily="34" charset="0"/>
-              <a:cs typeface="Calibri" panose="020F0502020204030204" pitchFamily="34" charset="0"/>
-            </a:endParaRPr>
-          </a:p>
-          <a:p>
-            <a:pPr marL="342900" indent="-342900" algn="just">
-              <a:lnSpc>
-                <a:spcPct val="100000"/>
-              </a:lnSpc>
-              <a:spcAft>
-                <a:spcPts val="600"/>
-              </a:spcAft>
-              <a:buAutoNum type="arabicPeriod" startAt="2"/>
-            </a:pPr>
-            <a:r>
-              <a:rPr lang="tr-TR" sz="1600" dirty="0">
-                <a:latin typeface="Calibri" panose="020F0502020204030204" pitchFamily="34" charset="0"/>
-                <a:cs typeface="Calibri" panose="020F0502020204030204" pitchFamily="34" charset="0"/>
-              </a:rPr>
-              <a:t>Burada </a:t>
-            </a:r>
-            <a:r>
-              <a:rPr lang="tr-TR" sz="1600" dirty="0" err="1">
-                <a:latin typeface="Calibri" panose="020F0502020204030204" pitchFamily="34" charset="0"/>
-                <a:cs typeface="Calibri" panose="020F0502020204030204" pitchFamily="34" charset="0"/>
-              </a:rPr>
-              <a:t>train</a:t>
-            </a:r>
-            <a:r>
-              <a:rPr lang="tr-TR" sz="1600" dirty="0">
-                <a:latin typeface="Calibri" panose="020F0502020204030204" pitchFamily="34" charset="0"/>
-                <a:cs typeface="Calibri" panose="020F0502020204030204" pitchFamily="34" charset="0"/>
-              </a:rPr>
-              <a:t>, </a:t>
-            </a:r>
-            <a:r>
-              <a:rPr lang="tr-TR" sz="1600" dirty="0" err="1">
-                <a:latin typeface="Calibri" panose="020F0502020204030204" pitchFamily="34" charset="0"/>
-                <a:cs typeface="Calibri" panose="020F0502020204030204" pitchFamily="34" charset="0"/>
-              </a:rPr>
-              <a:t>validation</a:t>
-            </a:r>
-            <a:r>
-              <a:rPr lang="tr-TR" sz="1600" dirty="0">
-                <a:latin typeface="Calibri" panose="020F0502020204030204" pitchFamily="34" charset="0"/>
-                <a:cs typeface="Calibri" panose="020F0502020204030204" pitchFamily="34" charset="0"/>
-              </a:rPr>
-              <a:t> ve test görüntü dosyalarının isim ve </a:t>
-            </a:r>
-            <a:r>
-              <a:rPr lang="tr-TR" sz="1600" dirty="0" err="1">
-                <a:latin typeface="Calibri" panose="020F0502020204030204" pitchFamily="34" charset="0"/>
-                <a:cs typeface="Calibri" panose="020F0502020204030204" pitchFamily="34" charset="0"/>
-              </a:rPr>
-              <a:t>path’ini</a:t>
-            </a:r>
-            <a:r>
-              <a:rPr lang="tr-TR" sz="1600" dirty="0">
-                <a:latin typeface="Calibri" panose="020F0502020204030204" pitchFamily="34" charset="0"/>
-                <a:cs typeface="Calibri" panose="020F0502020204030204" pitchFamily="34" charset="0"/>
-              </a:rPr>
-              <a:t> içeren txt dosyalarını tanımlamalısınız. Ayrıca «</a:t>
-            </a:r>
-            <a:r>
-              <a:rPr lang="tr-TR" sz="1600" dirty="0" err="1">
-                <a:latin typeface="Calibri" panose="020F0502020204030204" pitchFamily="34" charset="0"/>
-                <a:cs typeface="Calibri" panose="020F0502020204030204" pitchFamily="34" charset="0"/>
-              </a:rPr>
-              <a:t>nc</a:t>
-            </a:r>
-            <a:r>
-              <a:rPr lang="tr-TR" sz="1600" dirty="0">
-                <a:latin typeface="Calibri" panose="020F0502020204030204" pitchFamily="34" charset="0"/>
-                <a:cs typeface="Calibri" panose="020F0502020204030204" pitchFamily="34" charset="0"/>
-              </a:rPr>
-              <a:t>» parametresi ile </a:t>
-            </a:r>
-            <a:r>
-              <a:rPr lang="tr-TR" sz="1600" dirty="0" err="1">
-                <a:latin typeface="Calibri" panose="020F0502020204030204" pitchFamily="34" charset="0"/>
-                <a:cs typeface="Calibri" panose="020F0502020204030204" pitchFamily="34" charset="0"/>
-              </a:rPr>
-              <a:t>class</a:t>
-            </a:r>
-            <a:r>
-              <a:rPr lang="tr-TR" sz="1600" dirty="0">
-                <a:latin typeface="Calibri" panose="020F0502020204030204" pitchFamily="34" charset="0"/>
-                <a:cs typeface="Calibri" panose="020F0502020204030204" pitchFamily="34" charset="0"/>
-              </a:rPr>
-              <a:t> sayısını ve «</a:t>
-            </a:r>
-            <a:r>
-              <a:rPr lang="tr-TR" sz="1600" dirty="0" err="1">
-                <a:latin typeface="Calibri" panose="020F0502020204030204" pitchFamily="34" charset="0"/>
-                <a:cs typeface="Calibri" panose="020F0502020204030204" pitchFamily="34" charset="0"/>
-              </a:rPr>
-              <a:t>names</a:t>
-            </a:r>
-            <a:r>
-              <a:rPr lang="tr-TR" sz="1600" dirty="0">
-                <a:latin typeface="Calibri" panose="020F0502020204030204" pitchFamily="34" charset="0"/>
-                <a:cs typeface="Calibri" panose="020F0502020204030204" pitchFamily="34" charset="0"/>
-              </a:rPr>
-              <a:t>» parametresi ile de tespit edilen bölgenin etiketini tanımlamasınız.</a:t>
-            </a:r>
-          </a:p>
-          <a:p>
-            <a:pPr algn="just">
-              <a:lnSpc>
-                <a:spcPct val="100000"/>
-              </a:lnSpc>
-              <a:spcAft>
-                <a:spcPts val="600"/>
-              </a:spcAft>
+              <a:buFont typeface="Arial" panose="020B0604020202020204" pitchFamily="34" charset="0"/>
+              <a:buChar char="•"/>
             </a:pPr>
             <a:endParaRPr lang="tr-TR" sz="1600" dirty="0">
               <a:latin typeface="Calibri" panose="020F0502020204030204" pitchFamily="34" charset="0"/>
@@ -10370,10 +10471,10 @@
       </p:sp>
       <p:pic>
         <p:nvPicPr>
-          <p:cNvPr id="5" name="Resim 4">
+          <p:cNvPr id="4" name="Resim 3">
             <a:extLst>
               <a:ext uri="{FF2B5EF4-FFF2-40B4-BE49-F238E27FC236}">
-                <a16:creationId xmlns:a16="http://schemas.microsoft.com/office/drawing/2014/main" id="{CE65986B-33EF-B9D9-4E47-ABCA9F52DCA7}"/>
+                <a16:creationId xmlns:a16="http://schemas.microsoft.com/office/drawing/2014/main" id="{A75F202F-3C2C-F1F6-007C-A888035438BA}"/>
               </a:ext>
             </a:extLst>
           </p:cNvPr>
@@ -10390,8 +10491,8 @@
         </p:blipFill>
         <p:spPr>
           <a:xfrm>
-            <a:off x="641478" y="1811745"/>
-            <a:ext cx="7362524" cy="2016000"/>
+            <a:off x="622817" y="875049"/>
+            <a:ext cx="7837653" cy="4176000"/>
           </a:xfrm>
           <a:prstGeom prst="rect">
             <a:avLst/>
@@ -10401,7 +10502,7 @@
     </p:spTree>
     <p:extLst>
       <p:ext uri="{BB962C8B-B14F-4D97-AF65-F5344CB8AC3E}">
-        <p14:creationId xmlns:p14="http://schemas.microsoft.com/office/powerpoint/2010/main" val="3269643836"/>
+        <p14:creationId xmlns:p14="http://schemas.microsoft.com/office/powerpoint/2010/main" val="2999850469"/>
       </p:ext>
     </p:extLst>
   </p:cSld>
@@ -10642,6 +10743,487 @@
 </file>
 
 <file path=ppt/slides/slide20.xml><?xml version="1.0" encoding="utf-8"?>
+<p:sld xmlns:a="http://schemas.openxmlformats.org/drawingml/2006/main" xmlns:r="http://schemas.openxmlformats.org/officeDocument/2006/relationships" xmlns:p="http://schemas.openxmlformats.org/presentationml/2006/main">
+  <p:cSld>
+    <p:spTree>
+      <p:nvGrpSpPr>
+        <p:cNvPr id="1" name=""/>
+        <p:cNvGrpSpPr/>
+        <p:nvPr/>
+      </p:nvGrpSpPr>
+      <p:grpSpPr>
+        <a:xfrm>
+          <a:off x="0" y="0"/>
+          <a:ext cx="0" cy="0"/>
+          <a:chOff x="0" y="0"/>
+          <a:chExt cx="0" cy="0"/>
+        </a:xfrm>
+      </p:grpSpPr>
+      <p:sp>
+        <p:nvSpPr>
+          <p:cNvPr id="3" name="Unvan 2"/>
+          <p:cNvSpPr>
+            <a:spLocks noGrp="1"/>
+          </p:cNvSpPr>
+          <p:nvPr>
+            <p:ph type="title"/>
+          </p:nvPr>
+        </p:nvSpPr>
+        <p:spPr>
+          <a:xfrm>
+            <a:off x="927579" y="0"/>
+            <a:ext cx="7228130" cy="875049"/>
+          </a:xfrm>
+        </p:spPr>
+        <p:txBody>
+          <a:bodyPr>
+            <a:normAutofit/>
+          </a:bodyPr>
+          <a:lstStyle/>
+          <a:p>
+            <a:r>
+              <a:rPr lang="tr-TR" sz="2000" dirty="0"/>
+              <a:t>YOLO V7 Uygulama-&gt; Yolov7.ipynb</a:t>
+            </a:r>
+          </a:p>
+        </p:txBody>
+      </p:sp>
+      <p:sp>
+        <p:nvSpPr>
+          <p:cNvPr id="7" name="Unvan 2"/>
+          <p:cNvSpPr txBox="1">
+            <a:spLocks/>
+          </p:cNvSpPr>
+          <p:nvPr/>
+        </p:nvSpPr>
+        <p:spPr>
+          <a:xfrm>
+            <a:off x="242568" y="604102"/>
+            <a:ext cx="8729153" cy="4284698"/>
+          </a:xfrm>
+          <a:prstGeom prst="rect">
+            <a:avLst/>
+          </a:prstGeom>
+        </p:spPr>
+        <p:txBody>
+          <a:bodyPr vert="horz" lIns="91440" tIns="45720" rIns="91440" bIns="45720" rtlCol="0" anchor="t">
+            <a:normAutofit lnSpcReduction="10000"/>
+          </a:bodyPr>
+          <a:lstStyle>
+            <a:lvl1pPr algn="l" defTabSz="685800" rtl="0" eaLnBrk="1" latinLnBrk="0" hangingPunct="1">
+              <a:lnSpc>
+                <a:spcPct val="90000"/>
+              </a:lnSpc>
+              <a:spcBef>
+                <a:spcPct val="0"/>
+              </a:spcBef>
+              <a:buNone/>
+              <a:defRPr sz="3300" kern="1200">
+                <a:solidFill>
+                  <a:schemeClr val="tx1"/>
+                </a:solidFill>
+                <a:latin typeface="+mj-lt"/>
+                <a:ea typeface="+mj-ea"/>
+                <a:cs typeface="+mj-cs"/>
+              </a:defRPr>
+            </a:lvl1pPr>
+          </a:lstStyle>
+          <a:p>
+            <a:pPr algn="ctr">
+              <a:lnSpc>
+                <a:spcPct val="100000"/>
+              </a:lnSpc>
+              <a:spcAft>
+                <a:spcPts val="600"/>
+              </a:spcAft>
+            </a:pPr>
+            <a:r>
+              <a:rPr lang="tr-TR" sz="1800" b="1" u="sng" dirty="0" err="1">
+                <a:solidFill>
+                  <a:srgbClr val="FFFF00"/>
+                </a:solidFill>
+                <a:latin typeface="Calibri" panose="020F0502020204030204" pitchFamily="34" charset="0"/>
+                <a:cs typeface="Calibri" panose="020F0502020204030204" pitchFamily="34" charset="0"/>
+              </a:rPr>
+              <a:t>Custom</a:t>
+            </a:r>
+            <a:r>
+              <a:rPr lang="tr-TR" sz="1800" b="1" u="sng" dirty="0">
+                <a:solidFill>
+                  <a:srgbClr val="FFFF00"/>
+                </a:solidFill>
+                <a:latin typeface="Calibri" panose="020F0502020204030204" pitchFamily="34" charset="0"/>
+                <a:cs typeface="Calibri" panose="020F0502020204030204" pitchFamily="34" charset="0"/>
+              </a:rPr>
+              <a:t> Train YOLO</a:t>
+            </a:r>
+          </a:p>
+          <a:p>
+            <a:pPr algn="just">
+              <a:lnSpc>
+                <a:spcPct val="100000"/>
+              </a:lnSpc>
+              <a:spcAft>
+                <a:spcPts val="600"/>
+              </a:spcAft>
+            </a:pPr>
+            <a:r>
+              <a:rPr lang="tr-TR" sz="1600" dirty="0">
+                <a:latin typeface="Calibri" panose="020F0502020204030204" pitchFamily="34" charset="0"/>
+                <a:cs typeface="Calibri" panose="020F0502020204030204" pitchFamily="34" charset="0"/>
+              </a:rPr>
+              <a:t>1. Etiketlenen bu resimleri Google Drive «</a:t>
+            </a:r>
+            <a:r>
+              <a:rPr lang="tr-TR" sz="1600" dirty="0" err="1">
+                <a:latin typeface="Calibri" panose="020F0502020204030204" pitchFamily="34" charset="0"/>
+                <a:cs typeface="Calibri" panose="020F0502020204030204" pitchFamily="34" charset="0"/>
+              </a:rPr>
+              <a:t>img</a:t>
+            </a:r>
+            <a:r>
+              <a:rPr lang="tr-TR" sz="1600" dirty="0">
+                <a:latin typeface="Calibri" panose="020F0502020204030204" pitchFamily="34" charset="0"/>
+                <a:cs typeface="Calibri" panose="020F0502020204030204" pitchFamily="34" charset="0"/>
+              </a:rPr>
+              <a:t>» klasörüne yükleyin.</a:t>
+            </a:r>
+          </a:p>
+          <a:p>
+            <a:pPr marL="342900" indent="-342900" algn="just">
+              <a:lnSpc>
+                <a:spcPct val="100000"/>
+              </a:lnSpc>
+              <a:spcAft>
+                <a:spcPts val="600"/>
+              </a:spcAft>
+              <a:buAutoNum type="arabicPeriod" startAt="2"/>
+            </a:pPr>
+            <a:r>
+              <a:rPr lang="tr-TR" sz="1600" dirty="0">
+                <a:latin typeface="Calibri" panose="020F0502020204030204" pitchFamily="34" charset="0"/>
+                <a:cs typeface="Calibri" panose="020F0502020204030204" pitchFamily="34" charset="0"/>
+              </a:rPr>
+              <a:t>Yolov7 klasörü içindeki «data» klasörüne «</a:t>
+            </a:r>
+            <a:r>
+              <a:rPr lang="tr-TR" sz="1600" dirty="0" err="1">
+                <a:latin typeface="Calibri" panose="020F0502020204030204" pitchFamily="34" charset="0"/>
+                <a:cs typeface="Calibri" panose="020F0502020204030204" pitchFamily="34" charset="0"/>
+              </a:rPr>
+              <a:t>custom.yaml</a:t>
+            </a:r>
+            <a:r>
+              <a:rPr lang="tr-TR" sz="1600" dirty="0">
+                <a:latin typeface="Calibri" panose="020F0502020204030204" pitchFamily="34" charset="0"/>
+                <a:cs typeface="Calibri" panose="020F0502020204030204" pitchFamily="34" charset="0"/>
+              </a:rPr>
+              <a:t>» isminde bir dosya oluşturun. Dosya içeriğini aşağıdaki gibi düzenleyin.</a:t>
+            </a:r>
+          </a:p>
+          <a:p>
+            <a:pPr marL="342900" indent="-342900" algn="just">
+              <a:lnSpc>
+                <a:spcPct val="100000"/>
+              </a:lnSpc>
+              <a:spcAft>
+                <a:spcPts val="600"/>
+              </a:spcAft>
+              <a:buAutoNum type="arabicPeriod" startAt="2"/>
+            </a:pPr>
+            <a:endParaRPr lang="tr-TR" sz="1600" dirty="0">
+              <a:latin typeface="Calibri" panose="020F0502020204030204" pitchFamily="34" charset="0"/>
+              <a:cs typeface="Calibri" panose="020F0502020204030204" pitchFamily="34" charset="0"/>
+            </a:endParaRPr>
+          </a:p>
+          <a:p>
+            <a:pPr marL="342900" indent="-342900" algn="just">
+              <a:lnSpc>
+                <a:spcPct val="100000"/>
+              </a:lnSpc>
+              <a:spcAft>
+                <a:spcPts val="600"/>
+              </a:spcAft>
+              <a:buAutoNum type="arabicPeriod" startAt="2"/>
+            </a:pPr>
+            <a:endParaRPr lang="tr-TR" sz="1600" dirty="0">
+              <a:latin typeface="Calibri" panose="020F0502020204030204" pitchFamily="34" charset="0"/>
+              <a:cs typeface="Calibri" panose="020F0502020204030204" pitchFamily="34" charset="0"/>
+            </a:endParaRPr>
+          </a:p>
+          <a:p>
+            <a:pPr marL="342900" indent="-342900" algn="just">
+              <a:lnSpc>
+                <a:spcPct val="100000"/>
+              </a:lnSpc>
+              <a:spcAft>
+                <a:spcPts val="600"/>
+              </a:spcAft>
+              <a:buAutoNum type="arabicPeriod" startAt="2"/>
+            </a:pPr>
+            <a:endParaRPr lang="tr-TR" sz="1600" dirty="0">
+              <a:latin typeface="Calibri" panose="020F0502020204030204" pitchFamily="34" charset="0"/>
+              <a:cs typeface="Calibri" panose="020F0502020204030204" pitchFamily="34" charset="0"/>
+            </a:endParaRPr>
+          </a:p>
+          <a:p>
+            <a:pPr marL="342900" indent="-342900" algn="just">
+              <a:lnSpc>
+                <a:spcPct val="100000"/>
+              </a:lnSpc>
+              <a:spcAft>
+                <a:spcPts val="600"/>
+              </a:spcAft>
+              <a:buAutoNum type="arabicPeriod" startAt="2"/>
+            </a:pPr>
+            <a:endParaRPr lang="tr-TR" sz="1600" dirty="0">
+              <a:latin typeface="Calibri" panose="020F0502020204030204" pitchFamily="34" charset="0"/>
+              <a:cs typeface="Calibri" panose="020F0502020204030204" pitchFamily="34" charset="0"/>
+            </a:endParaRPr>
+          </a:p>
+          <a:p>
+            <a:pPr marL="342900" indent="-342900" algn="just">
+              <a:lnSpc>
+                <a:spcPct val="100000"/>
+              </a:lnSpc>
+              <a:spcAft>
+                <a:spcPts val="600"/>
+              </a:spcAft>
+              <a:buAutoNum type="arabicPeriod" startAt="2"/>
+            </a:pPr>
+            <a:endParaRPr lang="tr-TR" sz="1600" dirty="0">
+              <a:latin typeface="Calibri" panose="020F0502020204030204" pitchFamily="34" charset="0"/>
+              <a:cs typeface="Calibri" panose="020F0502020204030204" pitchFamily="34" charset="0"/>
+            </a:endParaRPr>
+          </a:p>
+          <a:p>
+            <a:pPr marL="342900" indent="-342900" algn="just">
+              <a:lnSpc>
+                <a:spcPct val="100000"/>
+              </a:lnSpc>
+              <a:spcAft>
+                <a:spcPts val="600"/>
+              </a:spcAft>
+              <a:buAutoNum type="arabicPeriod" startAt="2"/>
+            </a:pPr>
+            <a:endParaRPr lang="tr-TR" sz="1600" dirty="0">
+              <a:latin typeface="Calibri" panose="020F0502020204030204" pitchFamily="34" charset="0"/>
+              <a:cs typeface="Calibri" panose="020F0502020204030204" pitchFamily="34" charset="0"/>
+            </a:endParaRPr>
+          </a:p>
+          <a:p>
+            <a:pPr marL="342900" indent="-342900" algn="just">
+              <a:lnSpc>
+                <a:spcPct val="100000"/>
+              </a:lnSpc>
+              <a:spcAft>
+                <a:spcPts val="600"/>
+              </a:spcAft>
+              <a:buAutoNum type="arabicPeriod" startAt="2"/>
+            </a:pPr>
+            <a:endParaRPr lang="tr-TR" sz="1600" dirty="0">
+              <a:latin typeface="Calibri" panose="020F0502020204030204" pitchFamily="34" charset="0"/>
+              <a:cs typeface="Calibri" panose="020F0502020204030204" pitchFamily="34" charset="0"/>
+            </a:endParaRPr>
+          </a:p>
+          <a:p>
+            <a:pPr marL="342900" indent="-342900" algn="just">
+              <a:lnSpc>
+                <a:spcPct val="100000"/>
+              </a:lnSpc>
+              <a:spcAft>
+                <a:spcPts val="600"/>
+              </a:spcAft>
+              <a:buAutoNum type="arabicPeriod" startAt="2"/>
+            </a:pPr>
+            <a:r>
+              <a:rPr lang="tr-TR" sz="1600" dirty="0">
+                <a:latin typeface="Calibri" panose="020F0502020204030204" pitchFamily="34" charset="0"/>
+                <a:cs typeface="Calibri" panose="020F0502020204030204" pitchFamily="34" charset="0"/>
+              </a:rPr>
+              <a:t>Burada </a:t>
+            </a:r>
+            <a:r>
+              <a:rPr lang="tr-TR" sz="1600" dirty="0" err="1">
+                <a:latin typeface="Calibri" panose="020F0502020204030204" pitchFamily="34" charset="0"/>
+                <a:cs typeface="Calibri" panose="020F0502020204030204" pitchFamily="34" charset="0"/>
+              </a:rPr>
+              <a:t>train</a:t>
+            </a:r>
+            <a:r>
+              <a:rPr lang="tr-TR" sz="1600" dirty="0">
+                <a:latin typeface="Calibri" panose="020F0502020204030204" pitchFamily="34" charset="0"/>
+                <a:cs typeface="Calibri" panose="020F0502020204030204" pitchFamily="34" charset="0"/>
+              </a:rPr>
+              <a:t>, </a:t>
+            </a:r>
+            <a:r>
+              <a:rPr lang="tr-TR" sz="1600" dirty="0" err="1">
+                <a:latin typeface="Calibri" panose="020F0502020204030204" pitchFamily="34" charset="0"/>
+                <a:cs typeface="Calibri" panose="020F0502020204030204" pitchFamily="34" charset="0"/>
+              </a:rPr>
+              <a:t>validation</a:t>
+            </a:r>
+            <a:r>
+              <a:rPr lang="tr-TR" sz="1600" dirty="0">
+                <a:latin typeface="Calibri" panose="020F0502020204030204" pitchFamily="34" charset="0"/>
+                <a:cs typeface="Calibri" panose="020F0502020204030204" pitchFamily="34" charset="0"/>
+              </a:rPr>
+              <a:t> ve test görüntü dosyalarının isim ve </a:t>
+            </a:r>
+            <a:r>
+              <a:rPr lang="tr-TR" sz="1600" dirty="0" err="1">
+                <a:latin typeface="Calibri" panose="020F0502020204030204" pitchFamily="34" charset="0"/>
+                <a:cs typeface="Calibri" panose="020F0502020204030204" pitchFamily="34" charset="0"/>
+              </a:rPr>
+              <a:t>path’ini</a:t>
+            </a:r>
+            <a:r>
+              <a:rPr lang="tr-TR" sz="1600" dirty="0">
+                <a:latin typeface="Calibri" panose="020F0502020204030204" pitchFamily="34" charset="0"/>
+                <a:cs typeface="Calibri" panose="020F0502020204030204" pitchFamily="34" charset="0"/>
+              </a:rPr>
+              <a:t> içeren txt dosyalarını tanımlamalısınız. Ayrıca «</a:t>
+            </a:r>
+            <a:r>
+              <a:rPr lang="tr-TR" sz="1600" dirty="0" err="1">
+                <a:latin typeface="Calibri" panose="020F0502020204030204" pitchFamily="34" charset="0"/>
+                <a:cs typeface="Calibri" panose="020F0502020204030204" pitchFamily="34" charset="0"/>
+              </a:rPr>
+              <a:t>nc</a:t>
+            </a:r>
+            <a:r>
+              <a:rPr lang="tr-TR" sz="1600" dirty="0">
+                <a:latin typeface="Calibri" panose="020F0502020204030204" pitchFamily="34" charset="0"/>
+                <a:cs typeface="Calibri" panose="020F0502020204030204" pitchFamily="34" charset="0"/>
+              </a:rPr>
+              <a:t>» parametresi ile </a:t>
+            </a:r>
+            <a:r>
+              <a:rPr lang="tr-TR" sz="1600" dirty="0" err="1">
+                <a:latin typeface="Calibri" panose="020F0502020204030204" pitchFamily="34" charset="0"/>
+                <a:cs typeface="Calibri" panose="020F0502020204030204" pitchFamily="34" charset="0"/>
+              </a:rPr>
+              <a:t>class</a:t>
+            </a:r>
+            <a:r>
+              <a:rPr lang="tr-TR" sz="1600" dirty="0">
+                <a:latin typeface="Calibri" panose="020F0502020204030204" pitchFamily="34" charset="0"/>
+                <a:cs typeface="Calibri" panose="020F0502020204030204" pitchFamily="34" charset="0"/>
+              </a:rPr>
+              <a:t> sayısını ve «</a:t>
+            </a:r>
+            <a:r>
+              <a:rPr lang="tr-TR" sz="1600" dirty="0" err="1">
+                <a:latin typeface="Calibri" panose="020F0502020204030204" pitchFamily="34" charset="0"/>
+                <a:cs typeface="Calibri" panose="020F0502020204030204" pitchFamily="34" charset="0"/>
+              </a:rPr>
+              <a:t>names</a:t>
+            </a:r>
+            <a:r>
+              <a:rPr lang="tr-TR" sz="1600" dirty="0">
+                <a:latin typeface="Calibri" panose="020F0502020204030204" pitchFamily="34" charset="0"/>
+                <a:cs typeface="Calibri" panose="020F0502020204030204" pitchFamily="34" charset="0"/>
+              </a:rPr>
+              <a:t>» parametresi ile de tespit edilen bölgenin etiketini tanımlamasınız.</a:t>
+            </a:r>
+          </a:p>
+          <a:p>
+            <a:pPr algn="just">
+              <a:lnSpc>
+                <a:spcPct val="100000"/>
+              </a:lnSpc>
+              <a:spcAft>
+                <a:spcPts val="600"/>
+              </a:spcAft>
+            </a:pPr>
+            <a:endParaRPr lang="tr-TR" sz="1600" dirty="0">
+              <a:latin typeface="Calibri" panose="020F0502020204030204" pitchFamily="34" charset="0"/>
+              <a:cs typeface="Calibri" panose="020F0502020204030204" pitchFamily="34" charset="0"/>
+            </a:endParaRPr>
+          </a:p>
+          <a:p>
+            <a:pPr marL="285750" indent="-285750" algn="just">
+              <a:lnSpc>
+                <a:spcPct val="100000"/>
+              </a:lnSpc>
+              <a:spcAft>
+                <a:spcPts val="600"/>
+              </a:spcAft>
+              <a:buFont typeface="Arial" panose="020B0604020202020204" pitchFamily="34" charset="0"/>
+              <a:buChar char="•"/>
+            </a:pPr>
+            <a:endParaRPr lang="tr-TR" sz="1600" dirty="0">
+              <a:solidFill>
+                <a:srgbClr val="FFFF00"/>
+              </a:solidFill>
+              <a:latin typeface="Calibri" panose="020F0502020204030204" pitchFamily="34" charset="0"/>
+              <a:cs typeface="Calibri" panose="020F0502020204030204" pitchFamily="34" charset="0"/>
+            </a:endParaRPr>
+          </a:p>
+          <a:p>
+            <a:pPr algn="just">
+              <a:lnSpc>
+                <a:spcPct val="100000"/>
+              </a:lnSpc>
+              <a:spcAft>
+                <a:spcPts val="600"/>
+              </a:spcAft>
+            </a:pPr>
+            <a:endParaRPr lang="tr-TR" sz="1600" dirty="0">
+              <a:solidFill>
+                <a:srgbClr val="FFFF00"/>
+              </a:solidFill>
+              <a:latin typeface="Calibri" panose="020F0502020204030204" pitchFamily="34" charset="0"/>
+              <a:cs typeface="Calibri" panose="020F0502020204030204" pitchFamily="34" charset="0"/>
+            </a:endParaRPr>
+          </a:p>
+        </p:txBody>
+      </p:sp>
+      <p:pic>
+        <p:nvPicPr>
+          <p:cNvPr id="5" name="Resim 4">
+            <a:extLst>
+              <a:ext uri="{FF2B5EF4-FFF2-40B4-BE49-F238E27FC236}">
+                <a16:creationId xmlns:a16="http://schemas.microsoft.com/office/drawing/2014/main" id="{CE65986B-33EF-B9D9-4E47-ABCA9F52DCA7}"/>
+              </a:ext>
+            </a:extLst>
+          </p:cNvPr>
+          <p:cNvPicPr>
+            <a:picLocks noChangeAspect="1"/>
+          </p:cNvPicPr>
+          <p:nvPr/>
+        </p:nvPicPr>
+        <p:blipFill>
+          <a:blip r:embed="rId2"/>
+          <a:stretch>
+            <a:fillRect/>
+          </a:stretch>
+        </p:blipFill>
+        <p:spPr>
+          <a:xfrm>
+            <a:off x="641478" y="1811745"/>
+            <a:ext cx="7362524" cy="2016000"/>
+          </a:xfrm>
+          <a:prstGeom prst="rect">
+            <a:avLst/>
+          </a:prstGeom>
+        </p:spPr>
+      </p:pic>
+    </p:spTree>
+    <p:extLst>
+      <p:ext uri="{BB962C8B-B14F-4D97-AF65-F5344CB8AC3E}">
+        <p14:creationId xmlns:p14="http://schemas.microsoft.com/office/powerpoint/2010/main" val="3269643836"/>
+      </p:ext>
+    </p:extLst>
+  </p:cSld>
+  <p:clrMapOvr>
+    <a:masterClrMapping/>
+  </p:clrMapOvr>
+</p:sld>
+</file>
+
+<file path=ppt/slides/slide21.xml><?xml version="1.0" encoding="utf-8"?>
 <p:sld xmlns:a="http://schemas.openxmlformats.org/drawingml/2006/main" xmlns:r="http://schemas.openxmlformats.org/officeDocument/2006/relationships" xmlns:p="http://schemas.openxmlformats.org/presentationml/2006/main">
   <p:cSld>
     <p:spTree>
@@ -10909,636 +11491,6 @@
 </p:sld>
 </file>
 
-<file path=ppt/slides/slide21.xml><?xml version="1.0" encoding="utf-8"?>
-<p:sld xmlns:a="http://schemas.openxmlformats.org/drawingml/2006/main" xmlns:r="http://schemas.openxmlformats.org/officeDocument/2006/relationships" xmlns:p="http://schemas.openxmlformats.org/presentationml/2006/main">
-  <p:cSld>
-    <p:spTree>
-      <p:nvGrpSpPr>
-        <p:cNvPr id="1" name=""/>
-        <p:cNvGrpSpPr/>
-        <p:nvPr/>
-      </p:nvGrpSpPr>
-      <p:grpSpPr>
-        <a:xfrm>
-          <a:off x="0" y="0"/>
-          <a:ext cx="0" cy="0"/>
-          <a:chOff x="0" y="0"/>
-          <a:chExt cx="0" cy="0"/>
-        </a:xfrm>
-      </p:grpSpPr>
-      <p:sp>
-        <p:nvSpPr>
-          <p:cNvPr id="3" name="Unvan 2"/>
-          <p:cNvSpPr>
-            <a:spLocks noGrp="1"/>
-          </p:cNvSpPr>
-          <p:nvPr>
-            <p:ph type="title"/>
-          </p:nvPr>
-        </p:nvSpPr>
-        <p:spPr>
-          <a:xfrm>
-            <a:off x="927579" y="0"/>
-            <a:ext cx="7228130" cy="875049"/>
-          </a:xfrm>
-        </p:spPr>
-        <p:txBody>
-          <a:bodyPr>
-            <a:normAutofit/>
-          </a:bodyPr>
-          <a:lstStyle/>
-          <a:p>
-            <a:r>
-              <a:rPr lang="tr-TR" sz="2000" dirty="0"/>
-              <a:t>YOLO V7 Uygulama-&gt; Yolov7.ipynb</a:t>
-            </a:r>
-          </a:p>
-        </p:txBody>
-      </p:sp>
-      <p:sp>
-        <p:nvSpPr>
-          <p:cNvPr id="7" name="Unvan 2"/>
-          <p:cNvSpPr txBox="1">
-            <a:spLocks/>
-          </p:cNvSpPr>
-          <p:nvPr/>
-        </p:nvSpPr>
-        <p:spPr>
-          <a:xfrm>
-            <a:off x="242568" y="604102"/>
-            <a:ext cx="8729153" cy="4284698"/>
-          </a:xfrm>
-          <a:prstGeom prst="rect">
-            <a:avLst/>
-          </a:prstGeom>
-        </p:spPr>
-        <p:txBody>
-          <a:bodyPr vert="horz" lIns="91440" tIns="45720" rIns="91440" bIns="45720" rtlCol="0" anchor="t">
-            <a:normAutofit/>
-          </a:bodyPr>
-          <a:lstStyle>
-            <a:lvl1pPr algn="l" defTabSz="685800" rtl="0" eaLnBrk="1" latinLnBrk="0" hangingPunct="1">
-              <a:lnSpc>
-                <a:spcPct val="90000"/>
-              </a:lnSpc>
-              <a:spcBef>
-                <a:spcPct val="0"/>
-              </a:spcBef>
-              <a:buNone/>
-              <a:defRPr sz="3300" kern="1200">
-                <a:solidFill>
-                  <a:schemeClr val="tx1"/>
-                </a:solidFill>
-                <a:latin typeface="+mj-lt"/>
-                <a:ea typeface="+mj-ea"/>
-                <a:cs typeface="+mj-cs"/>
-              </a:defRPr>
-            </a:lvl1pPr>
-          </a:lstStyle>
-          <a:p>
-            <a:pPr algn="ctr">
-              <a:lnSpc>
-                <a:spcPct val="100000"/>
-              </a:lnSpc>
-              <a:spcAft>
-                <a:spcPts val="600"/>
-              </a:spcAft>
-            </a:pPr>
-            <a:r>
-              <a:rPr lang="tr-TR" sz="1800" b="1" u="sng" dirty="0" err="1">
-                <a:solidFill>
-                  <a:srgbClr val="FFFF00"/>
-                </a:solidFill>
-                <a:latin typeface="Calibri" panose="020F0502020204030204" pitchFamily="34" charset="0"/>
-                <a:cs typeface="Calibri" panose="020F0502020204030204" pitchFamily="34" charset="0"/>
-              </a:rPr>
-              <a:t>Custom</a:t>
-            </a:r>
-            <a:r>
-              <a:rPr lang="tr-TR" sz="1800" b="1" u="sng" dirty="0">
-                <a:solidFill>
-                  <a:srgbClr val="FFFF00"/>
-                </a:solidFill>
-                <a:latin typeface="Calibri" panose="020F0502020204030204" pitchFamily="34" charset="0"/>
-                <a:cs typeface="Calibri" panose="020F0502020204030204" pitchFamily="34" charset="0"/>
-              </a:rPr>
-              <a:t> Train YOLO</a:t>
-            </a:r>
-          </a:p>
-          <a:p>
-            <a:pPr algn="just">
-              <a:lnSpc>
-                <a:spcPct val="100000"/>
-              </a:lnSpc>
-              <a:spcAft>
-                <a:spcPts val="600"/>
-              </a:spcAft>
-            </a:pPr>
-            <a:r>
-              <a:rPr lang="tr-TR" sz="1600" dirty="0">
-                <a:latin typeface="Calibri" panose="020F0502020204030204" pitchFamily="34" charset="0"/>
-                <a:cs typeface="Calibri" panose="020F0502020204030204" pitchFamily="34" charset="0"/>
-              </a:rPr>
-              <a:t>5. Elde edilen Train.txt ve Test.txt </a:t>
-            </a:r>
-            <a:r>
-              <a:rPr lang="tr-TR" sz="1600" dirty="0" err="1">
-                <a:latin typeface="Calibri" panose="020F0502020204030204" pitchFamily="34" charset="0"/>
-                <a:cs typeface="Calibri" panose="020F0502020204030204" pitchFamily="34" charset="0"/>
-              </a:rPr>
-              <a:t>dosyları</a:t>
-            </a:r>
-            <a:r>
-              <a:rPr lang="tr-TR" sz="1600" dirty="0">
-                <a:latin typeface="Calibri" panose="020F0502020204030204" pitchFamily="34" charset="0"/>
-                <a:cs typeface="Calibri" panose="020F0502020204030204" pitchFamily="34" charset="0"/>
-              </a:rPr>
-              <a:t> Yolov7 klasörü altındaki data klasörüne kopyalanmalıdır.</a:t>
-            </a:r>
-          </a:p>
-          <a:p>
-            <a:pPr algn="just">
-              <a:lnSpc>
-                <a:spcPct val="100000"/>
-              </a:lnSpc>
-              <a:spcAft>
-                <a:spcPts val="1200"/>
-              </a:spcAft>
-            </a:pPr>
-            <a:r>
-              <a:rPr lang="tr-TR" sz="1600" dirty="0">
-                <a:latin typeface="Calibri" panose="020F0502020204030204" pitchFamily="34" charset="0"/>
-                <a:cs typeface="Calibri" panose="020F0502020204030204" pitchFamily="34" charset="0"/>
-              </a:rPr>
-              <a:t>6. Bu işlemden sonra aşağıdaki kod vasıtasıyla </a:t>
-            </a:r>
-            <a:r>
-              <a:rPr lang="tr-TR" sz="1600" dirty="0" err="1">
-                <a:latin typeface="Calibri" panose="020F0502020204030204" pitchFamily="34" charset="0"/>
-                <a:cs typeface="Calibri" panose="020F0502020204030204" pitchFamily="34" charset="0"/>
-              </a:rPr>
-              <a:t>train</a:t>
-            </a:r>
-            <a:r>
-              <a:rPr lang="tr-TR" sz="1600" dirty="0">
-                <a:latin typeface="Calibri" panose="020F0502020204030204" pitchFamily="34" charset="0"/>
-                <a:cs typeface="Calibri" panose="020F0502020204030204" pitchFamily="34" charset="0"/>
-              </a:rPr>
-              <a:t> işlemi başlatılabilir.</a:t>
-            </a:r>
-          </a:p>
-          <a:p>
-            <a:pPr algn="ctr">
-              <a:lnSpc>
-                <a:spcPct val="100000"/>
-              </a:lnSpc>
-              <a:spcAft>
-                <a:spcPts val="600"/>
-              </a:spcAft>
-            </a:pPr>
-            <a:r>
-              <a:rPr lang="tr-TR" sz="1600" dirty="0">
-                <a:solidFill>
-                  <a:srgbClr val="FFFF00"/>
-                </a:solidFill>
-                <a:latin typeface="Calibri" panose="020F0502020204030204" pitchFamily="34" charset="0"/>
-                <a:cs typeface="Calibri" panose="020F0502020204030204" pitchFamily="34" charset="0"/>
-              </a:rPr>
-              <a:t>!</a:t>
-            </a:r>
-            <a:r>
-              <a:rPr lang="tr-TR" sz="1600" dirty="0" err="1">
-                <a:solidFill>
-                  <a:srgbClr val="FFFF00"/>
-                </a:solidFill>
-                <a:latin typeface="Calibri" panose="020F0502020204030204" pitchFamily="34" charset="0"/>
-                <a:cs typeface="Calibri" panose="020F0502020204030204" pitchFamily="34" charset="0"/>
-              </a:rPr>
-              <a:t>python</a:t>
-            </a:r>
-            <a:r>
-              <a:rPr lang="tr-TR" sz="1600" dirty="0">
-                <a:solidFill>
-                  <a:srgbClr val="FFFF00"/>
-                </a:solidFill>
-                <a:latin typeface="Calibri" panose="020F0502020204030204" pitchFamily="34" charset="0"/>
-                <a:cs typeface="Calibri" panose="020F0502020204030204" pitchFamily="34" charset="0"/>
-              </a:rPr>
-              <a:t> train.py --</a:t>
-            </a:r>
-            <a:r>
-              <a:rPr lang="tr-TR" sz="1600" dirty="0" err="1">
-                <a:solidFill>
-                  <a:srgbClr val="FFFF00"/>
-                </a:solidFill>
-                <a:latin typeface="Calibri" panose="020F0502020204030204" pitchFamily="34" charset="0"/>
-                <a:cs typeface="Calibri" panose="020F0502020204030204" pitchFamily="34" charset="0"/>
-              </a:rPr>
-              <a:t>weights</a:t>
-            </a:r>
-            <a:r>
-              <a:rPr lang="tr-TR" sz="1600" dirty="0">
-                <a:solidFill>
-                  <a:srgbClr val="FFFF00"/>
-                </a:solidFill>
-                <a:latin typeface="Calibri" panose="020F0502020204030204" pitchFamily="34" charset="0"/>
-                <a:cs typeface="Calibri" panose="020F0502020204030204" pitchFamily="34" charset="0"/>
-              </a:rPr>
-              <a:t> yolov7.pt --data "./data/</a:t>
-            </a:r>
-            <a:r>
-              <a:rPr lang="tr-TR" sz="1600" dirty="0" err="1">
-                <a:solidFill>
-                  <a:srgbClr val="FFFF00"/>
-                </a:solidFill>
-                <a:latin typeface="Calibri" panose="020F0502020204030204" pitchFamily="34" charset="0"/>
-                <a:cs typeface="Calibri" panose="020F0502020204030204" pitchFamily="34" charset="0"/>
-              </a:rPr>
-              <a:t>custom.yaml</a:t>
-            </a:r>
-            <a:r>
-              <a:rPr lang="tr-TR" sz="1600" dirty="0">
-                <a:solidFill>
-                  <a:srgbClr val="FFFF00"/>
-                </a:solidFill>
-                <a:latin typeface="Calibri" panose="020F0502020204030204" pitchFamily="34" charset="0"/>
-                <a:cs typeface="Calibri" panose="020F0502020204030204" pitchFamily="34" charset="0"/>
-              </a:rPr>
-              <a:t>" --</a:t>
-            </a:r>
-            <a:r>
-              <a:rPr lang="tr-TR" sz="1600" dirty="0" err="1">
-                <a:solidFill>
-                  <a:srgbClr val="FFFF00"/>
-                </a:solidFill>
-                <a:latin typeface="Calibri" panose="020F0502020204030204" pitchFamily="34" charset="0"/>
-                <a:cs typeface="Calibri" panose="020F0502020204030204" pitchFamily="34" charset="0"/>
-              </a:rPr>
-              <a:t>workers</a:t>
-            </a:r>
-            <a:r>
-              <a:rPr lang="tr-TR" sz="1600" dirty="0">
-                <a:solidFill>
-                  <a:srgbClr val="FFFF00"/>
-                </a:solidFill>
-                <a:latin typeface="Calibri" panose="020F0502020204030204" pitchFamily="34" charset="0"/>
-                <a:cs typeface="Calibri" panose="020F0502020204030204" pitchFamily="34" charset="0"/>
-              </a:rPr>
-              <a:t> 4 --</a:t>
-            </a:r>
-            <a:r>
-              <a:rPr lang="tr-TR" sz="1600" dirty="0" err="1">
-                <a:solidFill>
-                  <a:srgbClr val="FFFF00"/>
-                </a:solidFill>
-                <a:latin typeface="Calibri" panose="020F0502020204030204" pitchFamily="34" charset="0"/>
-                <a:cs typeface="Calibri" panose="020F0502020204030204" pitchFamily="34" charset="0"/>
-              </a:rPr>
-              <a:t>batch</a:t>
-            </a:r>
-            <a:r>
-              <a:rPr lang="tr-TR" sz="1600" dirty="0">
-                <a:solidFill>
-                  <a:srgbClr val="FFFF00"/>
-                </a:solidFill>
-                <a:latin typeface="Calibri" panose="020F0502020204030204" pitchFamily="34" charset="0"/>
-                <a:cs typeface="Calibri" panose="020F0502020204030204" pitchFamily="34" charset="0"/>
-              </a:rPr>
-              <a:t>-size 4 --</a:t>
-            </a:r>
-            <a:r>
-              <a:rPr lang="tr-TR" sz="1600" dirty="0" err="1">
-                <a:solidFill>
-                  <a:srgbClr val="FFFF00"/>
-                </a:solidFill>
-                <a:latin typeface="Calibri" panose="020F0502020204030204" pitchFamily="34" charset="0"/>
-                <a:cs typeface="Calibri" panose="020F0502020204030204" pitchFamily="34" charset="0"/>
-              </a:rPr>
-              <a:t>img</a:t>
-            </a:r>
-            <a:r>
-              <a:rPr lang="tr-TR" sz="1600" dirty="0">
-                <a:solidFill>
-                  <a:srgbClr val="FFFF00"/>
-                </a:solidFill>
-                <a:latin typeface="Calibri" panose="020F0502020204030204" pitchFamily="34" charset="0"/>
-                <a:cs typeface="Calibri" panose="020F0502020204030204" pitchFamily="34" charset="0"/>
-              </a:rPr>
-              <a:t> 416 --</a:t>
-            </a:r>
-            <a:r>
-              <a:rPr lang="tr-TR" sz="1600" dirty="0" err="1">
-                <a:solidFill>
-                  <a:srgbClr val="FFFF00"/>
-                </a:solidFill>
-                <a:latin typeface="Calibri" panose="020F0502020204030204" pitchFamily="34" charset="0"/>
-                <a:cs typeface="Calibri" panose="020F0502020204030204" pitchFamily="34" charset="0"/>
-              </a:rPr>
-              <a:t>cfg</a:t>
-            </a:r>
-            <a:r>
-              <a:rPr lang="tr-TR" sz="1600" dirty="0">
-                <a:solidFill>
-                  <a:srgbClr val="FFFF00"/>
-                </a:solidFill>
-                <a:latin typeface="Calibri" panose="020F0502020204030204" pitchFamily="34" charset="0"/>
-                <a:cs typeface="Calibri" panose="020F0502020204030204" pitchFamily="34" charset="0"/>
-              </a:rPr>
-              <a:t> </a:t>
-            </a:r>
-            <a:r>
-              <a:rPr lang="tr-TR" sz="1600" dirty="0" err="1">
-                <a:solidFill>
-                  <a:srgbClr val="FFFF00"/>
-                </a:solidFill>
-                <a:latin typeface="Calibri" panose="020F0502020204030204" pitchFamily="34" charset="0"/>
-                <a:cs typeface="Calibri" panose="020F0502020204030204" pitchFamily="34" charset="0"/>
-              </a:rPr>
-              <a:t>cfg</a:t>
-            </a:r>
-            <a:r>
-              <a:rPr lang="tr-TR" sz="1600" dirty="0">
-                <a:solidFill>
-                  <a:srgbClr val="FFFF00"/>
-                </a:solidFill>
-                <a:latin typeface="Calibri" panose="020F0502020204030204" pitchFamily="34" charset="0"/>
-                <a:cs typeface="Calibri" panose="020F0502020204030204" pitchFamily="34" charset="0"/>
-              </a:rPr>
-              <a:t>/</a:t>
-            </a:r>
-            <a:r>
-              <a:rPr lang="tr-TR" sz="1600" dirty="0" err="1">
-                <a:solidFill>
-                  <a:srgbClr val="FFFF00"/>
-                </a:solidFill>
-                <a:latin typeface="Calibri" panose="020F0502020204030204" pitchFamily="34" charset="0"/>
-                <a:cs typeface="Calibri" panose="020F0502020204030204" pitchFamily="34" charset="0"/>
-              </a:rPr>
-              <a:t>training</a:t>
-            </a:r>
-            <a:r>
-              <a:rPr lang="tr-TR" sz="1600" dirty="0">
-                <a:solidFill>
-                  <a:srgbClr val="FFFF00"/>
-                </a:solidFill>
-                <a:latin typeface="Calibri" panose="020F0502020204030204" pitchFamily="34" charset="0"/>
-                <a:cs typeface="Calibri" panose="020F0502020204030204" pitchFamily="34" charset="0"/>
-              </a:rPr>
-              <a:t>/yolov7.yaml --name yolov7 </a:t>
-            </a:r>
-          </a:p>
-          <a:p>
-            <a:pPr marL="285750" indent="-285750" algn="just">
-              <a:lnSpc>
-                <a:spcPct val="100000"/>
-              </a:lnSpc>
-              <a:spcAft>
-                <a:spcPts val="600"/>
-              </a:spcAft>
-              <a:buFont typeface="Arial" panose="020B0604020202020204" pitchFamily="34" charset="0"/>
-              <a:buChar char="•"/>
-            </a:pPr>
-            <a:r>
-              <a:rPr lang="tr-TR" sz="1600" dirty="0">
-                <a:solidFill>
-                  <a:srgbClr val="FFFF00"/>
-                </a:solidFill>
-                <a:latin typeface="Calibri" panose="020F0502020204030204" pitchFamily="34" charset="0"/>
-                <a:cs typeface="Calibri" panose="020F0502020204030204" pitchFamily="34" charset="0"/>
-              </a:rPr>
-              <a:t>--</a:t>
-            </a:r>
-            <a:r>
-              <a:rPr lang="tr-TR" sz="1600" dirty="0" err="1">
-                <a:solidFill>
-                  <a:srgbClr val="FFFF00"/>
-                </a:solidFill>
-                <a:latin typeface="Calibri" panose="020F0502020204030204" pitchFamily="34" charset="0"/>
-                <a:cs typeface="Calibri" panose="020F0502020204030204" pitchFamily="34" charset="0"/>
-              </a:rPr>
-              <a:t>weights</a:t>
-            </a:r>
-            <a:r>
-              <a:rPr lang="tr-TR" sz="1600" dirty="0">
-                <a:solidFill>
-                  <a:srgbClr val="FFFF00"/>
-                </a:solidFill>
-                <a:latin typeface="Calibri" panose="020F0502020204030204" pitchFamily="34" charset="0"/>
-                <a:cs typeface="Calibri" panose="020F0502020204030204" pitchFamily="34" charset="0"/>
-              </a:rPr>
-              <a:t> yolov7.pt:</a:t>
-            </a:r>
-            <a:r>
-              <a:rPr lang="tr-TR" sz="1600" dirty="0">
-                <a:latin typeface="Calibri" panose="020F0502020204030204" pitchFamily="34" charset="0"/>
-                <a:cs typeface="Calibri" panose="020F0502020204030204" pitchFamily="34" charset="0"/>
-              </a:rPr>
-              <a:t> Transfer </a:t>
-            </a:r>
-            <a:r>
-              <a:rPr lang="tr-TR" sz="1600" dirty="0" err="1">
-                <a:latin typeface="Calibri" panose="020F0502020204030204" pitchFamily="34" charset="0"/>
-                <a:cs typeface="Calibri" panose="020F0502020204030204" pitchFamily="34" charset="0"/>
-              </a:rPr>
-              <a:t>learning</a:t>
-            </a:r>
-            <a:r>
-              <a:rPr lang="tr-TR" sz="1600" dirty="0">
-                <a:latin typeface="Calibri" panose="020F0502020204030204" pitchFamily="34" charset="0"/>
-                <a:cs typeface="Calibri" panose="020F0502020204030204" pitchFamily="34" charset="0"/>
-              </a:rPr>
-              <a:t> kullanıldığı için önceden eğitilmiş model ağırlıkları kullanılıyor.</a:t>
-            </a:r>
-          </a:p>
-          <a:p>
-            <a:pPr marL="285750" indent="-285750" algn="just">
-              <a:lnSpc>
-                <a:spcPct val="100000"/>
-              </a:lnSpc>
-              <a:spcAft>
-                <a:spcPts val="600"/>
-              </a:spcAft>
-              <a:buFont typeface="Arial" panose="020B0604020202020204" pitchFamily="34" charset="0"/>
-              <a:buChar char="•"/>
-            </a:pPr>
-            <a:r>
-              <a:rPr lang="tr-TR" sz="1600" dirty="0">
-                <a:solidFill>
-                  <a:srgbClr val="FFFF00"/>
-                </a:solidFill>
-                <a:latin typeface="Calibri" panose="020F0502020204030204" pitchFamily="34" charset="0"/>
-                <a:cs typeface="Calibri" panose="020F0502020204030204" pitchFamily="34" charset="0"/>
-              </a:rPr>
-              <a:t>--data "./data/</a:t>
-            </a:r>
-            <a:r>
-              <a:rPr lang="tr-TR" sz="1600" dirty="0" err="1">
-                <a:solidFill>
-                  <a:srgbClr val="FFFF00"/>
-                </a:solidFill>
-                <a:latin typeface="Calibri" panose="020F0502020204030204" pitchFamily="34" charset="0"/>
-                <a:cs typeface="Calibri" panose="020F0502020204030204" pitchFamily="34" charset="0"/>
-              </a:rPr>
-              <a:t>custom.yaml</a:t>
-            </a:r>
-            <a:r>
-              <a:rPr lang="tr-TR" sz="1600" dirty="0">
-                <a:solidFill>
-                  <a:srgbClr val="FFFF00"/>
-                </a:solidFill>
-                <a:latin typeface="Calibri" panose="020F0502020204030204" pitchFamily="34" charset="0"/>
-                <a:cs typeface="Calibri" panose="020F0502020204030204" pitchFamily="34" charset="0"/>
-              </a:rPr>
-              <a:t>": </a:t>
-            </a:r>
-            <a:r>
-              <a:rPr lang="tr-TR" sz="1600" dirty="0">
-                <a:latin typeface="Calibri" panose="020F0502020204030204" pitchFamily="34" charset="0"/>
-                <a:cs typeface="Calibri" panose="020F0502020204030204" pitchFamily="34" charset="0"/>
-              </a:rPr>
-              <a:t>Bu dosya içinde tanımlı txt dosyalarından eğitim, test ve </a:t>
-            </a:r>
-            <a:r>
-              <a:rPr lang="tr-TR" sz="1600" dirty="0" err="1">
-                <a:latin typeface="Calibri" panose="020F0502020204030204" pitchFamily="34" charset="0"/>
-                <a:cs typeface="Calibri" panose="020F0502020204030204" pitchFamily="34" charset="0"/>
-              </a:rPr>
-              <a:t>validationda</a:t>
-            </a:r>
-            <a:r>
-              <a:rPr lang="tr-TR" sz="1600" dirty="0">
-                <a:latin typeface="Calibri" panose="020F0502020204030204" pitchFamily="34" charset="0"/>
-                <a:cs typeface="Calibri" panose="020F0502020204030204" pitchFamily="34" charset="0"/>
-              </a:rPr>
-              <a:t> kullanılacak resimlerin yolu alınacak. </a:t>
-            </a:r>
-          </a:p>
-          <a:p>
-            <a:pPr marL="285750" indent="-285750" algn="just">
-              <a:lnSpc>
-                <a:spcPct val="100000"/>
-              </a:lnSpc>
-              <a:spcAft>
-                <a:spcPts val="600"/>
-              </a:spcAft>
-              <a:buFont typeface="Arial" panose="020B0604020202020204" pitchFamily="34" charset="0"/>
-              <a:buChar char="•"/>
-            </a:pPr>
-            <a:r>
-              <a:rPr lang="tr-TR" sz="1600" dirty="0">
-                <a:solidFill>
-                  <a:srgbClr val="FFFF00"/>
-                </a:solidFill>
-                <a:latin typeface="Calibri" panose="020F0502020204030204" pitchFamily="34" charset="0"/>
-                <a:cs typeface="Calibri" panose="020F0502020204030204" pitchFamily="34" charset="0"/>
-              </a:rPr>
-              <a:t>--</a:t>
-            </a:r>
-            <a:r>
-              <a:rPr lang="tr-TR" sz="1600" dirty="0" err="1">
-                <a:solidFill>
-                  <a:srgbClr val="FFFF00"/>
-                </a:solidFill>
-                <a:latin typeface="Calibri" panose="020F0502020204030204" pitchFamily="34" charset="0"/>
-                <a:cs typeface="Calibri" panose="020F0502020204030204" pitchFamily="34" charset="0"/>
-              </a:rPr>
-              <a:t>img</a:t>
-            </a:r>
-            <a:r>
-              <a:rPr lang="tr-TR" sz="1600" dirty="0">
-                <a:solidFill>
-                  <a:srgbClr val="FFFF00"/>
-                </a:solidFill>
-                <a:latin typeface="Calibri" panose="020F0502020204030204" pitchFamily="34" charset="0"/>
-                <a:cs typeface="Calibri" panose="020F0502020204030204" pitchFamily="34" charset="0"/>
-              </a:rPr>
-              <a:t> 416: </a:t>
-            </a:r>
-            <a:r>
-              <a:rPr lang="tr-TR" sz="1600" dirty="0">
-                <a:latin typeface="Calibri" panose="020F0502020204030204" pitchFamily="34" charset="0"/>
-                <a:cs typeface="Calibri" panose="020F0502020204030204" pitchFamily="34" charset="0"/>
-              </a:rPr>
-              <a:t>Eğitimde kullanılan resim boyutu. İstenirse genişlik ve yükseklik şeklinde 2 parametre olarak verilebilir.</a:t>
-            </a:r>
-          </a:p>
-          <a:p>
-            <a:pPr marL="285750" indent="-285750" algn="just">
-              <a:lnSpc>
-                <a:spcPct val="100000"/>
-              </a:lnSpc>
-              <a:spcAft>
-                <a:spcPts val="600"/>
-              </a:spcAft>
-              <a:buFont typeface="Arial" panose="020B0604020202020204" pitchFamily="34" charset="0"/>
-              <a:buChar char="•"/>
-            </a:pPr>
-            <a:r>
-              <a:rPr lang="tr-TR" sz="1600" dirty="0">
-                <a:solidFill>
-                  <a:srgbClr val="FFFF00"/>
-                </a:solidFill>
-                <a:latin typeface="Calibri" panose="020F0502020204030204" pitchFamily="34" charset="0"/>
-                <a:cs typeface="Calibri" panose="020F0502020204030204" pitchFamily="34" charset="0"/>
-              </a:rPr>
-              <a:t>--name yolov7: </a:t>
-            </a:r>
-            <a:r>
-              <a:rPr lang="tr-TR" sz="1600" dirty="0">
-                <a:latin typeface="Calibri" panose="020F0502020204030204" pitchFamily="34" charset="0"/>
-                <a:cs typeface="Calibri" panose="020F0502020204030204" pitchFamily="34" charset="0"/>
-              </a:rPr>
-              <a:t>Elde edilen ağırlıkların ve diğer dosyaların kaydedileceği klasör ön tanımı. Her eğitimde yolov7, yolov72, yolov73… şeklinde artarak gider.</a:t>
-            </a:r>
-          </a:p>
-          <a:p>
-            <a:pPr marL="285750" indent="-285750" algn="just">
-              <a:lnSpc>
-                <a:spcPct val="100000"/>
-              </a:lnSpc>
-              <a:spcAft>
-                <a:spcPts val="600"/>
-              </a:spcAft>
-              <a:buFont typeface="Arial" panose="020B0604020202020204" pitchFamily="34" charset="0"/>
-              <a:buChar char="•"/>
-            </a:pPr>
-            <a:endParaRPr lang="tr-TR" sz="1600" dirty="0">
-              <a:latin typeface="Calibri" panose="020F0502020204030204" pitchFamily="34" charset="0"/>
-              <a:cs typeface="Calibri" panose="020F0502020204030204" pitchFamily="34" charset="0"/>
-            </a:endParaRPr>
-          </a:p>
-          <a:p>
-            <a:pPr algn="just">
-              <a:lnSpc>
-                <a:spcPct val="100000"/>
-              </a:lnSpc>
-              <a:spcAft>
-                <a:spcPts val="600"/>
-              </a:spcAft>
-            </a:pPr>
-            <a:endParaRPr lang="tr-TR" sz="1600" dirty="0">
-              <a:solidFill>
-                <a:srgbClr val="FFFF00"/>
-              </a:solidFill>
-              <a:latin typeface="Calibri" panose="020F0502020204030204" pitchFamily="34" charset="0"/>
-              <a:cs typeface="Calibri" panose="020F0502020204030204" pitchFamily="34" charset="0"/>
-            </a:endParaRPr>
-          </a:p>
-        </p:txBody>
-      </p:sp>
-    </p:spTree>
-    <p:extLst>
-      <p:ext uri="{BB962C8B-B14F-4D97-AF65-F5344CB8AC3E}">
-        <p14:creationId xmlns:p14="http://schemas.microsoft.com/office/powerpoint/2010/main" val="3920889661"/>
-      </p:ext>
-    </p:extLst>
-  </p:cSld>
-  <p:clrMapOvr>
-    <a:masterClrMapping/>
-  </p:clrMapOvr>
-</p:sld>
-</file>
-
 <file path=ppt/slides/slide22.xml><?xml version="1.0" encoding="utf-8"?>
 <p:sld xmlns:a="http://schemas.openxmlformats.org/drawingml/2006/main" xmlns:r="http://schemas.openxmlformats.org/officeDocument/2006/relationships" xmlns:p="http://schemas.openxmlformats.org/presentationml/2006/main">
   <p:cSld>
@@ -11595,8 +11547,8 @@
         </p:nvSpPr>
         <p:spPr>
           <a:xfrm>
-            <a:off x="198783" y="604102"/>
-            <a:ext cx="8852451" cy="4284698"/>
+            <a:off x="242568" y="604102"/>
+            <a:ext cx="8729153" cy="4284698"/>
           </a:xfrm>
           <a:prstGeom prst="rect">
             <a:avLst/>
@@ -11669,38 +11621,280 @@
                 <a:latin typeface="Calibri" panose="020F0502020204030204" pitchFamily="34" charset="0"/>
                 <a:cs typeface="Calibri" panose="020F0502020204030204" pitchFamily="34" charset="0"/>
               </a:rPr>
-              <a:t>7. Eğitim bittiğinde elde edilen ağırlıklar Yolov7 klasörü altındaki «</a:t>
+              <a:t>5. Elde edilen Train.txt ve Test.txt </a:t>
             </a:r>
             <a:r>
               <a:rPr lang="tr-TR" sz="1600" dirty="0" err="1">
                 <a:latin typeface="Calibri" panose="020F0502020204030204" pitchFamily="34" charset="0"/>
                 <a:cs typeface="Calibri" panose="020F0502020204030204" pitchFamily="34" charset="0"/>
               </a:rPr>
-              <a:t>runs</a:t>
+              <a:t>dosyları</a:t>
             </a:r>
             <a:r>
               <a:rPr lang="tr-TR" sz="1600" dirty="0">
                 <a:latin typeface="Calibri" panose="020F0502020204030204" pitchFamily="34" charset="0"/>
                 <a:cs typeface="Calibri" panose="020F0502020204030204" pitchFamily="34" charset="0"/>
               </a:rPr>
+              <a:t> Yolov7 klasörü altındaki data klasörüne kopyalanmalıdır.</a:t>
+            </a:r>
+          </a:p>
+          <a:p>
+            <a:pPr algn="just">
+              <a:lnSpc>
+                <a:spcPct val="100000"/>
+              </a:lnSpc>
+              <a:spcAft>
+                <a:spcPts val="1200"/>
+              </a:spcAft>
+            </a:pPr>
+            <a:r>
+              <a:rPr lang="tr-TR" sz="1600" dirty="0">
+                <a:latin typeface="Calibri" panose="020F0502020204030204" pitchFamily="34" charset="0"/>
+                <a:cs typeface="Calibri" panose="020F0502020204030204" pitchFamily="34" charset="0"/>
+              </a:rPr>
+              <a:t>6. Bu işlemden sonra aşağıdaki kod vasıtasıyla </a:t>
+            </a:r>
+            <a:r>
+              <a:rPr lang="tr-TR" sz="1600" dirty="0" err="1">
+                <a:latin typeface="Calibri" panose="020F0502020204030204" pitchFamily="34" charset="0"/>
+                <a:cs typeface="Calibri" panose="020F0502020204030204" pitchFamily="34" charset="0"/>
+              </a:rPr>
+              <a:t>train</a:t>
+            </a:r>
+            <a:r>
+              <a:rPr lang="tr-TR" sz="1600" dirty="0">
+                <a:latin typeface="Calibri" panose="020F0502020204030204" pitchFamily="34" charset="0"/>
+                <a:cs typeface="Calibri" panose="020F0502020204030204" pitchFamily="34" charset="0"/>
+              </a:rPr>
+              <a:t> işlemi başlatılabilir.</a:t>
+            </a:r>
+          </a:p>
+          <a:p>
+            <a:pPr algn="ctr">
+              <a:lnSpc>
+                <a:spcPct val="100000"/>
+              </a:lnSpc>
+              <a:spcAft>
+                <a:spcPts val="600"/>
+              </a:spcAft>
+            </a:pPr>
+            <a:r>
+              <a:rPr lang="tr-TR" sz="1600" dirty="0">
+                <a:solidFill>
+                  <a:srgbClr val="FFFF00"/>
+                </a:solidFill>
+                <a:latin typeface="Calibri" panose="020F0502020204030204" pitchFamily="34" charset="0"/>
+                <a:cs typeface="Calibri" panose="020F0502020204030204" pitchFamily="34" charset="0"/>
+              </a:rPr>
+              <a:t>!</a:t>
+            </a:r>
+            <a:r>
+              <a:rPr lang="tr-TR" sz="1600" dirty="0" err="1">
+                <a:solidFill>
+                  <a:srgbClr val="FFFF00"/>
+                </a:solidFill>
+                <a:latin typeface="Calibri" panose="020F0502020204030204" pitchFamily="34" charset="0"/>
+                <a:cs typeface="Calibri" panose="020F0502020204030204" pitchFamily="34" charset="0"/>
+              </a:rPr>
+              <a:t>python</a:t>
+            </a:r>
+            <a:r>
+              <a:rPr lang="tr-TR" sz="1600" dirty="0">
+                <a:solidFill>
+                  <a:srgbClr val="FFFF00"/>
+                </a:solidFill>
+                <a:latin typeface="Calibri" panose="020F0502020204030204" pitchFamily="34" charset="0"/>
+                <a:cs typeface="Calibri" panose="020F0502020204030204" pitchFamily="34" charset="0"/>
+              </a:rPr>
+              <a:t> train.py --</a:t>
+            </a:r>
+            <a:r>
+              <a:rPr lang="tr-TR" sz="1600" dirty="0" err="1">
+                <a:solidFill>
+                  <a:srgbClr val="FFFF00"/>
+                </a:solidFill>
+                <a:latin typeface="Calibri" panose="020F0502020204030204" pitchFamily="34" charset="0"/>
+                <a:cs typeface="Calibri" panose="020F0502020204030204" pitchFamily="34" charset="0"/>
+              </a:rPr>
+              <a:t>weights</a:t>
+            </a:r>
+            <a:r>
+              <a:rPr lang="tr-TR" sz="1600" dirty="0">
+                <a:solidFill>
+                  <a:srgbClr val="FFFF00"/>
+                </a:solidFill>
+                <a:latin typeface="Calibri" panose="020F0502020204030204" pitchFamily="34" charset="0"/>
+                <a:cs typeface="Calibri" panose="020F0502020204030204" pitchFamily="34" charset="0"/>
+              </a:rPr>
+              <a:t> yolov7.pt --data "./data/</a:t>
+            </a:r>
+            <a:r>
+              <a:rPr lang="tr-TR" sz="1600" dirty="0" err="1">
+                <a:solidFill>
+                  <a:srgbClr val="FFFF00"/>
+                </a:solidFill>
+                <a:latin typeface="Calibri" panose="020F0502020204030204" pitchFamily="34" charset="0"/>
+                <a:cs typeface="Calibri" panose="020F0502020204030204" pitchFamily="34" charset="0"/>
+              </a:rPr>
+              <a:t>custom.yaml</a:t>
+            </a:r>
+            <a:r>
+              <a:rPr lang="tr-TR" sz="1600" dirty="0">
+                <a:solidFill>
+                  <a:srgbClr val="FFFF00"/>
+                </a:solidFill>
+                <a:latin typeface="Calibri" panose="020F0502020204030204" pitchFamily="34" charset="0"/>
+                <a:cs typeface="Calibri" panose="020F0502020204030204" pitchFamily="34" charset="0"/>
+              </a:rPr>
+              <a:t>" --</a:t>
+            </a:r>
+            <a:r>
+              <a:rPr lang="tr-TR" sz="1600" dirty="0" err="1">
+                <a:solidFill>
+                  <a:srgbClr val="FFFF00"/>
+                </a:solidFill>
+                <a:latin typeface="Calibri" panose="020F0502020204030204" pitchFamily="34" charset="0"/>
+                <a:cs typeface="Calibri" panose="020F0502020204030204" pitchFamily="34" charset="0"/>
+              </a:rPr>
+              <a:t>workers</a:t>
+            </a:r>
+            <a:r>
+              <a:rPr lang="tr-TR" sz="1600" dirty="0">
+                <a:solidFill>
+                  <a:srgbClr val="FFFF00"/>
+                </a:solidFill>
+                <a:latin typeface="Calibri" panose="020F0502020204030204" pitchFamily="34" charset="0"/>
+                <a:cs typeface="Calibri" panose="020F0502020204030204" pitchFamily="34" charset="0"/>
+              </a:rPr>
+              <a:t> 4 --</a:t>
+            </a:r>
+            <a:r>
+              <a:rPr lang="tr-TR" sz="1600" dirty="0" err="1">
+                <a:solidFill>
+                  <a:srgbClr val="FFFF00"/>
+                </a:solidFill>
+                <a:latin typeface="Calibri" panose="020F0502020204030204" pitchFamily="34" charset="0"/>
+                <a:cs typeface="Calibri" panose="020F0502020204030204" pitchFamily="34" charset="0"/>
+              </a:rPr>
+              <a:t>batch</a:t>
+            </a:r>
+            <a:r>
+              <a:rPr lang="tr-TR" sz="1600" dirty="0">
+                <a:solidFill>
+                  <a:srgbClr val="FFFF00"/>
+                </a:solidFill>
+                <a:latin typeface="Calibri" panose="020F0502020204030204" pitchFamily="34" charset="0"/>
+                <a:cs typeface="Calibri" panose="020F0502020204030204" pitchFamily="34" charset="0"/>
+              </a:rPr>
+              <a:t>-size 4 --</a:t>
+            </a:r>
+            <a:r>
+              <a:rPr lang="tr-TR" sz="1600" dirty="0" err="1">
+                <a:solidFill>
+                  <a:srgbClr val="FFFF00"/>
+                </a:solidFill>
+                <a:latin typeface="Calibri" panose="020F0502020204030204" pitchFamily="34" charset="0"/>
+                <a:cs typeface="Calibri" panose="020F0502020204030204" pitchFamily="34" charset="0"/>
+              </a:rPr>
+              <a:t>img</a:t>
+            </a:r>
+            <a:r>
+              <a:rPr lang="tr-TR" sz="1600" dirty="0">
+                <a:solidFill>
+                  <a:srgbClr val="FFFF00"/>
+                </a:solidFill>
+                <a:latin typeface="Calibri" panose="020F0502020204030204" pitchFamily="34" charset="0"/>
+                <a:cs typeface="Calibri" panose="020F0502020204030204" pitchFamily="34" charset="0"/>
+              </a:rPr>
+              <a:t> 416 --</a:t>
+            </a:r>
+            <a:r>
+              <a:rPr lang="tr-TR" sz="1600" dirty="0" err="1">
+                <a:solidFill>
+                  <a:srgbClr val="FFFF00"/>
+                </a:solidFill>
+                <a:latin typeface="Calibri" panose="020F0502020204030204" pitchFamily="34" charset="0"/>
+                <a:cs typeface="Calibri" panose="020F0502020204030204" pitchFamily="34" charset="0"/>
+              </a:rPr>
+              <a:t>cfg</a:t>
+            </a:r>
+            <a:r>
+              <a:rPr lang="tr-TR" sz="1600" dirty="0">
+                <a:solidFill>
+                  <a:srgbClr val="FFFF00"/>
+                </a:solidFill>
+                <a:latin typeface="Calibri" panose="020F0502020204030204" pitchFamily="34" charset="0"/>
+                <a:cs typeface="Calibri" panose="020F0502020204030204" pitchFamily="34" charset="0"/>
+              </a:rPr>
+              <a:t> </a:t>
+            </a:r>
+            <a:r>
+              <a:rPr lang="tr-TR" sz="1600" dirty="0" err="1">
+                <a:solidFill>
+                  <a:srgbClr val="FFFF00"/>
+                </a:solidFill>
+                <a:latin typeface="Calibri" panose="020F0502020204030204" pitchFamily="34" charset="0"/>
+                <a:cs typeface="Calibri" panose="020F0502020204030204" pitchFamily="34" charset="0"/>
+              </a:rPr>
+              <a:t>cfg</a:t>
+            </a:r>
+            <a:r>
+              <a:rPr lang="tr-TR" sz="1600" dirty="0">
+                <a:solidFill>
+                  <a:srgbClr val="FFFF00"/>
+                </a:solidFill>
+                <a:latin typeface="Calibri" panose="020F0502020204030204" pitchFamily="34" charset="0"/>
+                <a:cs typeface="Calibri" panose="020F0502020204030204" pitchFamily="34" charset="0"/>
+              </a:rPr>
               <a:t>/</a:t>
             </a:r>
             <a:r>
               <a:rPr lang="tr-TR" sz="1600" dirty="0" err="1">
-                <a:latin typeface="Calibri" panose="020F0502020204030204" pitchFamily="34" charset="0"/>
-                <a:cs typeface="Calibri" panose="020F0502020204030204" pitchFamily="34" charset="0"/>
-              </a:rPr>
-              <a:t>train</a:t>
+                <a:solidFill>
+                  <a:srgbClr val="FFFF00"/>
+                </a:solidFill>
+                <a:latin typeface="Calibri" panose="020F0502020204030204" pitchFamily="34" charset="0"/>
+                <a:cs typeface="Calibri" panose="020F0502020204030204" pitchFamily="34" charset="0"/>
+              </a:rPr>
+              <a:t>training</a:t>
             </a:r>
             <a:r>
               <a:rPr lang="tr-TR" sz="1600" dirty="0">
-                <a:latin typeface="Calibri" panose="020F0502020204030204" pitchFamily="34" charset="0"/>
-                <a:cs typeface="Calibri" panose="020F0502020204030204" pitchFamily="34" charset="0"/>
-              </a:rPr>
-              <a:t>/yolov7(2,3,4..vb.)/ </a:t>
+                <a:solidFill>
+                  <a:srgbClr val="FFFF00"/>
+                </a:solidFill>
+                <a:latin typeface="Calibri" panose="020F0502020204030204" pitchFamily="34" charset="0"/>
+                <a:cs typeface="Calibri" panose="020F0502020204030204" pitchFamily="34" charset="0"/>
+              </a:rPr>
+              <a:t>/yolov7.yaml --name yolov7 </a:t>
+            </a:r>
+          </a:p>
+          <a:p>
+            <a:pPr marL="285750" indent="-285750" algn="just">
+              <a:lnSpc>
+                <a:spcPct val="100000"/>
+              </a:lnSpc>
+              <a:spcAft>
+                <a:spcPts val="600"/>
+              </a:spcAft>
+              <a:buFont typeface="Arial" panose="020B0604020202020204" pitchFamily="34" charset="0"/>
+              <a:buChar char="•"/>
+            </a:pPr>
+            <a:r>
+              <a:rPr lang="tr-TR" sz="1600" dirty="0">
+                <a:solidFill>
+                  <a:srgbClr val="FFFF00"/>
+                </a:solidFill>
+                <a:latin typeface="Calibri" panose="020F0502020204030204" pitchFamily="34" charset="0"/>
+                <a:cs typeface="Calibri" panose="020F0502020204030204" pitchFamily="34" charset="0"/>
+              </a:rPr>
+              <a:t>--</a:t>
             </a:r>
             <a:r>
               <a:rPr lang="tr-TR" sz="1600" dirty="0" err="1">
+                <a:solidFill>
+                  <a:srgbClr val="FFFF00"/>
+                </a:solidFill>
                 <a:latin typeface="Calibri" panose="020F0502020204030204" pitchFamily="34" charset="0"/>
                 <a:cs typeface="Calibri" panose="020F0502020204030204" pitchFamily="34" charset="0"/>
               </a:rPr>
@@ -11708,27 +11902,175 @@
             </a:r>
             <a:r>
               <a:rPr lang="tr-TR" sz="1600" dirty="0">
-                <a:latin typeface="Calibri" panose="020F0502020204030204" pitchFamily="34" charset="0"/>
-                <a:cs typeface="Calibri" panose="020F0502020204030204" pitchFamily="34" charset="0"/>
-              </a:rPr>
-              <a:t>» klasörüne kaydedilir.</a:t>
-            </a:r>
-          </a:p>
-          <a:p>
-            <a:pPr algn="just">
+                <a:solidFill>
+                  <a:srgbClr val="FFFF00"/>
+                </a:solidFill>
+                <a:latin typeface="Calibri" panose="020F0502020204030204" pitchFamily="34" charset="0"/>
+                <a:cs typeface="Calibri" panose="020F0502020204030204" pitchFamily="34" charset="0"/>
+              </a:rPr>
+              <a:t> yolov7.pt:</a:t>
+            </a:r>
+            <a:r>
+              <a:rPr lang="tr-TR" sz="1600" dirty="0">
+                <a:latin typeface="Calibri" panose="020F0502020204030204" pitchFamily="34" charset="0"/>
+                <a:cs typeface="Calibri" panose="020F0502020204030204" pitchFamily="34" charset="0"/>
+              </a:rPr>
+              <a:t> Transfer </a:t>
+            </a:r>
+            <a:r>
+              <a:rPr lang="tr-TR" sz="1600" dirty="0" err="1">
+                <a:latin typeface="Calibri" panose="020F0502020204030204" pitchFamily="34" charset="0"/>
+                <a:cs typeface="Calibri" panose="020F0502020204030204" pitchFamily="34" charset="0"/>
+              </a:rPr>
+              <a:t>learning</a:t>
+            </a:r>
+            <a:r>
+              <a:rPr lang="tr-TR" sz="1600" dirty="0">
+                <a:latin typeface="Calibri" panose="020F0502020204030204" pitchFamily="34" charset="0"/>
+                <a:cs typeface="Calibri" panose="020F0502020204030204" pitchFamily="34" charset="0"/>
+              </a:rPr>
+              <a:t> kullanıldığı için önceden eğitilmiş model ağırlıkları kullanılıyor.</a:t>
+            </a:r>
+          </a:p>
+          <a:p>
+            <a:pPr marL="285750" indent="-285750" algn="just">
               <a:lnSpc>
                 <a:spcPct val="100000"/>
               </a:lnSpc>
               <a:spcAft>
                 <a:spcPts val="600"/>
               </a:spcAft>
+              <a:buFont typeface="Arial" panose="020B0604020202020204" pitchFamily="34" charset="0"/>
+              <a:buChar char="•"/>
             </a:pPr>
             <a:r>
               <a:rPr lang="tr-TR" sz="1600" dirty="0">
-                <a:latin typeface="Calibri" panose="020F0502020204030204" pitchFamily="34" charset="0"/>
-                <a:cs typeface="Calibri" panose="020F0502020204030204" pitchFamily="34" charset="0"/>
-              </a:rPr>
-              <a:t> </a:t>
+                <a:solidFill>
+                  <a:srgbClr val="FFFF00"/>
+                </a:solidFill>
+                <a:latin typeface="Calibri" panose="020F0502020204030204" pitchFamily="34" charset="0"/>
+                <a:cs typeface="Calibri" panose="020F0502020204030204" pitchFamily="34" charset="0"/>
+              </a:rPr>
+              <a:t>--data "./data/</a:t>
+            </a:r>
+            <a:r>
+              <a:rPr lang="tr-TR" sz="1600" dirty="0" err="1">
+                <a:solidFill>
+                  <a:srgbClr val="FFFF00"/>
+                </a:solidFill>
+                <a:latin typeface="Calibri" panose="020F0502020204030204" pitchFamily="34" charset="0"/>
+                <a:cs typeface="Calibri" panose="020F0502020204030204" pitchFamily="34" charset="0"/>
+              </a:rPr>
+              <a:t>custom.yaml</a:t>
+            </a:r>
+            <a:r>
+              <a:rPr lang="tr-TR" sz="1600" dirty="0">
+                <a:solidFill>
+                  <a:srgbClr val="FFFF00"/>
+                </a:solidFill>
+                <a:latin typeface="Calibri" panose="020F0502020204030204" pitchFamily="34" charset="0"/>
+                <a:cs typeface="Calibri" panose="020F0502020204030204" pitchFamily="34" charset="0"/>
+              </a:rPr>
+              <a:t>": </a:t>
+            </a:r>
+            <a:r>
+              <a:rPr lang="tr-TR" sz="1600" dirty="0">
+                <a:latin typeface="Calibri" panose="020F0502020204030204" pitchFamily="34" charset="0"/>
+                <a:cs typeface="Calibri" panose="020F0502020204030204" pitchFamily="34" charset="0"/>
+              </a:rPr>
+              <a:t>Bu dosya içinde tanımlı txt dosyalarından eğitim, test ve </a:t>
+            </a:r>
+            <a:r>
+              <a:rPr lang="tr-TR" sz="1600" dirty="0" err="1">
+                <a:latin typeface="Calibri" panose="020F0502020204030204" pitchFamily="34" charset="0"/>
+                <a:cs typeface="Calibri" panose="020F0502020204030204" pitchFamily="34" charset="0"/>
+              </a:rPr>
+              <a:t>validationda</a:t>
+            </a:r>
+            <a:r>
+              <a:rPr lang="tr-TR" sz="1600" dirty="0">
+                <a:latin typeface="Calibri" panose="020F0502020204030204" pitchFamily="34" charset="0"/>
+                <a:cs typeface="Calibri" panose="020F0502020204030204" pitchFamily="34" charset="0"/>
+              </a:rPr>
+              <a:t> kullanılacak resimlerin yolu alınacak. </a:t>
+            </a:r>
+          </a:p>
+          <a:p>
+            <a:pPr marL="285750" indent="-285750" algn="just">
+              <a:lnSpc>
+                <a:spcPct val="100000"/>
+              </a:lnSpc>
+              <a:spcAft>
+                <a:spcPts val="600"/>
+              </a:spcAft>
+              <a:buFont typeface="Arial" panose="020B0604020202020204" pitchFamily="34" charset="0"/>
+              <a:buChar char="•"/>
+            </a:pPr>
+            <a:r>
+              <a:rPr lang="tr-TR" sz="1600" dirty="0">
+                <a:solidFill>
+                  <a:srgbClr val="FFFF00"/>
+                </a:solidFill>
+                <a:latin typeface="Calibri" panose="020F0502020204030204" pitchFamily="34" charset="0"/>
+                <a:cs typeface="Calibri" panose="020F0502020204030204" pitchFamily="34" charset="0"/>
+              </a:rPr>
+              <a:t>--</a:t>
+            </a:r>
+            <a:r>
+              <a:rPr lang="tr-TR" sz="1600" dirty="0" err="1">
+                <a:solidFill>
+                  <a:srgbClr val="FFFF00"/>
+                </a:solidFill>
+                <a:latin typeface="Calibri" panose="020F0502020204030204" pitchFamily="34" charset="0"/>
+                <a:cs typeface="Calibri" panose="020F0502020204030204" pitchFamily="34" charset="0"/>
+              </a:rPr>
+              <a:t>img</a:t>
+            </a:r>
+            <a:r>
+              <a:rPr lang="tr-TR" sz="1600" dirty="0">
+                <a:solidFill>
+                  <a:srgbClr val="FFFF00"/>
+                </a:solidFill>
+                <a:latin typeface="Calibri" panose="020F0502020204030204" pitchFamily="34" charset="0"/>
+                <a:cs typeface="Calibri" panose="020F0502020204030204" pitchFamily="34" charset="0"/>
+              </a:rPr>
+              <a:t> 416: </a:t>
+            </a:r>
+            <a:r>
+              <a:rPr lang="tr-TR" sz="1600" dirty="0">
+                <a:latin typeface="Calibri" panose="020F0502020204030204" pitchFamily="34" charset="0"/>
+                <a:cs typeface="Calibri" panose="020F0502020204030204" pitchFamily="34" charset="0"/>
+              </a:rPr>
+              <a:t>Eğitimde kullanılan resim boyutu. İstenirse genişlik ve yükseklik şeklinde 2 parametre olarak verilebilir.</a:t>
+            </a:r>
+          </a:p>
+          <a:p>
+            <a:pPr marL="285750" indent="-285750" algn="just">
+              <a:lnSpc>
+                <a:spcPct val="100000"/>
+              </a:lnSpc>
+              <a:spcAft>
+                <a:spcPts val="600"/>
+              </a:spcAft>
+              <a:buFont typeface="Arial" panose="020B0604020202020204" pitchFamily="34" charset="0"/>
+              <a:buChar char="•"/>
+            </a:pPr>
+            <a:r>
+              <a:rPr lang="tr-TR" sz="1600" dirty="0">
+                <a:solidFill>
+                  <a:srgbClr val="FFFF00"/>
+                </a:solidFill>
+                <a:latin typeface="Calibri" panose="020F0502020204030204" pitchFamily="34" charset="0"/>
+                <a:cs typeface="Calibri" panose="020F0502020204030204" pitchFamily="34" charset="0"/>
+              </a:rPr>
+              <a:t>--name yolov7: </a:t>
+            </a:r>
+            <a:r>
+              <a:rPr lang="tr-TR" sz="1600" dirty="0">
+                <a:latin typeface="Calibri" panose="020F0502020204030204" pitchFamily="34" charset="0"/>
+                <a:cs typeface="Calibri" panose="020F0502020204030204" pitchFamily="34" charset="0"/>
+              </a:rPr>
+              <a:t>Elde edilen ağırlıkların ve diğer dosyaların kaydedileceği klasör ön tanımı. Her eğitimde yolov7, yolov72, yolov73… şeklinde artarak gider.</a:t>
             </a:r>
           </a:p>
           <a:p>
@@ -11766,40 +12108,10 @@
           </a:p>
         </p:txBody>
       </p:sp>
-      <p:pic>
-        <p:nvPicPr>
-          <p:cNvPr id="4" name="Resim 3">
-            <a:extLst>
-              <a:ext uri="{FF2B5EF4-FFF2-40B4-BE49-F238E27FC236}">
-                <a16:creationId xmlns:a16="http://schemas.microsoft.com/office/drawing/2014/main" id="{18A78F07-AEB3-A3BF-BE6F-D05B5455DDF0}"/>
-              </a:ext>
-            </a:extLst>
-          </p:cNvPr>
-          <p:cNvPicPr>
-            <a:picLocks noChangeAspect="1"/>
-          </p:cNvPicPr>
-          <p:nvPr/>
-        </p:nvPicPr>
-        <p:blipFill>
-          <a:blip r:embed="rId2"/>
-          <a:stretch>
-            <a:fillRect/>
-          </a:stretch>
-        </p:blipFill>
-        <p:spPr>
-          <a:xfrm>
-            <a:off x="2134220" y="1777148"/>
-            <a:ext cx="4371975" cy="2762250"/>
-          </a:xfrm>
-          <a:prstGeom prst="rect">
-            <a:avLst/>
-          </a:prstGeom>
-        </p:spPr>
-      </p:pic>
     </p:spTree>
     <p:extLst>
       <p:ext uri="{BB962C8B-B14F-4D97-AF65-F5344CB8AC3E}">
-        <p14:creationId xmlns:p14="http://schemas.microsoft.com/office/powerpoint/2010/main" val="1913745979"/>
+        <p14:creationId xmlns:p14="http://schemas.microsoft.com/office/powerpoint/2010/main" val="3920889661"/>
       </p:ext>
     </p:extLst>
   </p:cSld>
@@ -11874,7 +12186,7 @@
         </p:spPr>
         <p:txBody>
           <a:bodyPr vert="horz" lIns="91440" tIns="45720" rIns="91440" bIns="45720" rtlCol="0" anchor="t">
-            <a:noAutofit/>
+            <a:normAutofit/>
           </a:bodyPr>
           <a:lstStyle>
             <a:lvl1pPr algn="l" defTabSz="685800" rtl="0" eaLnBrk="1" latinLnBrk="0" hangingPunct="1">
@@ -11905,44 +12217,24 @@
               </a:spcAft>
             </a:pPr>
             <a:r>
-              <a:rPr lang="tr-TR" sz="1500" b="1" u="sng" dirty="0" err="1">
-                <a:solidFill>
-                  <a:srgbClr val="FFFF00"/>
-                </a:solidFill>
-                <a:latin typeface="Calibri" panose="020F0502020204030204" pitchFamily="34" charset="0"/>
-                <a:cs typeface="Calibri" panose="020F0502020204030204" pitchFamily="34" charset="0"/>
-              </a:rPr>
-              <a:t>Testing</a:t>
-            </a:r>
-            <a:r>
-              <a:rPr lang="tr-TR" sz="1500" b="1" u="sng" dirty="0">
-                <a:solidFill>
-                  <a:srgbClr val="FFFF00"/>
-                </a:solidFill>
-                <a:latin typeface="Calibri" panose="020F0502020204030204" pitchFamily="34" charset="0"/>
-                <a:cs typeface="Calibri" panose="020F0502020204030204" pitchFamily="34" charset="0"/>
-              </a:rPr>
-              <a:t> </a:t>
-            </a:r>
-            <a:r>
-              <a:rPr lang="tr-TR" sz="1500" b="1" u="sng" dirty="0" err="1">
-                <a:solidFill>
-                  <a:srgbClr val="FFFF00"/>
-                </a:solidFill>
-                <a:latin typeface="Calibri" panose="020F0502020204030204" pitchFamily="34" charset="0"/>
-                <a:cs typeface="Calibri" panose="020F0502020204030204" pitchFamily="34" charset="0"/>
-              </a:rPr>
-              <a:t>Trained</a:t>
-            </a:r>
-            <a:r>
-              <a:rPr lang="tr-TR" sz="1500" b="1" u="sng" dirty="0">
-                <a:solidFill>
-                  <a:srgbClr val="FFFF00"/>
-                </a:solidFill>
-                <a:latin typeface="Calibri" panose="020F0502020204030204" pitchFamily="34" charset="0"/>
-                <a:cs typeface="Calibri" panose="020F0502020204030204" pitchFamily="34" charset="0"/>
-              </a:rPr>
-              <a:t> YOLO</a:t>
+              <a:rPr lang="tr-TR" sz="1800" b="1" u="sng" dirty="0" err="1">
+                <a:solidFill>
+                  <a:srgbClr val="FFFF00"/>
+                </a:solidFill>
+                <a:latin typeface="Calibri" panose="020F0502020204030204" pitchFamily="34" charset="0"/>
+                <a:cs typeface="Calibri" panose="020F0502020204030204" pitchFamily="34" charset="0"/>
+              </a:rPr>
+              <a:t>Custom</a:t>
+            </a:r>
+            <a:r>
+              <a:rPr lang="tr-TR" sz="1800" b="1" u="sng" dirty="0">
+                <a:solidFill>
+                  <a:srgbClr val="FFFF00"/>
+                </a:solidFill>
+                <a:latin typeface="Calibri" panose="020F0502020204030204" pitchFamily="34" charset="0"/>
+                <a:cs typeface="Calibri" panose="020F0502020204030204" pitchFamily="34" charset="0"/>
+              </a:rPr>
+              <a:t> Train YOLO</a:t>
             </a:r>
           </a:p>
           <a:p>
@@ -11955,127 +12247,66 @@
               </a:spcAft>
             </a:pPr>
             <a:r>
-              <a:rPr lang="tr-TR" sz="1500" dirty="0">
-                <a:latin typeface="Calibri" panose="020F0502020204030204" pitchFamily="34" charset="0"/>
-                <a:cs typeface="Calibri" panose="020F0502020204030204" pitchFamily="34" charset="0"/>
-              </a:rPr>
-              <a:t>8. Eğitim bittikten sonra performans metriklerini elde etmek için test verileri üzerinde best.pt ağırlığı kullanılarak model test edilir. Test işlemi aşağıdaki gibi yapılabilir.</a:t>
-            </a:r>
-          </a:p>
-          <a:p>
-            <a:pPr algn="ctr">
+              <a:rPr lang="tr-TR" sz="1600" dirty="0">
+                <a:latin typeface="Calibri" panose="020F0502020204030204" pitchFamily="34" charset="0"/>
+                <a:cs typeface="Calibri" panose="020F0502020204030204" pitchFamily="34" charset="0"/>
+              </a:rPr>
+              <a:t>7. Eğitim bittiğinde elde edilen ağırlıklar Yolov7 klasörü altındaki «</a:t>
+            </a:r>
+            <a:r>
+              <a:rPr lang="tr-TR" sz="1600" dirty="0" err="1">
+                <a:latin typeface="Calibri" panose="020F0502020204030204" pitchFamily="34" charset="0"/>
+                <a:cs typeface="Calibri" panose="020F0502020204030204" pitchFamily="34" charset="0"/>
+              </a:rPr>
+              <a:t>runs</a:t>
+            </a:r>
+            <a:r>
+              <a:rPr lang="tr-TR" sz="1600" dirty="0">
+                <a:latin typeface="Calibri" panose="020F0502020204030204" pitchFamily="34" charset="0"/>
+                <a:cs typeface="Calibri" panose="020F0502020204030204" pitchFamily="34" charset="0"/>
+              </a:rPr>
+              <a:t>/</a:t>
+            </a:r>
+            <a:r>
+              <a:rPr lang="tr-TR" sz="1600" dirty="0" err="1">
+                <a:latin typeface="Calibri" panose="020F0502020204030204" pitchFamily="34" charset="0"/>
+                <a:cs typeface="Calibri" panose="020F0502020204030204" pitchFamily="34" charset="0"/>
+              </a:rPr>
+              <a:t>train</a:t>
+            </a:r>
+            <a:r>
+              <a:rPr lang="tr-TR" sz="1600" dirty="0">
+                <a:latin typeface="Calibri" panose="020F0502020204030204" pitchFamily="34" charset="0"/>
+                <a:cs typeface="Calibri" panose="020F0502020204030204" pitchFamily="34" charset="0"/>
+              </a:rPr>
+              <a:t>/yolov7(2,3,4..vb.)/ </a:t>
+            </a:r>
+            <a:r>
+              <a:rPr lang="tr-TR" sz="1600" dirty="0" err="1">
+                <a:latin typeface="Calibri" panose="020F0502020204030204" pitchFamily="34" charset="0"/>
+                <a:cs typeface="Calibri" panose="020F0502020204030204" pitchFamily="34" charset="0"/>
+              </a:rPr>
+              <a:t>weights</a:t>
+            </a:r>
+            <a:r>
+              <a:rPr lang="tr-TR" sz="1600" dirty="0">
+                <a:latin typeface="Calibri" panose="020F0502020204030204" pitchFamily="34" charset="0"/>
+                <a:cs typeface="Calibri" panose="020F0502020204030204" pitchFamily="34" charset="0"/>
+              </a:rPr>
+              <a:t>» klasörüne kaydedilir.</a:t>
+            </a:r>
+          </a:p>
+          <a:p>
+            <a:pPr algn="just">
               <a:lnSpc>
                 <a:spcPct val="100000"/>
               </a:lnSpc>
-              <a:spcBef>
-                <a:spcPts val="1200"/>
-              </a:spcBef>
               <a:spcAft>
                 <a:spcPts val="600"/>
               </a:spcAft>
             </a:pPr>
             <a:r>
-              <a:rPr lang="tr-TR" sz="1500" dirty="0">
-                <a:solidFill>
-                  <a:srgbClr val="FFFF00"/>
-                </a:solidFill>
-                <a:latin typeface="Calibri" panose="020F0502020204030204" pitchFamily="34" charset="0"/>
-                <a:cs typeface="Calibri" panose="020F0502020204030204" pitchFamily="34" charset="0"/>
-              </a:rPr>
-              <a:t>!</a:t>
-            </a:r>
-            <a:r>
-              <a:rPr lang="tr-TR" sz="1500" dirty="0" err="1">
-                <a:solidFill>
-                  <a:srgbClr val="FFFF00"/>
-                </a:solidFill>
-                <a:latin typeface="Calibri" panose="020F0502020204030204" pitchFamily="34" charset="0"/>
-                <a:cs typeface="Calibri" panose="020F0502020204030204" pitchFamily="34" charset="0"/>
-              </a:rPr>
-              <a:t>python</a:t>
-            </a:r>
-            <a:r>
-              <a:rPr lang="tr-TR" sz="1500" dirty="0">
-                <a:solidFill>
-                  <a:srgbClr val="FFFF00"/>
-                </a:solidFill>
-                <a:latin typeface="Calibri" panose="020F0502020204030204" pitchFamily="34" charset="0"/>
-                <a:cs typeface="Calibri" panose="020F0502020204030204" pitchFamily="34" charset="0"/>
-              </a:rPr>
-              <a:t> test.py --</a:t>
-            </a:r>
-            <a:r>
-              <a:rPr lang="tr-TR" sz="1500" dirty="0" err="1">
-                <a:solidFill>
-                  <a:srgbClr val="FFFF00"/>
-                </a:solidFill>
-                <a:latin typeface="Calibri" panose="020F0502020204030204" pitchFamily="34" charset="0"/>
-                <a:cs typeface="Calibri" panose="020F0502020204030204" pitchFamily="34" charset="0"/>
-              </a:rPr>
-              <a:t>weights</a:t>
-            </a:r>
-            <a:r>
-              <a:rPr lang="tr-TR" sz="1500" dirty="0">
-                <a:solidFill>
-                  <a:srgbClr val="FFFF00"/>
-                </a:solidFill>
-                <a:latin typeface="Calibri" panose="020F0502020204030204" pitchFamily="34" charset="0"/>
-                <a:cs typeface="Calibri" panose="020F0502020204030204" pitchFamily="34" charset="0"/>
-              </a:rPr>
-              <a:t> runs/train/yolov72/weights/last.pt --</a:t>
-            </a:r>
-            <a:r>
-              <a:rPr lang="tr-TR" sz="1500" dirty="0" err="1">
-                <a:solidFill>
-                  <a:srgbClr val="FFFF00"/>
-                </a:solidFill>
-                <a:latin typeface="Calibri" panose="020F0502020204030204" pitchFamily="34" charset="0"/>
-                <a:cs typeface="Calibri" panose="020F0502020204030204" pitchFamily="34" charset="0"/>
-              </a:rPr>
-              <a:t>task</a:t>
-            </a:r>
-            <a:r>
-              <a:rPr lang="tr-TR" sz="1500" dirty="0">
-                <a:solidFill>
-                  <a:srgbClr val="FFFF00"/>
-                </a:solidFill>
-                <a:latin typeface="Calibri" panose="020F0502020204030204" pitchFamily="34" charset="0"/>
-                <a:cs typeface="Calibri" panose="020F0502020204030204" pitchFamily="34" charset="0"/>
-              </a:rPr>
-              <a:t> test --data "./data/</a:t>
-            </a:r>
-            <a:r>
-              <a:rPr lang="tr-TR" sz="1500" dirty="0" err="1">
-                <a:solidFill>
-                  <a:srgbClr val="FFFF00"/>
-                </a:solidFill>
-                <a:latin typeface="Calibri" panose="020F0502020204030204" pitchFamily="34" charset="0"/>
-                <a:cs typeface="Calibri" panose="020F0502020204030204" pitchFamily="34" charset="0"/>
-              </a:rPr>
-              <a:t>custom.yaml</a:t>
-            </a:r>
-            <a:r>
-              <a:rPr lang="tr-TR" sz="1500" dirty="0">
-                <a:solidFill>
-                  <a:srgbClr val="FFFF00"/>
-                </a:solidFill>
-                <a:latin typeface="Calibri" panose="020F0502020204030204" pitchFamily="34" charset="0"/>
-                <a:cs typeface="Calibri" panose="020F0502020204030204" pitchFamily="34" charset="0"/>
-              </a:rPr>
-              <a:t>"</a:t>
-            </a:r>
-          </a:p>
-          <a:p>
-            <a:pPr algn="just">
-              <a:lnSpc>
-                <a:spcPct val="100000"/>
-              </a:lnSpc>
-              <a:spcAft>
-                <a:spcPts val="600"/>
-              </a:spcAft>
-            </a:pPr>
-            <a:r>
-              <a:rPr lang="tr-TR" sz="1500" dirty="0">
+              <a:rPr lang="tr-TR" sz="1600" dirty="0">
                 <a:latin typeface="Calibri" panose="020F0502020204030204" pitchFamily="34" charset="0"/>
                 <a:cs typeface="Calibri" panose="020F0502020204030204" pitchFamily="34" charset="0"/>
               </a:rPr>
@@ -12093,195 +12324,21 @@
               <a:buFont typeface="Arial" panose="020B0604020202020204" pitchFamily="34" charset="0"/>
               <a:buChar char="•"/>
             </a:pPr>
-            <a:r>
-              <a:rPr lang="tr-TR" sz="1500" dirty="0">
-                <a:latin typeface="Calibri" panose="020F0502020204030204" pitchFamily="34" charset="0"/>
-                <a:cs typeface="Calibri" panose="020F0502020204030204" pitchFamily="34" charset="0"/>
-              </a:rPr>
-              <a:t>Elde edilen metriklere ait eğriler (</a:t>
-            </a:r>
-            <a:r>
-              <a:rPr lang="tr-TR" sz="1500" dirty="0" err="1">
-                <a:latin typeface="Calibri" panose="020F0502020204030204" pitchFamily="34" charset="0"/>
-                <a:cs typeface="Calibri" panose="020F0502020204030204" pitchFamily="34" charset="0"/>
-              </a:rPr>
-              <a:t>precision</a:t>
-            </a:r>
-            <a:r>
-              <a:rPr lang="tr-TR" sz="1500" dirty="0">
-                <a:latin typeface="Calibri" panose="020F0502020204030204" pitchFamily="34" charset="0"/>
-                <a:cs typeface="Calibri" panose="020F0502020204030204" pitchFamily="34" charset="0"/>
-              </a:rPr>
-              <a:t>, </a:t>
-            </a:r>
-            <a:r>
-              <a:rPr lang="tr-TR" sz="1500" dirty="0" err="1">
-                <a:latin typeface="Calibri" panose="020F0502020204030204" pitchFamily="34" charset="0"/>
-                <a:cs typeface="Calibri" panose="020F0502020204030204" pitchFamily="34" charset="0"/>
-              </a:rPr>
-              <a:t>recall</a:t>
-            </a:r>
-            <a:r>
-              <a:rPr lang="tr-TR" sz="1500" dirty="0">
-                <a:latin typeface="Calibri" panose="020F0502020204030204" pitchFamily="34" charset="0"/>
-                <a:cs typeface="Calibri" panose="020F0502020204030204" pitchFamily="34" charset="0"/>
-              </a:rPr>
-              <a:t>, f1 vb..) Yolov7 klasörü altındaki «</a:t>
-            </a:r>
-            <a:r>
-              <a:rPr lang="tr-TR" sz="1500" dirty="0" err="1">
-                <a:latin typeface="Calibri" panose="020F0502020204030204" pitchFamily="34" charset="0"/>
-                <a:cs typeface="Calibri" panose="020F0502020204030204" pitchFamily="34" charset="0"/>
-              </a:rPr>
-              <a:t>runs</a:t>
-            </a:r>
-            <a:r>
-              <a:rPr lang="tr-TR" sz="1500" dirty="0">
-                <a:latin typeface="Calibri" panose="020F0502020204030204" pitchFamily="34" charset="0"/>
-                <a:cs typeface="Calibri" panose="020F0502020204030204" pitchFamily="34" charset="0"/>
-              </a:rPr>
-              <a:t>/test» klasörü altına kaydedilir. Ayrıca metrik değerleri aşağıdaki gibi ekrana yazılır. </a:t>
-            </a:r>
-          </a:p>
-          <a:p>
-            <a:pPr marL="285750" indent="-285750" algn="just">
-              <a:lnSpc>
-                <a:spcPct val="100000"/>
-              </a:lnSpc>
-              <a:spcAft>
-                <a:spcPts val="600"/>
-              </a:spcAft>
-              <a:buFont typeface="Arial" panose="020B0604020202020204" pitchFamily="34" charset="0"/>
-              <a:buChar char="•"/>
-            </a:pPr>
-            <a:endParaRPr lang="tr-TR" sz="1500" dirty="0">
+            <a:endParaRPr lang="tr-TR" sz="1600" dirty="0">
               <a:latin typeface="Calibri" panose="020F0502020204030204" pitchFamily="34" charset="0"/>
               <a:cs typeface="Calibri" panose="020F0502020204030204" pitchFamily="34" charset="0"/>
             </a:endParaRPr>
           </a:p>
           <a:p>
-            <a:pPr marL="285750" indent="-285750" algn="just">
+            <a:pPr algn="just">
               <a:lnSpc>
                 <a:spcPct val="100000"/>
               </a:lnSpc>
               <a:spcAft>
                 <a:spcPts val="600"/>
               </a:spcAft>
-              <a:buFont typeface="Arial" panose="020B0604020202020204" pitchFamily="34" charset="0"/>
-              <a:buChar char="•"/>
-            </a:pPr>
-            <a:endParaRPr lang="tr-TR" sz="1500" dirty="0">
-              <a:latin typeface="Calibri" panose="020F0502020204030204" pitchFamily="34" charset="0"/>
-              <a:cs typeface="Calibri" panose="020F0502020204030204" pitchFamily="34" charset="0"/>
-            </a:endParaRPr>
-          </a:p>
-          <a:p>
-            <a:pPr marL="285750" indent="-285750" algn="l">
-              <a:buFont typeface="Arial" panose="020B0604020202020204" pitchFamily="34" charset="0"/>
-              <a:buChar char="•"/>
-            </a:pPr>
-            <a:r>
-              <a:rPr lang="tr-TR" sz="1500" b="0" i="0" u="none" strike="noStrike" baseline="0" dirty="0" err="1">
-                <a:latin typeface="TimesNewRomanPSMT"/>
-              </a:rPr>
-              <a:t>mAP</a:t>
-            </a:r>
-            <a:r>
-              <a:rPr lang="tr-TR" sz="1500" b="0" i="0" u="none" strike="noStrike" baseline="0" dirty="0">
-                <a:latin typeface="TimesNewRomanPSMT"/>
-              </a:rPr>
-              <a:t> (ortalama hassasiyet)</a:t>
-            </a:r>
-            <a:r>
-              <a:rPr lang="tr-TR" sz="1500" dirty="0">
-                <a:latin typeface="TimesNewRomanPSMT"/>
-              </a:rPr>
-              <a:t>, </a:t>
-            </a:r>
-            <a:r>
-              <a:rPr lang="tr-TR" sz="1500" b="0" i="0" u="none" strike="noStrike" baseline="0" dirty="0">
-                <a:latin typeface="TimesNewRomanPSMT"/>
-              </a:rPr>
-              <a:t>kesinlik, duyarlılık, F1-skoru ve </a:t>
-            </a:r>
-            <a:r>
-              <a:rPr lang="tr-TR" sz="1500" b="0" i="0" u="none" strike="noStrike" baseline="0" dirty="0" err="1">
-                <a:latin typeface="TimesNewRomanPSMT"/>
-              </a:rPr>
-              <a:t>IoU</a:t>
-            </a:r>
-            <a:r>
-              <a:rPr lang="tr-TR" sz="1500" b="0" i="0" u="none" strike="noStrike" baseline="0" dirty="0">
-                <a:latin typeface="TimesNewRomanPSMT"/>
-              </a:rPr>
-              <a:t> gibi değerlerin tek bir noktadan değerlendirilmesini sağlar.</a:t>
-            </a:r>
-          </a:p>
-          <a:p>
-            <a:pPr marL="285750" indent="-285750" algn="l">
-              <a:buFont typeface="Arial" panose="020B0604020202020204" pitchFamily="34" charset="0"/>
-              <a:buChar char="•"/>
-            </a:pPr>
-            <a:endParaRPr lang="tr-TR" sz="1500" dirty="0">
-              <a:latin typeface="TimesNewRomanPSMT"/>
-              <a:cs typeface="Calibri" panose="020F0502020204030204" pitchFamily="34" charset="0"/>
-            </a:endParaRPr>
-          </a:p>
-          <a:p>
-            <a:pPr marL="285750" indent="-285750" algn="l">
-              <a:buFont typeface="Arial" panose="020B0604020202020204" pitchFamily="34" charset="0"/>
-              <a:buChar char="•"/>
-            </a:pPr>
-            <a:r>
-              <a:rPr lang="tr-TR" sz="1500" dirty="0">
-                <a:latin typeface="TimesNewRomanPSMT"/>
-                <a:cs typeface="Calibri" panose="020F0502020204030204" pitchFamily="34" charset="0"/>
-              </a:rPr>
-              <a:t>Sonuçlar incelendiğinde eşik değeri 0.5 için </a:t>
-            </a:r>
-            <a:r>
-              <a:rPr lang="tr-TR" sz="1500" dirty="0" err="1">
-                <a:latin typeface="TimesNewRomanPSMT"/>
-                <a:cs typeface="Calibri" panose="020F0502020204030204" pitchFamily="34" charset="0"/>
-              </a:rPr>
-              <a:t>mAP</a:t>
-            </a:r>
-            <a:r>
-              <a:rPr lang="tr-TR" sz="1500" dirty="0">
-                <a:latin typeface="TimesNewRomanPSMT"/>
-                <a:cs typeface="Calibri" panose="020F0502020204030204" pitchFamily="34" charset="0"/>
-              </a:rPr>
-              <a:t> 0.982; eşik değeri 0.5 ile 0.95 aralığı için ise </a:t>
-            </a:r>
-            <a:r>
-              <a:rPr lang="tr-TR" sz="1500" dirty="0" err="1">
-                <a:latin typeface="TimesNewRomanPSMT"/>
-                <a:cs typeface="Calibri" panose="020F0502020204030204" pitchFamily="34" charset="0"/>
-              </a:rPr>
-              <a:t>mAP</a:t>
-            </a:r>
-            <a:r>
-              <a:rPr lang="tr-TR" sz="1500" dirty="0">
-                <a:latin typeface="TimesNewRomanPSMT"/>
-                <a:cs typeface="Calibri" panose="020F0502020204030204" pitchFamily="34" charset="0"/>
-              </a:rPr>
-              <a:t> değeri 0.758 olarak elde edilmiştir. Bu sonuçlar yeterli değildir. Yeterli olmamasının nedeni eğitim işleminin yarı da kesilmesidir. Bitinceye kadar devam ettirilmesi başarıyı artıracaktır.</a:t>
-            </a:r>
-            <a:endParaRPr lang="tr-TR" sz="1500" dirty="0">
-              <a:latin typeface="Calibri" panose="020F0502020204030204" pitchFamily="34" charset="0"/>
-              <a:cs typeface="Calibri" panose="020F0502020204030204" pitchFamily="34" charset="0"/>
-            </a:endParaRPr>
-          </a:p>
-          <a:p>
-            <a:pPr algn="just">
-              <a:lnSpc>
-                <a:spcPct val="100000"/>
-              </a:lnSpc>
-              <a:spcAft>
-                <a:spcPts val="600"/>
-              </a:spcAft>
-            </a:pPr>
-            <a:endParaRPr lang="tr-TR" sz="1500" dirty="0">
+            </a:pPr>
+            <a:endParaRPr lang="tr-TR" sz="1600" dirty="0">
               <a:solidFill>
                 <a:srgbClr val="FFFF00"/>
               </a:solidFill>
@@ -12293,10 +12350,10 @@
       </p:sp>
       <p:pic>
         <p:nvPicPr>
-          <p:cNvPr id="5" name="Resim 4">
+          <p:cNvPr id="4" name="Resim 3">
             <a:extLst>
               <a:ext uri="{FF2B5EF4-FFF2-40B4-BE49-F238E27FC236}">
-                <a16:creationId xmlns:a16="http://schemas.microsoft.com/office/drawing/2014/main" id="{BA865F77-C286-899F-5EB7-15A713EB6501}"/>
+                <a16:creationId xmlns:a16="http://schemas.microsoft.com/office/drawing/2014/main" id="{18A78F07-AEB3-A3BF-BE6F-D05B5455DDF0}"/>
               </a:ext>
             </a:extLst>
           </p:cNvPr>
@@ -12313,8 +12370,8 @@
         </p:blipFill>
         <p:spPr>
           <a:xfrm>
-            <a:off x="692572" y="2839436"/>
-            <a:ext cx="7372350" cy="485775"/>
+            <a:off x="2134220" y="1777148"/>
+            <a:ext cx="4371975" cy="2762250"/>
           </a:xfrm>
           <a:prstGeom prst="rect">
             <a:avLst/>
@@ -12324,7 +12381,7 @@
     </p:spTree>
     <p:extLst>
       <p:ext uri="{BB962C8B-B14F-4D97-AF65-F5344CB8AC3E}">
-        <p14:creationId xmlns:p14="http://schemas.microsoft.com/office/powerpoint/2010/main" val="1205831785"/>
+        <p14:creationId xmlns:p14="http://schemas.microsoft.com/office/powerpoint/2010/main" val="1913745979"/>
       </p:ext>
     </p:extLst>
   </p:cSld>
@@ -12430,6 +12487,531 @@
               </a:spcAft>
             </a:pPr>
             <a:r>
+              <a:rPr lang="tr-TR" sz="1500" b="1" u="sng" dirty="0" err="1">
+                <a:solidFill>
+                  <a:srgbClr val="FFFF00"/>
+                </a:solidFill>
+                <a:latin typeface="Calibri" panose="020F0502020204030204" pitchFamily="34" charset="0"/>
+                <a:cs typeface="Calibri" panose="020F0502020204030204" pitchFamily="34" charset="0"/>
+              </a:rPr>
+              <a:t>Testing</a:t>
+            </a:r>
+            <a:r>
+              <a:rPr lang="tr-TR" sz="1500" b="1" u="sng" dirty="0">
+                <a:solidFill>
+                  <a:srgbClr val="FFFF00"/>
+                </a:solidFill>
+                <a:latin typeface="Calibri" panose="020F0502020204030204" pitchFamily="34" charset="0"/>
+                <a:cs typeface="Calibri" panose="020F0502020204030204" pitchFamily="34" charset="0"/>
+              </a:rPr>
+              <a:t> </a:t>
+            </a:r>
+            <a:r>
+              <a:rPr lang="tr-TR" sz="1500" b="1" u="sng" dirty="0" err="1">
+                <a:solidFill>
+                  <a:srgbClr val="FFFF00"/>
+                </a:solidFill>
+                <a:latin typeface="Calibri" panose="020F0502020204030204" pitchFamily="34" charset="0"/>
+                <a:cs typeface="Calibri" panose="020F0502020204030204" pitchFamily="34" charset="0"/>
+              </a:rPr>
+              <a:t>Trained</a:t>
+            </a:r>
+            <a:r>
+              <a:rPr lang="tr-TR" sz="1500" b="1" u="sng" dirty="0">
+                <a:solidFill>
+                  <a:srgbClr val="FFFF00"/>
+                </a:solidFill>
+                <a:latin typeface="Calibri" panose="020F0502020204030204" pitchFamily="34" charset="0"/>
+                <a:cs typeface="Calibri" panose="020F0502020204030204" pitchFamily="34" charset="0"/>
+              </a:rPr>
+              <a:t> YOLO</a:t>
+            </a:r>
+          </a:p>
+          <a:p>
+            <a:pPr algn="just">
+              <a:lnSpc>
+                <a:spcPct val="100000"/>
+              </a:lnSpc>
+              <a:spcAft>
+                <a:spcPts val="600"/>
+              </a:spcAft>
+            </a:pPr>
+            <a:r>
+              <a:rPr lang="tr-TR" sz="1500" dirty="0">
+                <a:latin typeface="Calibri" panose="020F0502020204030204" pitchFamily="34" charset="0"/>
+                <a:cs typeface="Calibri" panose="020F0502020204030204" pitchFamily="34" charset="0"/>
+              </a:rPr>
+              <a:t>8. Eğitim bittikten sonra performans metriklerini elde etmek için test verileri üzerinde best.pt ağırlığı kullanılarak model test edilir. Test işlemi aşağıdaki gibi yapılabilir.</a:t>
+            </a:r>
+          </a:p>
+          <a:p>
+            <a:pPr algn="ctr">
+              <a:lnSpc>
+                <a:spcPct val="100000"/>
+              </a:lnSpc>
+              <a:spcBef>
+                <a:spcPts val="1200"/>
+              </a:spcBef>
+              <a:spcAft>
+                <a:spcPts val="600"/>
+              </a:spcAft>
+            </a:pPr>
+            <a:r>
+              <a:rPr lang="tr-TR" sz="1500" dirty="0">
+                <a:solidFill>
+                  <a:srgbClr val="FFFF00"/>
+                </a:solidFill>
+                <a:latin typeface="Calibri" panose="020F0502020204030204" pitchFamily="34" charset="0"/>
+                <a:cs typeface="Calibri" panose="020F0502020204030204" pitchFamily="34" charset="0"/>
+              </a:rPr>
+              <a:t>!</a:t>
+            </a:r>
+            <a:r>
+              <a:rPr lang="tr-TR" sz="1500" dirty="0" err="1">
+                <a:solidFill>
+                  <a:srgbClr val="FFFF00"/>
+                </a:solidFill>
+                <a:latin typeface="Calibri" panose="020F0502020204030204" pitchFamily="34" charset="0"/>
+                <a:cs typeface="Calibri" panose="020F0502020204030204" pitchFamily="34" charset="0"/>
+              </a:rPr>
+              <a:t>python</a:t>
+            </a:r>
+            <a:r>
+              <a:rPr lang="tr-TR" sz="1500" dirty="0">
+                <a:solidFill>
+                  <a:srgbClr val="FFFF00"/>
+                </a:solidFill>
+                <a:latin typeface="Calibri" panose="020F0502020204030204" pitchFamily="34" charset="0"/>
+                <a:cs typeface="Calibri" panose="020F0502020204030204" pitchFamily="34" charset="0"/>
+              </a:rPr>
+              <a:t> test.py --</a:t>
+            </a:r>
+            <a:r>
+              <a:rPr lang="tr-TR" sz="1500" dirty="0" err="1">
+                <a:solidFill>
+                  <a:srgbClr val="FFFF00"/>
+                </a:solidFill>
+                <a:latin typeface="Calibri" panose="020F0502020204030204" pitchFamily="34" charset="0"/>
+                <a:cs typeface="Calibri" panose="020F0502020204030204" pitchFamily="34" charset="0"/>
+              </a:rPr>
+              <a:t>weights</a:t>
+            </a:r>
+            <a:r>
+              <a:rPr lang="tr-TR" sz="1500" dirty="0">
+                <a:solidFill>
+                  <a:srgbClr val="FFFF00"/>
+                </a:solidFill>
+                <a:latin typeface="Calibri" panose="020F0502020204030204" pitchFamily="34" charset="0"/>
+                <a:cs typeface="Calibri" panose="020F0502020204030204" pitchFamily="34" charset="0"/>
+              </a:rPr>
+              <a:t> runs/train/yolov72/weights/last.pt --</a:t>
+            </a:r>
+            <a:r>
+              <a:rPr lang="tr-TR" sz="1500" dirty="0" err="1">
+                <a:solidFill>
+                  <a:srgbClr val="FFFF00"/>
+                </a:solidFill>
+                <a:latin typeface="Calibri" panose="020F0502020204030204" pitchFamily="34" charset="0"/>
+                <a:cs typeface="Calibri" panose="020F0502020204030204" pitchFamily="34" charset="0"/>
+              </a:rPr>
+              <a:t>task</a:t>
+            </a:r>
+            <a:r>
+              <a:rPr lang="tr-TR" sz="1500" dirty="0">
+                <a:solidFill>
+                  <a:srgbClr val="FFFF00"/>
+                </a:solidFill>
+                <a:latin typeface="Calibri" panose="020F0502020204030204" pitchFamily="34" charset="0"/>
+                <a:cs typeface="Calibri" panose="020F0502020204030204" pitchFamily="34" charset="0"/>
+              </a:rPr>
+              <a:t> test --data "./data/</a:t>
+            </a:r>
+            <a:r>
+              <a:rPr lang="tr-TR" sz="1500" dirty="0" err="1">
+                <a:solidFill>
+                  <a:srgbClr val="FFFF00"/>
+                </a:solidFill>
+                <a:latin typeface="Calibri" panose="020F0502020204030204" pitchFamily="34" charset="0"/>
+                <a:cs typeface="Calibri" panose="020F0502020204030204" pitchFamily="34" charset="0"/>
+              </a:rPr>
+              <a:t>custom.yaml</a:t>
+            </a:r>
+            <a:r>
+              <a:rPr lang="tr-TR" sz="1500" dirty="0">
+                <a:solidFill>
+                  <a:srgbClr val="FFFF00"/>
+                </a:solidFill>
+                <a:latin typeface="Calibri" panose="020F0502020204030204" pitchFamily="34" charset="0"/>
+                <a:cs typeface="Calibri" panose="020F0502020204030204" pitchFamily="34" charset="0"/>
+              </a:rPr>
+              <a:t>"</a:t>
+            </a:r>
+          </a:p>
+          <a:p>
+            <a:pPr algn="just">
+              <a:lnSpc>
+                <a:spcPct val="100000"/>
+              </a:lnSpc>
+              <a:spcAft>
+                <a:spcPts val="600"/>
+              </a:spcAft>
+            </a:pPr>
+            <a:r>
+              <a:rPr lang="tr-TR" sz="1500" dirty="0">
+                <a:latin typeface="Calibri" panose="020F0502020204030204" pitchFamily="34" charset="0"/>
+                <a:cs typeface="Calibri" panose="020F0502020204030204" pitchFamily="34" charset="0"/>
+              </a:rPr>
+              <a:t> </a:t>
+            </a:r>
+          </a:p>
+          <a:p>
+            <a:pPr marL="285750" indent="-285750" algn="just">
+              <a:lnSpc>
+                <a:spcPct val="100000"/>
+              </a:lnSpc>
+              <a:spcAft>
+                <a:spcPts val="600"/>
+              </a:spcAft>
+              <a:buFont typeface="Arial" panose="020B0604020202020204" pitchFamily="34" charset="0"/>
+              <a:buChar char="•"/>
+            </a:pPr>
+            <a:r>
+              <a:rPr lang="tr-TR" sz="1500" dirty="0">
+                <a:latin typeface="Calibri" panose="020F0502020204030204" pitchFamily="34" charset="0"/>
+                <a:cs typeface="Calibri" panose="020F0502020204030204" pitchFamily="34" charset="0"/>
+              </a:rPr>
+              <a:t>Elde edilen metriklere ait eğriler (</a:t>
+            </a:r>
+            <a:r>
+              <a:rPr lang="tr-TR" sz="1500" dirty="0" err="1">
+                <a:latin typeface="Calibri" panose="020F0502020204030204" pitchFamily="34" charset="0"/>
+                <a:cs typeface="Calibri" panose="020F0502020204030204" pitchFamily="34" charset="0"/>
+              </a:rPr>
+              <a:t>precision</a:t>
+            </a:r>
+            <a:r>
+              <a:rPr lang="tr-TR" sz="1500" dirty="0">
+                <a:latin typeface="Calibri" panose="020F0502020204030204" pitchFamily="34" charset="0"/>
+                <a:cs typeface="Calibri" panose="020F0502020204030204" pitchFamily="34" charset="0"/>
+              </a:rPr>
+              <a:t>, </a:t>
+            </a:r>
+            <a:r>
+              <a:rPr lang="tr-TR" sz="1500" dirty="0" err="1">
+                <a:latin typeface="Calibri" panose="020F0502020204030204" pitchFamily="34" charset="0"/>
+                <a:cs typeface="Calibri" panose="020F0502020204030204" pitchFamily="34" charset="0"/>
+              </a:rPr>
+              <a:t>recall</a:t>
+            </a:r>
+            <a:r>
+              <a:rPr lang="tr-TR" sz="1500" dirty="0">
+                <a:latin typeface="Calibri" panose="020F0502020204030204" pitchFamily="34" charset="0"/>
+                <a:cs typeface="Calibri" panose="020F0502020204030204" pitchFamily="34" charset="0"/>
+              </a:rPr>
+              <a:t>, f1 vb..) Yolov7 klasörü altındaki «</a:t>
+            </a:r>
+            <a:r>
+              <a:rPr lang="tr-TR" sz="1500" dirty="0" err="1">
+                <a:latin typeface="Calibri" panose="020F0502020204030204" pitchFamily="34" charset="0"/>
+                <a:cs typeface="Calibri" panose="020F0502020204030204" pitchFamily="34" charset="0"/>
+              </a:rPr>
+              <a:t>runs</a:t>
+            </a:r>
+            <a:r>
+              <a:rPr lang="tr-TR" sz="1500" dirty="0">
+                <a:latin typeface="Calibri" panose="020F0502020204030204" pitchFamily="34" charset="0"/>
+                <a:cs typeface="Calibri" panose="020F0502020204030204" pitchFamily="34" charset="0"/>
+              </a:rPr>
+              <a:t>/test» klasörü altına kaydedilir. Ayrıca metrik değerleri aşağıdaki gibi ekrana yazılır. </a:t>
+            </a:r>
+          </a:p>
+          <a:p>
+            <a:pPr marL="285750" indent="-285750" algn="just">
+              <a:lnSpc>
+                <a:spcPct val="100000"/>
+              </a:lnSpc>
+              <a:spcAft>
+                <a:spcPts val="600"/>
+              </a:spcAft>
+              <a:buFont typeface="Arial" panose="020B0604020202020204" pitchFamily="34" charset="0"/>
+              <a:buChar char="•"/>
+            </a:pPr>
+            <a:endParaRPr lang="tr-TR" sz="1500" dirty="0">
+              <a:latin typeface="Calibri" panose="020F0502020204030204" pitchFamily="34" charset="0"/>
+              <a:cs typeface="Calibri" panose="020F0502020204030204" pitchFamily="34" charset="0"/>
+            </a:endParaRPr>
+          </a:p>
+          <a:p>
+            <a:pPr marL="285750" indent="-285750" algn="just">
+              <a:lnSpc>
+                <a:spcPct val="100000"/>
+              </a:lnSpc>
+              <a:spcAft>
+                <a:spcPts val="600"/>
+              </a:spcAft>
+              <a:buFont typeface="Arial" panose="020B0604020202020204" pitchFamily="34" charset="0"/>
+              <a:buChar char="•"/>
+            </a:pPr>
+            <a:endParaRPr lang="tr-TR" sz="1500" dirty="0">
+              <a:latin typeface="Calibri" panose="020F0502020204030204" pitchFamily="34" charset="0"/>
+              <a:cs typeface="Calibri" panose="020F0502020204030204" pitchFamily="34" charset="0"/>
+            </a:endParaRPr>
+          </a:p>
+          <a:p>
+            <a:pPr marL="285750" indent="-285750" algn="l">
+              <a:buFont typeface="Arial" panose="020B0604020202020204" pitchFamily="34" charset="0"/>
+              <a:buChar char="•"/>
+            </a:pPr>
+            <a:r>
+              <a:rPr lang="tr-TR" sz="1500" b="0" i="0" u="none" strike="noStrike" baseline="0" dirty="0" err="1">
+                <a:latin typeface="TimesNewRomanPSMT"/>
+              </a:rPr>
+              <a:t>mAP</a:t>
+            </a:r>
+            <a:r>
+              <a:rPr lang="tr-TR" sz="1500" b="0" i="0" u="none" strike="noStrike" baseline="0" dirty="0">
+                <a:latin typeface="TimesNewRomanPSMT"/>
+              </a:rPr>
+              <a:t> (ortalama hassasiyet)</a:t>
+            </a:r>
+            <a:r>
+              <a:rPr lang="tr-TR" sz="1500" dirty="0">
+                <a:latin typeface="TimesNewRomanPSMT"/>
+              </a:rPr>
+              <a:t>, </a:t>
+            </a:r>
+            <a:r>
+              <a:rPr lang="tr-TR" sz="1500" b="0" i="0" u="none" strike="noStrike" baseline="0" dirty="0">
+                <a:latin typeface="TimesNewRomanPSMT"/>
+              </a:rPr>
+              <a:t>kesinlik, duyarlılık, F1-skoru ve </a:t>
+            </a:r>
+            <a:r>
+              <a:rPr lang="tr-TR" sz="1500" b="0" i="0" u="none" strike="noStrike" baseline="0" dirty="0" err="1">
+                <a:latin typeface="TimesNewRomanPSMT"/>
+              </a:rPr>
+              <a:t>IoU</a:t>
+            </a:r>
+            <a:r>
+              <a:rPr lang="tr-TR" sz="1500" b="0" i="0" u="none" strike="noStrike" baseline="0" dirty="0">
+                <a:latin typeface="TimesNewRomanPSMT"/>
+              </a:rPr>
+              <a:t> gibi değerlerin tek bir noktadan değerlendirilmesini sağlar.</a:t>
+            </a:r>
+          </a:p>
+          <a:p>
+            <a:pPr marL="285750" indent="-285750" algn="l">
+              <a:buFont typeface="Arial" panose="020B0604020202020204" pitchFamily="34" charset="0"/>
+              <a:buChar char="•"/>
+            </a:pPr>
+            <a:endParaRPr lang="tr-TR" sz="1500" dirty="0">
+              <a:latin typeface="TimesNewRomanPSMT"/>
+              <a:cs typeface="Calibri" panose="020F0502020204030204" pitchFamily="34" charset="0"/>
+            </a:endParaRPr>
+          </a:p>
+          <a:p>
+            <a:pPr marL="285750" indent="-285750" algn="l">
+              <a:buFont typeface="Arial" panose="020B0604020202020204" pitchFamily="34" charset="0"/>
+              <a:buChar char="•"/>
+            </a:pPr>
+            <a:r>
+              <a:rPr lang="tr-TR" sz="1500" dirty="0">
+                <a:latin typeface="TimesNewRomanPSMT"/>
+                <a:cs typeface="Calibri" panose="020F0502020204030204" pitchFamily="34" charset="0"/>
+              </a:rPr>
+              <a:t>Sonuçlar incelendiğinde eşik değeri 0.5 için </a:t>
+            </a:r>
+            <a:r>
+              <a:rPr lang="tr-TR" sz="1500" dirty="0" err="1">
+                <a:latin typeface="TimesNewRomanPSMT"/>
+                <a:cs typeface="Calibri" panose="020F0502020204030204" pitchFamily="34" charset="0"/>
+              </a:rPr>
+              <a:t>mAP</a:t>
+            </a:r>
+            <a:r>
+              <a:rPr lang="tr-TR" sz="1500" dirty="0">
+                <a:latin typeface="TimesNewRomanPSMT"/>
+                <a:cs typeface="Calibri" panose="020F0502020204030204" pitchFamily="34" charset="0"/>
+              </a:rPr>
+              <a:t> 0.982; eşik değeri 0.5 ile 0.95 aralığı için ise </a:t>
+            </a:r>
+            <a:r>
+              <a:rPr lang="tr-TR" sz="1500" dirty="0" err="1">
+                <a:latin typeface="TimesNewRomanPSMT"/>
+                <a:cs typeface="Calibri" panose="020F0502020204030204" pitchFamily="34" charset="0"/>
+              </a:rPr>
+              <a:t>mAP</a:t>
+            </a:r>
+            <a:r>
+              <a:rPr lang="tr-TR" sz="1500" dirty="0">
+                <a:latin typeface="TimesNewRomanPSMT"/>
+                <a:cs typeface="Calibri" panose="020F0502020204030204" pitchFamily="34" charset="0"/>
+              </a:rPr>
+              <a:t> değeri 0.758 olarak elde edilmiştir. Bu sonuçlar yeterli değildir. Yeterli olmamasının nedeni eğitim işleminin yarı da kesilmesidir. Bitinceye kadar devam ettirilmesi başarıyı artıracaktır.</a:t>
+            </a:r>
+            <a:endParaRPr lang="tr-TR" sz="1500" dirty="0">
+              <a:latin typeface="Calibri" panose="020F0502020204030204" pitchFamily="34" charset="0"/>
+              <a:cs typeface="Calibri" panose="020F0502020204030204" pitchFamily="34" charset="0"/>
+            </a:endParaRPr>
+          </a:p>
+          <a:p>
+            <a:pPr algn="just">
+              <a:lnSpc>
+                <a:spcPct val="100000"/>
+              </a:lnSpc>
+              <a:spcAft>
+                <a:spcPts val="600"/>
+              </a:spcAft>
+            </a:pPr>
+            <a:endParaRPr lang="tr-TR" sz="1500" dirty="0">
+              <a:solidFill>
+                <a:srgbClr val="FFFF00"/>
+              </a:solidFill>
+              <a:latin typeface="Calibri" panose="020F0502020204030204" pitchFamily="34" charset="0"/>
+              <a:cs typeface="Calibri" panose="020F0502020204030204" pitchFamily="34" charset="0"/>
+            </a:endParaRPr>
+          </a:p>
+        </p:txBody>
+      </p:sp>
+      <p:pic>
+        <p:nvPicPr>
+          <p:cNvPr id="5" name="Resim 4">
+            <a:extLst>
+              <a:ext uri="{FF2B5EF4-FFF2-40B4-BE49-F238E27FC236}">
+                <a16:creationId xmlns:a16="http://schemas.microsoft.com/office/drawing/2014/main" id="{BA865F77-C286-899F-5EB7-15A713EB6501}"/>
+              </a:ext>
+            </a:extLst>
+          </p:cNvPr>
+          <p:cNvPicPr>
+            <a:picLocks noChangeAspect="1"/>
+          </p:cNvPicPr>
+          <p:nvPr/>
+        </p:nvPicPr>
+        <p:blipFill>
+          <a:blip r:embed="rId2"/>
+          <a:stretch>
+            <a:fillRect/>
+          </a:stretch>
+        </p:blipFill>
+        <p:spPr>
+          <a:xfrm>
+            <a:off x="692572" y="2839436"/>
+            <a:ext cx="7372350" cy="485775"/>
+          </a:xfrm>
+          <a:prstGeom prst="rect">
+            <a:avLst/>
+          </a:prstGeom>
+        </p:spPr>
+      </p:pic>
+    </p:spTree>
+    <p:extLst>
+      <p:ext uri="{BB962C8B-B14F-4D97-AF65-F5344CB8AC3E}">
+        <p14:creationId xmlns:p14="http://schemas.microsoft.com/office/powerpoint/2010/main" val="1205831785"/>
+      </p:ext>
+    </p:extLst>
+  </p:cSld>
+  <p:clrMapOvr>
+    <a:masterClrMapping/>
+  </p:clrMapOvr>
+</p:sld>
+</file>
+
+<file path=ppt/slides/slide25.xml><?xml version="1.0" encoding="utf-8"?>
+<p:sld xmlns:a="http://schemas.openxmlformats.org/drawingml/2006/main" xmlns:r="http://schemas.openxmlformats.org/officeDocument/2006/relationships" xmlns:p="http://schemas.openxmlformats.org/presentationml/2006/main">
+  <p:cSld>
+    <p:spTree>
+      <p:nvGrpSpPr>
+        <p:cNvPr id="1" name=""/>
+        <p:cNvGrpSpPr/>
+        <p:nvPr/>
+      </p:nvGrpSpPr>
+      <p:grpSpPr>
+        <a:xfrm>
+          <a:off x="0" y="0"/>
+          <a:ext cx="0" cy="0"/>
+          <a:chOff x="0" y="0"/>
+          <a:chExt cx="0" cy="0"/>
+        </a:xfrm>
+      </p:grpSpPr>
+      <p:sp>
+        <p:nvSpPr>
+          <p:cNvPr id="3" name="Unvan 2"/>
+          <p:cNvSpPr>
+            <a:spLocks noGrp="1"/>
+          </p:cNvSpPr>
+          <p:nvPr>
+            <p:ph type="title"/>
+          </p:nvPr>
+        </p:nvSpPr>
+        <p:spPr>
+          <a:xfrm>
+            <a:off x="927579" y="0"/>
+            <a:ext cx="7228130" cy="875049"/>
+          </a:xfrm>
+        </p:spPr>
+        <p:txBody>
+          <a:bodyPr>
+            <a:normAutofit/>
+          </a:bodyPr>
+          <a:lstStyle/>
+          <a:p>
+            <a:r>
+              <a:rPr lang="tr-TR" sz="2000" dirty="0"/>
+              <a:t>YOLO V7 Uygulama-&gt; Yolov7.ipynb</a:t>
+            </a:r>
+          </a:p>
+        </p:txBody>
+      </p:sp>
+      <p:sp>
+        <p:nvSpPr>
+          <p:cNvPr id="7" name="Unvan 2"/>
+          <p:cNvSpPr txBox="1">
+            <a:spLocks/>
+          </p:cNvSpPr>
+          <p:nvPr/>
+        </p:nvSpPr>
+        <p:spPr>
+          <a:xfrm>
+            <a:off x="198783" y="604102"/>
+            <a:ext cx="8852451" cy="4284698"/>
+          </a:xfrm>
+          <a:prstGeom prst="rect">
+            <a:avLst/>
+          </a:prstGeom>
+        </p:spPr>
+        <p:txBody>
+          <a:bodyPr vert="horz" lIns="91440" tIns="45720" rIns="91440" bIns="45720" rtlCol="0" anchor="t">
+            <a:noAutofit/>
+          </a:bodyPr>
+          <a:lstStyle>
+            <a:lvl1pPr algn="l" defTabSz="685800" rtl="0" eaLnBrk="1" latinLnBrk="0" hangingPunct="1">
+              <a:lnSpc>
+                <a:spcPct val="90000"/>
+              </a:lnSpc>
+              <a:spcBef>
+                <a:spcPct val="0"/>
+              </a:spcBef>
+              <a:buNone/>
+              <a:defRPr sz="3300" kern="1200">
+                <a:solidFill>
+                  <a:schemeClr val="tx1"/>
+                </a:solidFill>
+                <a:latin typeface="+mj-lt"/>
+                <a:ea typeface="+mj-ea"/>
+                <a:cs typeface="+mj-cs"/>
+              </a:defRPr>
+            </a:lvl1pPr>
+          </a:lstStyle>
+          <a:p>
+            <a:pPr algn="ctr">
+              <a:lnSpc>
+                <a:spcPct val="100000"/>
+              </a:lnSpc>
+              <a:spcAft>
+                <a:spcPts val="600"/>
+              </a:spcAft>
+            </a:pPr>
+            <a:r>
               <a:rPr lang="tr-TR" sz="1500" b="1" u="sng" dirty="0">
                 <a:solidFill>
                   <a:srgbClr val="FFFF00"/>
@@ -12956,17 +13538,10 @@
                 <a:latin typeface="Calibri" panose="020F0502020204030204" pitchFamily="34" charset="0"/>
                 <a:cs typeface="Calibri" panose="020F0502020204030204" pitchFamily="34" charset="0"/>
               </a:rPr>
-              <a:t> merkez  </a:t>
-            </a:r>
-            <a:r>
-              <a:rPr lang="tr-TR" sz="1500">
-                <a:latin typeface="Calibri" panose="020F0502020204030204" pitchFamily="34" charset="0"/>
-                <a:cs typeface="Calibri" panose="020F0502020204030204" pitchFamily="34" charset="0"/>
-              </a:rPr>
-              <a:t>x      </a:t>
-            </a:r>
-            <a:r>
-              <a:rPr lang="tr-TR" sz="1500" smtClean="0">
+              <a:t> merkez  x      </a:t>
+            </a:r>
+            <a:r>
+              <a:rPr lang="tr-TR" sz="1500" dirty="0" smtClean="0">
                 <a:latin typeface="Calibri" panose="020F0502020204030204" pitchFamily="34" charset="0"/>
                 <a:cs typeface="Calibri" panose="020F0502020204030204" pitchFamily="34" charset="0"/>
               </a:rPr>
@@ -13267,7 +13842,7 @@
 </p:sld>
 </file>
 
-<file path=ppt/slides/slide25.xml><?xml version="1.0" encoding="utf-8"?>
+<file path=ppt/slides/slide26.xml><?xml version="1.0" encoding="utf-8"?>
 <p:sld xmlns:a="http://schemas.openxmlformats.org/drawingml/2006/main" xmlns:r="http://schemas.openxmlformats.org/officeDocument/2006/relationships" xmlns:p="http://schemas.openxmlformats.org/presentationml/2006/main">
   <p:cSld>
     <p:spTree>
@@ -13497,7 +14072,7 @@
 </p:sld>
 </file>
 
-<file path=ppt/slides/slide26.xml><?xml version="1.0" encoding="utf-8"?>
+<file path=ppt/slides/slide27.xml><?xml version="1.0" encoding="utf-8"?>
 <p:sld xmlns:a="http://schemas.openxmlformats.org/drawingml/2006/main" xmlns:r="http://schemas.openxmlformats.org/officeDocument/2006/relationships" xmlns:p="http://schemas.openxmlformats.org/presentationml/2006/main">
   <p:cSld>
     <p:spTree>
@@ -13644,7 +14219,7 @@
 </p:sld>
 </file>
 
-<file path=ppt/slides/slide27.xml><?xml version="1.0" encoding="utf-8"?>
+<file path=ppt/slides/slide28.xml><?xml version="1.0" encoding="utf-8"?>
 <p:sld xmlns:a="http://schemas.openxmlformats.org/drawingml/2006/main" xmlns:r="http://schemas.openxmlformats.org/officeDocument/2006/relationships" xmlns:p="http://schemas.openxmlformats.org/presentationml/2006/main">
   <p:cSld>
     <p:spTree>

--- a/Sunular/MÖT-Hafta-8 - Yolo Detection.pptx
+++ b/Sunular/MÖT-Hafta-8 - Yolo Detection.pptx
@@ -11635,7 +11635,14 @@
                 <a:latin typeface="Calibri" panose="020F0502020204030204" pitchFamily="34" charset="0"/>
                 <a:cs typeface="Calibri" panose="020F0502020204030204" pitchFamily="34" charset="0"/>
               </a:rPr>
-              <a:t> Yolov7 klasörü altındaki data klasörüne kopyalanmalıdır.</a:t>
+              <a:t> Yolov7 klasörü altındaki data klasörüne kopyalanmalıdır</a:t>
+            </a:r>
+            <a:r>
+              <a:rPr lang="tr-TR" sz="1600" dirty="0" smtClean="0">
+                <a:latin typeface="Calibri" panose="020F0502020204030204" pitchFamily="34" charset="0"/>
+                <a:cs typeface="Calibri" panose="020F0502020204030204" pitchFamily="34" charset="0"/>
+              </a:rPr>
+              <a:t>.</a:t>
             </a:r>
           </a:p>
           <a:p>
@@ -11644,6 +11651,69 @@
                 <a:spcPct val="100000"/>
               </a:lnSpc>
               <a:spcAft>
+                <a:spcPts val="600"/>
+              </a:spcAft>
+            </a:pPr>
+            <a:r>
+              <a:rPr lang="tr-TR" sz="1600" dirty="0" smtClean="0">
+                <a:latin typeface="Calibri" panose="020F0502020204030204" pitchFamily="34" charset="0"/>
+                <a:cs typeface="Calibri" panose="020F0502020204030204" pitchFamily="34" charset="0"/>
+              </a:rPr>
+              <a:t>6. </a:t>
+            </a:r>
+            <a:r>
+              <a:rPr lang="tr-TR" sz="1600" dirty="0" err="1" smtClean="0">
+                <a:latin typeface="Calibri" panose="020F0502020204030204" pitchFamily="34" charset="0"/>
+                <a:cs typeface="Calibri" panose="020F0502020204030204" pitchFamily="34" charset="0"/>
+              </a:rPr>
+              <a:t>txt</a:t>
+            </a:r>
+            <a:r>
+              <a:rPr lang="tr-TR" sz="1600" dirty="0" smtClean="0">
+                <a:latin typeface="Calibri" panose="020F0502020204030204" pitchFamily="34" charset="0"/>
+                <a:cs typeface="Calibri" panose="020F0502020204030204" pitchFamily="34" charset="0"/>
+              </a:rPr>
+              <a:t> ve </a:t>
+            </a:r>
+            <a:r>
+              <a:rPr lang="tr-TR" sz="1600" dirty="0" err="1" smtClean="0">
+                <a:latin typeface="Calibri" panose="020F0502020204030204" pitchFamily="34" charset="0"/>
+                <a:cs typeface="Calibri" panose="020F0502020204030204" pitchFamily="34" charset="0"/>
+              </a:rPr>
+              <a:t>image</a:t>
+            </a:r>
+            <a:r>
+              <a:rPr lang="tr-TR" sz="1600" dirty="0" smtClean="0">
+                <a:latin typeface="Calibri" panose="020F0502020204030204" pitchFamily="34" charset="0"/>
+                <a:cs typeface="Calibri" panose="020F0502020204030204" pitchFamily="34" charset="0"/>
+              </a:rPr>
+              <a:t> dosyalarının bulunduğu </a:t>
+            </a:r>
+            <a:r>
+              <a:rPr lang="tr-TR" sz="1600" dirty="0" err="1" smtClean="0">
+                <a:latin typeface="Calibri" panose="020F0502020204030204" pitchFamily="34" charset="0"/>
+                <a:cs typeface="Calibri" panose="020F0502020204030204" pitchFamily="34" charset="0"/>
+              </a:rPr>
+              <a:t>img</a:t>
+            </a:r>
+            <a:r>
+              <a:rPr lang="tr-TR" sz="1600" dirty="0" smtClean="0">
+                <a:latin typeface="Calibri" panose="020F0502020204030204" pitchFamily="34" charset="0"/>
+                <a:cs typeface="Calibri" panose="020F0502020204030204" pitchFamily="34" charset="0"/>
+              </a:rPr>
+              <a:t> klasörü YoloV7 klasörüne kopyalanmalıdır.</a:t>
+            </a:r>
+            <a:endParaRPr lang="tr-TR" sz="1600" dirty="0">
+              <a:latin typeface="Calibri" panose="020F0502020204030204" pitchFamily="34" charset="0"/>
+              <a:cs typeface="Calibri" panose="020F0502020204030204" pitchFamily="34" charset="0"/>
+            </a:endParaRPr>
+          </a:p>
+          <a:p>
+            <a:pPr algn="just">
+              <a:lnSpc>
+                <a:spcPct val="100000"/>
+              </a:lnSpc>
+              <a:spcAft>
                 <a:spcPts val="1200"/>
               </a:spcAft>
             </a:pPr>
@@ -11652,7 +11722,21 @@
                 <a:latin typeface="Calibri" panose="020F0502020204030204" pitchFamily="34" charset="0"/>
                 <a:cs typeface="Calibri" panose="020F0502020204030204" pitchFamily="34" charset="0"/>
               </a:rPr>
-              <a:t>6. Bu işlemden sonra aşağıdaki kod vasıtasıyla </a:t>
+              <a:t>7</a:t>
+            </a:r>
+            <a:r>
+              <a:rPr lang="tr-TR" sz="1600" smtClean="0">
+                <a:latin typeface="Calibri" panose="020F0502020204030204" pitchFamily="34" charset="0"/>
+                <a:cs typeface="Calibri" panose="020F0502020204030204" pitchFamily="34" charset="0"/>
+              </a:rPr>
+              <a:t>. </a:t>
+            </a:r>
+            <a:r>
+              <a:rPr lang="tr-TR" sz="1600" dirty="0">
+                <a:latin typeface="Calibri" panose="020F0502020204030204" pitchFamily="34" charset="0"/>
+                <a:cs typeface="Calibri" panose="020F0502020204030204" pitchFamily="34" charset="0"/>
+              </a:rPr>
+              <a:t>Bu işlemden sonra aşağıdaki kod vasıtasıyla </a:t>
             </a:r>
             <a:r>
               <a:rPr lang="tr-TR" sz="1600" dirty="0" err="1">
